--- a/poster1.PPTX
+++ b/poster1.PPTX
@@ -3881,49 +3881,8 @@
         </p:blipFill>
         <p:spPr bwMode="auto">
           <a:xfrm>
-            <a:off x="26186850" y="1281959"/>
-            <a:ext cx="2997067" cy="4367835"/>
-          </a:xfrm>
-          <a:prstGeom prst="rect">
-            <a:avLst/>
-          </a:prstGeom>
-          <a:noFill/>
-          <a:extLst>
-            <a:ext uri="{909E8E84-426E-40DD-AFC4-6F175D3DCCD1}">
-              <a14:hiddenFill xmlns:a14="http://schemas.microsoft.com/office/drawing/2010/main">
-                <a:solidFill>
-                  <a:srgbClr val="FFFFFF"/>
-                </a:solidFill>
-              </a14:hiddenFill>
-            </a:ext>
-          </a:extLst>
-        </p:spPr>
-      </p:pic>
-      <p:pic>
-        <p:nvPicPr>
-          <p:cNvPr id="1027" name="Picture 3 1" descr="C:\Users\sepah\Desktop\Templates\logo_fullname_2colour-dark.png"/>
-          <p:cNvPicPr>
-            <a:picLocks noChangeAspect="1" noChangeArrowheads="1"/>
-          </p:cNvPicPr>
-          <p:nvPr/>
-        </p:nvPicPr>
-        <p:blipFill>
-          <a:blip r:embed="rId7" cstate="print">
-            <a:extLst>
-              <a:ext uri="{28A0092B-C50C-407E-A947-70E740481C1C}">
-                <a14:useLocalDpi xmlns:a14="http://schemas.microsoft.com/office/drawing/2010/main" val="0"/>
-              </a:ext>
-            </a:extLst>
-          </a:blip>
-          <a:srcRect/>
-          <a:stretch>
-            <a:fillRect/>
-          </a:stretch>
-        </p:blipFill>
-        <p:spPr bwMode="auto">
-          <a:xfrm>
-            <a:off x="975767" y="2418521"/>
-            <a:ext cx="5169041" cy="2700620"/>
+            <a:off x="26022476" y="1066662"/>
+            <a:ext cx="2419803" cy="3526548"/>
           </a:xfrm>
           <a:prstGeom prst="rect">
             <a:avLst/>
@@ -6873,7 +6832,7 @@
           <p:nvPr/>
         </p:nvPicPr>
         <p:blipFill>
-          <a:blip r:embed="rId8" cstate="print">
+          <a:blip r:embed="rId7" cstate="print">
             <a:extLst>
               <a:ext uri="{28A0092B-C50C-407E-A947-70E740481C1C}">
                 <a14:useLocalDpi xmlns:a14="http://schemas.microsoft.com/office/drawing/2010/main" val="0"/>
@@ -6903,7 +6862,7 @@
         <p:spPr>
           <a:xfrm>
             <a:off x="731297" y="30705038"/>
-            <a:ext cx="4700081" cy="3539430"/>
+            <a:ext cx="4700081" cy="3108543"/>
           </a:xfrm>
           <a:prstGeom prst="rect">
             <a:avLst/>
@@ -6932,7 +6891,7 @@
             </a:pPr>
             <a:r>
               <a:rPr lang="en-US" sz="2800" dirty="0" smtClean="0"/>
-              <a:t>The current setup employs amplitude and phase modulators which create double sideband</a:t>
+              <a:t>Double sideband is created by employing amplitude and phase modulators</a:t>
             </a:r>
             <a:endParaRPr lang="en-US" sz="2800" dirty="0"/>
           </a:p>
@@ -6946,8 +6905,8 @@
         </p:nvSpPr>
         <p:spPr>
           <a:xfrm>
-            <a:off x="691936" y="36234136"/>
-            <a:ext cx="7409065" cy="4401205"/>
+            <a:off x="724035" y="36080841"/>
+            <a:ext cx="7665550" cy="4832092"/>
           </a:xfrm>
           <a:prstGeom prst="rect">
             <a:avLst/>
@@ -6966,16 +6925,25 @@
             </a:pPr>
             <a:r>
               <a:rPr lang="en-US" sz="2800" dirty="0" smtClean="0"/>
-              <a:t>The future setup will use single-sideband modulation for better spectral efficiency and closing </a:t>
+              <a:t>Using single-sideband </a:t>
             </a:r>
             <a:r>
               <a:rPr lang="en-US" sz="2800" dirty="0" smtClean="0"/>
-              <a:t>security </a:t>
+              <a:t>modulation for </a:t>
             </a:r>
             <a:r>
               <a:rPr lang="en-US" sz="2800" dirty="0" smtClean="0"/>
-              <a:t>loopholes</a:t>
-            </a:r>
+              <a:t>spectral </a:t>
+            </a:r>
+            <a:r>
+              <a:rPr lang="en-US" sz="2800" dirty="0" smtClean="0"/>
+              <a:t>efficiency and </a:t>
+            </a:r>
+            <a:r>
+              <a:rPr lang="en-US" sz="2800" dirty="0" smtClean="0"/>
+              <a:t>avoiding security loopholes</a:t>
+            </a:r>
+            <a:endParaRPr lang="en-US" sz="2800" dirty="0" smtClean="0"/>
           </a:p>
           <a:p>
             <a:pPr marL="457200" indent="-457200">
@@ -6983,8 +6951,24 @@
               <a:buChar char="-"/>
             </a:pPr>
             <a:r>
+              <a:rPr lang="en-US" sz="2800" dirty="0"/>
+              <a:t>P</a:t>
+            </a:r>
+            <a:r>
               <a:rPr lang="en-US" sz="2800" dirty="0" smtClean="0"/>
-              <a:t>Introduction of pilot signals for clock recovery, multiplexed in time with the quantum signal</a:t>
+              <a:t>ilot </a:t>
+            </a:r>
+            <a:r>
+              <a:rPr lang="en-US" sz="2800" dirty="0" smtClean="0"/>
+              <a:t>signals for clock recovery, multiplexed in </a:t>
+            </a:r>
+            <a:r>
+              <a:rPr lang="en-US" sz="2800" dirty="0" smtClean="0"/>
+              <a:t>frequency </a:t>
+            </a:r>
+            <a:r>
+              <a:rPr lang="en-US" sz="2800" dirty="0" smtClean="0"/>
+              <a:t>with the quantum signal</a:t>
             </a:r>
           </a:p>
           <a:p>
@@ -7004,8 +6988,31 @@
             </a:pPr>
             <a:r>
               <a:rPr lang="en-US" sz="2800" dirty="0" smtClean="0"/>
-              <a:t>Replacing AWG and oscilloscope with FPGA DAC/ADC suite for online signal generation and recovery</a:t>
-            </a:r>
+              <a:t>Replacing AWG and oscilloscope with FPGA DAC/ADC </a:t>
+            </a:r>
+            <a:r>
+              <a:rPr lang="en-US" sz="2800" dirty="0" smtClean="0"/>
+              <a:t>for </a:t>
+            </a:r>
+            <a:r>
+              <a:rPr lang="en-US" sz="2800" dirty="0" smtClean="0"/>
+              <a:t>online signal generation and </a:t>
+            </a:r>
+            <a:r>
+              <a:rPr lang="en-US" sz="2800" dirty="0" smtClean="0"/>
+              <a:t>recovery</a:t>
+            </a:r>
+          </a:p>
+          <a:p>
+            <a:pPr marL="457200" indent="-457200">
+              <a:buFontTx/>
+              <a:buChar char="-"/>
+            </a:pPr>
+            <a:r>
+              <a:rPr lang="en-US" sz="2800" dirty="0" smtClean="0"/>
+              <a:t>Using beat signal for dynamic polarization control</a:t>
+            </a:r>
+            <a:endParaRPr lang="en-US" sz="2800" dirty="0" smtClean="0"/>
           </a:p>
           <a:p>
             <a:pPr marL="457200" indent="-457200">
@@ -7043,7 +7050,7 @@
                 <a:latin typeface="Arial" panose="020B0604020202020204" pitchFamily="34" charset="0"/>
                 <a:cs typeface="Arial" panose="020B0604020202020204" pitchFamily="34" charset="0"/>
               </a:rPr>
-              <a:t>Future steps</a:t>
+              <a:t>Planned setup</a:t>
             </a:r>
             <a:endParaRPr lang="en-US" sz="4800" dirty="0">
               <a:latin typeface="Arial" panose="020B0604020202020204" pitchFamily="34" charset="0"/>
@@ -7271,7 +7278,7 @@
         </p:nvGrpSpPr>
         <p:grpSpPr>
           <a:xfrm>
-            <a:off x="15761419" y="35343042"/>
+            <a:off x="15987244" y="35448886"/>
             <a:ext cx="1059281" cy="504318"/>
             <a:chOff x="1348146" y="3581156"/>
             <a:chExt cx="1995722" cy="999649"/>
@@ -7470,7 +7477,7 @@
         </p:nvCxnSpPr>
         <p:spPr>
           <a:xfrm>
-            <a:off x="12959521" y="36580551"/>
+            <a:off x="13332066" y="36611965"/>
             <a:ext cx="2322176" cy="6524"/>
           </a:xfrm>
           <a:prstGeom prst="line">
@@ -7495,7 +7502,7 @@
         </p:nvCxnSpPr>
         <p:spPr>
           <a:xfrm flipV="1">
-            <a:off x="9455055" y="36588377"/>
+            <a:off x="9827600" y="36619791"/>
             <a:ext cx="274320" cy="2577"/>
           </a:xfrm>
           <a:prstGeom prst="line">
@@ -7522,7 +7529,7 @@
         </p:nvCxnSpPr>
         <p:spPr>
           <a:xfrm flipV="1">
-            <a:off x="8769678" y="36583283"/>
+            <a:off x="9142223" y="36614697"/>
             <a:ext cx="4212000" cy="6869"/>
           </a:xfrm>
           <a:prstGeom prst="line">
@@ -7547,7 +7554,7 @@
         </p:nvSpPr>
         <p:spPr>
           <a:xfrm>
-            <a:off x="10229777" y="36309334"/>
+            <a:off x="10602322" y="36340748"/>
             <a:ext cx="1273597" cy="534307"/>
           </a:xfrm>
           <a:prstGeom prst="hexagon">
@@ -7609,7 +7616,7 @@
         </p:nvSpPr>
         <p:spPr>
           <a:xfrm>
-            <a:off x="10371770" y="36346860"/>
+            <a:off x="10744315" y="36378274"/>
             <a:ext cx="937726" cy="408514"/>
           </a:xfrm>
           <a:prstGeom prst="rect">
@@ -7678,7 +7685,7 @@
         </p:nvSpPr>
         <p:spPr>
           <a:xfrm>
-            <a:off x="10327973" y="35387130"/>
+            <a:off x="10700518" y="35418544"/>
             <a:ext cx="1073016" cy="647661"/>
           </a:xfrm>
           <a:prstGeom prst="rect">
@@ -7747,7 +7754,7 @@
         </p:nvSpPr>
         <p:spPr>
           <a:xfrm>
-            <a:off x="10334573" y="35384837"/>
+            <a:off x="10707118" y="35416251"/>
             <a:ext cx="1034638" cy="568367"/>
           </a:xfrm>
           <a:prstGeom prst="rect">
@@ -7850,7 +7857,7 @@
         </p:nvCxnSpPr>
         <p:spPr>
           <a:xfrm>
-            <a:off x="10857897" y="36034970"/>
+            <a:off x="11230442" y="36066384"/>
             <a:ext cx="6584" cy="275794"/>
           </a:xfrm>
           <a:prstGeom prst="straightConnector1">
@@ -7876,7 +7883,7 @@
         </p:nvSpPr>
         <p:spPr>
           <a:xfrm>
-            <a:off x="11953437" y="36405902"/>
+            <a:off x="12325982" y="36437316"/>
             <a:ext cx="661798" cy="330351"/>
           </a:xfrm>
           <a:prstGeom prst="roundRect">
@@ -7908,7 +7915,7 @@
         </p:nvSpPr>
         <p:spPr>
           <a:xfrm>
-            <a:off x="11915826" y="36406278"/>
+            <a:off x="12288371" y="36437692"/>
             <a:ext cx="868690" cy="422712"/>
           </a:xfrm>
           <a:prstGeom prst="rect">
@@ -7977,7 +7984,7 @@
         </p:nvGrpSpPr>
         <p:grpSpPr>
           <a:xfrm>
-            <a:off x="8460000" y="35399190"/>
+            <a:off x="8832545" y="35430604"/>
             <a:ext cx="1605272" cy="685782"/>
             <a:chOff x="137734" y="3578280"/>
             <a:chExt cx="1728930" cy="850303"/>
@@ -8127,7 +8134,7 @@
         </p:nvCxnSpPr>
         <p:spPr>
           <a:xfrm flipV="1">
-            <a:off x="9853384" y="35710237"/>
+            <a:off x="10225929" y="35741651"/>
             <a:ext cx="471924" cy="723"/>
           </a:xfrm>
           <a:prstGeom prst="straightConnector1">
@@ -8153,7 +8160,7 @@
         </p:nvSpPr>
         <p:spPr>
           <a:xfrm>
-            <a:off x="13824259" y="36253849"/>
+            <a:off x="14196804" y="36285263"/>
             <a:ext cx="372781" cy="333155"/>
           </a:xfrm>
           <a:prstGeom prst="ellipse">
@@ -8215,7 +8222,7 @@
         </p:nvCxnSpPr>
         <p:spPr>
           <a:xfrm>
-            <a:off x="11174752" y="39648333"/>
+            <a:off x="11284596" y="39680299"/>
             <a:ext cx="1609764" cy="2425"/>
           </a:xfrm>
           <a:prstGeom prst="line">
@@ -8240,7 +8247,7 @@
         </p:nvCxnSpPr>
         <p:spPr>
           <a:xfrm flipV="1">
-            <a:off x="8296626" y="38090123"/>
+            <a:off x="8406470" y="38122089"/>
             <a:ext cx="4402810" cy="2142"/>
           </a:xfrm>
           <a:prstGeom prst="line">
@@ -8265,7 +8272,7 @@
         </p:nvGrpSpPr>
         <p:grpSpPr>
           <a:xfrm>
-            <a:off x="12675026" y="38087259"/>
+            <a:off x="12784870" y="38119225"/>
             <a:ext cx="965030" cy="1569643"/>
             <a:chOff x="7321991" y="4382428"/>
             <a:chExt cx="1352355" cy="1569643"/>
@@ -8330,7 +8337,7 @@
         </p:nvSpPr>
         <p:spPr>
           <a:xfrm>
-            <a:off x="10407635" y="39462705"/>
+            <a:off x="10517479" y="39494671"/>
             <a:ext cx="977230" cy="420675"/>
           </a:xfrm>
           <a:prstGeom prst="parallelogram">
@@ -8356,7 +8363,7 @@
         </p:nvSpPr>
         <p:spPr>
           <a:xfrm>
-            <a:off x="10558807" y="38342398"/>
+            <a:off x="10668651" y="38374364"/>
             <a:ext cx="2268901" cy="695042"/>
           </a:xfrm>
           <a:prstGeom prst="rect">
@@ -8471,7 +8478,7 @@
         </p:nvGrpSpPr>
         <p:grpSpPr>
           <a:xfrm>
-            <a:off x="11105513" y="37877415"/>
+            <a:off x="11215357" y="37909381"/>
             <a:ext cx="752587" cy="436480"/>
             <a:chOff x="6072867" y="1992156"/>
             <a:chExt cx="752587" cy="436480"/>
@@ -8552,7 +8559,7 @@
             <p:nvPr/>
           </p:nvPicPr>
           <p:blipFill>
-            <a:blip r:embed="rId9" cstate="print">
+            <a:blip r:embed="rId8" cstate="print">
               <a:extLst>
                 <a:ext uri="{28A0092B-C50C-407E-A947-70E740481C1C}">
                   <a14:useLocalDpi xmlns:a14="http://schemas.microsoft.com/office/drawing/2010/main" val="0"/>
@@ -8582,7 +8589,7 @@
         </p:nvCxnSpPr>
         <p:spPr>
           <a:xfrm flipV="1">
-            <a:off x="11801179" y="39643251"/>
+            <a:off x="11911023" y="39675217"/>
             <a:ext cx="274320" cy="2577"/>
           </a:xfrm>
           <a:prstGeom prst="line">
@@ -8609,7 +8616,7 @@
         </p:nvSpPr>
         <p:spPr>
           <a:xfrm>
-            <a:off x="9578874" y="37755536"/>
+            <a:off x="9688718" y="37787502"/>
             <a:ext cx="372781" cy="333155"/>
           </a:xfrm>
           <a:prstGeom prst="ellipse">
@@ -8674,7 +8681,7 @@
         </p:nvSpPr>
         <p:spPr>
           <a:xfrm>
-            <a:off x="10432774" y="39509853"/>
+            <a:off x="10542618" y="39541819"/>
             <a:ext cx="938823" cy="326378"/>
           </a:xfrm>
           <a:prstGeom prst="rect">
@@ -8743,7 +8750,7 @@
         </p:nvSpPr>
         <p:spPr>
           <a:xfrm rot="10800000" flipV="1">
-            <a:off x="11503374" y="37601841"/>
+            <a:off x="11613218" y="37633807"/>
             <a:ext cx="3902139" cy="282054"/>
           </a:xfrm>
           <a:prstGeom prst="bentConnector2">
@@ -8767,7 +8774,7 @@
         </p:nvSpPr>
         <p:spPr>
           <a:xfrm>
-            <a:off x="14736281" y="37209350"/>
+            <a:off x="14846125" y="37241316"/>
             <a:ext cx="1982906" cy="847218"/>
           </a:xfrm>
           <a:prstGeom prst="rect">
@@ -8813,7 +8820,7 @@
         </p:nvSpPr>
         <p:spPr>
           <a:xfrm>
-            <a:off x="14911271" y="37218693"/>
+            <a:off x="15021115" y="37250659"/>
             <a:ext cx="1728930" cy="874923"/>
           </a:xfrm>
           <a:prstGeom prst="rect">
@@ -8950,7 +8957,7 @@
         </p:nvSpPr>
         <p:spPr>
           <a:xfrm rot="10800000" flipH="1">
-            <a:off x="15987244" y="38082860"/>
+            <a:off x="16097088" y="38114826"/>
             <a:ext cx="370876" cy="901612"/>
           </a:xfrm>
           <a:prstGeom prst="bentConnector2">
@@ -8974,7 +8981,7 @@
         </p:nvSpPr>
         <p:spPr>
           <a:xfrm>
-            <a:off x="14158303" y="38546758"/>
+            <a:off x="14268147" y="38578724"/>
             <a:ext cx="1652249" cy="1046440"/>
           </a:xfrm>
           <a:prstGeom prst="rect">
@@ -9157,7 +9164,7 @@
         </p:nvSpPr>
         <p:spPr>
           <a:xfrm flipH="1">
-            <a:off x="13615800" y="38389239"/>
+            <a:off x="13725644" y="38421205"/>
             <a:ext cx="1184152" cy="562967"/>
           </a:xfrm>
           <a:prstGeom prst="curvedConnector3">
@@ -9182,7 +9189,7 @@
         </p:nvSpPr>
         <p:spPr>
           <a:xfrm>
-            <a:off x="13643223" y="38961549"/>
+            <a:off x="13753067" y="38993515"/>
             <a:ext cx="1156729" cy="496002"/>
           </a:xfrm>
           <a:prstGeom prst="curvedConnector3">
@@ -9207,7 +9214,7 @@
         </p:nvSpPr>
         <p:spPr>
           <a:xfrm>
-            <a:off x="14799952" y="38196312"/>
+            <a:off x="14909796" y="38228278"/>
             <a:ext cx="390698" cy="407324"/>
           </a:xfrm>
           <a:prstGeom prst="flowChartDelay">
@@ -9253,7 +9260,7 @@
         </p:nvSpPr>
         <p:spPr>
           <a:xfrm rot="10800000">
-            <a:off x="15190650" y="38401430"/>
+            <a:off x="15300494" y="38433396"/>
             <a:ext cx="508985" cy="583040"/>
           </a:xfrm>
           <a:prstGeom prst="curvedConnector3">
@@ -9278,7 +9285,7 @@
         </p:nvSpPr>
         <p:spPr>
           <a:xfrm>
-            <a:off x="15699636" y="38796249"/>
+            <a:off x="15809480" y="38828215"/>
             <a:ext cx="338809" cy="330591"/>
           </a:xfrm>
           <a:prstGeom prst="roundRect">
@@ -9418,7 +9425,7 @@
             </p:nvPr>
           </p:nvPicPr>
           <p:blipFill>
-            <a:blip r:embed="rId10" cstate="print">
+            <a:blip r:embed="rId9" cstate="print">
               <a:extLst>
                 <a:ext uri="{28A0092B-C50C-407E-A947-70E740481C1C}">
                   <a14:useLocalDpi xmlns:a14="http://schemas.microsoft.com/office/drawing/2010/main" val="0"/>
@@ -9452,7 +9459,7 @@
             </p:nvPr>
           </p:nvPicPr>
           <p:blipFill>
-            <a:blip r:embed="rId11" cstate="print">
+            <a:blip r:embed="rId10" cstate="print">
               <a:extLst>
                 <a:ext uri="{28A0092B-C50C-407E-A947-70E740481C1C}">
                   <a14:useLocalDpi xmlns:a14="http://schemas.microsoft.com/office/drawing/2010/main" val="0"/>
@@ -9561,7 +9568,7 @@
           </p:nvPr>
         </p:nvPicPr>
         <p:blipFill>
-          <a:blip r:embed="rId12" cstate="print">
+          <a:blip r:embed="rId11" cstate="print">
             <a:extLst>
               <a:ext uri="{28A0092B-C50C-407E-A947-70E740481C1C}">
                 <a14:useLocalDpi xmlns:a14="http://schemas.microsoft.com/office/drawing/2010/main" val="0"/>
@@ -9591,7 +9598,7 @@
           <p:nvPr/>
         </p:nvPicPr>
         <p:blipFill>
-          <a:blip r:embed="rId13"/>
+          <a:blip r:embed="rId12"/>
           <a:stretch>
             <a:fillRect/>
           </a:stretch>
@@ -9615,7 +9622,7 @@
           <p:nvPr/>
         </p:nvPicPr>
         <p:blipFill>
-          <a:blip r:embed="rId14"/>
+          <a:blip r:embed="rId13"/>
           <a:stretch>
             <a:fillRect/>
           </a:stretch>
@@ -11658,6 +11665,36 @@
           <p:nvPr/>
         </p:nvPicPr>
         <p:blipFill>
+          <a:blip r:embed="rId14" cstate="print">
+            <a:extLst>
+              <a:ext uri="{28A0092B-C50C-407E-A947-70E740481C1C}">
+                <a14:useLocalDpi xmlns:a14="http://schemas.microsoft.com/office/drawing/2010/main" val="0"/>
+              </a:ext>
+            </a:extLst>
+          </a:blip>
+          <a:stretch>
+            <a:fillRect/>
+          </a:stretch>
+        </p:blipFill>
+        <p:spPr>
+          <a:xfrm>
+            <a:off x="1326953" y="21920715"/>
+            <a:ext cx="4815084" cy="3134371"/>
+          </a:xfrm>
+          <a:prstGeom prst="rect">
+            <a:avLst/>
+          </a:prstGeom>
+        </p:spPr>
+      </p:pic>
+      <p:pic>
+        <p:nvPicPr>
+          <p:cNvPr id="290" name="Picture 289"/>
+          <p:cNvPicPr>
+            <a:picLocks noChangeAspect="1"/>
+          </p:cNvPicPr>
+          <p:nvPr/>
+        </p:nvPicPr>
+        <p:blipFill>
           <a:blip r:embed="rId15" cstate="print">
             <a:extLst>
               <a:ext uri="{28A0092B-C50C-407E-A947-70E740481C1C}">
@@ -11671,17 +11708,340 @@
         </p:blipFill>
         <p:spPr>
           <a:xfrm>
-            <a:off x="1326953" y="21920715"/>
-            <a:ext cx="4815084" cy="3134371"/>
+            <a:off x="6974587" y="21912879"/>
+            <a:ext cx="5020101" cy="3058605"/>
           </a:xfrm>
           <a:prstGeom prst="rect">
             <a:avLst/>
           </a:prstGeom>
         </p:spPr>
       </p:pic>
+      <p:sp>
+        <p:nvSpPr>
+          <p:cNvPr id="300" name="CustomShape 18 4"/>
+          <p:cNvSpPr/>
+          <p:nvPr/>
+        </p:nvSpPr>
+        <p:spPr>
+          <a:xfrm>
+            <a:off x="6639531" y="27671054"/>
+            <a:ext cx="5768041" cy="1131011"/>
+          </a:xfrm>
+          <a:prstGeom prst="rect">
+            <a:avLst/>
+          </a:prstGeom>
+          <a:noFill/>
+          <a:ln>
+            <a:noFill/>
+          </a:ln>
+        </p:spPr>
+        <p:txBody>
+          <a:bodyPr wrap="none" lIns="90000" tIns="45000" rIns="90000" bIns="45000"/>
+          <a:lstStyle/>
+          <a:p>
+            <a:pPr lvl="0" defTabSz="914400"/>
+            <a:r>
+              <a:rPr lang="en-US" sz="1200" kern="0" dirty="0">
+                <a:solidFill>
+                  <a:srgbClr val="000000"/>
+                </a:solidFill>
+                <a:latin typeface="Arial"/>
+              </a:rPr>
+              <a:t>Broadband coding </a:t>
+            </a:r>
+            <a:r>
+              <a:rPr lang="en-US" sz="1200" kern="0" dirty="0" smtClean="0">
+                <a:solidFill>
+                  <a:srgbClr val="000000"/>
+                </a:solidFill>
+                <a:latin typeface="Arial"/>
+              </a:rPr>
+              <a:t>requires </a:t>
+            </a:r>
+            <a:r>
+              <a:rPr lang="en-US" sz="1200" kern="0" dirty="0">
+                <a:solidFill>
+                  <a:srgbClr val="000000"/>
+                </a:solidFill>
+                <a:latin typeface="Arial"/>
+              </a:rPr>
+              <a:t>a thorough </a:t>
+            </a:r>
+            <a:r>
+              <a:rPr lang="en-US" sz="1200" kern="0" dirty="0" smtClean="0">
+                <a:solidFill>
+                  <a:srgbClr val="000000"/>
+                </a:solidFill>
+                <a:latin typeface="Arial"/>
+              </a:rPr>
+              <a:t>pre-characterization </a:t>
+            </a:r>
+            <a:r>
+              <a:rPr lang="en-US" sz="1200" kern="0" dirty="0">
+                <a:solidFill>
+                  <a:srgbClr val="000000"/>
+                </a:solidFill>
+                <a:latin typeface="Arial"/>
+              </a:rPr>
+              <a:t>of </a:t>
+            </a:r>
+            <a:r>
+              <a:rPr lang="en-US" sz="1200" kern="0" dirty="0" smtClean="0">
+                <a:solidFill>
+                  <a:srgbClr val="000000"/>
+                </a:solidFill>
+                <a:latin typeface="Arial"/>
+              </a:rPr>
+              <a:t>the </a:t>
+            </a:r>
+            <a:r>
+              <a:rPr lang="en-US" sz="1200" kern="0" dirty="0">
+                <a:solidFill>
+                  <a:srgbClr val="000000"/>
+                </a:solidFill>
+                <a:latin typeface="Arial"/>
+              </a:rPr>
+              <a:t>modulators and </a:t>
+            </a:r>
+            <a:r>
+              <a:rPr lang="en-US" sz="1200" kern="0" dirty="0" smtClean="0">
+                <a:solidFill>
+                  <a:srgbClr val="000000"/>
+                </a:solidFill>
+                <a:latin typeface="Arial"/>
+              </a:rPr>
+              <a:t>detector </a:t>
+            </a:r>
+          </a:p>
+          <a:p>
+            <a:pPr lvl="0" defTabSz="914400"/>
+            <a:r>
+              <a:rPr lang="en-US" sz="1200" kern="0" dirty="0" smtClean="0">
+                <a:solidFill>
+                  <a:srgbClr val="000000"/>
+                </a:solidFill>
+                <a:latin typeface="Arial"/>
+              </a:rPr>
+              <a:t>response </a:t>
+            </a:r>
+            <a:r>
+              <a:rPr lang="en-US" sz="1200" kern="0" dirty="0">
+                <a:solidFill>
+                  <a:srgbClr val="000000"/>
+                </a:solidFill>
+                <a:latin typeface="Arial"/>
+              </a:rPr>
+              <a:t>(transfer function) in the </a:t>
+            </a:r>
+            <a:r>
+              <a:rPr lang="en-US" sz="1200" kern="0" dirty="0" smtClean="0">
+                <a:solidFill>
+                  <a:srgbClr val="000000"/>
+                </a:solidFill>
+                <a:latin typeface="Arial"/>
+              </a:rPr>
+              <a:t>frequency </a:t>
+            </a:r>
+            <a:r>
+              <a:rPr lang="en-US" sz="1200" kern="0" dirty="0">
+                <a:solidFill>
+                  <a:srgbClr val="000000"/>
+                </a:solidFill>
+                <a:latin typeface="Arial"/>
+              </a:rPr>
+              <a:t>band of </a:t>
+            </a:r>
+            <a:r>
+              <a:rPr lang="en-US" sz="1200" kern="0" dirty="0" smtClean="0">
+                <a:solidFill>
+                  <a:srgbClr val="000000"/>
+                </a:solidFill>
+                <a:latin typeface="Arial"/>
+              </a:rPr>
+              <a:t>interest.</a:t>
+            </a:r>
+          </a:p>
+          <a:p>
+            <a:pPr lvl="0" defTabSz="914400"/>
+            <a:endParaRPr lang="en-US" sz="1200" kern="0" dirty="0" smtClean="0">
+              <a:solidFill>
+                <a:srgbClr val="000000"/>
+              </a:solidFill>
+              <a:latin typeface="Arial"/>
+            </a:endParaRPr>
+          </a:p>
+          <a:p>
+            <a:pPr lvl="0" defTabSz="914400"/>
+            <a:r>
+              <a:rPr kumimoji="0" lang="en-US" sz="1200" b="0" i="0" u="none" strike="noStrike" kern="0" cap="none" spc="0" normalizeH="0" baseline="0" noProof="0" dirty="0" smtClean="0">
+                <a:ln>
+                  <a:noFill/>
+                </a:ln>
+                <a:solidFill>
+                  <a:srgbClr val="000000"/>
+                </a:solidFill>
+                <a:effectLst/>
+                <a:uLnTx/>
+                <a:uFillTx/>
+                <a:latin typeface="Arial"/>
+              </a:rPr>
+              <a:t>Figure 1</a:t>
+            </a:r>
+            <a:r>
+              <a:rPr lang="en-US" sz="1200" kern="0" dirty="0" smtClean="0">
+                <a:solidFill>
+                  <a:srgbClr val="000000"/>
+                </a:solidFill>
+                <a:latin typeface="Arial"/>
+              </a:rPr>
+              <a:t>. shows the network analyzer measurement results of S21 parameter for the phase </a:t>
+            </a:r>
+          </a:p>
+          <a:p>
+            <a:pPr lvl="0" defTabSz="914400"/>
+            <a:r>
+              <a:rPr lang="en-US" sz="1200" kern="0" dirty="0" smtClean="0">
+                <a:solidFill>
+                  <a:srgbClr val="000000"/>
+                </a:solidFill>
+                <a:latin typeface="Arial"/>
+              </a:rPr>
+              <a:t>modulator. </a:t>
+            </a:r>
+            <a:r>
+              <a:rPr kumimoji="0" lang="en-US" sz="1200" b="0" i="0" u="none" strike="noStrike" kern="0" cap="none" spc="0" normalizeH="0" baseline="0" noProof="0" dirty="0" smtClean="0">
+                <a:ln>
+                  <a:noFill/>
+                </a:ln>
+                <a:solidFill>
+                  <a:srgbClr val="000000"/>
+                </a:solidFill>
+                <a:effectLst/>
+                <a:uLnTx/>
+                <a:uFillTx/>
+                <a:latin typeface="Arial"/>
+              </a:rPr>
+              <a:t>Figure 2. shows the</a:t>
+            </a:r>
+            <a:r>
+              <a:rPr kumimoji="0" lang="en-US" sz="1200" b="0" i="0" u="none" strike="noStrike" kern="0" cap="none" spc="0" normalizeH="0" noProof="0" dirty="0" smtClean="0">
+                <a:ln>
+                  <a:noFill/>
+                </a:ln>
+                <a:solidFill>
+                  <a:srgbClr val="000000"/>
+                </a:solidFill>
+                <a:effectLst/>
+                <a:uLnTx/>
+                <a:uFillTx/>
+                <a:latin typeface="Arial"/>
+              </a:rPr>
+              <a:t> </a:t>
+            </a:r>
+            <a:r>
+              <a:rPr kumimoji="0" lang="en-US" sz="1200" b="0" i="0" u="none" strike="noStrike" kern="0" cap="none" spc="0" normalizeH="0" baseline="0" noProof="0" dirty="0" smtClean="0">
+                <a:ln>
+                  <a:noFill/>
+                </a:ln>
+                <a:solidFill>
+                  <a:srgbClr val="000000"/>
+                </a:solidFill>
+                <a:effectLst/>
+                <a:uLnTx/>
+                <a:uFillTx/>
+                <a:latin typeface="Arial"/>
+              </a:rPr>
+              <a:t>effects of stabilization of transmitted optical</a:t>
+            </a:r>
+            <a:r>
+              <a:rPr kumimoji="0" lang="en-US" sz="1200" b="0" i="0" u="none" strike="noStrike" kern="0" cap="none" spc="0" normalizeH="0" noProof="0" dirty="0" smtClean="0">
+                <a:ln>
+                  <a:noFill/>
+                </a:ln>
+                <a:solidFill>
+                  <a:srgbClr val="000000"/>
+                </a:solidFill>
+                <a:effectLst/>
+                <a:uLnTx/>
+                <a:uFillTx/>
+                <a:latin typeface="Arial"/>
+              </a:rPr>
+              <a:t> </a:t>
+            </a:r>
+            <a:r>
+              <a:rPr kumimoji="0" lang="en-US" sz="1200" b="0" i="0" u="none" strike="noStrike" kern="0" cap="none" spc="0" normalizeH="0" baseline="0" noProof="0" dirty="0" smtClean="0">
+                <a:ln>
+                  <a:noFill/>
+                </a:ln>
+                <a:solidFill>
+                  <a:srgbClr val="000000"/>
+                </a:solidFill>
+                <a:effectLst/>
+                <a:uLnTx/>
+                <a:uFillTx/>
+                <a:latin typeface="Arial"/>
+              </a:rPr>
+              <a:t>power through </a:t>
+            </a:r>
+          </a:p>
+          <a:p>
+            <a:pPr lvl="0" defTabSz="914400"/>
+            <a:r>
+              <a:rPr kumimoji="0" lang="en-US" sz="1200" b="0" i="0" u="none" strike="noStrike" kern="0" cap="none" spc="0" normalizeH="0" baseline="0" noProof="0" dirty="0" smtClean="0">
+                <a:ln>
+                  <a:noFill/>
+                </a:ln>
+                <a:solidFill>
+                  <a:srgbClr val="000000"/>
+                </a:solidFill>
+                <a:effectLst/>
+                <a:uLnTx/>
+                <a:uFillTx/>
+                <a:latin typeface="Arial"/>
+              </a:rPr>
+              <a:t>the amplitude</a:t>
+            </a:r>
+            <a:r>
+              <a:rPr kumimoji="0" lang="en-US" sz="1200" b="0" i="0" u="none" strike="noStrike" kern="0" cap="none" spc="0" normalizeH="0" noProof="0" dirty="0" smtClean="0">
+                <a:ln>
+                  <a:noFill/>
+                </a:ln>
+                <a:solidFill>
+                  <a:srgbClr val="000000"/>
+                </a:solidFill>
+                <a:effectLst/>
+                <a:uLnTx/>
+                <a:uFillTx/>
+                <a:latin typeface="Arial"/>
+              </a:rPr>
+              <a:t> </a:t>
+            </a:r>
+            <a:r>
+              <a:rPr lang="en-US" sz="1200" kern="0" dirty="0" smtClean="0">
+                <a:solidFill>
+                  <a:srgbClr val="000000"/>
+                </a:solidFill>
+                <a:latin typeface="Arial"/>
+              </a:rPr>
+              <a:t>modulator as a function of time.</a:t>
+            </a:r>
+            <a:endParaRPr kumimoji="0" sz="1200" b="0" i="0" u="none" strike="noStrike" kern="0" cap="none" spc="0" normalizeH="0" baseline="0" noProof="0" dirty="0" smtClean="0">
+              <a:ln>
+                <a:noFill/>
+              </a:ln>
+              <a:solidFill>
+                <a:prstClr val="black"/>
+              </a:solidFill>
+              <a:effectLst/>
+              <a:uLnTx/>
+              <a:uFillTx/>
+            </a:endParaRPr>
+          </a:p>
+        </p:txBody>
+      </p:sp>
       <p:pic>
         <p:nvPicPr>
-          <p:cNvPr id="290" name="Picture 289"/>
+          <p:cNvPr id="296" name="Picture 295"/>
           <p:cNvPicPr>
             <a:picLocks noChangeAspect="1"/>
           </p:cNvPicPr>
@@ -11701,340 +12061,17 @@
         </p:blipFill>
         <p:spPr>
           <a:xfrm>
-            <a:off x="6974587" y="21912879"/>
-            <a:ext cx="5020101" cy="3058605"/>
+            <a:off x="1279116" y="25286494"/>
+            <a:ext cx="4819729" cy="2500989"/>
           </a:xfrm>
           <a:prstGeom prst="rect">
             <a:avLst/>
           </a:prstGeom>
         </p:spPr>
       </p:pic>
-      <p:sp>
-        <p:nvSpPr>
-          <p:cNvPr id="300" name="CustomShape 18 4"/>
-          <p:cNvSpPr/>
-          <p:nvPr/>
-        </p:nvSpPr>
-        <p:spPr>
-          <a:xfrm>
-            <a:off x="6639531" y="27671054"/>
-            <a:ext cx="5768041" cy="1131011"/>
-          </a:xfrm>
-          <a:prstGeom prst="rect">
-            <a:avLst/>
-          </a:prstGeom>
-          <a:noFill/>
-          <a:ln>
-            <a:noFill/>
-          </a:ln>
-        </p:spPr>
-        <p:txBody>
-          <a:bodyPr wrap="none" lIns="90000" tIns="45000" rIns="90000" bIns="45000"/>
-          <a:lstStyle/>
-          <a:p>
-            <a:pPr lvl="0" defTabSz="914400"/>
-            <a:r>
-              <a:rPr lang="en-US" sz="1200" kern="0" dirty="0">
-                <a:solidFill>
-                  <a:srgbClr val="000000"/>
-                </a:solidFill>
-                <a:latin typeface="Arial"/>
-              </a:rPr>
-              <a:t>Broadband coding </a:t>
-            </a:r>
-            <a:r>
-              <a:rPr lang="en-US" sz="1200" kern="0" dirty="0" smtClean="0">
-                <a:solidFill>
-                  <a:srgbClr val="000000"/>
-                </a:solidFill>
-                <a:latin typeface="Arial"/>
-              </a:rPr>
-              <a:t>requires </a:t>
-            </a:r>
-            <a:r>
-              <a:rPr lang="en-US" sz="1200" kern="0" dirty="0">
-                <a:solidFill>
-                  <a:srgbClr val="000000"/>
-                </a:solidFill>
-                <a:latin typeface="Arial"/>
-              </a:rPr>
-              <a:t>a thorough </a:t>
-            </a:r>
-            <a:r>
-              <a:rPr lang="en-US" sz="1200" kern="0" dirty="0" smtClean="0">
-                <a:solidFill>
-                  <a:srgbClr val="000000"/>
-                </a:solidFill>
-                <a:latin typeface="Arial"/>
-              </a:rPr>
-              <a:t>pre-characterization </a:t>
-            </a:r>
-            <a:r>
-              <a:rPr lang="en-US" sz="1200" kern="0" dirty="0">
-                <a:solidFill>
-                  <a:srgbClr val="000000"/>
-                </a:solidFill>
-                <a:latin typeface="Arial"/>
-              </a:rPr>
-              <a:t>of </a:t>
-            </a:r>
-            <a:r>
-              <a:rPr lang="en-US" sz="1200" kern="0" dirty="0" smtClean="0">
-                <a:solidFill>
-                  <a:srgbClr val="000000"/>
-                </a:solidFill>
-                <a:latin typeface="Arial"/>
-              </a:rPr>
-              <a:t>the </a:t>
-            </a:r>
-            <a:r>
-              <a:rPr lang="en-US" sz="1200" kern="0" dirty="0">
-                <a:solidFill>
-                  <a:srgbClr val="000000"/>
-                </a:solidFill>
-                <a:latin typeface="Arial"/>
-              </a:rPr>
-              <a:t>modulators and </a:t>
-            </a:r>
-            <a:r>
-              <a:rPr lang="en-US" sz="1200" kern="0" dirty="0" smtClean="0">
-                <a:solidFill>
-                  <a:srgbClr val="000000"/>
-                </a:solidFill>
-                <a:latin typeface="Arial"/>
-              </a:rPr>
-              <a:t>detector </a:t>
-            </a:r>
-          </a:p>
-          <a:p>
-            <a:pPr lvl="0" defTabSz="914400"/>
-            <a:r>
-              <a:rPr lang="en-US" sz="1200" kern="0" dirty="0" smtClean="0">
-                <a:solidFill>
-                  <a:srgbClr val="000000"/>
-                </a:solidFill>
-                <a:latin typeface="Arial"/>
-              </a:rPr>
-              <a:t>response </a:t>
-            </a:r>
-            <a:r>
-              <a:rPr lang="en-US" sz="1200" kern="0" dirty="0">
-                <a:solidFill>
-                  <a:srgbClr val="000000"/>
-                </a:solidFill>
-                <a:latin typeface="Arial"/>
-              </a:rPr>
-              <a:t>(transfer function) in the </a:t>
-            </a:r>
-            <a:r>
-              <a:rPr lang="en-US" sz="1200" kern="0" dirty="0" smtClean="0">
-                <a:solidFill>
-                  <a:srgbClr val="000000"/>
-                </a:solidFill>
-                <a:latin typeface="Arial"/>
-              </a:rPr>
-              <a:t>frequency </a:t>
-            </a:r>
-            <a:r>
-              <a:rPr lang="en-US" sz="1200" kern="0" dirty="0">
-                <a:solidFill>
-                  <a:srgbClr val="000000"/>
-                </a:solidFill>
-                <a:latin typeface="Arial"/>
-              </a:rPr>
-              <a:t>band of </a:t>
-            </a:r>
-            <a:r>
-              <a:rPr lang="en-US" sz="1200" kern="0" dirty="0" smtClean="0">
-                <a:solidFill>
-                  <a:srgbClr val="000000"/>
-                </a:solidFill>
-                <a:latin typeface="Arial"/>
-              </a:rPr>
-              <a:t>interest.</a:t>
-            </a:r>
-          </a:p>
-          <a:p>
-            <a:pPr lvl="0" defTabSz="914400"/>
-            <a:endParaRPr lang="en-US" sz="1200" kern="0" dirty="0" smtClean="0">
-              <a:solidFill>
-                <a:srgbClr val="000000"/>
-              </a:solidFill>
-              <a:latin typeface="Arial"/>
-            </a:endParaRPr>
-          </a:p>
-          <a:p>
-            <a:pPr lvl="0" defTabSz="914400"/>
-            <a:r>
-              <a:rPr kumimoji="0" lang="en-US" sz="1200" b="0" i="0" u="none" strike="noStrike" kern="0" cap="none" spc="0" normalizeH="0" baseline="0" noProof="0" dirty="0" smtClean="0">
-                <a:ln>
-                  <a:noFill/>
-                </a:ln>
-                <a:solidFill>
-                  <a:srgbClr val="000000"/>
-                </a:solidFill>
-                <a:effectLst/>
-                <a:uLnTx/>
-                <a:uFillTx/>
-                <a:latin typeface="Arial"/>
-              </a:rPr>
-              <a:t>Figure 1</a:t>
-            </a:r>
-            <a:r>
-              <a:rPr lang="en-US" sz="1200" kern="0" dirty="0" smtClean="0">
-                <a:solidFill>
-                  <a:srgbClr val="000000"/>
-                </a:solidFill>
-                <a:latin typeface="Arial"/>
-              </a:rPr>
-              <a:t>. shows the network analyzer measurement results of S21 parameter for the phase </a:t>
-            </a:r>
-          </a:p>
-          <a:p>
-            <a:pPr lvl="0" defTabSz="914400"/>
-            <a:r>
-              <a:rPr lang="en-US" sz="1200" kern="0" dirty="0" smtClean="0">
-                <a:solidFill>
-                  <a:srgbClr val="000000"/>
-                </a:solidFill>
-                <a:latin typeface="Arial"/>
-              </a:rPr>
-              <a:t>modulator. </a:t>
-            </a:r>
-            <a:r>
-              <a:rPr kumimoji="0" lang="en-US" sz="1200" b="0" i="0" u="none" strike="noStrike" kern="0" cap="none" spc="0" normalizeH="0" baseline="0" noProof="0" dirty="0" smtClean="0">
-                <a:ln>
-                  <a:noFill/>
-                </a:ln>
-                <a:solidFill>
-                  <a:srgbClr val="000000"/>
-                </a:solidFill>
-                <a:effectLst/>
-                <a:uLnTx/>
-                <a:uFillTx/>
-                <a:latin typeface="Arial"/>
-              </a:rPr>
-              <a:t>Figure 2. shows the</a:t>
-            </a:r>
-            <a:r>
-              <a:rPr kumimoji="0" lang="en-US" sz="1200" b="0" i="0" u="none" strike="noStrike" kern="0" cap="none" spc="0" normalizeH="0" noProof="0" dirty="0" smtClean="0">
-                <a:ln>
-                  <a:noFill/>
-                </a:ln>
-                <a:solidFill>
-                  <a:srgbClr val="000000"/>
-                </a:solidFill>
-                <a:effectLst/>
-                <a:uLnTx/>
-                <a:uFillTx/>
-                <a:latin typeface="Arial"/>
-              </a:rPr>
-              <a:t> </a:t>
-            </a:r>
-            <a:r>
-              <a:rPr kumimoji="0" lang="en-US" sz="1200" b="0" i="0" u="none" strike="noStrike" kern="0" cap="none" spc="0" normalizeH="0" baseline="0" noProof="0" dirty="0" smtClean="0">
-                <a:ln>
-                  <a:noFill/>
-                </a:ln>
-                <a:solidFill>
-                  <a:srgbClr val="000000"/>
-                </a:solidFill>
-                <a:effectLst/>
-                <a:uLnTx/>
-                <a:uFillTx/>
-                <a:latin typeface="Arial"/>
-              </a:rPr>
-              <a:t>effects of stabilization of transmitted optical</a:t>
-            </a:r>
-            <a:r>
-              <a:rPr kumimoji="0" lang="en-US" sz="1200" b="0" i="0" u="none" strike="noStrike" kern="0" cap="none" spc="0" normalizeH="0" noProof="0" dirty="0" smtClean="0">
-                <a:ln>
-                  <a:noFill/>
-                </a:ln>
-                <a:solidFill>
-                  <a:srgbClr val="000000"/>
-                </a:solidFill>
-                <a:effectLst/>
-                <a:uLnTx/>
-                <a:uFillTx/>
-                <a:latin typeface="Arial"/>
-              </a:rPr>
-              <a:t> </a:t>
-            </a:r>
-            <a:r>
-              <a:rPr kumimoji="0" lang="en-US" sz="1200" b="0" i="0" u="none" strike="noStrike" kern="0" cap="none" spc="0" normalizeH="0" baseline="0" noProof="0" dirty="0" smtClean="0">
-                <a:ln>
-                  <a:noFill/>
-                </a:ln>
-                <a:solidFill>
-                  <a:srgbClr val="000000"/>
-                </a:solidFill>
-                <a:effectLst/>
-                <a:uLnTx/>
-                <a:uFillTx/>
-                <a:latin typeface="Arial"/>
-              </a:rPr>
-              <a:t>power through </a:t>
-            </a:r>
-          </a:p>
-          <a:p>
-            <a:pPr lvl="0" defTabSz="914400"/>
-            <a:r>
-              <a:rPr kumimoji="0" lang="en-US" sz="1200" b="0" i="0" u="none" strike="noStrike" kern="0" cap="none" spc="0" normalizeH="0" baseline="0" noProof="0" dirty="0" smtClean="0">
-                <a:ln>
-                  <a:noFill/>
-                </a:ln>
-                <a:solidFill>
-                  <a:srgbClr val="000000"/>
-                </a:solidFill>
-                <a:effectLst/>
-                <a:uLnTx/>
-                <a:uFillTx/>
-                <a:latin typeface="Arial"/>
-              </a:rPr>
-              <a:t>the amplitude</a:t>
-            </a:r>
-            <a:r>
-              <a:rPr kumimoji="0" lang="en-US" sz="1200" b="0" i="0" u="none" strike="noStrike" kern="0" cap="none" spc="0" normalizeH="0" noProof="0" dirty="0" smtClean="0">
-                <a:ln>
-                  <a:noFill/>
-                </a:ln>
-                <a:solidFill>
-                  <a:srgbClr val="000000"/>
-                </a:solidFill>
-                <a:effectLst/>
-                <a:uLnTx/>
-                <a:uFillTx/>
-                <a:latin typeface="Arial"/>
-              </a:rPr>
-              <a:t> </a:t>
-            </a:r>
-            <a:r>
-              <a:rPr lang="en-US" sz="1200" kern="0" dirty="0" smtClean="0">
-                <a:solidFill>
-                  <a:srgbClr val="000000"/>
-                </a:solidFill>
-                <a:latin typeface="Arial"/>
-              </a:rPr>
-              <a:t>modulator as a function of time.</a:t>
-            </a:r>
-            <a:endParaRPr kumimoji="0" sz="1200" b="0" i="0" u="none" strike="noStrike" kern="0" cap="none" spc="0" normalizeH="0" baseline="0" noProof="0" dirty="0" smtClean="0">
-              <a:ln>
-                <a:noFill/>
-              </a:ln>
-              <a:solidFill>
-                <a:prstClr val="black"/>
-              </a:solidFill>
-              <a:effectLst/>
-              <a:uLnTx/>
-              <a:uFillTx/>
-            </a:endParaRPr>
-          </a:p>
-        </p:txBody>
-      </p:sp>
       <p:pic>
         <p:nvPicPr>
-          <p:cNvPr id="296" name="Picture 295"/>
+          <p:cNvPr id="302" name="Picture 301"/>
           <p:cNvPicPr>
             <a:picLocks noChangeAspect="1"/>
           </p:cNvPicPr>
@@ -12054,36 +12091,6 @@
         </p:blipFill>
         <p:spPr>
           <a:xfrm>
-            <a:off x="1279116" y="25286494"/>
-            <a:ext cx="4819729" cy="2500989"/>
-          </a:xfrm>
-          <a:prstGeom prst="rect">
-            <a:avLst/>
-          </a:prstGeom>
-        </p:spPr>
-      </p:pic>
-      <p:pic>
-        <p:nvPicPr>
-          <p:cNvPr id="302" name="Picture 301"/>
-          <p:cNvPicPr>
-            <a:picLocks noChangeAspect="1"/>
-          </p:cNvPicPr>
-          <p:nvPr/>
-        </p:nvPicPr>
-        <p:blipFill>
-          <a:blip r:embed="rId18" cstate="print">
-            <a:extLst>
-              <a:ext uri="{28A0092B-C50C-407E-A947-70E740481C1C}">
-                <a14:useLocalDpi xmlns:a14="http://schemas.microsoft.com/office/drawing/2010/main" val="0"/>
-              </a:ext>
-            </a:extLst>
-          </a:blip>
-          <a:stretch>
-            <a:fillRect/>
-          </a:stretch>
-        </p:blipFill>
-        <p:spPr>
-          <a:xfrm>
             <a:off x="7047725" y="25050518"/>
             <a:ext cx="4697481" cy="2520000"/>
           </a:xfrm>
@@ -12101,7 +12108,7 @@
           <p:nvPr/>
         </p:nvPicPr>
         <p:blipFill>
-          <a:blip r:embed="rId19" cstate="print">
+          <a:blip r:embed="rId18" cstate="print">
             <a:extLst>
               <a:ext uri="{28A0092B-C50C-407E-A947-70E740481C1C}">
                 <a14:useLocalDpi xmlns:a14="http://schemas.microsoft.com/office/drawing/2010/main" val="0"/>
@@ -12388,7 +12395,7 @@
           <p:nvPr/>
         </p:nvPicPr>
         <p:blipFill>
-          <a:blip r:embed="rId20" cstate="print">
+          <a:blip r:embed="rId19" cstate="print">
             <a:extLst>
               <a:ext uri="{28A0092B-C50C-407E-A947-70E740481C1C}">
                 <a14:useLocalDpi xmlns:a14="http://schemas.microsoft.com/office/drawing/2010/main" val="0"/>
@@ -12418,7 +12425,7 @@
           <p:nvPr/>
         </p:nvPicPr>
         <p:blipFill>
-          <a:blip r:embed="rId21"/>
+          <a:blip r:embed="rId20"/>
           <a:stretch>
             <a:fillRect/>
           </a:stretch>
@@ -12436,6 +12443,589 @@
       <p:pic>
         <p:nvPicPr>
           <p:cNvPr id="21" name="Picture 20"/>
+          <p:cNvPicPr>
+            <a:picLocks noChangeAspect="1"/>
+          </p:cNvPicPr>
+          <p:nvPr/>
+        </p:nvPicPr>
+        <p:blipFill>
+          <a:blip r:embed="rId21" cstate="print">
+            <a:extLst>
+              <a:ext uri="{28A0092B-C50C-407E-A947-70E740481C1C}">
+                <a14:useLocalDpi xmlns:a14="http://schemas.microsoft.com/office/drawing/2010/main" val="0"/>
+              </a:ext>
+            </a:extLst>
+          </a:blip>
+          <a:stretch>
+            <a:fillRect/>
+          </a:stretch>
+        </p:blipFill>
+        <p:spPr>
+          <a:xfrm>
+            <a:off x="25834737" y="18770396"/>
+            <a:ext cx="2988252" cy="1620920"/>
+          </a:xfrm>
+          <a:prstGeom prst="rect">
+            <a:avLst/>
+          </a:prstGeom>
+        </p:spPr>
+      </p:pic>
+      <p:sp>
+        <p:nvSpPr>
+          <p:cNvPr id="210" name="CustomShape 2 2"/>
+          <p:cNvSpPr/>
+          <p:nvPr/>
+        </p:nvSpPr>
+        <p:spPr>
+          <a:xfrm>
+            <a:off x="14624715" y="21042561"/>
+            <a:ext cx="1761805" cy="886656"/>
+          </a:xfrm>
+          <a:prstGeom prst="rect">
+            <a:avLst/>
+          </a:prstGeom>
+          <a:noFill/>
+          <a:ln>
+            <a:noFill/>
+          </a:ln>
+        </p:spPr>
+        <p:txBody>
+          <a:bodyPr wrap="none" lIns="90000" tIns="45000" rIns="90000" bIns="45000"/>
+          <a:lstStyle/>
+          <a:p>
+            <a:pPr algn="ctr">
+              <a:lnSpc>
+                <a:spcPct val="100000"/>
+              </a:lnSpc>
+            </a:pPr>
+            <a:r>
+              <a:rPr lang="en-US" sz="2000" smtClean="0">
+                <a:latin typeface="Arial"/>
+              </a:rPr>
+              <a:t>Quantum</a:t>
+            </a:r>
+          </a:p>
+          <a:p>
+            <a:pPr algn="ctr">
+              <a:lnSpc>
+                <a:spcPct val="100000"/>
+              </a:lnSpc>
+            </a:pPr>
+            <a:r>
+              <a:rPr lang="en-US" sz="2000" smtClean="0">
+                <a:latin typeface="Arial"/>
+              </a:rPr>
+              <a:t>channel</a:t>
+            </a:r>
+            <a:endParaRPr sz="2000" dirty="0"/>
+          </a:p>
+        </p:txBody>
+      </p:sp>
+      <p:sp>
+        <p:nvSpPr>
+          <p:cNvPr id="211" name="CustomShape 18 4"/>
+          <p:cNvSpPr/>
+          <p:nvPr/>
+        </p:nvSpPr>
+        <p:spPr>
+          <a:xfrm>
+            <a:off x="13569640" y="27645134"/>
+            <a:ext cx="5768041" cy="1131011"/>
+          </a:xfrm>
+          <a:prstGeom prst="rect">
+            <a:avLst/>
+          </a:prstGeom>
+          <a:noFill/>
+          <a:ln>
+            <a:noFill/>
+          </a:ln>
+        </p:spPr>
+        <p:txBody>
+          <a:bodyPr wrap="none" lIns="90000" tIns="45000" rIns="90000" bIns="45000"/>
+          <a:lstStyle/>
+          <a:p>
+            <a:pPr defTabSz="914400"/>
+            <a:r>
+              <a:rPr lang="en-US" sz="1200" kern="0" smtClean="0">
+                <a:solidFill>
+                  <a:srgbClr val="000000"/>
+                </a:solidFill>
+                <a:latin typeface="Arial"/>
+              </a:rPr>
+              <a:t>Cpation for polarization drift measurements</a:t>
+            </a:r>
+            <a:endParaRPr kumimoji="0" sz="1200" b="0" i="0" u="none" strike="noStrike" kern="0" cap="none" spc="0" normalizeH="0" baseline="0" noProof="0" dirty="0" smtClean="0">
+              <a:ln>
+                <a:noFill/>
+              </a:ln>
+              <a:solidFill>
+                <a:prstClr val="black"/>
+              </a:solidFill>
+              <a:effectLst/>
+              <a:uLnTx/>
+              <a:uFillTx/>
+            </a:endParaRPr>
+          </a:p>
+        </p:txBody>
+      </p:sp>
+      <p:sp>
+        <p:nvSpPr>
+          <p:cNvPr id="213" name="TextBox 212"/>
+          <p:cNvSpPr txBox="1"/>
+          <p:nvPr/>
+        </p:nvSpPr>
+        <p:spPr>
+          <a:xfrm>
+            <a:off x="25998132" y="22273939"/>
+            <a:ext cx="3185785" cy="461665"/>
+          </a:xfrm>
+          <a:prstGeom prst="rect">
+            <a:avLst/>
+          </a:prstGeom>
+          <a:noFill/>
+        </p:spPr>
+        <p:txBody>
+          <a:bodyPr wrap="square" rtlCol="0">
+            <a:spAutoFit/>
+          </a:bodyPr>
+          <a:lstStyle/>
+          <a:p>
+            <a:r>
+              <a:rPr lang="en-US" sz="1200" smtClean="0">
+                <a:latin typeface="Arial" panose="020B0604020202020204" pitchFamily="34" charset="0"/>
+                <a:cs typeface="Arial" panose="020B0604020202020204" pitchFamily="34" charset="0"/>
+              </a:rPr>
+              <a:t>Caption for beat signal strength </a:t>
+            </a:r>
+          </a:p>
+          <a:p>
+            <a:r>
+              <a:rPr lang="en-US" sz="1200" smtClean="0">
+                <a:latin typeface="Arial" panose="020B0604020202020204" pitchFamily="34" charset="0"/>
+                <a:cs typeface="Arial" panose="020B0604020202020204" pitchFamily="34" charset="0"/>
+              </a:rPr>
+              <a:t>measurements</a:t>
+            </a:r>
+            <a:endParaRPr lang="en-US" sz="1200" dirty="0" smtClean="0">
+              <a:latin typeface="Arial" panose="020B0604020202020204" pitchFamily="34" charset="0"/>
+              <a:cs typeface="Arial" panose="020B0604020202020204" pitchFamily="34" charset="0"/>
+            </a:endParaRPr>
+          </a:p>
+        </p:txBody>
+      </p:sp>
+      <p:sp>
+        <p:nvSpPr>
+          <p:cNvPr id="215" name="TextBox 214"/>
+          <p:cNvSpPr txBox="1"/>
+          <p:nvPr/>
+        </p:nvSpPr>
+        <p:spPr>
+          <a:xfrm>
+            <a:off x="19924004" y="25423678"/>
+            <a:ext cx="3185785" cy="461665"/>
+          </a:xfrm>
+          <a:prstGeom prst="rect">
+            <a:avLst/>
+          </a:prstGeom>
+          <a:noFill/>
+        </p:spPr>
+        <p:txBody>
+          <a:bodyPr wrap="square" rtlCol="0">
+            <a:spAutoFit/>
+          </a:bodyPr>
+          <a:lstStyle/>
+          <a:p>
+            <a:r>
+              <a:rPr lang="en-US" sz="1200" smtClean="0">
+                <a:latin typeface="Arial" panose="020B0604020202020204" pitchFamily="34" charset="0"/>
+                <a:cs typeface="Arial" panose="020B0604020202020204" pitchFamily="34" charset="0"/>
+              </a:rPr>
+              <a:t>Caption for shot noise </a:t>
+            </a:r>
+          </a:p>
+          <a:p>
+            <a:r>
+              <a:rPr lang="en-US" sz="1200" smtClean="0">
+                <a:latin typeface="Arial" panose="020B0604020202020204" pitchFamily="34" charset="0"/>
+                <a:cs typeface="Arial" panose="020B0604020202020204" pitchFamily="34" charset="0"/>
+              </a:rPr>
+              <a:t>measurements</a:t>
+            </a:r>
+            <a:endParaRPr lang="en-US" sz="1200" dirty="0" smtClean="0">
+              <a:latin typeface="Arial" panose="020B0604020202020204" pitchFamily="34" charset="0"/>
+              <a:cs typeface="Arial" panose="020B0604020202020204" pitchFamily="34" charset="0"/>
+            </a:endParaRPr>
+          </a:p>
+        </p:txBody>
+      </p:sp>
+      <p:sp>
+        <p:nvSpPr>
+          <p:cNvPr id="178" name="CustomShape 18 4"/>
+          <p:cNvSpPr/>
+          <p:nvPr/>
+        </p:nvSpPr>
+        <p:spPr>
+          <a:xfrm>
+            <a:off x="6126937" y="34139525"/>
+            <a:ext cx="4265598" cy="344857"/>
+          </a:xfrm>
+          <a:prstGeom prst="rect">
+            <a:avLst/>
+          </a:prstGeom>
+          <a:noFill/>
+          <a:ln>
+            <a:noFill/>
+          </a:ln>
+        </p:spPr>
+        <p:txBody>
+          <a:bodyPr wrap="none" lIns="90000" tIns="45000" rIns="90000" bIns="45000"/>
+          <a:lstStyle/>
+          <a:p>
+            <a:pPr lvl="0" defTabSz="914400"/>
+            <a:r>
+              <a:rPr lang="en-US" sz="1400" kern="0" dirty="0" smtClean="0">
+                <a:solidFill>
+                  <a:srgbClr val="000000"/>
+                </a:solidFill>
+                <a:latin typeface="Arial"/>
+              </a:rPr>
+              <a:t>Digitally </a:t>
+            </a:r>
+            <a:r>
+              <a:rPr lang="en-US" sz="1400" kern="0" dirty="0" err="1" smtClean="0">
+                <a:solidFill>
+                  <a:srgbClr val="000000"/>
+                </a:solidFill>
+                <a:latin typeface="Arial"/>
+              </a:rPr>
+              <a:t>upconverted</a:t>
+            </a:r>
+            <a:r>
+              <a:rPr lang="en-US" sz="1400" kern="0" dirty="0" smtClean="0">
+                <a:solidFill>
+                  <a:srgbClr val="000000"/>
+                </a:solidFill>
+                <a:latin typeface="Arial"/>
+              </a:rPr>
+              <a:t> input signal to the amplitude modulator</a:t>
+            </a:r>
+          </a:p>
+          <a:p>
+            <a:pPr lvl="0" defTabSz="914400"/>
+            <a:r>
+              <a:rPr lang="en-US" sz="1200" kern="0" dirty="0" smtClean="0">
+                <a:solidFill>
+                  <a:srgbClr val="000000"/>
+                </a:solidFill>
+                <a:latin typeface="Arial"/>
+              </a:rPr>
+              <a:t> </a:t>
+            </a:r>
+            <a:endParaRPr kumimoji="0" sz="1200" b="0" i="0" u="none" strike="noStrike" kern="0" cap="none" spc="0" normalizeH="0" baseline="0" noProof="0" dirty="0" smtClean="0">
+              <a:ln>
+                <a:noFill/>
+              </a:ln>
+              <a:solidFill>
+                <a:prstClr val="black"/>
+              </a:solidFill>
+              <a:effectLst/>
+              <a:uLnTx/>
+              <a:uFillTx/>
+            </a:endParaRPr>
+          </a:p>
+        </p:txBody>
+      </p:sp>
+      <p:sp>
+        <p:nvSpPr>
+          <p:cNvPr id="179" name="CustomShape 18 4"/>
+          <p:cNvSpPr/>
+          <p:nvPr/>
+        </p:nvSpPr>
+        <p:spPr>
+          <a:xfrm>
+            <a:off x="12080820" y="34043732"/>
+            <a:ext cx="4692701" cy="481720"/>
+          </a:xfrm>
+          <a:prstGeom prst="rect">
+            <a:avLst/>
+          </a:prstGeom>
+          <a:noFill/>
+          <a:ln>
+            <a:noFill/>
+          </a:ln>
+        </p:spPr>
+        <p:txBody>
+          <a:bodyPr wrap="none" lIns="90000" tIns="45000" rIns="90000" bIns="45000"/>
+          <a:lstStyle/>
+          <a:p>
+            <a:pPr lvl="0" defTabSz="914400"/>
+            <a:r>
+              <a:rPr lang="en-US" sz="1400" kern="0" dirty="0" smtClean="0">
+                <a:solidFill>
+                  <a:srgbClr val="000000"/>
+                </a:solidFill>
+                <a:latin typeface="Arial"/>
+              </a:rPr>
+              <a:t>Heterodyne signal </a:t>
+            </a:r>
+            <a:r>
+              <a:rPr lang="en-US" sz="1400" kern="0" dirty="0" smtClean="0">
+                <a:solidFill>
+                  <a:srgbClr val="000000"/>
+                </a:solidFill>
+                <a:latin typeface="Arial"/>
+              </a:rPr>
+              <a:t>is used as input </a:t>
+            </a:r>
+            <a:r>
+              <a:rPr lang="en-US" sz="1400" kern="0" dirty="0" smtClean="0">
+                <a:solidFill>
+                  <a:srgbClr val="000000"/>
+                </a:solidFill>
+                <a:latin typeface="Arial"/>
+              </a:rPr>
+              <a:t>to PLL </a:t>
+            </a:r>
+            <a:r>
+              <a:rPr lang="en-US" sz="1400" kern="0" dirty="0" smtClean="0">
+                <a:solidFill>
+                  <a:srgbClr val="000000"/>
+                </a:solidFill>
+                <a:latin typeface="Arial"/>
+              </a:rPr>
+              <a:t>with initial DDS </a:t>
+            </a:r>
+          </a:p>
+          <a:p>
+            <a:pPr lvl="0" defTabSz="914400"/>
+            <a:r>
+              <a:rPr lang="en-US" sz="1400" kern="0" dirty="0">
+                <a:solidFill>
+                  <a:srgbClr val="000000"/>
+                </a:solidFill>
+                <a:latin typeface="Arial"/>
+              </a:rPr>
+              <a:t>f</a:t>
+            </a:r>
+            <a:r>
+              <a:rPr lang="en-US" sz="1400" kern="0" dirty="0" smtClean="0">
+                <a:solidFill>
+                  <a:srgbClr val="000000"/>
+                </a:solidFill>
+                <a:latin typeface="Arial"/>
+              </a:rPr>
+              <a:t>requency of </a:t>
+            </a:r>
+            <a:r>
+              <a:rPr lang="en-US" sz="1400" kern="0" dirty="0" smtClean="0">
+                <a:solidFill>
+                  <a:srgbClr val="000000"/>
+                </a:solidFill>
+                <a:latin typeface="Arial"/>
+              </a:rPr>
+              <a:t>99.19 </a:t>
+            </a:r>
+            <a:r>
+              <a:rPr lang="en-US" sz="1400" kern="0" dirty="0" err="1" smtClean="0">
+                <a:solidFill>
+                  <a:srgbClr val="000000"/>
+                </a:solidFill>
+                <a:latin typeface="Arial"/>
+              </a:rPr>
+              <a:t>MHz.</a:t>
+            </a:r>
+            <a:r>
+              <a:rPr lang="en-US" sz="1400" kern="0" dirty="0" smtClean="0">
+                <a:solidFill>
+                  <a:srgbClr val="000000"/>
+                </a:solidFill>
+                <a:latin typeface="Arial"/>
+              </a:rPr>
+              <a:t> Comparison of PLL input and output</a:t>
+            </a:r>
+          </a:p>
+          <a:p>
+            <a:pPr lvl="0" defTabSz="914400"/>
+            <a:r>
+              <a:rPr lang="en-US" sz="1400" kern="0" dirty="0">
+                <a:solidFill>
+                  <a:srgbClr val="000000"/>
+                </a:solidFill>
+                <a:latin typeface="Arial"/>
+              </a:rPr>
+              <a:t>i</a:t>
+            </a:r>
+            <a:r>
+              <a:rPr lang="en-US" sz="1400" kern="0" dirty="0" smtClean="0">
+                <a:solidFill>
+                  <a:srgbClr val="000000"/>
+                </a:solidFill>
+                <a:latin typeface="Arial"/>
+              </a:rPr>
+              <a:t>n time (top) and frequency (bottom) domain. </a:t>
+            </a:r>
+            <a:endParaRPr kumimoji="0" sz="1200" b="0" i="0" u="none" strike="noStrike" kern="0" cap="none" spc="0" normalizeH="0" baseline="0" noProof="0" dirty="0" smtClean="0">
+              <a:ln>
+                <a:noFill/>
+              </a:ln>
+              <a:solidFill>
+                <a:prstClr val="black"/>
+              </a:solidFill>
+              <a:effectLst/>
+              <a:uLnTx/>
+              <a:uFillTx/>
+            </a:endParaRPr>
+          </a:p>
+        </p:txBody>
+      </p:sp>
+      <p:sp>
+        <p:nvSpPr>
+          <p:cNvPr id="180" name="CustomShape 18 4"/>
+          <p:cNvSpPr/>
+          <p:nvPr/>
+        </p:nvSpPr>
+        <p:spPr>
+          <a:xfrm>
+            <a:off x="17838708" y="34027675"/>
+            <a:ext cx="5641269" cy="451291"/>
+          </a:xfrm>
+          <a:prstGeom prst="rect">
+            <a:avLst/>
+          </a:prstGeom>
+          <a:noFill/>
+          <a:ln>
+            <a:noFill/>
+          </a:ln>
+        </p:spPr>
+        <p:txBody>
+          <a:bodyPr wrap="none" lIns="90000" tIns="45000" rIns="90000" bIns="45000"/>
+          <a:lstStyle/>
+          <a:p>
+            <a:pPr lvl="0" defTabSz="914400"/>
+            <a:r>
+              <a:rPr lang="en-US" sz="1400" kern="0" dirty="0" smtClean="0">
+                <a:solidFill>
+                  <a:srgbClr val="000000"/>
+                </a:solidFill>
+                <a:latin typeface="Arial"/>
+              </a:rPr>
+              <a:t>PLL-compensated and filtered output in comparison with the original </a:t>
+            </a:r>
+          </a:p>
+          <a:p>
+            <a:pPr lvl="0" defTabSz="914400"/>
+            <a:r>
+              <a:rPr lang="en-US" sz="1400" kern="0" dirty="0" err="1" smtClean="0">
+                <a:solidFill>
+                  <a:srgbClr val="000000"/>
+                </a:solidFill>
+                <a:latin typeface="Arial"/>
+              </a:rPr>
+              <a:t>u</a:t>
+            </a:r>
+            <a:r>
+              <a:rPr lang="en-US" sz="1400" kern="0" dirty="0" err="1" smtClean="0">
+                <a:solidFill>
+                  <a:srgbClr val="000000"/>
+                </a:solidFill>
+                <a:latin typeface="Arial"/>
+              </a:rPr>
+              <a:t>pconverted</a:t>
+            </a:r>
+            <a:r>
+              <a:rPr lang="en-US" sz="1400" kern="0" dirty="0" smtClean="0">
+                <a:solidFill>
+                  <a:srgbClr val="000000"/>
+                </a:solidFill>
+                <a:latin typeface="Arial"/>
+              </a:rPr>
+              <a:t> </a:t>
+            </a:r>
+            <a:r>
+              <a:rPr lang="en-US" sz="1400" kern="0" dirty="0" smtClean="0">
+                <a:solidFill>
+                  <a:srgbClr val="000000"/>
+                </a:solidFill>
+                <a:latin typeface="Arial"/>
+              </a:rPr>
+              <a:t>AM signal, in time (top) and frequency (bottom) domain. </a:t>
+            </a:r>
+            <a:endParaRPr kumimoji="0" sz="1400" b="0" i="0" u="none" strike="noStrike" kern="0" cap="none" spc="0" normalizeH="0" baseline="0" noProof="0" dirty="0" smtClean="0">
+              <a:ln>
+                <a:noFill/>
+              </a:ln>
+              <a:solidFill>
+                <a:prstClr val="black"/>
+              </a:solidFill>
+              <a:effectLst/>
+              <a:uLnTx/>
+              <a:uFillTx/>
+            </a:endParaRPr>
+          </a:p>
+        </p:txBody>
+      </p:sp>
+      <p:sp>
+        <p:nvSpPr>
+          <p:cNvPr id="181" name="CustomShape 18 4"/>
+          <p:cNvSpPr/>
+          <p:nvPr/>
+        </p:nvSpPr>
+        <p:spPr>
+          <a:xfrm>
+            <a:off x="24373268" y="34013923"/>
+            <a:ext cx="5641269" cy="451291"/>
+          </a:xfrm>
+          <a:prstGeom prst="rect">
+            <a:avLst/>
+          </a:prstGeom>
+          <a:noFill/>
+          <a:ln>
+            <a:noFill/>
+          </a:ln>
+        </p:spPr>
+        <p:txBody>
+          <a:bodyPr wrap="none" lIns="90000" tIns="45000" rIns="90000" bIns="45000"/>
+          <a:lstStyle/>
+          <a:p>
+            <a:pPr lvl="0" defTabSz="914400"/>
+            <a:r>
+              <a:rPr lang="en-US" sz="1400" kern="0" dirty="0" smtClean="0">
+                <a:solidFill>
+                  <a:srgbClr val="000000"/>
+                </a:solidFill>
+                <a:latin typeface="Arial"/>
+              </a:rPr>
+              <a:t>Cross correlation of PLL-compensated and filtered signal </a:t>
+            </a:r>
+          </a:p>
+          <a:p>
+            <a:pPr lvl="0" defTabSz="914400"/>
+            <a:r>
+              <a:rPr lang="en-US" sz="1400" kern="0" dirty="0" smtClean="0">
+                <a:solidFill>
+                  <a:srgbClr val="000000"/>
+                </a:solidFill>
+                <a:latin typeface="Arial"/>
+              </a:rPr>
+              <a:t>and input to AM.</a:t>
+            </a:r>
+            <a:endParaRPr kumimoji="0" sz="1400" b="0" i="0" u="none" strike="noStrike" kern="0" cap="none" spc="0" normalizeH="0" baseline="0" noProof="0" dirty="0" smtClean="0">
+              <a:ln>
+                <a:noFill/>
+              </a:ln>
+              <a:solidFill>
+                <a:prstClr val="black"/>
+              </a:solidFill>
+              <a:effectLst/>
+              <a:uLnTx/>
+              <a:uFillTx/>
+            </a:endParaRPr>
+          </a:p>
+        </p:txBody>
+      </p:sp>
+      <p:pic>
+        <p:nvPicPr>
+          <p:cNvPr id="7" name="Picture 6"/>
           <p:cNvPicPr>
             <a:picLocks noChangeAspect="1"/>
           </p:cNvPicPr>
@@ -12455,510 +13045,17 @@
         </p:blipFill>
         <p:spPr>
           <a:xfrm>
-            <a:off x="25834737" y="18770396"/>
-            <a:ext cx="2988252" cy="1620920"/>
+            <a:off x="5428168" y="30745748"/>
+            <a:ext cx="5956697" cy="3278300"/>
           </a:xfrm>
           <a:prstGeom prst="rect">
             <a:avLst/>
           </a:prstGeom>
         </p:spPr>
       </p:pic>
-      <p:sp>
-        <p:nvSpPr>
-          <p:cNvPr id="210" name="CustomShape 2 2"/>
-          <p:cNvSpPr/>
-          <p:nvPr/>
-        </p:nvSpPr>
-        <p:spPr>
-          <a:xfrm>
-            <a:off x="14624715" y="21042561"/>
-            <a:ext cx="1761805" cy="886656"/>
-          </a:xfrm>
-          <a:prstGeom prst="rect">
-            <a:avLst/>
-          </a:prstGeom>
-          <a:noFill/>
-          <a:ln>
-            <a:noFill/>
-          </a:ln>
-        </p:spPr>
-        <p:txBody>
-          <a:bodyPr wrap="none" lIns="90000" tIns="45000" rIns="90000" bIns="45000"/>
-          <a:lstStyle/>
-          <a:p>
-            <a:pPr algn="ctr">
-              <a:lnSpc>
-                <a:spcPct val="100000"/>
-              </a:lnSpc>
-            </a:pPr>
-            <a:r>
-              <a:rPr lang="en-US" sz="2000" smtClean="0">
-                <a:latin typeface="Arial"/>
-              </a:rPr>
-              <a:t>Quantum</a:t>
-            </a:r>
-          </a:p>
-          <a:p>
-            <a:pPr algn="ctr">
-              <a:lnSpc>
-                <a:spcPct val="100000"/>
-              </a:lnSpc>
-            </a:pPr>
-            <a:r>
-              <a:rPr lang="en-US" sz="2000" smtClean="0">
-                <a:latin typeface="Arial"/>
-              </a:rPr>
-              <a:t>channel</a:t>
-            </a:r>
-            <a:endParaRPr sz="2000" dirty="0"/>
-          </a:p>
-        </p:txBody>
-      </p:sp>
-      <p:sp>
-        <p:nvSpPr>
-          <p:cNvPr id="211" name="CustomShape 18 4"/>
-          <p:cNvSpPr/>
-          <p:nvPr/>
-        </p:nvSpPr>
-        <p:spPr>
-          <a:xfrm>
-            <a:off x="13569640" y="27645134"/>
-            <a:ext cx="5768041" cy="1131011"/>
-          </a:xfrm>
-          <a:prstGeom prst="rect">
-            <a:avLst/>
-          </a:prstGeom>
-          <a:noFill/>
-          <a:ln>
-            <a:noFill/>
-          </a:ln>
-        </p:spPr>
-        <p:txBody>
-          <a:bodyPr wrap="none" lIns="90000" tIns="45000" rIns="90000" bIns="45000"/>
-          <a:lstStyle/>
-          <a:p>
-            <a:pPr defTabSz="914400"/>
-            <a:r>
-              <a:rPr lang="en-US" sz="1200" kern="0" smtClean="0">
-                <a:solidFill>
-                  <a:srgbClr val="000000"/>
-                </a:solidFill>
-                <a:latin typeface="Arial"/>
-              </a:rPr>
-              <a:t>Cpation for polarization drift measurements</a:t>
-            </a:r>
-            <a:endParaRPr kumimoji="0" sz="1200" b="0" i="0" u="none" strike="noStrike" kern="0" cap="none" spc="0" normalizeH="0" baseline="0" noProof="0" dirty="0" smtClean="0">
-              <a:ln>
-                <a:noFill/>
-              </a:ln>
-              <a:solidFill>
-                <a:prstClr val="black"/>
-              </a:solidFill>
-              <a:effectLst/>
-              <a:uLnTx/>
-              <a:uFillTx/>
-            </a:endParaRPr>
-          </a:p>
-        </p:txBody>
-      </p:sp>
-      <p:sp>
-        <p:nvSpPr>
-          <p:cNvPr id="213" name="TextBox 212"/>
-          <p:cNvSpPr txBox="1"/>
-          <p:nvPr/>
-        </p:nvSpPr>
-        <p:spPr>
-          <a:xfrm>
-            <a:off x="25998132" y="22273939"/>
-            <a:ext cx="3185785" cy="461665"/>
-          </a:xfrm>
-          <a:prstGeom prst="rect">
-            <a:avLst/>
-          </a:prstGeom>
-          <a:noFill/>
-        </p:spPr>
-        <p:txBody>
-          <a:bodyPr wrap="square" rtlCol="0">
-            <a:spAutoFit/>
-          </a:bodyPr>
-          <a:lstStyle/>
-          <a:p>
-            <a:r>
-              <a:rPr lang="en-US" sz="1200" smtClean="0">
-                <a:latin typeface="Arial" panose="020B0604020202020204" pitchFamily="34" charset="0"/>
-                <a:cs typeface="Arial" panose="020B0604020202020204" pitchFamily="34" charset="0"/>
-              </a:rPr>
-              <a:t>Caption for beat signal strength </a:t>
-            </a:r>
-          </a:p>
-          <a:p>
-            <a:r>
-              <a:rPr lang="en-US" sz="1200" smtClean="0">
-                <a:latin typeface="Arial" panose="020B0604020202020204" pitchFamily="34" charset="0"/>
-                <a:cs typeface="Arial" panose="020B0604020202020204" pitchFamily="34" charset="0"/>
-              </a:rPr>
-              <a:t>measurements</a:t>
-            </a:r>
-            <a:endParaRPr lang="en-US" sz="1200" dirty="0" smtClean="0">
-              <a:latin typeface="Arial" panose="020B0604020202020204" pitchFamily="34" charset="0"/>
-              <a:cs typeface="Arial" panose="020B0604020202020204" pitchFamily="34" charset="0"/>
-            </a:endParaRPr>
-          </a:p>
-        </p:txBody>
-      </p:sp>
-      <p:sp>
-        <p:nvSpPr>
-          <p:cNvPr id="215" name="TextBox 214"/>
-          <p:cNvSpPr txBox="1"/>
-          <p:nvPr/>
-        </p:nvSpPr>
-        <p:spPr>
-          <a:xfrm>
-            <a:off x="19924004" y="25423678"/>
-            <a:ext cx="3185785" cy="461665"/>
-          </a:xfrm>
-          <a:prstGeom prst="rect">
-            <a:avLst/>
-          </a:prstGeom>
-          <a:noFill/>
-        </p:spPr>
-        <p:txBody>
-          <a:bodyPr wrap="square" rtlCol="0">
-            <a:spAutoFit/>
-          </a:bodyPr>
-          <a:lstStyle/>
-          <a:p>
-            <a:r>
-              <a:rPr lang="en-US" sz="1200" smtClean="0">
-                <a:latin typeface="Arial" panose="020B0604020202020204" pitchFamily="34" charset="0"/>
-                <a:cs typeface="Arial" panose="020B0604020202020204" pitchFamily="34" charset="0"/>
-              </a:rPr>
-              <a:t>Caption for shot noise </a:t>
-            </a:r>
-          </a:p>
-          <a:p>
-            <a:r>
-              <a:rPr lang="en-US" sz="1200" smtClean="0">
-                <a:latin typeface="Arial" panose="020B0604020202020204" pitchFamily="34" charset="0"/>
-                <a:cs typeface="Arial" panose="020B0604020202020204" pitchFamily="34" charset="0"/>
-              </a:rPr>
-              <a:t>measurements</a:t>
-            </a:r>
-            <a:endParaRPr lang="en-US" sz="1200" dirty="0" smtClean="0">
-              <a:latin typeface="Arial" panose="020B0604020202020204" pitchFamily="34" charset="0"/>
-              <a:cs typeface="Arial" panose="020B0604020202020204" pitchFamily="34" charset="0"/>
-            </a:endParaRPr>
-          </a:p>
-        </p:txBody>
-      </p:sp>
-      <p:sp>
-        <p:nvSpPr>
-          <p:cNvPr id="178" name="CustomShape 18 4"/>
-          <p:cNvSpPr/>
-          <p:nvPr/>
-        </p:nvSpPr>
-        <p:spPr>
-          <a:xfrm>
-            <a:off x="6126937" y="34139525"/>
-            <a:ext cx="4265598" cy="344857"/>
-          </a:xfrm>
-          <a:prstGeom prst="rect">
-            <a:avLst/>
-          </a:prstGeom>
-          <a:noFill/>
-          <a:ln>
-            <a:noFill/>
-          </a:ln>
-        </p:spPr>
-        <p:txBody>
-          <a:bodyPr wrap="none" lIns="90000" tIns="45000" rIns="90000" bIns="45000"/>
-          <a:lstStyle/>
-          <a:p>
-            <a:pPr lvl="0" defTabSz="914400"/>
-            <a:r>
-              <a:rPr lang="en-US" sz="1400" kern="0" dirty="0" smtClean="0">
-                <a:solidFill>
-                  <a:srgbClr val="000000"/>
-                </a:solidFill>
-                <a:latin typeface="Arial"/>
-              </a:rPr>
-              <a:t>Digitally </a:t>
-            </a:r>
-            <a:r>
-              <a:rPr lang="en-US" sz="1400" kern="0" dirty="0" err="1" smtClean="0">
-                <a:solidFill>
-                  <a:srgbClr val="000000"/>
-                </a:solidFill>
-                <a:latin typeface="Arial"/>
-              </a:rPr>
-              <a:t>upconverted</a:t>
-            </a:r>
-            <a:r>
-              <a:rPr lang="en-US" sz="1400" kern="0" dirty="0" smtClean="0">
-                <a:solidFill>
-                  <a:srgbClr val="000000"/>
-                </a:solidFill>
-                <a:latin typeface="Arial"/>
-              </a:rPr>
-              <a:t> input signal to the amplitude modulator</a:t>
-            </a:r>
-            <a:endParaRPr lang="en-US" sz="1400" kern="0" dirty="0" smtClean="0">
-              <a:solidFill>
-                <a:srgbClr val="000000"/>
-              </a:solidFill>
-              <a:latin typeface="Arial"/>
-            </a:endParaRPr>
-          </a:p>
-          <a:p>
-            <a:pPr lvl="0" defTabSz="914400"/>
-            <a:r>
-              <a:rPr lang="en-US" sz="1200" kern="0" dirty="0" smtClean="0">
-                <a:solidFill>
-                  <a:srgbClr val="000000"/>
-                </a:solidFill>
-                <a:latin typeface="Arial"/>
-              </a:rPr>
-              <a:t> </a:t>
-            </a:r>
-            <a:endParaRPr kumimoji="0" sz="1200" b="0" i="0" u="none" strike="noStrike" kern="0" cap="none" spc="0" normalizeH="0" baseline="0" noProof="0" dirty="0" smtClean="0">
-              <a:ln>
-                <a:noFill/>
-              </a:ln>
-              <a:solidFill>
-                <a:prstClr val="black"/>
-              </a:solidFill>
-              <a:effectLst/>
-              <a:uLnTx/>
-              <a:uFillTx/>
-            </a:endParaRPr>
-          </a:p>
-        </p:txBody>
-      </p:sp>
-      <p:sp>
-        <p:nvSpPr>
-          <p:cNvPr id="179" name="CustomShape 18 4"/>
-          <p:cNvSpPr/>
-          <p:nvPr/>
-        </p:nvSpPr>
-        <p:spPr>
-          <a:xfrm>
-            <a:off x="12080820" y="34043732"/>
-            <a:ext cx="4692701" cy="481720"/>
-          </a:xfrm>
-          <a:prstGeom prst="rect">
-            <a:avLst/>
-          </a:prstGeom>
-          <a:noFill/>
-          <a:ln>
-            <a:noFill/>
-          </a:ln>
-        </p:spPr>
-        <p:txBody>
-          <a:bodyPr wrap="none" lIns="90000" tIns="45000" rIns="90000" bIns="45000"/>
-          <a:lstStyle/>
-          <a:p>
-            <a:pPr lvl="0" defTabSz="914400"/>
-            <a:r>
-              <a:rPr lang="en-US" sz="1400" kern="0" dirty="0" smtClean="0">
-                <a:solidFill>
-                  <a:srgbClr val="000000"/>
-                </a:solidFill>
-                <a:latin typeface="Arial"/>
-              </a:rPr>
-              <a:t>Heterodyne signal as an input to PLL in time (top) and </a:t>
-            </a:r>
-          </a:p>
-          <a:p>
-            <a:pPr lvl="0" defTabSz="914400"/>
-            <a:r>
-              <a:rPr lang="en-US" sz="1400" kern="0" dirty="0" smtClean="0">
-                <a:solidFill>
-                  <a:srgbClr val="000000"/>
-                </a:solidFill>
-                <a:latin typeface="Arial"/>
-              </a:rPr>
-              <a:t>frequency(bottom) domain. Initial DDS frequency is 99.19 </a:t>
-            </a:r>
-            <a:r>
-              <a:rPr lang="en-US" sz="1400" kern="0" dirty="0" err="1" smtClean="0">
-                <a:solidFill>
-                  <a:srgbClr val="000000"/>
-                </a:solidFill>
-                <a:latin typeface="Arial"/>
-              </a:rPr>
-              <a:t>MHz.</a:t>
-            </a:r>
-            <a:endParaRPr lang="en-US" sz="1400" kern="0" dirty="0" smtClean="0">
-              <a:solidFill>
-                <a:srgbClr val="000000"/>
-              </a:solidFill>
-              <a:latin typeface="Arial"/>
-            </a:endParaRPr>
-          </a:p>
-          <a:p>
-            <a:pPr lvl="0" defTabSz="914400"/>
-            <a:r>
-              <a:rPr lang="en-US" sz="1200" kern="0" dirty="0" smtClean="0">
-                <a:solidFill>
-                  <a:srgbClr val="000000"/>
-                </a:solidFill>
-                <a:latin typeface="Arial"/>
-              </a:rPr>
-              <a:t> </a:t>
-            </a:r>
-            <a:endParaRPr kumimoji="0" sz="1200" b="0" i="0" u="none" strike="noStrike" kern="0" cap="none" spc="0" normalizeH="0" baseline="0" noProof="0" dirty="0" smtClean="0">
-              <a:ln>
-                <a:noFill/>
-              </a:ln>
-              <a:solidFill>
-                <a:prstClr val="black"/>
-              </a:solidFill>
-              <a:effectLst/>
-              <a:uLnTx/>
-              <a:uFillTx/>
-            </a:endParaRPr>
-          </a:p>
-        </p:txBody>
-      </p:sp>
-      <p:sp>
-        <p:nvSpPr>
-          <p:cNvPr id="180" name="CustomShape 18 4"/>
-          <p:cNvSpPr/>
-          <p:nvPr/>
-        </p:nvSpPr>
-        <p:spPr>
-          <a:xfrm>
-            <a:off x="17838708" y="34027675"/>
-            <a:ext cx="5641269" cy="451291"/>
-          </a:xfrm>
-          <a:prstGeom prst="rect">
-            <a:avLst/>
-          </a:prstGeom>
-          <a:noFill/>
-          <a:ln>
-            <a:noFill/>
-          </a:ln>
-        </p:spPr>
-        <p:txBody>
-          <a:bodyPr wrap="none" lIns="90000" tIns="45000" rIns="90000" bIns="45000"/>
-          <a:lstStyle/>
-          <a:p>
-            <a:pPr lvl="0" defTabSz="914400"/>
-            <a:r>
-              <a:rPr lang="en-US" sz="1400" kern="0" dirty="0" smtClean="0">
-                <a:solidFill>
-                  <a:srgbClr val="000000"/>
-                </a:solidFill>
-                <a:latin typeface="Arial"/>
-              </a:rPr>
-              <a:t>PLL-compensated and filtered output in comparison with the original </a:t>
-            </a:r>
-          </a:p>
-          <a:p>
-            <a:pPr lvl="0" defTabSz="914400"/>
-            <a:r>
-              <a:rPr lang="en-US" sz="1400" kern="0" dirty="0" err="1" smtClean="0">
-                <a:solidFill>
-                  <a:srgbClr val="000000"/>
-                </a:solidFill>
-                <a:latin typeface="Arial"/>
-              </a:rPr>
-              <a:t>Upconverted</a:t>
-            </a:r>
-            <a:r>
-              <a:rPr lang="en-US" sz="1400" kern="0" dirty="0" smtClean="0">
-                <a:solidFill>
-                  <a:srgbClr val="000000"/>
-                </a:solidFill>
-                <a:latin typeface="Arial"/>
-              </a:rPr>
-              <a:t> AM signal, in time (top) and frequency (bottom) domain.</a:t>
-            </a:r>
-            <a:r>
-              <a:rPr lang="en-US" sz="1400" kern="0" dirty="0" smtClean="0">
-                <a:solidFill>
-                  <a:srgbClr val="000000"/>
-                </a:solidFill>
-                <a:latin typeface="Arial"/>
-              </a:rPr>
-              <a:t> </a:t>
-            </a:r>
-            <a:endParaRPr kumimoji="0" sz="1400" b="0" i="0" u="none" strike="noStrike" kern="0" cap="none" spc="0" normalizeH="0" baseline="0" noProof="0" dirty="0" smtClean="0">
-              <a:ln>
-                <a:noFill/>
-              </a:ln>
-              <a:solidFill>
-                <a:prstClr val="black"/>
-              </a:solidFill>
-              <a:effectLst/>
-              <a:uLnTx/>
-              <a:uFillTx/>
-            </a:endParaRPr>
-          </a:p>
-        </p:txBody>
-      </p:sp>
-      <p:sp>
-        <p:nvSpPr>
-          <p:cNvPr id="181" name="CustomShape 18 4"/>
-          <p:cNvSpPr/>
-          <p:nvPr/>
-        </p:nvSpPr>
-        <p:spPr>
-          <a:xfrm>
-            <a:off x="24373268" y="34013923"/>
-            <a:ext cx="5641269" cy="451291"/>
-          </a:xfrm>
-          <a:prstGeom prst="rect">
-            <a:avLst/>
-          </a:prstGeom>
-          <a:noFill/>
-          <a:ln>
-            <a:noFill/>
-          </a:ln>
-        </p:spPr>
-        <p:txBody>
-          <a:bodyPr wrap="none" lIns="90000" tIns="45000" rIns="90000" bIns="45000"/>
-          <a:lstStyle/>
-          <a:p>
-            <a:pPr lvl="0" defTabSz="914400"/>
-            <a:r>
-              <a:rPr lang="en-US" sz="1400" kern="0" dirty="0" smtClean="0">
-                <a:solidFill>
-                  <a:srgbClr val="000000"/>
-                </a:solidFill>
-                <a:latin typeface="Arial"/>
-              </a:rPr>
-              <a:t>Cross correlation of PLL-compensated and filtered signal </a:t>
-            </a:r>
-          </a:p>
-          <a:p>
-            <a:pPr lvl="0" defTabSz="914400"/>
-            <a:r>
-              <a:rPr lang="en-US" sz="1400" kern="0" dirty="0" smtClean="0">
-                <a:solidFill>
-                  <a:srgbClr val="000000"/>
-                </a:solidFill>
-                <a:latin typeface="Arial"/>
-              </a:rPr>
-              <a:t>and input to AM.</a:t>
-            </a:r>
-            <a:endParaRPr kumimoji="0" sz="1400" b="0" i="0" u="none" strike="noStrike" kern="0" cap="none" spc="0" normalizeH="0" baseline="0" noProof="0" dirty="0" smtClean="0">
-              <a:ln>
-                <a:noFill/>
-              </a:ln>
-              <a:solidFill>
-                <a:prstClr val="black"/>
-              </a:solidFill>
-              <a:effectLst/>
-              <a:uLnTx/>
-              <a:uFillTx/>
-            </a:endParaRPr>
-          </a:p>
-        </p:txBody>
-      </p:sp>
       <p:pic>
         <p:nvPicPr>
-          <p:cNvPr id="7" name="Picture 6"/>
+          <p:cNvPr id="10" name="Picture 9"/>
           <p:cNvPicPr>
             <a:picLocks noChangeAspect="1"/>
           </p:cNvPicPr>
@@ -12978,8 +13075,8 @@
         </p:blipFill>
         <p:spPr>
           <a:xfrm>
-            <a:off x="5428168" y="30745748"/>
-            <a:ext cx="5956697" cy="3278300"/>
+            <a:off x="11565688" y="30711324"/>
+            <a:ext cx="5522336" cy="3249780"/>
           </a:xfrm>
           <a:prstGeom prst="rect">
             <a:avLst/>
@@ -12988,7 +13085,7 @@
       </p:pic>
       <p:pic>
         <p:nvPicPr>
-          <p:cNvPr id="10" name="Picture 9"/>
+          <p:cNvPr id="16" name="Picture 15"/>
           <p:cNvPicPr>
             <a:picLocks noChangeAspect="1"/>
           </p:cNvPicPr>
@@ -13008,8 +13105,8 @@
         </p:blipFill>
         <p:spPr>
           <a:xfrm>
-            <a:off x="11565688" y="30711324"/>
-            <a:ext cx="5522336" cy="3249780"/>
+            <a:off x="17585848" y="30505869"/>
+            <a:ext cx="5738345" cy="3406395"/>
           </a:xfrm>
           <a:prstGeom prst="rect">
             <a:avLst/>
@@ -13018,7 +13115,7 @@
       </p:pic>
       <p:pic>
         <p:nvPicPr>
-          <p:cNvPr id="16" name="Picture 15"/>
+          <p:cNvPr id="27" name="Picture 26"/>
           <p:cNvPicPr>
             <a:picLocks noChangeAspect="1"/>
           </p:cNvPicPr>
@@ -13038,44 +13135,14 @@
         </p:blipFill>
         <p:spPr>
           <a:xfrm>
-            <a:off x="17585848" y="30505869"/>
-            <a:ext cx="5738345" cy="3406395"/>
+            <a:off x="23683150" y="30488518"/>
+            <a:ext cx="5721927" cy="3525405"/>
           </a:xfrm>
           <a:prstGeom prst="rect">
             <a:avLst/>
           </a:prstGeom>
         </p:spPr>
       </p:pic>
-      <p:pic>
-        <p:nvPicPr>
-          <p:cNvPr id="27" name="Picture 26"/>
-          <p:cNvPicPr>
-            <a:picLocks noChangeAspect="1"/>
-          </p:cNvPicPr>
-          <p:nvPr/>
-        </p:nvPicPr>
-        <p:blipFill>
-          <a:blip r:embed="rId26" cstate="print">
-            <a:extLst>
-              <a:ext uri="{28A0092B-C50C-407E-A947-70E740481C1C}">
-                <a14:useLocalDpi xmlns:a14="http://schemas.microsoft.com/office/drawing/2010/main" val="0"/>
-              </a:ext>
-            </a:extLst>
-          </a:blip>
-          <a:stretch>
-            <a:fillRect/>
-          </a:stretch>
-        </p:blipFill>
-        <p:spPr>
-          <a:xfrm>
-            <a:off x="23683150" y="30488518"/>
-            <a:ext cx="5721927" cy="3525405"/>
-          </a:xfrm>
-          <a:prstGeom prst="rect">
-            <a:avLst/>
-          </a:prstGeom>
-        </p:spPr>
-      </p:pic>
       <p:sp>
         <p:nvSpPr>
           <p:cNvPr id="186" name="Rectangle 185"/>
@@ -13084,8 +13151,8 @@
         </p:nvSpPr>
         <p:spPr>
           <a:xfrm>
-            <a:off x="7839156" y="35320289"/>
-            <a:ext cx="7566357" cy="1549833"/>
+            <a:off x="8315702" y="35351703"/>
+            <a:ext cx="7462356" cy="1549833"/>
           </a:xfrm>
           <a:prstGeom prst="rect">
             <a:avLst/>
@@ -13134,7 +13201,7 @@
         </p:nvSpPr>
         <p:spPr>
           <a:xfrm>
-            <a:off x="14265399" y="35322794"/>
+            <a:off x="14637944" y="35354208"/>
             <a:ext cx="1142336" cy="481440"/>
           </a:xfrm>
           <a:prstGeom prst="rect">
@@ -13185,7 +13252,7 @@
         </p:nvSpPr>
         <p:spPr>
           <a:xfrm>
-            <a:off x="8205858" y="37134182"/>
+            <a:off x="8315702" y="37166148"/>
             <a:ext cx="8614841" cy="2899582"/>
           </a:xfrm>
           <a:prstGeom prst="rect">
@@ -13235,7 +13302,7 @@
         </p:nvSpPr>
         <p:spPr>
           <a:xfrm>
-            <a:off x="7956917" y="39510775"/>
+            <a:off x="8115630" y="39525342"/>
             <a:ext cx="1433829" cy="685710"/>
           </a:xfrm>
           <a:prstGeom prst="rect">
@@ -13286,7 +13353,7 @@
         </p:nvSpPr>
         <p:spPr>
           <a:xfrm>
-            <a:off x="8087663" y="36394707"/>
+            <a:off x="8460208" y="36426121"/>
             <a:ext cx="977230" cy="420675"/>
           </a:xfrm>
           <a:prstGeom prst="parallelogram">
@@ -13312,7 +13379,7 @@
         </p:nvSpPr>
         <p:spPr>
           <a:xfrm>
-            <a:off x="8085525" y="36447033"/>
+            <a:off x="8458070" y="36478447"/>
             <a:ext cx="869128" cy="395280"/>
           </a:xfrm>
           <a:prstGeom prst="rect">
@@ -13381,7 +13448,7 @@
         </p:nvSpPr>
         <p:spPr>
           <a:xfrm>
-            <a:off x="14703655" y="36322440"/>
+            <a:off x="15015523" y="36314098"/>
             <a:ext cx="868690" cy="422712"/>
           </a:xfrm>
           <a:prstGeom prst="rect">
@@ -13459,7 +13526,7 @@
         </p:nvSpPr>
         <p:spPr>
           <a:xfrm>
-            <a:off x="8296626" y="37797135"/>
+            <a:off x="8406470" y="37829101"/>
             <a:ext cx="868690" cy="422712"/>
           </a:xfrm>
           <a:prstGeom prst="rect">
@@ -13531,7 +13598,7 @@
         </p:nvSpPr>
         <p:spPr>
           <a:xfrm>
-            <a:off x="12316532" y="39488260"/>
+            <a:off x="12426376" y="39520226"/>
             <a:ext cx="661798" cy="330351"/>
           </a:xfrm>
           <a:prstGeom prst="roundRect">
@@ -13563,7 +13630,7 @@
         </p:nvSpPr>
         <p:spPr>
           <a:xfrm>
-            <a:off x="12265091" y="39486185"/>
+            <a:off x="12374935" y="39518151"/>
             <a:ext cx="868690" cy="422712"/>
           </a:xfrm>
           <a:prstGeom prst="rect">
@@ -13632,7 +13699,7 @@
         </p:nvSpPr>
         <p:spPr>
           <a:xfrm>
-            <a:off x="14807969" y="39232700"/>
+            <a:off x="14917813" y="39264666"/>
             <a:ext cx="390698" cy="407324"/>
           </a:xfrm>
           <a:prstGeom prst="flowChartDelay">
@@ -13678,7 +13745,7 @@
         </p:nvSpPr>
         <p:spPr>
           <a:xfrm flipV="1">
-            <a:off x="15198666" y="38993756"/>
+            <a:off x="15308510" y="39025722"/>
             <a:ext cx="496961" cy="443856"/>
           </a:xfrm>
           <a:prstGeom prst="curvedConnector3">
@@ -13703,7 +13770,7 @@
         </p:nvSpPr>
         <p:spPr>
           <a:xfrm>
-            <a:off x="15711920" y="38696182"/>
+            <a:off x="15821764" y="38728148"/>
             <a:ext cx="225125" cy="348984"/>
           </a:xfrm>
           <a:prstGeom prst="rect">
@@ -13794,6 +13861,96 @@
           </a:p>
         </p:txBody>
       </p:sp>
+      <p:pic>
+        <p:nvPicPr>
+          <p:cNvPr id="28" name="Picture 27"/>
+          <p:cNvPicPr>
+            <a:picLocks noChangeAspect="1"/>
+          </p:cNvPicPr>
+          <p:nvPr/>
+        </p:nvPicPr>
+        <p:blipFill>
+          <a:blip r:embed="rId26">
+            <a:extLst>
+              <a:ext uri="{28A0092B-C50C-407E-A947-70E740481C1C}">
+                <a14:useLocalDpi xmlns:a14="http://schemas.microsoft.com/office/drawing/2010/main" val="0"/>
+              </a:ext>
+            </a:extLst>
+          </a:blip>
+          <a:stretch>
+            <a:fillRect/>
+          </a:stretch>
+        </p:blipFill>
+        <p:spPr>
+          <a:xfrm>
+            <a:off x="967186" y="3400092"/>
+            <a:ext cx="5354171" cy="954884"/>
+          </a:xfrm>
+          <a:prstGeom prst="rect">
+            <a:avLst/>
+          </a:prstGeom>
+        </p:spPr>
+      </p:pic>
+      <p:pic>
+        <p:nvPicPr>
+          <p:cNvPr id="29" name="Picture 28"/>
+          <p:cNvPicPr>
+            <a:picLocks noChangeAspect="1"/>
+          </p:cNvPicPr>
+          <p:nvPr/>
+        </p:nvPicPr>
+        <p:blipFill>
+          <a:blip r:embed="rId27" cstate="print">
+            <a:extLst>
+              <a:ext uri="{28A0092B-C50C-407E-A947-70E740481C1C}">
+                <a14:useLocalDpi xmlns:a14="http://schemas.microsoft.com/office/drawing/2010/main" val="0"/>
+              </a:ext>
+            </a:extLst>
+          </a:blip>
+          <a:stretch>
+            <a:fillRect/>
+          </a:stretch>
+        </p:blipFill>
+        <p:spPr>
+          <a:xfrm>
+            <a:off x="994173" y="4909331"/>
+            <a:ext cx="5253586" cy="2017685"/>
+          </a:xfrm>
+          <a:prstGeom prst="rect">
+            <a:avLst/>
+          </a:prstGeom>
+        </p:spPr>
+      </p:pic>
+      <p:pic>
+        <p:nvPicPr>
+          <p:cNvPr id="31" name="Picture 30"/>
+          <p:cNvPicPr>
+            <a:picLocks noChangeAspect="1"/>
+          </p:cNvPicPr>
+          <p:nvPr/>
+        </p:nvPicPr>
+        <p:blipFill>
+          <a:blip r:embed="rId28">
+            <a:extLst>
+              <a:ext uri="{28A0092B-C50C-407E-A947-70E740481C1C}">
+                <a14:useLocalDpi xmlns:a14="http://schemas.microsoft.com/office/drawing/2010/main" val="0"/>
+              </a:ext>
+            </a:extLst>
+          </a:blip>
+          <a:stretch>
+            <a:fillRect/>
+          </a:stretch>
+        </p:blipFill>
+        <p:spPr>
+          <a:xfrm>
+            <a:off x="25152748" y="4848128"/>
+            <a:ext cx="3803445" cy="1800297"/>
+          </a:xfrm>
+          <a:prstGeom prst="rect">
+            <a:avLst/>
+          </a:prstGeom>
+        </p:spPr>
+      </p:pic>
     </p:spTree>
     <p:extLst>
       <p:ext uri="{BB962C8B-B14F-4D97-AF65-F5344CB8AC3E}">

--- a/poster1.PPTX
+++ b/poster1.PPTX
@@ -4932,7 +4932,7 @@
         </p:nvSpPr>
         <p:spPr>
           <a:xfrm>
-            <a:off x="1141170" y="40948390"/>
+            <a:off x="558788" y="40854131"/>
             <a:ext cx="2808782" cy="707886"/>
           </a:xfrm>
           <a:prstGeom prst="rect">
@@ -5063,8 +5063,8 @@
         </p:nvSpPr>
         <p:spPr>
           <a:xfrm>
-            <a:off x="645714" y="40779234"/>
-            <a:ext cx="28099227" cy="584775"/>
+            <a:off x="565133" y="41667237"/>
+            <a:ext cx="7669988" cy="584775"/>
           </a:xfrm>
           <a:prstGeom prst="rect">
             <a:avLst/>
@@ -6876,8 +6876,8 @@
           <a:lstStyle/>
           <a:p>
             <a:pPr marL="457200" indent="-457200">
-              <a:buFontTx/>
-              <a:buChar char="-"/>
+              <a:buFont typeface="Arial" panose="020B0604020202020204" pitchFamily="34" charset="0"/>
+              <a:buChar char="•"/>
             </a:pPr>
             <a:r>
               <a:rPr lang="en-US" sz="2800" dirty="0" smtClean="0"/>
@@ -6886,8 +6886,8 @@
           </a:p>
           <a:p>
             <a:pPr marL="457200" indent="-457200">
-              <a:buFontTx/>
-              <a:buChar char="-"/>
+              <a:buFont typeface="Arial" panose="020B0604020202020204" pitchFamily="34" charset="0"/>
+              <a:buChar char="•"/>
             </a:pPr>
             <a:r>
               <a:rPr lang="en-US" sz="2800" dirty="0" smtClean="0"/>
@@ -6920,35 +6920,18 @@
           <a:lstStyle/>
           <a:p>
             <a:pPr marL="457200" indent="-457200">
-              <a:buFontTx/>
-              <a:buChar char="-"/>
+              <a:buFont typeface="Arial" panose="020B0604020202020204" pitchFamily="34" charset="0"/>
+              <a:buChar char="•"/>
             </a:pPr>
             <a:r>
               <a:rPr lang="en-US" sz="2800" dirty="0" smtClean="0"/>
-              <a:t>Using single-sideband </a:t>
-            </a:r>
-            <a:r>
-              <a:rPr lang="en-US" sz="2800" dirty="0" smtClean="0"/>
-              <a:t>modulation for </a:t>
-            </a:r>
-            <a:r>
-              <a:rPr lang="en-US" sz="2800" dirty="0" smtClean="0"/>
-              <a:t>spectral </a:t>
-            </a:r>
-            <a:r>
-              <a:rPr lang="en-US" sz="2800" dirty="0" smtClean="0"/>
-              <a:t>efficiency and </a:t>
-            </a:r>
-            <a:r>
-              <a:rPr lang="en-US" sz="2800" dirty="0" smtClean="0"/>
-              <a:t>avoiding security loopholes</a:t>
-            </a:r>
-            <a:endParaRPr lang="en-US" sz="2800" dirty="0" smtClean="0"/>
+              <a:t>Using single-sideband modulation for spectral efficiency and avoiding security loopholes</a:t>
+            </a:r>
           </a:p>
           <a:p>
             <a:pPr marL="457200" indent="-457200">
-              <a:buFontTx/>
-              <a:buChar char="-"/>
+              <a:buFont typeface="Arial" panose="020B0604020202020204" pitchFamily="34" charset="0"/>
+              <a:buChar char="•"/>
             </a:pPr>
             <a:r>
               <a:rPr lang="en-US" sz="2800" dirty="0"/>
@@ -6956,25 +6939,13 @@
             </a:r>
             <a:r>
               <a:rPr lang="en-US" sz="2800" dirty="0" smtClean="0"/>
-              <a:t>ilot </a:t>
-            </a:r>
-            <a:r>
-              <a:rPr lang="en-US" sz="2800" dirty="0" smtClean="0"/>
-              <a:t>signals for clock recovery, multiplexed in </a:t>
-            </a:r>
-            <a:r>
-              <a:rPr lang="en-US" sz="2800" dirty="0" smtClean="0"/>
-              <a:t>frequency </a:t>
-            </a:r>
-            <a:r>
-              <a:rPr lang="en-US" sz="2800" dirty="0" smtClean="0"/>
-              <a:t>with the quantum signal</a:t>
+              <a:t>ilot signals for clock recovery, multiplexed in frequency with the quantum signal</a:t>
             </a:r>
           </a:p>
           <a:p>
             <a:pPr marL="457200" indent="-457200">
-              <a:buFontTx/>
-              <a:buChar char="-"/>
+              <a:buFont typeface="Arial" panose="020B0604020202020204" pitchFamily="34" charset="0"/>
+              <a:buChar char="•"/>
             </a:pPr>
             <a:r>
               <a:rPr lang="en-US" sz="2800" dirty="0" smtClean="0"/>
@@ -6983,36 +6954,23 @@
           </a:p>
           <a:p>
             <a:pPr marL="457200" indent="-457200">
-              <a:buFontTx/>
-              <a:buChar char="-"/>
+              <a:buFont typeface="Arial" panose="020B0604020202020204" pitchFamily="34" charset="0"/>
+              <a:buChar char="•"/>
             </a:pPr>
             <a:r>
               <a:rPr lang="en-US" sz="2800" dirty="0" smtClean="0"/>
-              <a:t>Replacing AWG and oscilloscope with FPGA DAC/ADC </a:t>
-            </a:r>
-            <a:r>
-              <a:rPr lang="en-US" sz="2800" dirty="0" smtClean="0"/>
-              <a:t>for </a:t>
-            </a:r>
-            <a:r>
-              <a:rPr lang="en-US" sz="2800" dirty="0" smtClean="0"/>
-              <a:t>online signal generation and </a:t>
-            </a:r>
-            <a:r>
-              <a:rPr lang="en-US" sz="2800" dirty="0" smtClean="0"/>
-              <a:t>recovery</a:t>
+              <a:t>Replacing AWG and oscilloscope with FPGA DAC/ADC for online signal generation and recovery</a:t>
             </a:r>
           </a:p>
           <a:p>
             <a:pPr marL="457200" indent="-457200">
-              <a:buFontTx/>
-              <a:buChar char="-"/>
+              <a:buFont typeface="Arial" panose="020B0604020202020204" pitchFamily="34" charset="0"/>
+              <a:buChar char="•"/>
             </a:pPr>
             <a:r>
               <a:rPr lang="en-US" sz="2800" dirty="0" smtClean="0"/>
               <a:t>Using beat signal for dynamic polarization control</a:t>
             </a:r>
-            <a:endParaRPr lang="en-US" sz="2800" dirty="0" smtClean="0"/>
           </a:p>
           <a:p>
             <a:pPr marL="457200" indent="-457200">
@@ -12766,7 +12724,19 @@
                 </a:solidFill>
                 <a:latin typeface="Arial"/>
               </a:rPr>
-              <a:t>Heterodyne signal </a:t>
+              <a:t>Heterodyne signal is used as input to PLL with initial DDS </a:t>
+            </a:r>
+          </a:p>
+          <a:p>
+            <a:pPr lvl="0" defTabSz="914400"/>
+            <a:r>
+              <a:rPr lang="en-US" sz="1400" kern="0" dirty="0">
+                <a:solidFill>
+                  <a:srgbClr val="000000"/>
+                </a:solidFill>
+                <a:latin typeface="Arial"/>
+              </a:rPr>
+              <a:t>f</a:t>
             </a:r>
             <a:r>
               <a:rPr lang="en-US" sz="1400" kern="0" dirty="0" smtClean="0">
@@ -12775,55 +12745,7 @@
                 </a:solidFill>
                 <a:latin typeface="Arial"/>
               </a:rPr>
-              <a:t>is used as input </a:t>
-            </a:r>
-            <a:r>
-              <a:rPr lang="en-US" sz="1400" kern="0" dirty="0" smtClean="0">
-                <a:solidFill>
-                  <a:srgbClr val="000000"/>
-                </a:solidFill>
-                <a:latin typeface="Arial"/>
-              </a:rPr>
-              <a:t>to PLL </a:t>
-            </a:r>
-            <a:r>
-              <a:rPr lang="en-US" sz="1400" kern="0" dirty="0" smtClean="0">
-                <a:solidFill>
-                  <a:srgbClr val="000000"/>
-                </a:solidFill>
-                <a:latin typeface="Arial"/>
-              </a:rPr>
-              <a:t>with initial DDS </a:t>
-            </a:r>
-          </a:p>
-          <a:p>
-            <a:pPr lvl="0" defTabSz="914400"/>
-            <a:r>
-              <a:rPr lang="en-US" sz="1400" kern="0" dirty="0">
-                <a:solidFill>
-                  <a:srgbClr val="000000"/>
-                </a:solidFill>
-                <a:latin typeface="Arial"/>
-              </a:rPr>
-              <a:t>f</a:t>
-            </a:r>
-            <a:r>
-              <a:rPr lang="en-US" sz="1400" kern="0" dirty="0" smtClean="0">
-                <a:solidFill>
-                  <a:srgbClr val="000000"/>
-                </a:solidFill>
-                <a:latin typeface="Arial"/>
-              </a:rPr>
-              <a:t>requency of </a:t>
-            </a:r>
-            <a:r>
-              <a:rPr lang="en-US" sz="1400" kern="0" dirty="0" smtClean="0">
-                <a:solidFill>
-                  <a:srgbClr val="000000"/>
-                </a:solidFill>
-                <a:latin typeface="Arial"/>
-              </a:rPr>
-              <a:t>99.19 </a:t>
+              <a:t>requency of 99.19 </a:t>
             </a:r>
             <a:r>
               <a:rPr lang="en-US" sz="1400" kern="0" dirty="0" err="1" smtClean="0">
@@ -12921,34 +12843,16 @@
                 </a:solidFill>
                 <a:latin typeface="Arial"/>
               </a:rPr>
-              <a:t>u</a:t>
-            </a:r>
-            <a:r>
-              <a:rPr lang="en-US" sz="1400" kern="0" dirty="0" err="1" smtClean="0">
+              <a:t>upconverted</a:t>
+            </a:r>
+            <a:r>
+              <a:rPr lang="en-US" sz="1400" kern="0" dirty="0" smtClean="0">
                 <a:solidFill>
                   <a:srgbClr val="000000"/>
                 </a:solidFill>
                 <a:latin typeface="Arial"/>
               </a:rPr>
-              <a:t>pconverted</a:t>
-            </a:r>
-            <a:r>
-              <a:rPr lang="en-US" sz="1400" kern="0" dirty="0" smtClean="0">
-                <a:solidFill>
-                  <a:srgbClr val="000000"/>
-                </a:solidFill>
-                <a:latin typeface="Arial"/>
-              </a:rPr>
-              <a:t> </a:t>
-            </a:r>
-            <a:r>
-              <a:rPr lang="en-US" sz="1400" kern="0" dirty="0" smtClean="0">
-                <a:solidFill>
-                  <a:srgbClr val="000000"/>
-                </a:solidFill>
-                <a:latin typeface="Arial"/>
-              </a:rPr>
-              <a:t>AM signal, in time (top) and frequency (bottom) domain. </a:t>
+              <a:t> AM signal, in time (top) and frequency (bottom) domain. </a:t>
             </a:r>
             <a:endParaRPr kumimoji="0" sz="1400" b="0" i="0" u="none" strike="noStrike" kern="0" cap="none" spc="0" normalizeH="0" baseline="0" noProof="0" dirty="0" smtClean="0">
               <a:ln>
@@ -13951,6 +13855,216 @@
           </a:prstGeom>
         </p:spPr>
       </p:pic>
+      <p:pic>
+        <p:nvPicPr>
+          <p:cNvPr id="32" name="Picture 31"/>
+          <p:cNvPicPr>
+            <a:picLocks noChangeAspect="1"/>
+          </p:cNvPicPr>
+          <p:nvPr/>
+        </p:nvPicPr>
+        <p:blipFill>
+          <a:blip r:embed="rId29" cstate="print">
+            <a:extLst>
+              <a:ext uri="{28A0092B-C50C-407E-A947-70E740481C1C}">
+                <a14:useLocalDpi xmlns:a14="http://schemas.microsoft.com/office/drawing/2010/main" val="0"/>
+              </a:ext>
+            </a:extLst>
+          </a:blip>
+          <a:stretch>
+            <a:fillRect/>
+          </a:stretch>
+        </p:blipFill>
+        <p:spPr>
+          <a:xfrm>
+            <a:off x="17788538" y="36015966"/>
+            <a:ext cx="5794917" cy="3558947"/>
+          </a:xfrm>
+          <a:prstGeom prst="rect">
+            <a:avLst/>
+          </a:prstGeom>
+        </p:spPr>
+      </p:pic>
+      <p:sp>
+        <p:nvSpPr>
+          <p:cNvPr id="203" name="TextBox 202"/>
+          <p:cNvSpPr txBox="1"/>
+          <p:nvPr/>
+        </p:nvSpPr>
+        <p:spPr>
+          <a:xfrm>
+            <a:off x="23799093" y="35558130"/>
+            <a:ext cx="6070584" cy="4832092"/>
+          </a:xfrm>
+          <a:prstGeom prst="rect">
+            <a:avLst/>
+          </a:prstGeom>
+          <a:noFill/>
+        </p:spPr>
+        <p:txBody>
+          <a:bodyPr wrap="square" rtlCol="0">
+            <a:spAutoFit/>
+          </a:bodyPr>
+          <a:lstStyle/>
+          <a:p>
+            <a:pPr marL="457200" indent="-457200">
+              <a:buFont typeface="Arial" panose="020B0604020202020204" pitchFamily="34" charset="0"/>
+              <a:buChar char="•"/>
+            </a:pPr>
+            <a:r>
+              <a:rPr lang="en-US" sz="2800" dirty="0" smtClean="0"/>
+              <a:t>Security established for collective attacks and continuous Gaussian modulation</a:t>
+            </a:r>
+          </a:p>
+          <a:p>
+            <a:pPr marL="457200" indent="-457200">
+              <a:buFont typeface="Arial" panose="020B0604020202020204" pitchFamily="34" charset="0"/>
+              <a:buChar char="•"/>
+            </a:pPr>
+            <a:r>
+              <a:rPr lang="en-US" sz="2800" dirty="0" smtClean="0"/>
+              <a:t>Continuous modulation can be approximated with a discrete one with small error</a:t>
+            </a:r>
+          </a:p>
+          <a:p>
+            <a:pPr marL="457200" indent="-457200">
+              <a:buFont typeface="Arial" panose="020B0604020202020204" pitchFamily="34" charset="0"/>
+              <a:buChar char="•"/>
+            </a:pPr>
+            <a:r>
+              <a:rPr lang="en-US" sz="2800" dirty="0" smtClean="0"/>
+              <a:t>The proof against coherent attacks requires currently unfeasible </a:t>
+            </a:r>
+            <a:r>
+              <a:rPr lang="en-US" sz="2800" dirty="0" err="1" smtClean="0"/>
+              <a:t>symmetrization</a:t>
+            </a:r>
+            <a:r>
+              <a:rPr lang="en-US" sz="2800" dirty="0" smtClean="0"/>
+              <a:t> procedure during </a:t>
+            </a:r>
+            <a:r>
+              <a:rPr lang="en-US" sz="2800" dirty="0" err="1" smtClean="0"/>
+              <a:t>postprocessing</a:t>
+            </a:r>
+            <a:endParaRPr lang="en-US" sz="2800" dirty="0" smtClean="0"/>
+          </a:p>
+          <a:p>
+            <a:pPr marL="457200" indent="-457200">
+              <a:buFontTx/>
+              <a:buChar char="-"/>
+            </a:pPr>
+            <a:endParaRPr lang="en-US" sz="2800" dirty="0" smtClean="0"/>
+          </a:p>
+        </p:txBody>
+      </p:sp>
+      <p:sp>
+        <p:nvSpPr>
+          <p:cNvPr id="227" name="CustomShape 18 4"/>
+          <p:cNvSpPr/>
+          <p:nvPr/>
+        </p:nvSpPr>
+        <p:spPr>
+          <a:xfrm>
+            <a:off x="18233831" y="39569854"/>
+            <a:ext cx="4692701" cy="481720"/>
+          </a:xfrm>
+          <a:prstGeom prst="rect">
+            <a:avLst/>
+          </a:prstGeom>
+          <a:noFill/>
+          <a:ln>
+            <a:noFill/>
+          </a:ln>
+        </p:spPr>
+        <p:txBody>
+          <a:bodyPr wrap="none" lIns="90000" tIns="45000" rIns="90000" bIns="45000"/>
+          <a:lstStyle/>
+          <a:p>
+            <a:pPr lvl="0" defTabSz="914400"/>
+            <a:r>
+              <a:rPr lang="en-US" sz="1400" kern="0" dirty="0" smtClean="0">
+                <a:solidFill>
+                  <a:srgbClr val="000000"/>
+                </a:solidFill>
+                <a:latin typeface="Arial"/>
+              </a:rPr>
+              <a:t>Heterodyne signal is used as input to PLL with initial DDS </a:t>
+            </a:r>
+          </a:p>
+          <a:p>
+            <a:pPr lvl="0" defTabSz="914400"/>
+            <a:r>
+              <a:rPr lang="en-US" sz="1400" kern="0" dirty="0">
+                <a:solidFill>
+                  <a:srgbClr val="000000"/>
+                </a:solidFill>
+                <a:latin typeface="Arial"/>
+              </a:rPr>
+              <a:t>f</a:t>
+            </a:r>
+            <a:r>
+              <a:rPr lang="en-US" sz="1400" kern="0" dirty="0" smtClean="0">
+                <a:solidFill>
+                  <a:srgbClr val="000000"/>
+                </a:solidFill>
+                <a:latin typeface="Arial"/>
+              </a:rPr>
+              <a:t>requency of 99.19 </a:t>
+            </a:r>
+            <a:r>
+              <a:rPr lang="en-US" sz="1400" kern="0" dirty="0" err="1" smtClean="0">
+                <a:solidFill>
+                  <a:srgbClr val="000000"/>
+                </a:solidFill>
+                <a:latin typeface="Arial"/>
+              </a:rPr>
+              <a:t>MHz.</a:t>
+            </a:r>
+            <a:r>
+              <a:rPr lang="en-US" sz="1400" kern="0" dirty="0" smtClean="0">
+                <a:solidFill>
+                  <a:srgbClr val="000000"/>
+                </a:solidFill>
+                <a:latin typeface="Arial"/>
+              </a:rPr>
+              <a:t> Comparison of PLL input and output</a:t>
+            </a:r>
+          </a:p>
+          <a:p>
+            <a:pPr lvl="0" defTabSz="914400"/>
+            <a:r>
+              <a:rPr lang="en-US" sz="1400" kern="0" dirty="0">
+                <a:solidFill>
+                  <a:srgbClr val="000000"/>
+                </a:solidFill>
+                <a:latin typeface="Arial"/>
+              </a:rPr>
+              <a:t>i</a:t>
+            </a:r>
+            <a:r>
+              <a:rPr lang="en-US" sz="1400" kern="0" dirty="0" smtClean="0">
+                <a:solidFill>
+                  <a:srgbClr val="000000"/>
+                </a:solidFill>
+                <a:latin typeface="Arial"/>
+              </a:rPr>
+              <a:t>n time (top) and frequency (bottom) domain. </a:t>
+            </a:r>
+            <a:endParaRPr kumimoji="0" sz="1200" b="0" i="0" u="none" strike="noStrike" kern="0" cap="none" spc="0" normalizeH="0" baseline="0" noProof="0" dirty="0" smtClean="0">
+              <a:ln>
+                <a:noFill/>
+              </a:ln>
+              <a:solidFill>
+                <a:prstClr val="black"/>
+              </a:solidFill>
+              <a:effectLst/>
+              <a:uLnTx/>
+              <a:uFillTx/>
+            </a:endParaRPr>
+          </a:p>
+        </p:txBody>
+      </p:sp>
     </p:spTree>
     <p:extLst>
       <p:ext uri="{BB962C8B-B14F-4D97-AF65-F5344CB8AC3E}">

--- a/poster1.PPTX
+++ b/poster1.PPTX
@@ -4872,7 +4872,15 @@
             </a:r>
             <a:r>
               <a:rPr lang="nn-NO" sz="2800" dirty="0"/>
-              <a:t>Entropy 17, 6072-6092, (2015)</a:t>
+              <a:t>Entropy </a:t>
+            </a:r>
+            <a:r>
+              <a:rPr lang="nn-NO" sz="2800" b="1" dirty="0"/>
+              <a:t>17</a:t>
+            </a:r>
+            <a:r>
+              <a:rPr lang="nn-NO" sz="2800" dirty="0"/>
+              <a:t>, 6072-6092, (2015)</a:t>
             </a:r>
             <a:endParaRPr lang="en-US" sz="2800" dirty="0"/>
           </a:p>
@@ -4883,7 +4891,15 @@
             </a:r>
             <a:r>
               <a:rPr lang="en-US" sz="2800" dirty="0"/>
-              <a:t>] Laser Photon. Rev. 4, </a:t>
+              <a:t>] Laser Photon. Rev. </a:t>
+            </a:r>
+            <a:r>
+              <a:rPr lang="en-US" sz="2800" b="1" dirty="0"/>
+              <a:t>4</a:t>
+            </a:r>
+            <a:r>
+              <a:rPr lang="en-US" sz="2800" dirty="0"/>
+              <a:t>, </a:t>
             </a:r>
             <a:r>
               <a:rPr lang="en-US" sz="2800" dirty="0" smtClean="0"/>
@@ -10758,7 +10774,7 @@
         </p:blipFill>
         <p:spPr>
           <a:xfrm>
-            <a:off x="13692988" y="23433721"/>
+            <a:off x="12925906" y="23435368"/>
             <a:ext cx="5258162" cy="4074780"/>
           </a:xfrm>
           <a:prstGeom prst="rect">
@@ -12552,7 +12568,11 @@
             </a:pPr>
             <a:r>
               <a:rPr lang="en-US" sz="2800" dirty="0" smtClean="0"/>
-              <a:t>The proof against coherent attacks requires currently unfeasible </a:t>
+              <a:t>The proof against coherent attacks requires currently </a:t>
+            </a:r>
+            <a:r>
+              <a:rPr lang="en-US" sz="2800" dirty="0" smtClean="0"/>
+              <a:t>an unfeasible </a:t>
             </a:r>
             <a:r>
               <a:rPr lang="en-US" sz="2800" dirty="0" err="1" smtClean="0"/>
@@ -12585,8 +12605,8 @@
         </p:nvSpPr>
         <p:spPr>
           <a:xfrm>
-            <a:off x="18233831" y="39569854"/>
-            <a:ext cx="4692701" cy="481720"/>
+            <a:off x="18120127" y="39046328"/>
+            <a:ext cx="5652252" cy="1267941"/>
           </a:xfrm>
           <a:prstGeom prst="rect">
             <a:avLst/>
@@ -12608,46 +12628,25 @@
                 </a:solidFill>
                 <a:latin typeface="Arial"/>
               </a:rPr>
-              <a:t>Heterodyne signal is used as input to PLL with initial DDS </a:t>
-            </a:r>
+              <a:t>Comparison of secret key rates as a function of block size. </a:t>
+            </a:r>
+            <a:endParaRPr lang="en-US" sz="1400" kern="0" dirty="0">
+              <a:solidFill>
+                <a:srgbClr val="000000"/>
+              </a:solidFill>
+              <a:latin typeface="Arial"/>
+            </a:endParaRPr>
           </a:p>
           <a:p>
             <a:pPr lvl="0" defTabSz="914400"/>
             <a:r>
-              <a:rPr lang="en-US" sz="1400" kern="0" dirty="0">
+              <a:rPr lang="en-US" sz="1400" kern="0" dirty="0" smtClean="0">
                 <a:solidFill>
                   <a:srgbClr val="000000"/>
                 </a:solidFill>
                 <a:latin typeface="Arial"/>
               </a:rPr>
-              <a:t>f</a:t>
-            </a:r>
-            <a:r>
-              <a:rPr lang="en-US" sz="1400" kern="0" dirty="0" smtClean="0">
-                <a:solidFill>
-                  <a:srgbClr val="000000"/>
-                </a:solidFill>
-                <a:latin typeface="Arial"/>
-              </a:rPr>
-              <a:t>requency of 99.19 </a:t>
-            </a:r>
-            <a:r>
-              <a:rPr lang="en-US" sz="1400" kern="0" dirty="0" err="1" smtClean="0">
-                <a:solidFill>
-                  <a:srgbClr val="000000"/>
-                </a:solidFill>
-                <a:latin typeface="Arial"/>
-              </a:rPr>
-              <a:t>MHz.</a:t>
-            </a:r>
-            <a:r>
-              <a:rPr lang="en-US" sz="1400" kern="0" dirty="0" smtClean="0">
-                <a:solidFill>
-                  <a:srgbClr val="000000"/>
-                </a:solidFill>
-                <a:latin typeface="Arial"/>
-              </a:rPr>
-              <a:t> Comparison of PLL input and output</a:t>
+              <a:t>Key rates are compared for collective attack (lower lines) and</a:t>
             </a:r>
           </a:p>
           <a:p>
@@ -12668,19 +12667,32 @@
                 </a:solidFill>
                 <a:latin typeface="Arial"/>
               </a:rPr>
-              <a:t>n time (top) and frequency (bottom) domain. </a:t>
-            </a:r>
-            <a:endParaRPr kumimoji="0" sz="1200" b="0" i="0" u="none" strike="noStrike" kern="0" cap="none" spc="0" normalizeH="0" baseline="0" noProof="0" dirty="0" smtClean="0">
-              <a:ln>
-                <a:noFill/>
-              </a:ln>
-              <a:solidFill>
-                <a:prstClr val="black"/>
-              </a:solidFill>
-              <a:effectLst/>
-              <a:uLnTx/>
-              <a:uFillTx/>
-            </a:endParaRPr>
+              <a:t>ndividual (upper lines). The discretization introduces a penalty</a:t>
+            </a:r>
+          </a:p>
+          <a:p>
+            <a:pPr lvl="0" defTabSz="914400"/>
+            <a:r>
+              <a:rPr lang="en-US" sz="1400" kern="0" dirty="0" smtClean="0">
+                <a:solidFill>
+                  <a:srgbClr val="000000"/>
+                </a:solidFill>
+                <a:latin typeface="Arial"/>
+              </a:rPr>
+              <a:t>(lines with (o) and (+)) compared to the case where the </a:t>
+            </a:r>
+          </a:p>
+          <a:p>
+            <a:pPr lvl="0" defTabSz="914400"/>
+            <a:r>
+              <a:rPr lang="en-US" sz="1400" kern="0" dirty="0" smtClean="0">
+                <a:solidFill>
+                  <a:srgbClr val="000000"/>
+                </a:solidFill>
+                <a:latin typeface="Arial"/>
+              </a:rPr>
+              <a:t>discretization noise is negligible (solid lines).</a:t>
+            </a:r>
           </a:p>
         </p:txBody>
       </p:sp>
@@ -12712,18 +12724,33 @@
             </a:r>
             <a:r>
               <a:rPr lang="nn-NO" sz="2800" dirty="0"/>
-              <a:t>Opt. Lett. 40 (16), 3695–3698, (2015</a:t>
+              <a:t>Opt. Lett. </a:t>
+            </a:r>
+            <a:r>
+              <a:rPr lang="nn-NO" sz="2800" b="1" dirty="0"/>
+              <a:t>40</a:t>
+            </a:r>
+            <a:r>
+              <a:rPr lang="nn-NO" sz="2800" dirty="0"/>
+              <a:t> (16), 3695–3698, (2015</a:t>
             </a:r>
             <a:r>
               <a:rPr lang="nn-NO" sz="2800" dirty="0" smtClean="0"/>
               <a:t>)</a:t>
             </a:r>
-            <a:endParaRPr lang="nn-NO" sz="2800" dirty="0" smtClean="0"/>
           </a:p>
           <a:p>
             <a:r>
               <a:rPr lang="nn-NO" sz="2800" dirty="0" smtClean="0"/>
-              <a:t>[7] Opt. Lett. 42 (8</a:t>
+              <a:t>[7] Opt. Lett. </a:t>
+            </a:r>
+            <a:r>
+              <a:rPr lang="nn-NO" sz="2800" b="1" dirty="0" smtClean="0"/>
+              <a:t>42</a:t>
+            </a:r>
+            <a:r>
+              <a:rPr lang="nn-NO" sz="2800" dirty="0" smtClean="0"/>
+              <a:t> (8</a:t>
             </a:r>
             <a:r>
               <a:rPr lang="nn-NO" sz="2800" dirty="0"/>
@@ -12753,7 +12780,15 @@
             </a:r>
             <a:r>
               <a:rPr lang="da-DK" sz="2800" dirty="0"/>
-              <a:t>. 84, </a:t>
+              <a:t>. </a:t>
+            </a:r>
+            <a:r>
+              <a:rPr lang="da-DK" sz="2800" b="1" dirty="0"/>
+              <a:t>84</a:t>
+            </a:r>
+            <a:r>
+              <a:rPr lang="da-DK" sz="2800" dirty="0"/>
+              <a:t>, </a:t>
             </a:r>
             <a:r>
               <a:rPr lang="da-DK" sz="2800" dirty="0" smtClean="0"/>
@@ -12795,7 +12830,23 @@
           <a:p>
             <a:r>
               <a:rPr lang="nn-NO" sz="2800" dirty="0"/>
-              <a:t>[3]Rev. Mod. Phys. 81, 1301, (2009</a:t>
+              <a:t>[3</a:t>
+            </a:r>
+            <a:r>
+              <a:rPr lang="nn-NO" sz="2800" dirty="0" smtClean="0"/>
+              <a:t>] Rev</a:t>
+            </a:r>
+            <a:r>
+              <a:rPr lang="nn-NO" sz="2800" dirty="0"/>
+              <a:t>. Mod. Phys. </a:t>
+            </a:r>
+            <a:r>
+              <a:rPr lang="nn-NO" sz="2800" b="1" dirty="0"/>
+              <a:t>81</a:t>
+            </a:r>
+            <a:r>
+              <a:rPr lang="nn-NO" sz="2800" dirty="0"/>
+              <a:t>, 1301, (2009</a:t>
             </a:r>
             <a:r>
               <a:rPr lang="nn-NO" sz="2800" dirty="0" smtClean="0"/>
@@ -12806,11 +12857,15 @@
           <a:p>
             <a:r>
               <a:rPr lang="en-US" sz="2800" dirty="0" smtClean="0"/>
-              <a:t>[4</a:t>
+              <a:t>[4] Phys. Rev. X </a:t>
+            </a:r>
+            <a:r>
+              <a:rPr lang="en-US" sz="2800" b="1" dirty="0" smtClean="0"/>
+              <a:t>5</a:t>
             </a:r>
             <a:r>
               <a:rPr lang="en-US" sz="2800" dirty="0" smtClean="0"/>
-              <a:t>] Phys. Rev. X 5, 041009, </a:t>
+              <a:t>, 041009, </a:t>
             </a:r>
             <a:r>
               <a:rPr lang="en-US" sz="2800" dirty="0"/>
@@ -12832,15 +12887,15 @@
             </a:r>
             <a:r>
               <a:rPr lang="en-US" sz="2800" dirty="0" smtClean="0"/>
-              <a:t>X 5</a:t>
-            </a:r>
-            <a:r>
-              <a:rPr lang="en-US" sz="2800" smtClean="0"/>
-              <a:t>, 041010, </a:t>
+              <a:t>X </a:t>
+            </a:r>
+            <a:r>
+              <a:rPr lang="en-US" sz="2800" b="1" dirty="0" smtClean="0"/>
+              <a:t>5</a:t>
             </a:r>
             <a:r>
               <a:rPr lang="en-US" sz="2800" dirty="0" smtClean="0"/>
-              <a:t>(2015)</a:t>
+              <a:t>, 041010, (2015)</a:t>
             </a:r>
           </a:p>
         </p:txBody>
@@ -12873,7 +12928,15 @@
             </a:r>
             <a:r>
               <a:rPr lang="nn-NO" sz="2800" dirty="0"/>
-              <a:t>. Rev. Lett. 114, </a:t>
+              <a:t>. Rev. Lett. </a:t>
+            </a:r>
+            <a:r>
+              <a:rPr lang="nn-NO" sz="2800" b="1" dirty="0"/>
+              <a:t>114</a:t>
+            </a:r>
+            <a:r>
+              <a:rPr lang="nn-NO" sz="2800" dirty="0"/>
+              <a:t>, </a:t>
             </a:r>
             <a:r>
               <a:rPr lang="nn-NO" sz="2800" dirty="0" smtClean="0"/>
@@ -12895,7 +12958,15 @@
             </a:r>
             <a:r>
               <a:rPr lang="nn-NO" sz="2800" dirty="0"/>
-              <a:t>. Rev. Lett. 118, </a:t>
+              <a:t>. Rev. Lett. </a:t>
+            </a:r>
+            <a:r>
+              <a:rPr lang="nn-NO" sz="2800" b="1" dirty="0"/>
+              <a:t>118</a:t>
+            </a:r>
+            <a:r>
+              <a:rPr lang="nn-NO" sz="2800" dirty="0"/>
+              <a:t>, </a:t>
             </a:r>
             <a:r>
               <a:rPr lang="nn-NO" sz="2800" dirty="0" smtClean="0"/>

--- a/poster1.PPTX
+++ b/poster1.PPTX
@@ -12568,11 +12568,7 @@
             </a:pPr>
             <a:r>
               <a:rPr lang="en-US" sz="2800" dirty="0" smtClean="0"/>
-              <a:t>The proof against coherent attacks requires currently </a:t>
-            </a:r>
-            <a:r>
-              <a:rPr lang="en-US" sz="2800" dirty="0" smtClean="0"/>
-              <a:t>an unfeasible </a:t>
+              <a:t>The proof against coherent attacks requires currently an unfeasible </a:t>
             </a:r>
             <a:r>
               <a:rPr lang="en-US" sz="2800" dirty="0" err="1" smtClean="0"/>
@@ -12630,7 +12626,25 @@
               </a:rPr>
               <a:t>Comparison of secret key rates as a function of block size. </a:t>
             </a:r>
-            <a:endParaRPr lang="en-US" sz="1400" kern="0" dirty="0">
+            <a:r>
+              <a:rPr lang="en-US" sz="1400" kern="0" dirty="0" smtClean="0">
+                <a:solidFill>
+                  <a:srgbClr val="000000"/>
+                </a:solidFill>
+                <a:latin typeface="Arial"/>
+              </a:rPr>
+              <a:t>Key </a:t>
+            </a:r>
+            <a:r>
+              <a:rPr lang="en-US" sz="1400" kern="0" dirty="0" smtClean="0">
+                <a:solidFill>
+                  <a:srgbClr val="000000"/>
+                </a:solidFill>
+                <a:latin typeface="Arial"/>
+              </a:rPr>
+              <a:t>rates </a:t>
+            </a:r>
+            <a:endParaRPr lang="en-US" sz="1400" kern="0" dirty="0" smtClean="0">
               <a:solidFill>
                 <a:srgbClr val="000000"/>
               </a:solidFill>
@@ -12646,7 +12660,34 @@
                 </a:solidFill>
                 <a:latin typeface="Arial"/>
               </a:rPr>
-              <a:t>Key rates are compared for collective attack (lower lines) and</a:t>
+              <a:t>are </a:t>
+            </a:r>
+            <a:r>
+              <a:rPr lang="en-US" sz="1400" kern="0" dirty="0" smtClean="0">
+                <a:solidFill>
+                  <a:srgbClr val="000000"/>
+                </a:solidFill>
+                <a:latin typeface="Arial"/>
+              </a:rPr>
+              <a:t>compared for collective attack </a:t>
+            </a:r>
+            <a:r>
+              <a:rPr lang="en-US" sz="1400" kern="0" dirty="0" smtClean="0">
+                <a:solidFill>
+                  <a:srgbClr val="000000"/>
+                </a:solidFill>
+                <a:latin typeface="Arial"/>
+              </a:rPr>
+              <a:t>(dashed and lines with (+)) </a:t>
+            </a:r>
+            <a:r>
+              <a:rPr lang="en-US" sz="1400" kern="0" dirty="0" smtClean="0">
+                <a:solidFill>
+                  <a:srgbClr val="000000"/>
+                </a:solidFill>
+                <a:latin typeface="Arial"/>
+              </a:rPr>
+              <a:t>and</a:t>
             </a:r>
           </a:p>
           <a:p>
@@ -12667,11 +12708,8 @@
                 </a:solidFill>
                 <a:latin typeface="Arial"/>
               </a:rPr>
-              <a:t>ndividual (upper lines). The discretization introduces a penalty</a:t>
-            </a:r>
-          </a:p>
-          <a:p>
-            <a:pPr lvl="0" defTabSz="914400"/>
+              <a:t>ndividual </a:t>
+            </a:r>
             <a:r>
               <a:rPr lang="en-US" sz="1400" kern="0" dirty="0" smtClean="0">
                 <a:solidFill>
@@ -12679,11 +12717,8 @@
                 </a:solidFill>
                 <a:latin typeface="Arial"/>
               </a:rPr>
-              <a:t>(lines with (o) and (+)) compared to the case where the </a:t>
-            </a:r>
-          </a:p>
-          <a:p>
-            <a:pPr lvl="0" defTabSz="914400"/>
+              <a:t>(solid and lines with (o)). </a:t>
+            </a:r>
             <a:r>
               <a:rPr lang="en-US" sz="1400" kern="0" dirty="0" smtClean="0">
                 <a:solidFill>
@@ -12691,8 +12726,80 @@
                 </a:solidFill>
                 <a:latin typeface="Arial"/>
               </a:rPr>
-              <a:t>discretization noise is negligible (solid lines).</a:t>
-            </a:r>
+              <a:t>The discretization introduces </a:t>
+            </a:r>
+            <a:endParaRPr lang="en-US" sz="1400" kern="0" dirty="0" smtClean="0">
+              <a:solidFill>
+                <a:srgbClr val="000000"/>
+              </a:solidFill>
+              <a:latin typeface="Arial"/>
+            </a:endParaRPr>
+          </a:p>
+          <a:p>
+            <a:pPr lvl="0" defTabSz="914400"/>
+            <a:r>
+              <a:rPr lang="en-US" sz="1400" kern="0" smtClean="0">
+                <a:solidFill>
+                  <a:srgbClr val="000000"/>
+                </a:solidFill>
+                <a:latin typeface="Arial"/>
+              </a:rPr>
+              <a:t>a penalty (solid </a:t>
+            </a:r>
+            <a:r>
+              <a:rPr lang="en-US" sz="1400" kern="0" dirty="0" smtClean="0">
+                <a:solidFill>
+                  <a:srgbClr val="000000"/>
+                </a:solidFill>
+                <a:latin typeface="Arial"/>
+              </a:rPr>
+              <a:t>and dashed lines) compared </a:t>
+            </a:r>
+            <a:r>
+              <a:rPr lang="en-US" sz="1400" kern="0" dirty="0" smtClean="0">
+                <a:solidFill>
+                  <a:srgbClr val="000000"/>
+                </a:solidFill>
+                <a:latin typeface="Arial"/>
+              </a:rPr>
+              <a:t>to the case where the </a:t>
+            </a:r>
+          </a:p>
+          <a:p>
+            <a:pPr lvl="0" defTabSz="914400"/>
+            <a:r>
+              <a:rPr lang="en-US" sz="1400" kern="0" dirty="0" smtClean="0">
+                <a:solidFill>
+                  <a:srgbClr val="000000"/>
+                </a:solidFill>
+                <a:latin typeface="Arial"/>
+              </a:rPr>
+              <a:t>discretization noise is negligible </a:t>
+            </a:r>
+            <a:r>
+              <a:rPr lang="en-US" sz="1400" kern="0" dirty="0">
+                <a:solidFill>
+                  <a:srgbClr val="000000"/>
+                </a:solidFill>
+                <a:latin typeface="Arial"/>
+              </a:rPr>
+              <a:t>(lines with (o) and (+)) </a:t>
+            </a:r>
+            <a:r>
+              <a:rPr lang="en-US" sz="1400" kern="0" dirty="0" smtClean="0">
+                <a:solidFill>
+                  <a:srgbClr val="000000"/>
+                </a:solidFill>
+                <a:latin typeface="Arial"/>
+              </a:rPr>
+              <a:t>.</a:t>
+            </a:r>
+            <a:endParaRPr lang="en-US" sz="1400" kern="0" dirty="0" smtClean="0">
+              <a:solidFill>
+                <a:srgbClr val="000000"/>
+              </a:solidFill>
+              <a:latin typeface="Arial"/>
+            </a:endParaRPr>
           </a:p>
         </p:txBody>
       </p:sp>
@@ -12982,7 +13089,7 @@
       </p:sp>
       <p:pic>
         <p:nvPicPr>
-          <p:cNvPr id="34" name="Picture 33"/>
+          <p:cNvPr id="36" name="Picture 35"/>
           <p:cNvPicPr>
             <a:picLocks noChangeAspect="1"/>
           </p:cNvPicPr>
@@ -12990,36 +13097,6 @@
         </p:nvPicPr>
         <p:blipFill>
           <a:blip r:embed="rId23" cstate="print">
-            <a:extLst>
-              <a:ext uri="{28A0092B-C50C-407E-A947-70E740481C1C}">
-                <a14:useLocalDpi xmlns:a14="http://schemas.microsoft.com/office/drawing/2010/main" val="0"/>
-              </a:ext>
-            </a:extLst>
-          </a:blip>
-          <a:stretch>
-            <a:fillRect/>
-          </a:stretch>
-        </p:blipFill>
-        <p:spPr>
-          <a:xfrm>
-            <a:off x="18030899" y="36156709"/>
-            <a:ext cx="4647677" cy="2803943"/>
-          </a:xfrm>
-          <a:prstGeom prst="rect">
-            <a:avLst/>
-          </a:prstGeom>
-        </p:spPr>
-      </p:pic>
-      <p:pic>
-        <p:nvPicPr>
-          <p:cNvPr id="36" name="Picture 35"/>
-          <p:cNvPicPr>
-            <a:picLocks noChangeAspect="1"/>
-          </p:cNvPicPr>
-          <p:nvPr/>
-        </p:nvPicPr>
-        <p:blipFill>
-          <a:blip r:embed="rId24" cstate="print">
             <a:extLst>
               <a:ext uri="{28A0092B-C50C-407E-A947-70E740481C1C}">
                 <a14:useLocalDpi xmlns:a14="http://schemas.microsoft.com/office/drawing/2010/main" val="0"/>
@@ -13901,7 +13978,7 @@
           </p:nvPr>
         </p:nvPicPr>
         <p:blipFill>
-          <a:blip r:embed="rId25" cstate="print">
+          <a:blip r:embed="rId24" cstate="print">
             <a:extLst>
               <a:ext uri="{28A0092B-C50C-407E-A947-70E740481C1C}">
                 <a14:useLocalDpi xmlns:a14="http://schemas.microsoft.com/office/drawing/2010/main" val="0"/>
@@ -13935,7 +14012,7 @@
           </p:nvPr>
         </p:nvPicPr>
         <p:blipFill>
-          <a:blip r:embed="rId26" cstate="print">
+          <a:blip r:embed="rId25" cstate="print">
             <a:extLst>
               <a:ext uri="{28A0092B-C50C-407E-A947-70E740481C1C}">
                 <a14:useLocalDpi xmlns:a14="http://schemas.microsoft.com/office/drawing/2010/main" val="0"/>
@@ -13999,7 +14076,7 @@
           </p:nvPr>
         </p:nvPicPr>
         <p:blipFill>
-          <a:blip r:embed="rId27" cstate="print">
+          <a:blip r:embed="rId26" cstate="print">
             <a:extLst>
               <a:ext uri="{28A0092B-C50C-407E-A947-70E740481C1C}">
                 <a14:useLocalDpi xmlns:a14="http://schemas.microsoft.com/office/drawing/2010/main" val="0"/>
@@ -21411,6 +21488,36 @@
           </a:p>
         </p:txBody>
       </p:sp>
+      <p:pic>
+        <p:nvPicPr>
+          <p:cNvPr id="4" name="Picture 3"/>
+          <p:cNvPicPr>
+            <a:picLocks noChangeAspect="1"/>
+          </p:cNvPicPr>
+          <p:nvPr/>
+        </p:nvPicPr>
+        <p:blipFill>
+          <a:blip r:embed="rId27" cstate="print">
+            <a:extLst>
+              <a:ext uri="{28A0092B-C50C-407E-A947-70E740481C1C}">
+                <a14:useLocalDpi xmlns:a14="http://schemas.microsoft.com/office/drawing/2010/main" val="0"/>
+              </a:ext>
+            </a:extLst>
+          </a:blip>
+          <a:stretch>
+            <a:fillRect/>
+          </a:stretch>
+        </p:blipFill>
+        <p:spPr>
+          <a:xfrm>
+            <a:off x="17881034" y="35993358"/>
+            <a:ext cx="5098705" cy="3076048"/>
+          </a:xfrm>
+          <a:prstGeom prst="rect">
+            <a:avLst/>
+          </a:prstGeom>
+        </p:spPr>
+      </p:pic>
     </p:spTree>
     <p:extLst>
       <p:ext uri="{BB962C8B-B14F-4D97-AF65-F5344CB8AC3E}">

--- a/poster1.PPTX
+++ b/poster1.PPTX
@@ -3168,8 +3168,8 @@
         </p:nvSpPr>
         <p:spPr bwMode="auto">
           <a:xfrm>
-            <a:off x="506006" y="35197052"/>
-            <a:ext cx="16749705" cy="5237319"/>
+            <a:off x="506006" y="35213520"/>
+            <a:ext cx="16749705" cy="5220851"/>
           </a:xfrm>
           <a:prstGeom prst="roundRect">
             <a:avLst>
@@ -3343,187 +3343,12 @@
         </p:nvSpPr>
         <p:spPr bwMode="auto">
           <a:xfrm>
-            <a:off x="447602" y="29270339"/>
-            <a:ext cx="29160648" cy="5611116"/>
+            <a:off x="506006" y="29270339"/>
+            <a:ext cx="29102244" cy="5611116"/>
           </a:xfrm>
           <a:prstGeom prst="roundRect">
             <a:avLst>
               <a:gd name="adj" fmla="val 10870"/>
-            </a:avLst>
-          </a:prstGeom>
-          <a:ln w="76200">
-            <a:headEnd/>
-            <a:tailEnd/>
-          </a:ln>
-          <a:extLst/>
-        </p:spPr>
-        <p:style>
-          <a:lnRef idx="2">
-            <a:schemeClr val="accent2"/>
-          </a:lnRef>
-          <a:fillRef idx="1">
-            <a:schemeClr val="lt1"/>
-          </a:fillRef>
-          <a:effectRef idx="0">
-            <a:schemeClr val="accent2"/>
-          </a:effectRef>
-          <a:fontRef idx="minor">
-            <a:schemeClr val="dk1"/>
-          </a:fontRef>
-        </p:style>
-        <p:txBody>
-          <a:bodyPr wrap="none" lIns="102784" tIns="51392" rIns="102784" bIns="51392" anchor="ctr"/>
-          <a:lstStyle>
-            <a:defPPr>
-              <a:defRPr lang="en-US"/>
-            </a:defPPr>
-            <a:lvl1pPr algn="ctr" rtl="0" fontAlgn="base">
-              <a:spcBef>
-                <a:spcPct val="0"/>
-              </a:spcBef>
-              <a:spcAft>
-                <a:spcPct val="0"/>
-              </a:spcAft>
-              <a:defRPr sz="6900" kern="1200">
-                <a:solidFill>
-                  <a:schemeClr val="tx1"/>
-                </a:solidFill>
-                <a:latin typeface="Arial" charset="0"/>
-                <a:ea typeface="+mn-ea"/>
-                <a:cs typeface="+mn-cs"/>
-              </a:defRPr>
-            </a:lvl1pPr>
-            <a:lvl2pPr marL="457200" algn="ctr" rtl="0" fontAlgn="base">
-              <a:spcBef>
-                <a:spcPct val="0"/>
-              </a:spcBef>
-              <a:spcAft>
-                <a:spcPct val="0"/>
-              </a:spcAft>
-              <a:defRPr sz="6900" kern="1200">
-                <a:solidFill>
-                  <a:schemeClr val="tx1"/>
-                </a:solidFill>
-                <a:latin typeface="Arial" charset="0"/>
-                <a:ea typeface="+mn-ea"/>
-                <a:cs typeface="+mn-cs"/>
-              </a:defRPr>
-            </a:lvl2pPr>
-            <a:lvl3pPr marL="914400" algn="ctr" rtl="0" fontAlgn="base">
-              <a:spcBef>
-                <a:spcPct val="0"/>
-              </a:spcBef>
-              <a:spcAft>
-                <a:spcPct val="0"/>
-              </a:spcAft>
-              <a:defRPr sz="6900" kern="1200">
-                <a:solidFill>
-                  <a:schemeClr val="tx1"/>
-                </a:solidFill>
-                <a:latin typeface="Arial" charset="0"/>
-                <a:ea typeface="+mn-ea"/>
-                <a:cs typeface="+mn-cs"/>
-              </a:defRPr>
-            </a:lvl3pPr>
-            <a:lvl4pPr marL="1371600" algn="ctr" rtl="0" fontAlgn="base">
-              <a:spcBef>
-                <a:spcPct val="0"/>
-              </a:spcBef>
-              <a:spcAft>
-                <a:spcPct val="0"/>
-              </a:spcAft>
-              <a:defRPr sz="6900" kern="1200">
-                <a:solidFill>
-                  <a:schemeClr val="tx1"/>
-                </a:solidFill>
-                <a:latin typeface="Arial" charset="0"/>
-                <a:ea typeface="+mn-ea"/>
-                <a:cs typeface="+mn-cs"/>
-              </a:defRPr>
-            </a:lvl4pPr>
-            <a:lvl5pPr marL="1828800" algn="ctr" rtl="0" fontAlgn="base">
-              <a:spcBef>
-                <a:spcPct val="0"/>
-              </a:spcBef>
-              <a:spcAft>
-                <a:spcPct val="0"/>
-              </a:spcAft>
-              <a:defRPr sz="6900" kern="1200">
-                <a:solidFill>
-                  <a:schemeClr val="tx1"/>
-                </a:solidFill>
-                <a:latin typeface="Arial" charset="0"/>
-                <a:ea typeface="+mn-ea"/>
-                <a:cs typeface="+mn-cs"/>
-              </a:defRPr>
-            </a:lvl5pPr>
-            <a:lvl6pPr marL="2286000" algn="l" defTabSz="914400" rtl="0" eaLnBrk="1" latinLnBrk="0" hangingPunct="1">
-              <a:defRPr sz="6900" kern="1200">
-                <a:solidFill>
-                  <a:schemeClr val="tx1"/>
-                </a:solidFill>
-                <a:latin typeface="Arial" charset="0"/>
-                <a:ea typeface="+mn-ea"/>
-                <a:cs typeface="+mn-cs"/>
-              </a:defRPr>
-            </a:lvl6pPr>
-            <a:lvl7pPr marL="2743200" algn="l" defTabSz="914400" rtl="0" eaLnBrk="1" latinLnBrk="0" hangingPunct="1">
-              <a:defRPr sz="6900" kern="1200">
-                <a:solidFill>
-                  <a:schemeClr val="tx1"/>
-                </a:solidFill>
-                <a:latin typeface="Arial" charset="0"/>
-                <a:ea typeface="+mn-ea"/>
-                <a:cs typeface="+mn-cs"/>
-              </a:defRPr>
-            </a:lvl7pPr>
-            <a:lvl8pPr marL="3200400" algn="l" defTabSz="914400" rtl="0" eaLnBrk="1" latinLnBrk="0" hangingPunct="1">
-              <a:defRPr sz="6900" kern="1200">
-                <a:solidFill>
-                  <a:schemeClr val="tx1"/>
-                </a:solidFill>
-                <a:latin typeface="Arial" charset="0"/>
-                <a:ea typeface="+mn-ea"/>
-                <a:cs typeface="+mn-cs"/>
-              </a:defRPr>
-            </a:lvl8pPr>
-            <a:lvl9pPr marL="3657600" algn="l" defTabSz="914400" rtl="0" eaLnBrk="1" latinLnBrk="0" hangingPunct="1">
-              <a:defRPr sz="6900" kern="1200">
-                <a:solidFill>
-                  <a:schemeClr val="tx1"/>
-                </a:solidFill>
-                <a:latin typeface="Arial" charset="0"/>
-                <a:ea typeface="+mn-ea"/>
-                <a:cs typeface="+mn-cs"/>
-              </a:defRPr>
-            </a:lvl9pPr>
-          </a:lstStyle>
-          <a:p>
-            <a:pPr eaLnBrk="1" hangingPunct="1"/>
-            <a:endParaRPr lang="en-US" altLang="en-US" dirty="0">
-              <a:solidFill>
-                <a:schemeClr val="bg1"/>
-              </a:solidFill>
-            </a:endParaRPr>
-          </a:p>
-        </p:txBody>
-      </p:sp>
-      <p:sp>
-        <p:nvSpPr>
-          <p:cNvPr id="18" name="AutoShape 13 3"/>
-          <p:cNvSpPr>
-            <a:spLocks noChangeArrowheads="1"/>
-          </p:cNvSpPr>
-          <p:nvPr/>
-        </p:nvSpPr>
-        <p:spPr bwMode="auto">
-          <a:xfrm>
-            <a:off x="447602" y="18363561"/>
-            <a:ext cx="29160648" cy="10544704"/>
-          </a:xfrm>
-          <a:prstGeom prst="roundRect">
-            <a:avLst>
-              <a:gd name="adj" fmla="val 7979"/>
             </a:avLst>
           </a:prstGeom>
           <a:ln w="76200">
@@ -4216,42 +4041,6 @@
       </p:sp>
       <p:sp>
         <p:nvSpPr>
-          <p:cNvPr id="25" name="TextBox 24"/>
-          <p:cNvSpPr txBox="1"/>
-          <p:nvPr/>
-        </p:nvSpPr>
-        <p:spPr>
-          <a:xfrm>
-            <a:off x="940199" y="18634819"/>
-            <a:ext cx="13416489" cy="868936"/>
-          </a:xfrm>
-          <a:prstGeom prst="rect">
-            <a:avLst/>
-          </a:prstGeom>
-          <a:noFill/>
-        </p:spPr>
-        <p:txBody>
-          <a:bodyPr wrap="square" lIns="129013" tIns="64506" rIns="129013" bIns="64506" rtlCol="0">
-            <a:spAutoFit/>
-          </a:bodyPr>
-          <a:lstStyle/>
-          <a:p>
-            <a:r>
-              <a:rPr lang="en-US" sz="4800" dirty="0" smtClean="0">
-                <a:latin typeface="Arial" panose="020B0604020202020204" pitchFamily="34" charset="0"/>
-                <a:cs typeface="Arial" panose="020B0604020202020204" pitchFamily="34" charset="0"/>
-              </a:rPr>
-              <a:t>Current setup and component characterization</a:t>
-            </a:r>
-            <a:endParaRPr lang="en-US" sz="4800" dirty="0">
-              <a:latin typeface="Arial" panose="020B0604020202020204" pitchFamily="34" charset="0"/>
-              <a:cs typeface="Arial" panose="020B0604020202020204" pitchFamily="34" charset="0"/>
-            </a:endParaRPr>
-          </a:p>
-        </p:txBody>
-      </p:sp>
-      <p:sp>
-        <p:nvSpPr>
           <p:cNvPr id="26" name="TextBox 25"/>
           <p:cNvSpPr txBox="1"/>
           <p:nvPr/>
@@ -4750,54 +4539,6 @@
       </p:sp>
       <p:sp>
         <p:nvSpPr>
-          <p:cNvPr id="55" name="Rectangle 54"/>
-          <p:cNvSpPr/>
-          <p:nvPr/>
-        </p:nvSpPr>
-        <p:spPr>
-          <a:xfrm>
-            <a:off x="28163837" y="21854319"/>
-            <a:ext cx="609600" cy="609600"/>
-          </a:xfrm>
-          <a:prstGeom prst="rect">
-            <a:avLst/>
-          </a:prstGeom>
-          <a:solidFill>
-            <a:schemeClr val="bg1"/>
-          </a:solidFill>
-          <a:ln>
-            <a:solidFill>
-              <a:schemeClr val="bg1"/>
-            </a:solidFill>
-          </a:ln>
-        </p:spPr>
-        <p:style>
-          <a:lnRef idx="2">
-            <a:schemeClr val="accent1">
-              <a:shade val="50000"/>
-            </a:schemeClr>
-          </a:lnRef>
-          <a:fillRef idx="1">
-            <a:schemeClr val="accent1"/>
-          </a:fillRef>
-          <a:effectRef idx="0">
-            <a:schemeClr val="accent1"/>
-          </a:effectRef>
-          <a:fontRef idx="minor">
-            <a:schemeClr val="lt1"/>
-          </a:fontRef>
-        </p:style>
-        <p:txBody>
-          <a:bodyPr rtlCol="0" anchor="ctr"/>
-          <a:lstStyle/>
-          <a:p>
-            <a:pPr algn="ctr"/>
-            <a:endParaRPr lang="en-US"/>
-          </a:p>
-        </p:txBody>
-      </p:sp>
-      <p:sp>
-        <p:nvSpPr>
           <p:cNvPr id="69" name="Rectangle 68"/>
           <p:cNvSpPr/>
           <p:nvPr/>
@@ -4913,1096 +4654,6 @@
           </a:p>
         </p:txBody>
       </p:sp>
-      <p:cxnSp>
-        <p:nvCxnSpPr>
-          <p:cNvPr id="191" name="Straight Connector 190"/>
-          <p:cNvCxnSpPr/>
-          <p:nvPr/>
-        </p:nvCxnSpPr>
-        <p:spPr>
-          <a:xfrm flipV="1">
-            <a:off x="3367570" y="20926540"/>
-            <a:ext cx="274320" cy="2577"/>
-          </a:xfrm>
-          <a:prstGeom prst="line">
-            <a:avLst/>
-          </a:prstGeom>
-          <a:ln w="28575">
-            <a:solidFill>
-              <a:srgbClr val="0070C0"/>
-            </a:solidFill>
-            <a:headEnd type="none" w="med" len="med"/>
-            <a:tailEnd type="arrow" w="med" len="med"/>
-          </a:ln>
-        </p:spPr>
-        <p:style>
-          <a:lnRef idx="1">
-            <a:schemeClr val="accent1"/>
-          </a:lnRef>
-          <a:fillRef idx="0">
-            <a:schemeClr val="accent1"/>
-          </a:fillRef>
-          <a:effectRef idx="0">
-            <a:schemeClr val="accent1"/>
-          </a:effectRef>
-          <a:fontRef idx="minor">
-            <a:schemeClr val="tx1"/>
-          </a:fontRef>
-        </p:style>
-      </p:cxnSp>
-      <p:cxnSp>
-        <p:nvCxnSpPr>
-          <p:cNvPr id="193" name="Straight Connector 192"/>
-          <p:cNvCxnSpPr/>
-          <p:nvPr/>
-        </p:nvCxnSpPr>
-        <p:spPr>
-          <a:xfrm>
-            <a:off x="2725468" y="20930149"/>
-            <a:ext cx="11019307" cy="11549"/>
-          </a:xfrm>
-          <a:prstGeom prst="line">
-            <a:avLst/>
-          </a:prstGeom>
-          <a:ln w="28575">
-            <a:solidFill>
-              <a:srgbClr val="0070C0"/>
-            </a:solidFill>
-          </a:ln>
-        </p:spPr>
-        <p:style>
-          <a:lnRef idx="1">
-            <a:schemeClr val="accent1"/>
-          </a:lnRef>
-          <a:fillRef idx="0">
-            <a:schemeClr val="accent1"/>
-          </a:fillRef>
-          <a:effectRef idx="0">
-            <a:schemeClr val="accent1"/>
-          </a:effectRef>
-          <a:fontRef idx="minor">
-            <a:schemeClr val="tx1"/>
-          </a:fontRef>
-        </p:style>
-      </p:cxnSp>
-      <p:sp>
-        <p:nvSpPr>
-          <p:cNvPr id="202" name="CustomShape 17 1"/>
-          <p:cNvSpPr/>
-          <p:nvPr/>
-        </p:nvSpPr>
-        <p:spPr>
-          <a:xfrm>
-            <a:off x="2435298" y="20446915"/>
-            <a:ext cx="2008576" cy="967282"/>
-          </a:xfrm>
-          <a:prstGeom prst="parallelogram">
-            <a:avLst>
-              <a:gd name="adj" fmla="val 25000"/>
-            </a:avLst>
-          </a:prstGeom>
-          <a:solidFill>
-            <a:srgbClr val="808080"/>
-          </a:solidFill>
-          <a:ln w="25560">
-            <a:noFill/>
-          </a:ln>
-        </p:spPr>
-      </p:sp>
-      <p:sp>
-        <p:nvSpPr>
-          <p:cNvPr id="205" name="Hexagon 204"/>
-          <p:cNvSpPr/>
-          <p:nvPr/>
-        </p:nvSpPr>
-        <p:spPr>
-          <a:xfrm>
-            <a:off x="9807296" y="20439851"/>
-            <a:ext cx="1770568" cy="982636"/>
-          </a:xfrm>
-          <a:prstGeom prst="hexagon">
-            <a:avLst/>
-          </a:prstGeom>
-          <a:solidFill>
-            <a:schemeClr val="accent6">
-              <a:lumMod val="75000"/>
-            </a:schemeClr>
-          </a:solidFill>
-          <a:ln>
-            <a:noFill/>
-          </a:ln>
-        </p:spPr>
-        <p:style>
-          <a:lnRef idx="2">
-            <a:schemeClr val="accent1">
-              <a:shade val="50000"/>
-            </a:schemeClr>
-          </a:lnRef>
-          <a:fillRef idx="1">
-            <a:schemeClr val="accent1"/>
-          </a:fillRef>
-          <a:effectRef idx="0">
-            <a:schemeClr val="accent1"/>
-          </a:effectRef>
-          <a:fontRef idx="minor">
-            <a:schemeClr val="lt1"/>
-          </a:fontRef>
-        </p:style>
-        <p:txBody>
-          <a:bodyPr rtlCol="0" anchor="ctr"/>
-          <a:lstStyle/>
-          <a:p>
-            <a:pPr algn="ctr"/>
-            <a:endParaRPr lang="en-US"/>
-          </a:p>
-        </p:txBody>
-      </p:sp>
-      <p:sp>
-        <p:nvSpPr>
-          <p:cNvPr id="207" name="Hexagon 206"/>
-          <p:cNvSpPr/>
-          <p:nvPr/>
-        </p:nvSpPr>
-        <p:spPr>
-          <a:xfrm>
-            <a:off x="7606356" y="20446916"/>
-            <a:ext cx="1956418" cy="1009094"/>
-          </a:xfrm>
-          <a:prstGeom prst="hexagon">
-            <a:avLst/>
-          </a:prstGeom>
-          <a:solidFill>
-            <a:srgbClr val="BF9000"/>
-          </a:solidFill>
-          <a:ln>
-            <a:noFill/>
-          </a:ln>
-        </p:spPr>
-        <p:style>
-          <a:lnRef idx="2">
-            <a:schemeClr val="accent1">
-              <a:shade val="50000"/>
-            </a:schemeClr>
-          </a:lnRef>
-          <a:fillRef idx="1">
-            <a:schemeClr val="accent1"/>
-          </a:fillRef>
-          <a:effectRef idx="0">
-            <a:schemeClr val="accent1"/>
-          </a:effectRef>
-          <a:fontRef idx="minor">
-            <a:schemeClr val="lt1"/>
-          </a:fontRef>
-        </p:style>
-        <p:txBody>
-          <a:bodyPr rtlCol="0" anchor="ctr"/>
-          <a:lstStyle/>
-          <a:p>
-            <a:pPr algn="ctr"/>
-            <a:endParaRPr lang="en-US"/>
-          </a:p>
-        </p:txBody>
-      </p:sp>
-      <p:sp>
-        <p:nvSpPr>
-          <p:cNvPr id="208" name="CustomShape 2 2"/>
-          <p:cNvSpPr/>
-          <p:nvPr/>
-        </p:nvSpPr>
-        <p:spPr>
-          <a:xfrm>
-            <a:off x="7728008" y="20425580"/>
-            <a:ext cx="1761805" cy="886656"/>
-          </a:xfrm>
-          <a:prstGeom prst="rect">
-            <a:avLst/>
-          </a:prstGeom>
-          <a:noFill/>
-          <a:ln>
-            <a:noFill/>
-          </a:ln>
-        </p:spPr>
-        <p:txBody>
-          <a:bodyPr wrap="none" lIns="90000" tIns="45000" rIns="90000" bIns="45000"/>
-          <a:lstStyle/>
-          <a:p>
-            <a:pPr algn="ctr">
-              <a:lnSpc>
-                <a:spcPct val="100000"/>
-              </a:lnSpc>
-            </a:pPr>
-            <a:r>
-              <a:rPr lang="en-US" sz="2000" smtClean="0">
-                <a:solidFill>
-                  <a:schemeClr val="bg1"/>
-                </a:solidFill>
-                <a:latin typeface="Arial"/>
-              </a:rPr>
-              <a:t>Intensity </a:t>
-            </a:r>
-          </a:p>
-          <a:p>
-            <a:pPr algn="ctr">
-              <a:lnSpc>
-                <a:spcPct val="100000"/>
-              </a:lnSpc>
-            </a:pPr>
-            <a:r>
-              <a:rPr lang="en-US" sz="2000" smtClean="0">
-                <a:solidFill>
-                  <a:schemeClr val="bg1"/>
-                </a:solidFill>
-                <a:latin typeface="Arial"/>
-              </a:rPr>
-              <a:t>modulator</a:t>
-            </a:r>
-          </a:p>
-          <a:p>
-            <a:pPr algn="ctr">
-              <a:lnSpc>
-                <a:spcPct val="100000"/>
-              </a:lnSpc>
-            </a:pPr>
-            <a:r>
-              <a:rPr lang="en-US" sz="2000" smtClean="0">
-                <a:solidFill>
-                  <a:schemeClr val="bg1"/>
-                </a:solidFill>
-                <a:latin typeface="Arial"/>
-              </a:rPr>
-              <a:t>(IM)</a:t>
-            </a:r>
-            <a:endParaRPr sz="2000" dirty="0">
-              <a:solidFill>
-                <a:schemeClr val="bg1"/>
-              </a:solidFill>
-            </a:endParaRPr>
-          </a:p>
-        </p:txBody>
-      </p:sp>
-      <p:sp>
-        <p:nvSpPr>
-          <p:cNvPr id="212" name="CustomShape 2 3"/>
-          <p:cNvSpPr/>
-          <p:nvPr/>
-        </p:nvSpPr>
-        <p:spPr>
-          <a:xfrm>
-            <a:off x="2930049" y="20563129"/>
-            <a:ext cx="1126099" cy="661362"/>
-          </a:xfrm>
-          <a:prstGeom prst="rect">
-            <a:avLst/>
-          </a:prstGeom>
-          <a:noFill/>
-          <a:ln>
-            <a:noFill/>
-          </a:ln>
-        </p:spPr>
-        <p:txBody>
-          <a:bodyPr wrap="none" lIns="90000" tIns="45000" rIns="90000" bIns="45000"/>
-          <a:lstStyle/>
-          <a:p>
-            <a:pPr>
-              <a:lnSpc>
-                <a:spcPct val="100000"/>
-              </a:lnSpc>
-            </a:pPr>
-            <a:r>
-              <a:rPr lang="en-US" sz="2000" smtClean="0">
-                <a:solidFill>
-                  <a:schemeClr val="bg1"/>
-                </a:solidFill>
-                <a:latin typeface="Arial"/>
-              </a:rPr>
-              <a:t>Signal </a:t>
-            </a:r>
-          </a:p>
-          <a:p>
-            <a:pPr>
-              <a:lnSpc>
-                <a:spcPct val="100000"/>
-              </a:lnSpc>
-            </a:pPr>
-            <a:r>
-              <a:rPr lang="en-US" sz="2000" smtClean="0">
-                <a:solidFill>
-                  <a:schemeClr val="bg1"/>
-                </a:solidFill>
-                <a:latin typeface="Arial"/>
-              </a:rPr>
-              <a:t>laser</a:t>
-            </a:r>
-            <a:endParaRPr sz="2000" dirty="0">
-              <a:solidFill>
-                <a:schemeClr val="bg1"/>
-              </a:solidFill>
-            </a:endParaRPr>
-          </a:p>
-        </p:txBody>
-      </p:sp>
-      <p:sp>
-        <p:nvSpPr>
-          <p:cNvPr id="218" name="CustomShape 34 1"/>
-          <p:cNvSpPr/>
-          <p:nvPr/>
-        </p:nvSpPr>
-        <p:spPr>
-          <a:xfrm>
-            <a:off x="11938335" y="20431903"/>
-            <a:ext cx="1731616" cy="1007912"/>
-          </a:xfrm>
-          <a:prstGeom prst="roundRect">
-            <a:avLst>
-              <a:gd name="adj" fmla="val 12277"/>
-            </a:avLst>
-          </a:prstGeom>
-          <a:gradFill>
-            <a:gsLst>
-              <a:gs pos="0">
-                <a:srgbClr val="9BBB59"/>
-              </a:gs>
-              <a:gs pos="100000">
-                <a:srgbClr val="000000"/>
-              </a:gs>
-            </a:gsLst>
-            <a:lin ang="0"/>
-          </a:gradFill>
-          <a:ln w="25560">
-            <a:noFill/>
-          </a:ln>
-        </p:spPr>
-      </p:sp>
-      <p:cxnSp>
-        <p:nvCxnSpPr>
-          <p:cNvPr id="234" name="Straight Connector 233"/>
-          <p:cNvCxnSpPr/>
-          <p:nvPr/>
-        </p:nvCxnSpPr>
-        <p:spPr>
-          <a:xfrm flipV="1">
-            <a:off x="13692988" y="20942150"/>
-            <a:ext cx="2595549" cy="4171"/>
-          </a:xfrm>
-          <a:prstGeom prst="line">
-            <a:avLst/>
-          </a:prstGeom>
-          <a:noFill/>
-          <a:ln w="28575" cap="flat" cmpd="sng" algn="ctr">
-            <a:solidFill>
-              <a:srgbClr val="FF6600"/>
-            </a:solidFill>
-            <a:prstDash val="solid"/>
-            <a:miter lim="800000"/>
-          </a:ln>
-          <a:effectLst/>
-        </p:spPr>
-      </p:cxnSp>
-      <p:sp>
-        <p:nvSpPr>
-          <p:cNvPr id="235" name="CustomShape 5 1"/>
-          <p:cNvSpPr/>
-          <p:nvPr/>
-        </p:nvSpPr>
-        <p:spPr>
-          <a:xfrm rot="10800000">
-            <a:off x="20322448" y="19861933"/>
-            <a:ext cx="1423908" cy="685362"/>
-          </a:xfrm>
-          <a:prstGeom prst="curvedConnector3">
-            <a:avLst>
-              <a:gd name="adj1" fmla="val 44326"/>
-            </a:avLst>
-          </a:prstGeom>
-          <a:noFill/>
-          <a:ln w="28575">
-            <a:solidFill>
-              <a:srgbClr val="0070C0"/>
-            </a:solidFill>
-            <a:round/>
-          </a:ln>
-        </p:spPr>
-      </p:sp>
-      <p:sp>
-        <p:nvSpPr>
-          <p:cNvPr id="236" name="CustomShape 6 1"/>
-          <p:cNvSpPr/>
-          <p:nvPr/>
-        </p:nvSpPr>
-        <p:spPr>
-          <a:xfrm flipV="1">
-            <a:off x="20322451" y="20552322"/>
-            <a:ext cx="1423906" cy="855862"/>
-          </a:xfrm>
-          <a:prstGeom prst="curvedConnector3">
-            <a:avLst>
-              <a:gd name="adj1" fmla="val 54996"/>
-            </a:avLst>
-          </a:prstGeom>
-          <a:noFill/>
-          <a:ln w="31680">
-            <a:solidFill>
-              <a:srgbClr val="0070C0"/>
-            </a:solidFill>
-            <a:round/>
-          </a:ln>
-        </p:spPr>
-      </p:sp>
-      <p:sp>
-        <p:nvSpPr>
-          <p:cNvPr id="238" name="CustomShape 17 2"/>
-          <p:cNvSpPr/>
-          <p:nvPr/>
-        </p:nvSpPr>
-        <p:spPr>
-          <a:xfrm>
-            <a:off x="19141742" y="19511805"/>
-            <a:ext cx="1288645" cy="687139"/>
-          </a:xfrm>
-          <a:prstGeom prst="parallelogram">
-            <a:avLst>
-              <a:gd name="adj" fmla="val 25000"/>
-            </a:avLst>
-          </a:prstGeom>
-          <a:solidFill>
-            <a:srgbClr val="808080"/>
-          </a:solidFill>
-          <a:ln w="25560">
-            <a:noFill/>
-          </a:ln>
-        </p:spPr>
-      </p:sp>
-      <p:sp>
-        <p:nvSpPr>
-          <p:cNvPr id="239" name="CustomShape 18 2"/>
-          <p:cNvSpPr/>
-          <p:nvPr/>
-        </p:nvSpPr>
-        <p:spPr>
-          <a:xfrm>
-            <a:off x="19333807" y="19493665"/>
-            <a:ext cx="1110090" cy="704327"/>
-          </a:xfrm>
-          <a:prstGeom prst="rect">
-            <a:avLst/>
-          </a:prstGeom>
-          <a:noFill/>
-          <a:ln>
-            <a:noFill/>
-          </a:ln>
-        </p:spPr>
-        <p:txBody>
-          <a:bodyPr wrap="none" lIns="90000" tIns="45000" rIns="90000" bIns="45000"/>
-          <a:lstStyle/>
-          <a:p>
-            <a:pPr marL="0" marR="0" lvl="0" indent="0" defTabSz="914400" eaLnBrk="1" fontAlgn="auto" latinLnBrk="0" hangingPunct="1">
-              <a:lnSpc>
-                <a:spcPct val="100000"/>
-              </a:lnSpc>
-              <a:spcBef>
-                <a:spcPts val="0"/>
-              </a:spcBef>
-              <a:spcAft>
-                <a:spcPts val="0"/>
-              </a:spcAft>
-              <a:buClrTx/>
-              <a:buSzTx/>
-              <a:buFontTx/>
-              <a:buNone/>
-              <a:tabLst/>
-              <a:defRPr/>
-            </a:pPr>
-            <a:r>
-              <a:rPr kumimoji="0" lang="en-US" sz="2000" b="0" i="0" u="none" strike="noStrike" kern="0" cap="none" spc="0" normalizeH="0" baseline="0" noProof="0" smtClean="0">
-                <a:ln>
-                  <a:noFill/>
-                </a:ln>
-                <a:solidFill>
-                  <a:schemeClr val="bg1"/>
-                </a:solidFill>
-                <a:effectLst/>
-                <a:uLnTx/>
-                <a:uFillTx/>
-                <a:latin typeface="Arial"/>
-              </a:rPr>
-              <a:t>LLO</a:t>
-            </a:r>
-          </a:p>
-          <a:p>
-            <a:pPr marL="0" marR="0" lvl="0" indent="0" defTabSz="914400" eaLnBrk="1" fontAlgn="auto" latinLnBrk="0" hangingPunct="1">
-              <a:lnSpc>
-                <a:spcPct val="100000"/>
-              </a:lnSpc>
-              <a:spcBef>
-                <a:spcPts val="0"/>
-              </a:spcBef>
-              <a:spcAft>
-                <a:spcPts val="0"/>
-              </a:spcAft>
-              <a:buClrTx/>
-              <a:buSzTx/>
-              <a:buFontTx/>
-              <a:buNone/>
-              <a:tabLst/>
-              <a:defRPr/>
-            </a:pPr>
-            <a:r>
-              <a:rPr lang="en-US" sz="2000" kern="0" smtClean="0">
-                <a:solidFill>
-                  <a:schemeClr val="bg1"/>
-                </a:solidFill>
-                <a:latin typeface="Arial"/>
-              </a:rPr>
-              <a:t>laser</a:t>
-            </a:r>
-            <a:endParaRPr kumimoji="0" sz="2000" b="0" i="0" u="none" strike="noStrike" kern="0" cap="none" spc="0" normalizeH="0" baseline="0" noProof="0" dirty="0" smtClean="0">
-              <a:ln>
-                <a:noFill/>
-              </a:ln>
-              <a:solidFill>
-                <a:schemeClr val="bg1"/>
-              </a:solidFill>
-              <a:effectLst/>
-              <a:uLnTx/>
-              <a:uFillTx/>
-            </a:endParaRPr>
-          </a:p>
-        </p:txBody>
-      </p:sp>
-      <p:sp>
-        <p:nvSpPr>
-          <p:cNvPr id="256" name="Rectangle 255"/>
-          <p:cNvSpPr/>
-          <p:nvPr/>
-        </p:nvSpPr>
-        <p:spPr>
-          <a:xfrm>
-            <a:off x="22473426" y="20169578"/>
-            <a:ext cx="1652249" cy="1231106"/>
-          </a:xfrm>
-          <a:prstGeom prst="rect">
-            <a:avLst/>
-          </a:prstGeom>
-        </p:spPr>
-        <p:txBody>
-          <a:bodyPr wrap="square">
-            <a:spAutoFit/>
-          </a:bodyPr>
-          <a:lstStyle/>
-          <a:p>
-            <a:pPr marL="0" marR="0" lvl="0" indent="0" defTabSz="914400" eaLnBrk="1" fontAlgn="auto" latinLnBrk="0" hangingPunct="1">
-              <a:lnSpc>
-                <a:spcPct val="100000"/>
-              </a:lnSpc>
-              <a:spcBef>
-                <a:spcPts val="0"/>
-              </a:spcBef>
-              <a:spcAft>
-                <a:spcPts val="0"/>
-              </a:spcAft>
-              <a:buClrTx/>
-              <a:buSzTx/>
-              <a:buFontTx/>
-              <a:buNone/>
-              <a:tabLst/>
-              <a:defRPr/>
-            </a:pPr>
-            <a:r>
-              <a:rPr kumimoji="0" lang="en-US" sz="1800" b="0" i="0" u="none" strike="noStrike" kern="0" cap="none" spc="0" normalizeH="0" baseline="0" noProof="0" dirty="0" smtClean="0">
-                <a:ln>
-                  <a:noFill/>
-                </a:ln>
-                <a:solidFill>
-                  <a:srgbClr val="000000"/>
-                </a:solidFill>
-                <a:effectLst/>
-                <a:uLnTx/>
-                <a:uFillTx/>
-                <a:latin typeface="Arial" panose="020B0604020202020204" pitchFamily="34" charset="0"/>
-                <a:cs typeface="Arial" panose="020B0604020202020204" pitchFamily="34" charset="0"/>
-              </a:rPr>
-              <a:t>heterodyne detection</a:t>
-            </a:r>
-          </a:p>
-          <a:p>
-            <a:pPr marL="0" marR="0" lvl="0" indent="0" defTabSz="914400" eaLnBrk="1" fontAlgn="auto" latinLnBrk="0" hangingPunct="1">
-              <a:lnSpc>
-                <a:spcPct val="100000"/>
-              </a:lnSpc>
-              <a:spcBef>
-                <a:spcPts val="0"/>
-              </a:spcBef>
-              <a:spcAft>
-                <a:spcPts val="0"/>
-              </a:spcAft>
-              <a:buClrTx/>
-              <a:buSzTx/>
-              <a:buFontTx/>
-              <a:buNone/>
-              <a:tabLst/>
-              <a:defRPr/>
-            </a:pPr>
-            <a:r>
-              <a:rPr kumimoji="0" lang="en-US" sz="1800" b="0" i="0" u="none" strike="noStrike" kern="0" cap="none" spc="0" normalizeH="0" baseline="0" noProof="0" dirty="0" smtClean="0">
-                <a:ln>
-                  <a:noFill/>
-                </a:ln>
-                <a:solidFill>
-                  <a:prstClr val="black"/>
-                </a:solidFill>
-                <a:effectLst/>
-                <a:uLnTx/>
-                <a:uFillTx/>
-                <a:latin typeface="Times New Roman" panose="02020603050405020304" pitchFamily="18" charset="0"/>
-                <a:cs typeface="Times New Roman" panose="02020603050405020304" pitchFamily="18" charset="0"/>
-              </a:rPr>
-              <a:t>(</a:t>
-            </a:r>
-            <a:r>
-              <a:rPr kumimoji="0" lang="el-GR" sz="1800" b="0" i="0" u="none" strike="noStrike" kern="0" cap="none" spc="0" normalizeH="0" baseline="0" noProof="0" dirty="0" smtClean="0">
-                <a:ln>
-                  <a:noFill/>
-                </a:ln>
-                <a:solidFill>
-                  <a:prstClr val="black"/>
-                </a:solidFill>
-                <a:effectLst/>
-                <a:uLnTx/>
-                <a:uFillTx/>
-                <a:latin typeface="Times New Roman" panose="02020603050405020304" pitchFamily="18" charset="0"/>
-                <a:cs typeface="Times New Roman" panose="02020603050405020304" pitchFamily="18" charset="0"/>
-              </a:rPr>
-              <a:t>ω</a:t>
-            </a:r>
-            <a:r>
-              <a:rPr kumimoji="0" lang="en-US" sz="1800" b="0" i="0" u="none" strike="noStrike" kern="0" cap="none" spc="0" normalizeH="0" baseline="-25000" noProof="0" dirty="0" smtClean="0">
-                <a:ln>
-                  <a:noFill/>
-                </a:ln>
-                <a:solidFill>
-                  <a:prstClr val="black"/>
-                </a:solidFill>
-                <a:effectLst/>
-                <a:uLnTx/>
-                <a:uFillTx/>
-                <a:latin typeface="Times New Roman" panose="02020603050405020304" pitchFamily="18" charset="0"/>
-                <a:cs typeface="Times New Roman" panose="02020603050405020304" pitchFamily="18" charset="0"/>
-              </a:rPr>
-              <a:t>b</a:t>
-            </a:r>
-            <a:r>
-              <a:rPr kumimoji="0" lang="en-US" sz="1800" b="0" i="0" u="none" strike="noStrike" kern="0" cap="none" spc="0" normalizeH="0" baseline="0" noProof="0" dirty="0" smtClean="0">
-                <a:ln>
-                  <a:noFill/>
-                </a:ln>
-                <a:solidFill>
-                  <a:prstClr val="black"/>
-                </a:solidFill>
-                <a:effectLst/>
-                <a:uLnTx/>
-                <a:uFillTx/>
-                <a:latin typeface="Times New Roman" panose="02020603050405020304" pitchFamily="18" charset="0"/>
-                <a:cs typeface="Times New Roman" panose="02020603050405020304" pitchFamily="18" charset="0"/>
-              </a:rPr>
-              <a:t> ≠ 0)</a:t>
-            </a:r>
-            <a:endParaRPr kumimoji="0" lang="en-US" sz="1800" b="0" i="0" u="none" strike="noStrike" kern="0" cap="none" spc="0" normalizeH="0" baseline="0" noProof="0" dirty="0" smtClean="0">
-              <a:ln>
-                <a:noFill/>
-              </a:ln>
-              <a:solidFill>
-                <a:prstClr val="black"/>
-              </a:solidFill>
-              <a:effectLst/>
-              <a:uLnTx/>
-              <a:uFillTx/>
-            </a:endParaRPr>
-          </a:p>
-          <a:p>
-            <a:pPr marL="0" marR="0" lvl="0" indent="0" defTabSz="914400" eaLnBrk="1" fontAlgn="auto" latinLnBrk="0" hangingPunct="1">
-              <a:lnSpc>
-                <a:spcPct val="100000"/>
-              </a:lnSpc>
-              <a:spcBef>
-                <a:spcPts val="0"/>
-              </a:spcBef>
-              <a:spcAft>
-                <a:spcPts val="0"/>
-              </a:spcAft>
-              <a:buClrTx/>
-              <a:buSzTx/>
-              <a:buFontTx/>
-              <a:buNone/>
-              <a:tabLst/>
-              <a:defRPr/>
-            </a:pPr>
-            <a:endParaRPr kumimoji="0" lang="en-US" sz="2000" b="0" i="0" u="none" strike="noStrike" kern="0" cap="none" spc="0" normalizeH="0" baseline="0" noProof="0" dirty="0" smtClean="0">
-              <a:ln>
-                <a:noFill/>
-              </a:ln>
-              <a:solidFill>
-                <a:srgbClr val="000000"/>
-              </a:solidFill>
-              <a:effectLst/>
-              <a:uLnTx/>
-              <a:uFillTx/>
-              <a:latin typeface="Arial" panose="020B0604020202020204" pitchFamily="34" charset="0"/>
-              <a:cs typeface="Arial" panose="020B0604020202020204" pitchFamily="34" charset="0"/>
-            </a:endParaRPr>
-          </a:p>
-        </p:txBody>
-      </p:sp>
-      <p:cxnSp>
-        <p:nvCxnSpPr>
-          <p:cNvPr id="279" name="Straight Connector 278"/>
-          <p:cNvCxnSpPr/>
-          <p:nvPr/>
-        </p:nvCxnSpPr>
-        <p:spPr>
-          <a:xfrm flipV="1">
-            <a:off x="14156876" y="20942654"/>
-            <a:ext cx="274320" cy="2577"/>
-          </a:xfrm>
-          <a:prstGeom prst="line">
-            <a:avLst/>
-          </a:prstGeom>
-          <a:noFill/>
-          <a:ln w="28575" cap="flat" cmpd="sng" algn="ctr">
-            <a:solidFill>
-              <a:srgbClr val="FF6600"/>
-            </a:solidFill>
-            <a:prstDash val="solid"/>
-            <a:miter lim="800000"/>
-            <a:headEnd type="none" w="med" len="med"/>
-            <a:tailEnd type="arrow" w="med" len="med"/>
-          </a:ln>
-          <a:effectLst/>
-        </p:spPr>
-      </p:cxnSp>
-      <p:sp>
-        <p:nvSpPr>
-          <p:cNvPr id="286" name="CustomShape 6 2"/>
-          <p:cNvSpPr/>
-          <p:nvPr/>
-        </p:nvSpPr>
-        <p:spPr>
-          <a:xfrm flipH="1">
-            <a:off x="21735125" y="19869328"/>
-            <a:ext cx="1505532" cy="677967"/>
-          </a:xfrm>
-          <a:prstGeom prst="curvedConnector3">
-            <a:avLst>
-              <a:gd name="adj1" fmla="val 55788"/>
-            </a:avLst>
-          </a:prstGeom>
-          <a:noFill/>
-          <a:ln w="31680">
-            <a:solidFill>
-              <a:srgbClr val="0070C0"/>
-            </a:solidFill>
-            <a:round/>
-          </a:ln>
-        </p:spPr>
-      </p:sp>
-      <p:sp>
-        <p:nvSpPr>
-          <p:cNvPr id="287" name="CustomShape 6 3"/>
-          <p:cNvSpPr/>
-          <p:nvPr/>
-        </p:nvSpPr>
-        <p:spPr>
-          <a:xfrm>
-            <a:off x="21735125" y="20552323"/>
-            <a:ext cx="1537902" cy="853388"/>
-          </a:xfrm>
-          <a:prstGeom prst="curvedConnector3">
-            <a:avLst>
-              <a:gd name="adj1" fmla="val 41619"/>
-            </a:avLst>
-          </a:prstGeom>
-          <a:noFill/>
-          <a:ln w="31680">
-            <a:solidFill>
-              <a:srgbClr val="0070C0"/>
-            </a:solidFill>
-            <a:round/>
-          </a:ln>
-        </p:spPr>
-      </p:sp>
-      <p:sp>
-        <p:nvSpPr>
-          <p:cNvPr id="288" name="Flowchart: Delay 287"/>
-          <p:cNvSpPr/>
-          <p:nvPr/>
-        </p:nvSpPr>
-        <p:spPr>
-          <a:xfrm>
-            <a:off x="23244700" y="19555316"/>
-            <a:ext cx="724619" cy="620643"/>
-          </a:xfrm>
-          <a:prstGeom prst="flowChartDelay">
-            <a:avLst/>
-          </a:prstGeom>
-          <a:solidFill>
-            <a:schemeClr val="tx1"/>
-          </a:solidFill>
-          <a:ln>
-            <a:noFill/>
-          </a:ln>
-        </p:spPr>
-        <p:style>
-          <a:lnRef idx="2">
-            <a:schemeClr val="accent1">
-              <a:shade val="50000"/>
-            </a:schemeClr>
-          </a:lnRef>
-          <a:fillRef idx="1">
-            <a:schemeClr val="accent1"/>
-          </a:fillRef>
-          <a:effectRef idx="0">
-            <a:schemeClr val="accent1"/>
-          </a:effectRef>
-          <a:fontRef idx="minor">
-            <a:schemeClr val="lt1"/>
-          </a:fontRef>
-        </p:style>
-        <p:txBody>
-          <a:bodyPr rtlCol="0" anchor="ctr"/>
-          <a:lstStyle/>
-          <a:p>
-            <a:pPr algn="ctr"/>
-            <a:endParaRPr lang="en-US"/>
-          </a:p>
-        </p:txBody>
-      </p:sp>
-      <p:sp>
-        <p:nvSpPr>
-          <p:cNvPr id="289" name="Flowchart: Delay 288"/>
-          <p:cNvSpPr/>
-          <p:nvPr/>
-        </p:nvSpPr>
-        <p:spPr>
-          <a:xfrm>
-            <a:off x="23270643" y="21074269"/>
-            <a:ext cx="698676" cy="607511"/>
-          </a:xfrm>
-          <a:prstGeom prst="flowChartDelay">
-            <a:avLst/>
-          </a:prstGeom>
-          <a:solidFill>
-            <a:schemeClr val="tx1"/>
-          </a:solidFill>
-          <a:ln>
-            <a:noFill/>
-          </a:ln>
-        </p:spPr>
-        <p:style>
-          <a:lnRef idx="2">
-            <a:schemeClr val="accent1">
-              <a:shade val="50000"/>
-            </a:schemeClr>
-          </a:lnRef>
-          <a:fillRef idx="1">
-            <a:schemeClr val="accent1"/>
-          </a:fillRef>
-          <a:effectRef idx="0">
-            <a:schemeClr val="accent1"/>
-          </a:effectRef>
-          <a:fontRef idx="minor">
-            <a:schemeClr val="lt1"/>
-          </a:fontRef>
-        </p:style>
-        <p:txBody>
-          <a:bodyPr rtlCol="0" anchor="ctr"/>
-          <a:lstStyle/>
-          <a:p>
-            <a:pPr algn="ctr"/>
-            <a:endParaRPr lang="en-US"/>
-          </a:p>
-        </p:txBody>
-      </p:sp>
-      <p:sp>
-        <p:nvSpPr>
-          <p:cNvPr id="291" name="CustomShape 5 2"/>
-          <p:cNvSpPr/>
-          <p:nvPr/>
-        </p:nvSpPr>
-        <p:spPr>
-          <a:xfrm rot="10800000">
-            <a:off x="23964860" y="19869864"/>
-            <a:ext cx="647740" cy="620315"/>
-          </a:xfrm>
-          <a:prstGeom prst="curvedConnector3">
-            <a:avLst>
-              <a:gd name="adj1" fmla="val 50000"/>
-            </a:avLst>
-          </a:prstGeom>
-          <a:noFill/>
-          <a:ln w="28575">
-            <a:solidFill>
-              <a:schemeClr val="tx1"/>
-            </a:solidFill>
-            <a:round/>
-          </a:ln>
-        </p:spPr>
-      </p:sp>
-      <p:sp>
-        <p:nvSpPr>
-          <p:cNvPr id="292" name="CustomShape 6 4"/>
-          <p:cNvSpPr/>
-          <p:nvPr/>
-        </p:nvSpPr>
-        <p:spPr>
-          <a:xfrm flipV="1">
-            <a:off x="23964859" y="20646836"/>
-            <a:ext cx="642470" cy="741880"/>
-          </a:xfrm>
-          <a:prstGeom prst="curvedConnector3">
-            <a:avLst>
-              <a:gd name="adj1" fmla="val 50990"/>
-            </a:avLst>
-          </a:prstGeom>
-          <a:noFill/>
-          <a:ln w="31680">
-            <a:solidFill>
-              <a:schemeClr val="tx1"/>
-            </a:solidFill>
-            <a:round/>
-          </a:ln>
-        </p:spPr>
-      </p:sp>
-      <p:sp>
-        <p:nvSpPr>
-          <p:cNvPr id="293" name="CustomShape 34 3"/>
-          <p:cNvSpPr/>
-          <p:nvPr/>
-        </p:nvSpPr>
-        <p:spPr>
-          <a:xfrm>
-            <a:off x="24592074" y="20337733"/>
-            <a:ext cx="460128" cy="438643"/>
-          </a:xfrm>
-          <a:prstGeom prst="roundRect">
-            <a:avLst>
-              <a:gd name="adj" fmla="val 16667"/>
-            </a:avLst>
-          </a:prstGeom>
-          <a:ln/>
-        </p:spPr>
-        <p:style>
-          <a:lnRef idx="2">
-            <a:schemeClr val="dk1"/>
-          </a:lnRef>
-          <a:fillRef idx="1">
-            <a:schemeClr val="lt1"/>
-          </a:fillRef>
-          <a:effectRef idx="0">
-            <a:schemeClr val="dk1"/>
-          </a:effectRef>
-          <a:fontRef idx="minor">
-            <a:schemeClr val="dk1"/>
-          </a:fontRef>
-        </p:style>
-      </p:sp>
-      <p:sp>
-        <p:nvSpPr>
-          <p:cNvPr id="295" name="CustomShape 35 3"/>
-          <p:cNvSpPr/>
-          <p:nvPr/>
-        </p:nvSpPr>
-        <p:spPr>
-          <a:xfrm>
-            <a:off x="24683104" y="20303423"/>
-            <a:ext cx="225125" cy="348984"/>
-          </a:xfrm>
-          <a:prstGeom prst="rect">
-            <a:avLst/>
-          </a:prstGeom>
-          <a:noFill/>
-          <a:ln>
-            <a:noFill/>
-          </a:ln>
-        </p:spPr>
-        <p:txBody>
-          <a:bodyPr wrap="none" lIns="90000" tIns="45000" rIns="90000" bIns="45000"/>
-          <a:lstStyle/>
-          <a:p>
-            <a:pPr marL="0" marR="0" lvl="0" indent="0" defTabSz="914400" eaLnBrk="1" fontAlgn="auto" latinLnBrk="0" hangingPunct="1">
-              <a:lnSpc>
-                <a:spcPct val="100000"/>
-              </a:lnSpc>
-              <a:spcBef>
-                <a:spcPts val="0"/>
-              </a:spcBef>
-              <a:spcAft>
-                <a:spcPts val="0"/>
-              </a:spcAft>
-              <a:buClrTx/>
-              <a:buSzTx/>
-              <a:buFontTx/>
-              <a:buNone/>
-              <a:tabLst/>
-              <a:defRPr/>
-            </a:pPr>
-            <a:r>
-              <a:rPr kumimoji="0" lang="da-DK" sz="2800" b="0" i="0" u="none" strike="noStrike" kern="0" cap="none" spc="0" normalizeH="0" baseline="0" noProof="0" dirty="0" smtClean="0">
-                <a:ln>
-                  <a:noFill/>
-                </a:ln>
-                <a:solidFill>
-                  <a:srgbClr val="000000"/>
-                </a:solidFill>
-                <a:effectLst/>
-                <a:uLnTx/>
-                <a:uFillTx/>
-                <a:latin typeface="Arial"/>
-              </a:rPr>
-              <a:t>-</a:t>
-            </a:r>
-            <a:endParaRPr kumimoji="0" sz="2800" b="0" i="0" u="none" strike="noStrike" kern="0" cap="none" spc="0" normalizeH="0" baseline="0" noProof="0" dirty="0" smtClean="0">
-              <a:ln>
-                <a:noFill/>
-              </a:ln>
-              <a:solidFill>
-                <a:prstClr val="black"/>
-              </a:solidFill>
-              <a:effectLst/>
-              <a:uLnTx/>
-              <a:uFillTx/>
-            </a:endParaRPr>
-          </a:p>
-        </p:txBody>
-      </p:sp>
-      <p:pic>
-        <p:nvPicPr>
-          <p:cNvPr id="305" name="Picture 304"/>
-          <p:cNvPicPr>
-            <a:picLocks noChangeAspect="1"/>
-          </p:cNvPicPr>
-          <p:nvPr/>
-        </p:nvPicPr>
-        <p:blipFill>
-          <a:blip r:embed="rId7" cstate="print">
-            <a:extLst>
-              <a:ext uri="{28A0092B-C50C-407E-A947-70E740481C1C}">
-                <a14:useLocalDpi xmlns:a14="http://schemas.microsoft.com/office/drawing/2010/main" val="0"/>
-              </a:ext>
-            </a:extLst>
-          </a:blip>
-          <a:stretch>
-            <a:fillRect/>
-          </a:stretch>
-        </p:blipFill>
-        <p:spPr>
-          <a:xfrm>
-            <a:off x="19986852" y="22218729"/>
-            <a:ext cx="5798795" cy="3028243"/>
-          </a:xfrm>
-          <a:prstGeom prst="rect">
-            <a:avLst/>
-          </a:prstGeom>
-        </p:spPr>
-      </p:pic>
       <p:sp>
         <p:nvSpPr>
           <p:cNvPr id="315" name="TextBox 314"/>
@@ -6177,8 +4828,8 @@
         </p:nvSpPr>
         <p:spPr bwMode="auto">
           <a:xfrm>
-            <a:off x="17626481" y="35118235"/>
-            <a:ext cx="11981769" cy="5316135"/>
+            <a:off x="17626481" y="35232102"/>
+            <a:ext cx="11981769" cy="5202268"/>
           </a:xfrm>
           <a:prstGeom prst="roundRect">
             <a:avLst>
@@ -7667,7 +6318,7 @@
             <p:nvPr/>
           </p:nvPicPr>
           <p:blipFill>
-            <a:blip r:embed="rId8" cstate="print">
+            <a:blip r:embed="rId7" cstate="print">
               <a:extLst>
                 <a:ext uri="{28A0092B-C50C-407E-A947-70E740481C1C}">
                   <a14:useLocalDpi xmlns:a14="http://schemas.microsoft.com/office/drawing/2010/main" val="0"/>
@@ -8418,2899 +7069,6 @@
           </a:fontRef>
         </p:style>
       </p:sp>
-      <p:cxnSp>
-        <p:nvCxnSpPr>
-          <p:cNvPr id="169" name="Straight Connector 168"/>
-          <p:cNvCxnSpPr/>
-          <p:nvPr/>
-        </p:nvCxnSpPr>
-        <p:spPr>
-          <a:xfrm flipV="1">
-            <a:off x="17287884" y="21415615"/>
-            <a:ext cx="1701608" cy="6872"/>
-          </a:xfrm>
-          <a:prstGeom prst="line">
-            <a:avLst/>
-          </a:prstGeom>
-          <a:noFill/>
-          <a:ln w="28575" cap="flat" cmpd="sng" algn="ctr">
-            <a:solidFill>
-              <a:srgbClr val="FF6600"/>
-            </a:solidFill>
-            <a:prstDash val="solid"/>
-            <a:miter lim="800000"/>
-          </a:ln>
-          <a:effectLst/>
-        </p:spPr>
-      </p:cxnSp>
-      <p:cxnSp>
-        <p:nvCxnSpPr>
-          <p:cNvPr id="171" name="Straight Connector 170"/>
-          <p:cNvCxnSpPr/>
-          <p:nvPr/>
-        </p:nvCxnSpPr>
-        <p:spPr>
-          <a:xfrm flipV="1">
-            <a:off x="18989492" y="21415615"/>
-            <a:ext cx="1412674" cy="1"/>
-          </a:xfrm>
-          <a:prstGeom prst="line">
-            <a:avLst/>
-          </a:prstGeom>
-          <a:noFill/>
-          <a:ln w="28575" cap="flat" cmpd="sng" algn="ctr">
-            <a:solidFill>
-              <a:srgbClr val="0070C0"/>
-            </a:solidFill>
-            <a:prstDash val="solid"/>
-            <a:miter lim="800000"/>
-          </a:ln>
-          <a:effectLst/>
-        </p:spPr>
-      </p:cxnSp>
-      <p:cxnSp>
-        <p:nvCxnSpPr>
-          <p:cNvPr id="35" name="Straight Arrow Connector 34"/>
-          <p:cNvCxnSpPr/>
-          <p:nvPr/>
-        </p:nvCxnSpPr>
-        <p:spPr>
-          <a:xfrm>
-            <a:off x="25071801" y="20552323"/>
-            <a:ext cx="1219200" cy="0"/>
-          </a:xfrm>
-          <a:prstGeom prst="straightConnector1">
-            <a:avLst/>
-          </a:prstGeom>
-          <a:ln>
-            <a:tailEnd type="triangle"/>
-          </a:ln>
-        </p:spPr>
-        <p:style>
-          <a:lnRef idx="3">
-            <a:schemeClr val="dk1"/>
-          </a:lnRef>
-          <a:fillRef idx="0">
-            <a:schemeClr val="dk1"/>
-          </a:fillRef>
-          <a:effectRef idx="2">
-            <a:schemeClr val="dk1"/>
-          </a:effectRef>
-          <a:fontRef idx="minor">
-            <a:schemeClr val="tx1"/>
-          </a:fontRef>
-        </p:style>
-      </p:cxnSp>
-      <p:sp>
-        <p:nvSpPr>
-          <p:cNvPr id="192" name="Rectangle 191"/>
-          <p:cNvSpPr/>
-          <p:nvPr/>
-        </p:nvSpPr>
-        <p:spPr>
-          <a:xfrm>
-            <a:off x="2278859" y="19707120"/>
-            <a:ext cx="11622079" cy="2004864"/>
-          </a:xfrm>
-          <a:prstGeom prst="rect">
-            <a:avLst/>
-          </a:prstGeom>
-          <a:noFill/>
-          <a:ln>
-            <a:solidFill>
-              <a:schemeClr val="accent1">
-                <a:lumMod val="40000"/>
-                <a:lumOff val="60000"/>
-              </a:schemeClr>
-            </a:solidFill>
-            <a:prstDash val="sysDot"/>
-          </a:ln>
-        </p:spPr>
-        <p:style>
-          <a:lnRef idx="2">
-            <a:schemeClr val="accent1">
-              <a:shade val="50000"/>
-            </a:schemeClr>
-          </a:lnRef>
-          <a:fillRef idx="1">
-            <a:schemeClr val="accent1"/>
-          </a:fillRef>
-          <a:effectRef idx="0">
-            <a:schemeClr val="accent1"/>
-          </a:effectRef>
-          <a:fontRef idx="minor">
-            <a:schemeClr val="lt1"/>
-          </a:fontRef>
-        </p:style>
-        <p:txBody>
-          <a:bodyPr rtlCol="0" anchor="ctr"/>
-          <a:lstStyle/>
-          <a:p>
-            <a:pPr algn="ctr"/>
-            <a:endParaRPr lang="en-US"/>
-          </a:p>
-        </p:txBody>
-      </p:sp>
-      <p:sp>
-        <p:nvSpPr>
-          <p:cNvPr id="194" name="Rectangle 193"/>
-          <p:cNvSpPr/>
-          <p:nvPr/>
-        </p:nvSpPr>
-        <p:spPr>
-          <a:xfrm>
-            <a:off x="19019838" y="19368889"/>
-            <a:ext cx="10164080" cy="2523380"/>
-          </a:xfrm>
-          <a:prstGeom prst="rect">
-            <a:avLst/>
-          </a:prstGeom>
-          <a:noFill/>
-          <a:ln>
-            <a:solidFill>
-              <a:schemeClr val="accent1">
-                <a:lumMod val="40000"/>
-                <a:lumOff val="60000"/>
-              </a:schemeClr>
-            </a:solidFill>
-            <a:prstDash val="sysDot"/>
-          </a:ln>
-        </p:spPr>
-        <p:style>
-          <a:lnRef idx="2">
-            <a:schemeClr val="accent1">
-              <a:shade val="50000"/>
-            </a:schemeClr>
-          </a:lnRef>
-          <a:fillRef idx="1">
-            <a:schemeClr val="accent1"/>
-          </a:fillRef>
-          <a:effectRef idx="0">
-            <a:schemeClr val="accent1"/>
-          </a:effectRef>
-          <a:fontRef idx="minor">
-            <a:schemeClr val="lt1"/>
-          </a:fontRef>
-        </p:style>
-        <p:txBody>
-          <a:bodyPr rtlCol="0" anchor="ctr"/>
-          <a:lstStyle/>
-          <a:p>
-            <a:pPr algn="ctr"/>
-            <a:endParaRPr lang="en-US"/>
-          </a:p>
-        </p:txBody>
-      </p:sp>
-      <p:sp>
-        <p:nvSpPr>
-          <p:cNvPr id="197" name="CustomShape 18 1"/>
-          <p:cNvSpPr/>
-          <p:nvPr/>
-        </p:nvSpPr>
-        <p:spPr>
-          <a:xfrm>
-            <a:off x="5329909" y="19775992"/>
-            <a:ext cx="1728930" cy="688250"/>
-          </a:xfrm>
-          <a:prstGeom prst="rect">
-            <a:avLst/>
-          </a:prstGeom>
-          <a:noFill/>
-          <a:ln>
-            <a:noFill/>
-          </a:ln>
-        </p:spPr>
-        <p:txBody>
-          <a:bodyPr wrap="none" lIns="90000" tIns="45000" rIns="90000" bIns="45000"/>
-          <a:lstStyle/>
-          <a:p>
-            <a:pPr algn="ctr">
-              <a:lnSpc>
-                <a:spcPct val="100000"/>
-              </a:lnSpc>
-            </a:pPr>
-            <a:r>
-              <a:rPr lang="en-US" sz="3600" b="1" dirty="0" smtClean="0">
-                <a:solidFill>
-                  <a:schemeClr val="tx2">
-                    <a:lumMod val="40000"/>
-                    <a:lumOff val="60000"/>
-                  </a:schemeClr>
-                </a:solidFill>
-                <a:latin typeface="Arial"/>
-              </a:rPr>
-              <a:t>Alice</a:t>
-            </a:r>
-            <a:endParaRPr sz="3600" b="1" dirty="0">
-              <a:solidFill>
-                <a:schemeClr val="tx2">
-                  <a:lumMod val="40000"/>
-                  <a:lumOff val="60000"/>
-                </a:schemeClr>
-              </a:solidFill>
-            </a:endParaRPr>
-          </a:p>
-        </p:txBody>
-      </p:sp>
-      <p:sp>
-        <p:nvSpPr>
-          <p:cNvPr id="198" name="CustomShape 18 1"/>
-          <p:cNvSpPr/>
-          <p:nvPr/>
-        </p:nvSpPr>
-        <p:spPr>
-          <a:xfrm>
-            <a:off x="27533166" y="21078362"/>
-            <a:ext cx="1728930" cy="688250"/>
-          </a:xfrm>
-          <a:prstGeom prst="rect">
-            <a:avLst/>
-          </a:prstGeom>
-          <a:noFill/>
-          <a:ln>
-            <a:noFill/>
-          </a:ln>
-        </p:spPr>
-        <p:txBody>
-          <a:bodyPr wrap="none" lIns="90000" tIns="45000" rIns="90000" bIns="45000"/>
-          <a:lstStyle/>
-          <a:p>
-            <a:pPr algn="ctr">
-              <a:lnSpc>
-                <a:spcPct val="100000"/>
-              </a:lnSpc>
-            </a:pPr>
-            <a:r>
-              <a:rPr lang="en-US" sz="3200" b="1" dirty="0" smtClean="0">
-                <a:solidFill>
-                  <a:schemeClr val="tx2">
-                    <a:lumMod val="40000"/>
-                    <a:lumOff val="60000"/>
-                  </a:schemeClr>
-                </a:solidFill>
-                <a:latin typeface="Arial"/>
-              </a:rPr>
-              <a:t>Bob</a:t>
-            </a:r>
-            <a:endParaRPr sz="3200" b="1" dirty="0">
-              <a:solidFill>
-                <a:schemeClr val="tx2">
-                  <a:lumMod val="40000"/>
-                  <a:lumOff val="60000"/>
-                </a:schemeClr>
-              </a:solidFill>
-            </a:endParaRPr>
-          </a:p>
-        </p:txBody>
-      </p:sp>
-      <p:sp>
-        <p:nvSpPr>
-          <p:cNvPr id="214" name="Rectangle 213"/>
-          <p:cNvSpPr/>
-          <p:nvPr/>
-        </p:nvSpPr>
-        <p:spPr>
-          <a:xfrm>
-            <a:off x="15601926" y="18695638"/>
-            <a:ext cx="2993580" cy="1692599"/>
-          </a:xfrm>
-          <a:prstGeom prst="rect">
-            <a:avLst/>
-          </a:prstGeom>
-          <a:solidFill>
-            <a:schemeClr val="accent2">
-              <a:lumMod val="60000"/>
-              <a:lumOff val="40000"/>
-            </a:schemeClr>
-          </a:solidFill>
-        </p:spPr>
-        <p:style>
-          <a:lnRef idx="2">
-            <a:schemeClr val="accent1">
-              <a:shade val="50000"/>
-            </a:schemeClr>
-          </a:lnRef>
-          <a:fillRef idx="1">
-            <a:schemeClr val="accent1"/>
-          </a:fillRef>
-          <a:effectRef idx="0">
-            <a:schemeClr val="accent1"/>
-          </a:effectRef>
-          <a:fontRef idx="minor">
-            <a:schemeClr val="lt1"/>
-          </a:fontRef>
-        </p:style>
-        <p:txBody>
-          <a:bodyPr rtlCol="0" anchor="ctr"/>
-          <a:lstStyle/>
-          <a:p>
-            <a:pPr algn="ctr"/>
-            <a:endParaRPr lang="en-US"/>
-          </a:p>
-        </p:txBody>
-      </p:sp>
-      <p:sp>
-        <p:nvSpPr>
-          <p:cNvPr id="189" name="CustomShape 18 1"/>
-          <p:cNvSpPr/>
-          <p:nvPr/>
-        </p:nvSpPr>
-        <p:spPr>
-          <a:xfrm>
-            <a:off x="16084692" y="18667082"/>
-            <a:ext cx="1967885" cy="688250"/>
-          </a:xfrm>
-          <a:prstGeom prst="rect">
-            <a:avLst/>
-          </a:prstGeom>
-          <a:noFill/>
-          <a:ln>
-            <a:noFill/>
-          </a:ln>
-        </p:spPr>
-        <p:txBody>
-          <a:bodyPr wrap="none" lIns="90000" tIns="45000" rIns="90000" bIns="45000"/>
-          <a:lstStyle/>
-          <a:p>
-            <a:pPr algn="ctr">
-              <a:lnSpc>
-                <a:spcPct val="100000"/>
-              </a:lnSpc>
-            </a:pPr>
-            <a:r>
-              <a:rPr lang="en-US" sz="2400" smtClean="0">
-                <a:solidFill>
-                  <a:schemeClr val="bg1"/>
-                </a:solidFill>
-                <a:latin typeface="Arial"/>
-              </a:rPr>
-              <a:t>Arbitrary waveform</a:t>
-            </a:r>
-          </a:p>
-          <a:p>
-            <a:pPr algn="ctr">
-              <a:lnSpc>
-                <a:spcPct val="100000"/>
-              </a:lnSpc>
-            </a:pPr>
-            <a:r>
-              <a:rPr lang="en-US" sz="2400">
-                <a:solidFill>
-                  <a:schemeClr val="bg1"/>
-                </a:solidFill>
-                <a:latin typeface="Arial"/>
-              </a:rPr>
-              <a:t>g</a:t>
-            </a:r>
-            <a:r>
-              <a:rPr lang="en-US" sz="2400" smtClean="0">
-                <a:solidFill>
-                  <a:schemeClr val="bg1"/>
-                </a:solidFill>
-                <a:latin typeface="Arial"/>
-              </a:rPr>
-              <a:t>enerator  (AWG)</a:t>
-            </a:r>
-            <a:endParaRPr sz="2400" dirty="0">
-              <a:solidFill>
-                <a:schemeClr val="bg1"/>
-              </a:solidFill>
-            </a:endParaRPr>
-          </a:p>
-        </p:txBody>
-      </p:sp>
-      <p:grpSp>
-        <p:nvGrpSpPr>
-          <p:cNvPr id="13" name="Group 12"/>
-          <p:cNvGrpSpPr/>
-          <p:nvPr/>
-        </p:nvGrpSpPr>
-        <p:grpSpPr>
-          <a:xfrm>
-            <a:off x="15743237" y="19431468"/>
-            <a:ext cx="599327" cy="441651"/>
-            <a:chOff x="15787937" y="19660590"/>
-            <a:chExt cx="599327" cy="441651"/>
-          </a:xfrm>
-        </p:grpSpPr>
-        <p:sp>
-          <p:nvSpPr>
-            <p:cNvPr id="84" name="Oval 83"/>
-            <p:cNvSpPr/>
-            <p:nvPr/>
-          </p:nvSpPr>
-          <p:spPr>
-            <a:xfrm>
-              <a:off x="15918363" y="19962301"/>
-              <a:ext cx="84195" cy="86497"/>
-            </a:xfrm>
-            <a:prstGeom prst="ellipse">
-              <a:avLst/>
-            </a:prstGeom>
-            <a:solidFill>
-              <a:schemeClr val="tx1"/>
-            </a:solidFill>
-            <a:ln>
-              <a:solidFill>
-                <a:schemeClr val="tx1"/>
-              </a:solidFill>
-            </a:ln>
-          </p:spPr>
-          <p:style>
-            <a:lnRef idx="2">
-              <a:schemeClr val="accent1">
-                <a:shade val="50000"/>
-              </a:schemeClr>
-            </a:lnRef>
-            <a:fillRef idx="1">
-              <a:schemeClr val="accent1"/>
-            </a:fillRef>
-            <a:effectRef idx="0">
-              <a:schemeClr val="accent1"/>
-            </a:effectRef>
-            <a:fontRef idx="minor">
-              <a:schemeClr val="lt1"/>
-            </a:fontRef>
-          </p:style>
-          <p:txBody>
-            <a:bodyPr rtlCol="0" anchor="ctr"/>
-            <a:lstStyle/>
-            <a:p>
-              <a:pPr algn="ctr"/>
-              <a:endParaRPr lang="da-DK"/>
-            </a:p>
-          </p:txBody>
-        </p:sp>
-        <p:sp>
-          <p:nvSpPr>
-            <p:cNvPr id="231" name="Oval 230"/>
-            <p:cNvSpPr/>
-            <p:nvPr/>
-          </p:nvSpPr>
-          <p:spPr>
-            <a:xfrm>
-              <a:off x="16123603" y="19962301"/>
-              <a:ext cx="84195" cy="86497"/>
-            </a:xfrm>
-            <a:prstGeom prst="ellipse">
-              <a:avLst/>
-            </a:prstGeom>
-            <a:solidFill>
-              <a:schemeClr val="tx1"/>
-            </a:solidFill>
-            <a:ln>
-              <a:solidFill>
-                <a:schemeClr val="tx1"/>
-              </a:solidFill>
-            </a:ln>
-          </p:spPr>
-          <p:style>
-            <a:lnRef idx="2">
-              <a:schemeClr val="accent1">
-                <a:shade val="50000"/>
-              </a:schemeClr>
-            </a:lnRef>
-            <a:fillRef idx="1">
-              <a:schemeClr val="accent1"/>
-            </a:fillRef>
-            <a:effectRef idx="0">
-              <a:schemeClr val="accent1"/>
-            </a:effectRef>
-            <a:fontRef idx="minor">
-              <a:schemeClr val="lt1"/>
-            </a:fontRef>
-          </p:style>
-          <p:txBody>
-            <a:bodyPr rtlCol="0" anchor="ctr"/>
-            <a:lstStyle/>
-            <a:p>
-              <a:pPr algn="ctr"/>
-              <a:endParaRPr lang="da-DK"/>
-            </a:p>
-          </p:txBody>
-        </p:sp>
-        <p:sp>
-          <p:nvSpPr>
-            <p:cNvPr id="85" name="Rectangle 84"/>
-            <p:cNvSpPr/>
-            <p:nvPr/>
-          </p:nvSpPr>
-          <p:spPr>
-            <a:xfrm>
-              <a:off x="15884700" y="19908857"/>
-              <a:ext cx="392196" cy="193384"/>
-            </a:xfrm>
-            <a:prstGeom prst="rect">
-              <a:avLst/>
-            </a:prstGeom>
-            <a:noFill/>
-            <a:ln>
-              <a:solidFill>
-                <a:schemeClr val="tx1"/>
-              </a:solidFill>
-            </a:ln>
-          </p:spPr>
-          <p:style>
-            <a:lnRef idx="2">
-              <a:schemeClr val="accent1">
-                <a:shade val="50000"/>
-              </a:schemeClr>
-            </a:lnRef>
-            <a:fillRef idx="1">
-              <a:schemeClr val="accent1"/>
-            </a:fillRef>
-            <a:effectRef idx="0">
-              <a:schemeClr val="accent1"/>
-            </a:effectRef>
-            <a:fontRef idx="minor">
-              <a:schemeClr val="lt1"/>
-            </a:fontRef>
-          </p:style>
-          <p:txBody>
-            <a:bodyPr rtlCol="0" anchor="ctr"/>
-            <a:lstStyle/>
-            <a:p>
-              <a:pPr algn="ctr"/>
-              <a:endParaRPr lang="da-DK"/>
-            </a:p>
-          </p:txBody>
-        </p:sp>
-        <p:sp>
-          <p:nvSpPr>
-            <p:cNvPr id="243" name="CustomShape 18 1"/>
-            <p:cNvSpPr/>
-            <p:nvPr/>
-          </p:nvSpPr>
-          <p:spPr>
-            <a:xfrm>
-              <a:off x="15787937" y="19660590"/>
-              <a:ext cx="599327" cy="222578"/>
-            </a:xfrm>
-            <a:prstGeom prst="rect">
-              <a:avLst/>
-            </a:prstGeom>
-            <a:noFill/>
-            <a:ln>
-              <a:noFill/>
-            </a:ln>
-          </p:spPr>
-          <p:txBody>
-            <a:bodyPr wrap="none" lIns="90000" tIns="45000" rIns="90000" bIns="45000"/>
-            <a:lstStyle/>
-            <a:p>
-              <a:pPr algn="ctr">
-                <a:lnSpc>
-                  <a:spcPct val="100000"/>
-                </a:lnSpc>
-              </a:pPr>
-              <a:r>
-                <a:rPr lang="en-US" sz="1200" dirty="0" smtClean="0">
-                  <a:solidFill>
-                    <a:srgbClr val="000000"/>
-                  </a:solidFill>
-                  <a:latin typeface="Arial"/>
-                </a:rPr>
-                <a:t>Ch1</a:t>
-              </a:r>
-              <a:endParaRPr sz="1200" dirty="0"/>
-            </a:p>
-          </p:txBody>
-        </p:sp>
-      </p:grpSp>
-      <p:grpSp>
-        <p:nvGrpSpPr>
-          <p:cNvPr id="14" name="Group 13"/>
-          <p:cNvGrpSpPr/>
-          <p:nvPr/>
-        </p:nvGrpSpPr>
-        <p:grpSpPr>
-          <a:xfrm>
-            <a:off x="15732000" y="19955883"/>
-            <a:ext cx="599327" cy="410318"/>
-            <a:chOff x="17587158" y="19919778"/>
-            <a:chExt cx="599327" cy="410318"/>
-          </a:xfrm>
-        </p:grpSpPr>
-        <p:sp>
-          <p:nvSpPr>
-            <p:cNvPr id="232" name="Oval 231"/>
-            <p:cNvSpPr/>
-            <p:nvPr/>
-          </p:nvSpPr>
-          <p:spPr>
-            <a:xfrm>
-              <a:off x="17739371" y="19967245"/>
-              <a:ext cx="84195" cy="86497"/>
-            </a:xfrm>
-            <a:prstGeom prst="ellipse">
-              <a:avLst/>
-            </a:prstGeom>
-            <a:solidFill>
-              <a:schemeClr val="tx1"/>
-            </a:solidFill>
-            <a:ln>
-              <a:solidFill>
-                <a:schemeClr val="tx1"/>
-              </a:solidFill>
-            </a:ln>
-          </p:spPr>
-          <p:style>
-            <a:lnRef idx="2">
-              <a:schemeClr val="accent1">
-                <a:shade val="50000"/>
-              </a:schemeClr>
-            </a:lnRef>
-            <a:fillRef idx="1">
-              <a:schemeClr val="accent1"/>
-            </a:fillRef>
-            <a:effectRef idx="0">
-              <a:schemeClr val="accent1"/>
-            </a:effectRef>
-            <a:fontRef idx="minor">
-              <a:schemeClr val="lt1"/>
-            </a:fontRef>
-          </p:style>
-          <p:txBody>
-            <a:bodyPr rtlCol="0" anchor="ctr"/>
-            <a:lstStyle/>
-            <a:p>
-              <a:pPr algn="ctr"/>
-              <a:endParaRPr lang="da-DK"/>
-            </a:p>
-          </p:txBody>
-        </p:sp>
-        <p:sp>
-          <p:nvSpPr>
-            <p:cNvPr id="237" name="Oval 236"/>
-            <p:cNvSpPr/>
-            <p:nvPr/>
-          </p:nvSpPr>
-          <p:spPr>
-            <a:xfrm>
-              <a:off x="17943824" y="19967672"/>
-              <a:ext cx="84195" cy="86497"/>
-            </a:xfrm>
-            <a:prstGeom prst="ellipse">
-              <a:avLst/>
-            </a:prstGeom>
-            <a:solidFill>
-              <a:schemeClr val="tx1"/>
-            </a:solidFill>
-            <a:ln>
-              <a:solidFill>
-                <a:schemeClr val="tx1"/>
-              </a:solidFill>
-            </a:ln>
-          </p:spPr>
-          <p:style>
-            <a:lnRef idx="2">
-              <a:schemeClr val="accent1">
-                <a:shade val="50000"/>
-              </a:schemeClr>
-            </a:lnRef>
-            <a:fillRef idx="1">
-              <a:schemeClr val="accent1"/>
-            </a:fillRef>
-            <a:effectRef idx="0">
-              <a:schemeClr val="accent1"/>
-            </a:effectRef>
-            <a:fontRef idx="minor">
-              <a:schemeClr val="lt1"/>
-            </a:fontRef>
-          </p:style>
-          <p:txBody>
-            <a:bodyPr rtlCol="0" anchor="ctr"/>
-            <a:lstStyle/>
-            <a:p>
-              <a:pPr algn="ctr"/>
-              <a:endParaRPr lang="da-DK"/>
-            </a:p>
-          </p:txBody>
-        </p:sp>
-        <p:sp>
-          <p:nvSpPr>
-            <p:cNvPr id="242" name="Rectangle 241"/>
-            <p:cNvSpPr/>
-            <p:nvPr/>
-          </p:nvSpPr>
-          <p:spPr>
-            <a:xfrm>
-              <a:off x="17694776" y="19919778"/>
-              <a:ext cx="392196" cy="193384"/>
-            </a:xfrm>
-            <a:prstGeom prst="rect">
-              <a:avLst/>
-            </a:prstGeom>
-            <a:noFill/>
-            <a:ln>
-              <a:solidFill>
-                <a:schemeClr val="tx1"/>
-              </a:solidFill>
-            </a:ln>
-          </p:spPr>
-          <p:style>
-            <a:lnRef idx="2">
-              <a:schemeClr val="accent1">
-                <a:shade val="50000"/>
-              </a:schemeClr>
-            </a:lnRef>
-            <a:fillRef idx="1">
-              <a:schemeClr val="accent1"/>
-            </a:fillRef>
-            <a:effectRef idx="0">
-              <a:schemeClr val="accent1"/>
-            </a:effectRef>
-            <a:fontRef idx="minor">
-              <a:schemeClr val="lt1"/>
-            </a:fontRef>
-          </p:style>
-          <p:txBody>
-            <a:bodyPr rtlCol="0" anchor="ctr"/>
-            <a:lstStyle/>
-            <a:p>
-              <a:pPr algn="ctr"/>
-              <a:endParaRPr lang="da-DK"/>
-            </a:p>
-          </p:txBody>
-        </p:sp>
-        <p:sp>
-          <p:nvSpPr>
-            <p:cNvPr id="244" name="CustomShape 18 1"/>
-            <p:cNvSpPr/>
-            <p:nvPr/>
-          </p:nvSpPr>
-          <p:spPr>
-            <a:xfrm>
-              <a:off x="17587158" y="20107518"/>
-              <a:ext cx="599327" cy="222578"/>
-            </a:xfrm>
-            <a:prstGeom prst="rect">
-              <a:avLst/>
-            </a:prstGeom>
-            <a:noFill/>
-            <a:ln>
-              <a:noFill/>
-            </a:ln>
-          </p:spPr>
-          <p:txBody>
-            <a:bodyPr wrap="none" lIns="90000" tIns="45000" rIns="90000" bIns="45000"/>
-            <a:lstStyle/>
-            <a:p>
-              <a:pPr algn="ctr">
-                <a:lnSpc>
-                  <a:spcPct val="100000"/>
-                </a:lnSpc>
-              </a:pPr>
-              <a:r>
-                <a:rPr lang="en-US" sz="1200" dirty="0" smtClean="0">
-                  <a:solidFill>
-                    <a:srgbClr val="000000"/>
-                  </a:solidFill>
-                  <a:latin typeface="Arial"/>
-                </a:rPr>
-                <a:t>Ch2</a:t>
-              </a:r>
-              <a:endParaRPr sz="1200" dirty="0"/>
-            </a:p>
-          </p:txBody>
-        </p:sp>
-      </p:grpSp>
-      <p:sp>
-        <p:nvSpPr>
-          <p:cNvPr id="182" name="CustomShape 2 2"/>
-          <p:cNvSpPr/>
-          <p:nvPr/>
-        </p:nvSpPr>
-        <p:spPr>
-          <a:xfrm>
-            <a:off x="9828552" y="20428269"/>
-            <a:ext cx="1761805" cy="886656"/>
-          </a:xfrm>
-          <a:prstGeom prst="rect">
-            <a:avLst/>
-          </a:prstGeom>
-          <a:noFill/>
-          <a:ln>
-            <a:noFill/>
-          </a:ln>
-        </p:spPr>
-        <p:txBody>
-          <a:bodyPr wrap="none" lIns="90000" tIns="45000" rIns="90000" bIns="45000"/>
-          <a:lstStyle/>
-          <a:p>
-            <a:pPr algn="ctr">
-              <a:lnSpc>
-                <a:spcPct val="100000"/>
-              </a:lnSpc>
-            </a:pPr>
-            <a:r>
-              <a:rPr lang="en-US" sz="2000" smtClean="0">
-                <a:solidFill>
-                  <a:schemeClr val="bg1"/>
-                </a:solidFill>
-                <a:latin typeface="Arial"/>
-              </a:rPr>
-              <a:t>Phase </a:t>
-            </a:r>
-          </a:p>
-          <a:p>
-            <a:pPr algn="ctr">
-              <a:lnSpc>
-                <a:spcPct val="100000"/>
-              </a:lnSpc>
-            </a:pPr>
-            <a:r>
-              <a:rPr lang="en-US" sz="2000" smtClean="0">
-                <a:solidFill>
-                  <a:schemeClr val="bg1"/>
-                </a:solidFill>
-                <a:latin typeface="Arial"/>
-              </a:rPr>
-              <a:t>modulator</a:t>
-            </a:r>
-          </a:p>
-          <a:p>
-            <a:pPr algn="ctr">
-              <a:lnSpc>
-                <a:spcPct val="100000"/>
-              </a:lnSpc>
-            </a:pPr>
-            <a:r>
-              <a:rPr lang="en-US" sz="2000" smtClean="0">
-                <a:solidFill>
-                  <a:schemeClr val="bg1"/>
-                </a:solidFill>
-                <a:latin typeface="Arial"/>
-              </a:rPr>
-              <a:t>(PM)</a:t>
-            </a:r>
-            <a:endParaRPr sz="2000" dirty="0">
-              <a:solidFill>
-                <a:schemeClr val="bg1"/>
-              </a:solidFill>
-            </a:endParaRPr>
-          </a:p>
-        </p:txBody>
-      </p:sp>
-      <p:sp>
-        <p:nvSpPr>
-          <p:cNvPr id="183" name="CustomShape 2 2"/>
-          <p:cNvSpPr/>
-          <p:nvPr/>
-        </p:nvSpPr>
-        <p:spPr>
-          <a:xfrm>
-            <a:off x="11864329" y="20406519"/>
-            <a:ext cx="1761805" cy="886656"/>
-          </a:xfrm>
-          <a:prstGeom prst="rect">
-            <a:avLst/>
-          </a:prstGeom>
-          <a:noFill/>
-          <a:ln>
-            <a:noFill/>
-          </a:ln>
-        </p:spPr>
-        <p:txBody>
-          <a:bodyPr wrap="none" lIns="90000" tIns="45000" rIns="90000" bIns="45000"/>
-          <a:lstStyle/>
-          <a:p>
-            <a:pPr algn="ctr">
-              <a:lnSpc>
-                <a:spcPct val="100000"/>
-              </a:lnSpc>
-            </a:pPr>
-            <a:r>
-              <a:rPr lang="en-US" sz="2000" smtClean="0">
-                <a:solidFill>
-                  <a:schemeClr val="bg1"/>
-                </a:solidFill>
-                <a:latin typeface="Arial"/>
-              </a:rPr>
-              <a:t>Variable </a:t>
-            </a:r>
-          </a:p>
-          <a:p>
-            <a:pPr algn="ctr">
-              <a:lnSpc>
-                <a:spcPct val="100000"/>
-              </a:lnSpc>
-            </a:pPr>
-            <a:r>
-              <a:rPr lang="en-US" sz="2000" smtClean="0">
-                <a:solidFill>
-                  <a:schemeClr val="bg1"/>
-                </a:solidFill>
-                <a:latin typeface="Arial"/>
-              </a:rPr>
-              <a:t>attenuator</a:t>
-            </a:r>
-          </a:p>
-          <a:p>
-            <a:pPr algn="ctr">
-              <a:lnSpc>
-                <a:spcPct val="100000"/>
-              </a:lnSpc>
-            </a:pPr>
-            <a:r>
-              <a:rPr lang="en-US" sz="2000" smtClean="0">
-                <a:solidFill>
-                  <a:schemeClr val="bg1"/>
-                </a:solidFill>
-                <a:latin typeface="Arial"/>
-              </a:rPr>
-              <a:t>(VATT)</a:t>
-            </a:r>
-            <a:endParaRPr sz="2000" dirty="0">
-              <a:solidFill>
-                <a:schemeClr val="bg1"/>
-              </a:solidFill>
-            </a:endParaRPr>
-          </a:p>
-        </p:txBody>
-      </p:sp>
-      <p:grpSp>
-        <p:nvGrpSpPr>
-          <p:cNvPr id="148" name="Group 147"/>
-          <p:cNvGrpSpPr>
-            <a:grpSpLocks noChangeAspect="1"/>
-          </p:cNvGrpSpPr>
-          <p:nvPr/>
-        </p:nvGrpSpPr>
-        <p:grpSpPr>
-          <a:xfrm>
-            <a:off x="16147864" y="20607292"/>
-            <a:ext cx="1296000" cy="1228825"/>
-            <a:chOff x="5212431" y="4474143"/>
-            <a:chExt cx="552946" cy="605570"/>
-          </a:xfrm>
-        </p:grpSpPr>
-        <p:sp>
-          <p:nvSpPr>
-            <p:cNvPr id="149" name="Can 148"/>
-            <p:cNvSpPr/>
-            <p:nvPr/>
-          </p:nvSpPr>
-          <p:spPr>
-            <a:xfrm>
-              <a:off x="5212538" y="4968835"/>
-              <a:ext cx="552839" cy="110878"/>
-            </a:xfrm>
-            <a:prstGeom prst="can">
-              <a:avLst>
-                <a:gd name="adj" fmla="val 50000"/>
-              </a:avLst>
-            </a:prstGeom>
-            <a:solidFill>
-              <a:schemeClr val="tx2"/>
-            </a:solidFill>
-            <a:ln w="9525">
-              <a:solidFill>
-                <a:schemeClr val="tx2"/>
-              </a:solidFill>
-            </a:ln>
-            <a:scene3d>
-              <a:camera prst="orthographicFront">
-                <a:rot lat="0" lon="0" rev="0"/>
-              </a:camera>
-              <a:lightRig rig="threePt" dir="t"/>
-            </a:scene3d>
-          </p:spPr>
-          <p:style>
-            <a:lnRef idx="2">
-              <a:schemeClr val="accent1">
-                <a:shade val="50000"/>
-              </a:schemeClr>
-            </a:lnRef>
-            <a:fillRef idx="1">
-              <a:schemeClr val="accent1"/>
-            </a:fillRef>
-            <a:effectRef idx="0">
-              <a:schemeClr val="accent1"/>
-            </a:effectRef>
-            <a:fontRef idx="minor">
-              <a:schemeClr val="lt1"/>
-            </a:fontRef>
-          </p:style>
-          <p:txBody>
-            <a:bodyPr rtlCol="0" anchor="ctr"/>
-            <a:lstStyle/>
-            <a:p>
-              <a:pPr algn="ctr"/>
-              <a:endParaRPr lang="en-GB"/>
-            </a:p>
-          </p:txBody>
-        </p:sp>
-        <p:grpSp>
-          <p:nvGrpSpPr>
-            <p:cNvPr id="150" name="Group 149"/>
-            <p:cNvGrpSpPr/>
-            <p:nvPr/>
-          </p:nvGrpSpPr>
-          <p:grpSpPr>
-            <a:xfrm>
-              <a:off x="5277572" y="4732951"/>
-              <a:ext cx="422665" cy="275027"/>
-              <a:chOff x="1530028" y="4595042"/>
-              <a:chExt cx="533535" cy="510684"/>
-            </a:xfrm>
-          </p:grpSpPr>
-          <p:sp>
-            <p:nvSpPr>
-              <p:cNvPr id="157" name="Can 156"/>
-              <p:cNvSpPr/>
-              <p:nvPr/>
-            </p:nvSpPr>
-            <p:spPr>
-              <a:xfrm>
-                <a:off x="1530163" y="4899842"/>
-                <a:ext cx="533400" cy="205884"/>
-              </a:xfrm>
-              <a:prstGeom prst="can">
-                <a:avLst>
-                  <a:gd name="adj" fmla="val 50000"/>
-                </a:avLst>
-              </a:prstGeom>
-              <a:solidFill>
-                <a:schemeClr val="bg2"/>
-              </a:solidFill>
-              <a:ln w="9525">
-                <a:solidFill>
-                  <a:srgbClr val="FF6600"/>
-                </a:solidFill>
-              </a:ln>
-              <a:scene3d>
-                <a:camera prst="orthographicFront">
-                  <a:rot lat="0" lon="0" rev="0"/>
-                </a:camera>
-                <a:lightRig rig="threePt" dir="t"/>
-              </a:scene3d>
-            </p:spPr>
-            <p:style>
-              <a:lnRef idx="2">
-                <a:schemeClr val="accent1">
-                  <a:shade val="50000"/>
-                </a:schemeClr>
-              </a:lnRef>
-              <a:fillRef idx="1">
-                <a:schemeClr val="accent1"/>
-              </a:fillRef>
-              <a:effectRef idx="0">
-                <a:schemeClr val="accent1"/>
-              </a:effectRef>
-              <a:fontRef idx="minor">
-                <a:schemeClr val="lt1"/>
-              </a:fontRef>
-            </p:style>
-            <p:txBody>
-              <a:bodyPr rtlCol="0" anchor="ctr"/>
-              <a:lstStyle/>
-              <a:p>
-                <a:pPr algn="ctr"/>
-                <a:endParaRPr lang="en-GB"/>
-              </a:p>
-            </p:txBody>
-          </p:sp>
-          <p:sp>
-            <p:nvSpPr>
-              <p:cNvPr id="158" name="Can 157"/>
-              <p:cNvSpPr/>
-              <p:nvPr/>
-            </p:nvSpPr>
-            <p:spPr>
-              <a:xfrm>
-                <a:off x="1530163" y="4823642"/>
-                <a:ext cx="533400" cy="205884"/>
-              </a:xfrm>
-              <a:prstGeom prst="can">
-                <a:avLst>
-                  <a:gd name="adj" fmla="val 50000"/>
-                </a:avLst>
-              </a:prstGeom>
-              <a:solidFill>
-                <a:schemeClr val="bg2"/>
-              </a:solidFill>
-              <a:ln w="9525">
-                <a:solidFill>
-                  <a:srgbClr val="FF6600"/>
-                </a:solidFill>
-              </a:ln>
-              <a:scene3d>
-                <a:camera prst="orthographicFront">
-                  <a:rot lat="0" lon="0" rev="0"/>
-                </a:camera>
-                <a:lightRig rig="threePt" dir="t"/>
-              </a:scene3d>
-            </p:spPr>
-            <p:style>
-              <a:lnRef idx="2">
-                <a:schemeClr val="accent1">
-                  <a:shade val="50000"/>
-                </a:schemeClr>
-              </a:lnRef>
-              <a:fillRef idx="1">
-                <a:schemeClr val="accent1"/>
-              </a:fillRef>
-              <a:effectRef idx="0">
-                <a:schemeClr val="accent1"/>
-              </a:effectRef>
-              <a:fontRef idx="minor">
-                <a:schemeClr val="lt1"/>
-              </a:fontRef>
-            </p:style>
-            <p:txBody>
-              <a:bodyPr rtlCol="0" anchor="ctr"/>
-              <a:lstStyle/>
-              <a:p>
-                <a:pPr algn="ctr"/>
-                <a:endParaRPr lang="en-GB"/>
-              </a:p>
-            </p:txBody>
-          </p:sp>
-          <p:sp>
-            <p:nvSpPr>
-              <p:cNvPr id="159" name="Can 158"/>
-              <p:cNvSpPr/>
-              <p:nvPr/>
-            </p:nvSpPr>
-            <p:spPr>
-              <a:xfrm>
-                <a:off x="1530163" y="4747442"/>
-                <a:ext cx="533400" cy="205884"/>
-              </a:xfrm>
-              <a:prstGeom prst="can">
-                <a:avLst>
-                  <a:gd name="adj" fmla="val 50000"/>
-                </a:avLst>
-              </a:prstGeom>
-              <a:solidFill>
-                <a:schemeClr val="bg2"/>
-              </a:solidFill>
-              <a:ln w="9525">
-                <a:solidFill>
-                  <a:srgbClr val="FF6600"/>
-                </a:solidFill>
-              </a:ln>
-              <a:scene3d>
-                <a:camera prst="orthographicFront">
-                  <a:rot lat="0" lon="0" rev="0"/>
-                </a:camera>
-                <a:lightRig rig="threePt" dir="t"/>
-              </a:scene3d>
-            </p:spPr>
-            <p:style>
-              <a:lnRef idx="2">
-                <a:schemeClr val="accent1">
-                  <a:shade val="50000"/>
-                </a:schemeClr>
-              </a:lnRef>
-              <a:fillRef idx="1">
-                <a:schemeClr val="accent1"/>
-              </a:fillRef>
-              <a:effectRef idx="0">
-                <a:schemeClr val="accent1"/>
-              </a:effectRef>
-              <a:fontRef idx="minor">
-                <a:schemeClr val="lt1"/>
-              </a:fontRef>
-            </p:style>
-            <p:txBody>
-              <a:bodyPr rtlCol="0" anchor="ctr"/>
-              <a:lstStyle/>
-              <a:p>
-                <a:pPr algn="ctr"/>
-                <a:endParaRPr lang="en-GB"/>
-              </a:p>
-            </p:txBody>
-          </p:sp>
-          <p:sp>
-            <p:nvSpPr>
-              <p:cNvPr id="160" name="Can 159"/>
-              <p:cNvSpPr/>
-              <p:nvPr/>
-            </p:nvSpPr>
-            <p:spPr>
-              <a:xfrm>
-                <a:off x="1530163" y="4671242"/>
-                <a:ext cx="533400" cy="205884"/>
-              </a:xfrm>
-              <a:prstGeom prst="can">
-                <a:avLst>
-                  <a:gd name="adj" fmla="val 50000"/>
-                </a:avLst>
-              </a:prstGeom>
-              <a:solidFill>
-                <a:schemeClr val="bg2"/>
-              </a:solidFill>
-              <a:ln w="9525">
-                <a:solidFill>
-                  <a:srgbClr val="FF6600"/>
-                </a:solidFill>
-              </a:ln>
-              <a:scene3d>
-                <a:camera prst="orthographicFront">
-                  <a:rot lat="0" lon="0" rev="0"/>
-                </a:camera>
-                <a:lightRig rig="threePt" dir="t"/>
-              </a:scene3d>
-            </p:spPr>
-            <p:style>
-              <a:lnRef idx="2">
-                <a:schemeClr val="accent1">
-                  <a:shade val="50000"/>
-                </a:schemeClr>
-              </a:lnRef>
-              <a:fillRef idx="1">
-                <a:schemeClr val="accent1"/>
-              </a:fillRef>
-              <a:effectRef idx="0">
-                <a:schemeClr val="accent1"/>
-              </a:effectRef>
-              <a:fontRef idx="minor">
-                <a:schemeClr val="lt1"/>
-              </a:fontRef>
-            </p:style>
-            <p:txBody>
-              <a:bodyPr rtlCol="0" anchor="ctr"/>
-              <a:lstStyle/>
-              <a:p>
-                <a:pPr algn="ctr"/>
-                <a:endParaRPr lang="en-GB"/>
-              </a:p>
-            </p:txBody>
-          </p:sp>
-          <p:sp>
-            <p:nvSpPr>
-              <p:cNvPr id="161" name="Can 160"/>
-              <p:cNvSpPr/>
-              <p:nvPr/>
-            </p:nvSpPr>
-            <p:spPr>
-              <a:xfrm>
-                <a:off x="1530028" y="4595042"/>
-                <a:ext cx="533400" cy="205884"/>
-              </a:xfrm>
-              <a:prstGeom prst="can">
-                <a:avLst>
-                  <a:gd name="adj" fmla="val 50000"/>
-                </a:avLst>
-              </a:prstGeom>
-              <a:solidFill>
-                <a:schemeClr val="bg2"/>
-              </a:solidFill>
-              <a:ln w="9525">
-                <a:solidFill>
-                  <a:srgbClr val="FF6600"/>
-                </a:solidFill>
-              </a:ln>
-              <a:scene3d>
-                <a:camera prst="orthographicFront">
-                  <a:rot lat="0" lon="0" rev="0"/>
-                </a:camera>
-                <a:lightRig rig="threePt" dir="t"/>
-              </a:scene3d>
-            </p:spPr>
-            <p:style>
-              <a:lnRef idx="2">
-                <a:schemeClr val="accent1">
-                  <a:shade val="50000"/>
-                </a:schemeClr>
-              </a:lnRef>
-              <a:fillRef idx="1">
-                <a:schemeClr val="accent1"/>
-              </a:fillRef>
-              <a:effectRef idx="0">
-                <a:schemeClr val="accent1"/>
-              </a:effectRef>
-              <a:fontRef idx="minor">
-                <a:schemeClr val="lt1"/>
-              </a:fontRef>
-            </p:style>
-            <p:txBody>
-              <a:bodyPr rtlCol="0" anchor="ctr"/>
-              <a:lstStyle/>
-              <a:p>
-                <a:pPr algn="ctr"/>
-                <a:endParaRPr lang="en-GB"/>
-              </a:p>
-            </p:txBody>
-          </p:sp>
-        </p:grpSp>
-        <p:sp>
-          <p:nvSpPr>
-            <p:cNvPr id="151" name="Can 150"/>
-            <p:cNvSpPr/>
-            <p:nvPr/>
-          </p:nvSpPr>
-          <p:spPr>
-            <a:xfrm>
-              <a:off x="5277679" y="4691914"/>
-              <a:ext cx="422558" cy="110878"/>
-            </a:xfrm>
-            <a:prstGeom prst="can">
-              <a:avLst>
-                <a:gd name="adj" fmla="val 50000"/>
-              </a:avLst>
-            </a:prstGeom>
-            <a:solidFill>
-              <a:schemeClr val="bg2"/>
-            </a:solidFill>
-            <a:ln w="9525">
-              <a:solidFill>
-                <a:srgbClr val="FF6600"/>
-              </a:solidFill>
-            </a:ln>
-            <a:scene3d>
-              <a:camera prst="perspectiveRelaxed" fov="1500000">
-                <a:rot lat="21594000" lon="0" rev="0"/>
-              </a:camera>
-              <a:lightRig rig="threePt" dir="t"/>
-            </a:scene3d>
-          </p:spPr>
-          <p:style>
-            <a:lnRef idx="2">
-              <a:schemeClr val="accent1">
-                <a:shade val="50000"/>
-              </a:schemeClr>
-            </a:lnRef>
-            <a:fillRef idx="1">
-              <a:schemeClr val="accent1"/>
-            </a:fillRef>
-            <a:effectRef idx="0">
-              <a:schemeClr val="accent1"/>
-            </a:effectRef>
-            <a:fontRef idx="minor">
-              <a:schemeClr val="lt1"/>
-            </a:fontRef>
-          </p:style>
-          <p:txBody>
-            <a:bodyPr rtlCol="0" anchor="ctr"/>
-            <a:lstStyle/>
-            <a:p>
-              <a:pPr algn="ctr"/>
-              <a:endParaRPr lang="en-GB"/>
-            </a:p>
-          </p:txBody>
-        </p:sp>
-        <p:sp>
-          <p:nvSpPr>
-            <p:cNvPr id="152" name="Can 151"/>
-            <p:cNvSpPr/>
-            <p:nvPr/>
-          </p:nvSpPr>
-          <p:spPr>
-            <a:xfrm>
-              <a:off x="5277679" y="4650877"/>
-              <a:ext cx="422558" cy="110878"/>
-            </a:xfrm>
-            <a:prstGeom prst="can">
-              <a:avLst>
-                <a:gd name="adj" fmla="val 50000"/>
-              </a:avLst>
-            </a:prstGeom>
-            <a:solidFill>
-              <a:schemeClr val="bg2"/>
-            </a:solidFill>
-            <a:ln w="9525">
-              <a:solidFill>
-                <a:srgbClr val="FF6600"/>
-              </a:solidFill>
-            </a:ln>
-            <a:scene3d>
-              <a:camera prst="perspectiveRelaxed" fov="1500000">
-                <a:rot lat="21594000" lon="0" rev="0"/>
-              </a:camera>
-              <a:lightRig rig="threePt" dir="t"/>
-            </a:scene3d>
-          </p:spPr>
-          <p:style>
-            <a:lnRef idx="2">
-              <a:schemeClr val="accent1">
-                <a:shade val="50000"/>
-              </a:schemeClr>
-            </a:lnRef>
-            <a:fillRef idx="1">
-              <a:schemeClr val="accent1"/>
-            </a:fillRef>
-            <a:effectRef idx="0">
-              <a:schemeClr val="accent1"/>
-            </a:effectRef>
-            <a:fontRef idx="minor">
-              <a:schemeClr val="lt1"/>
-            </a:fontRef>
-          </p:style>
-          <p:txBody>
-            <a:bodyPr rtlCol="0" anchor="ctr"/>
-            <a:lstStyle/>
-            <a:p>
-              <a:pPr algn="ctr"/>
-              <a:endParaRPr lang="en-GB"/>
-            </a:p>
-          </p:txBody>
-        </p:sp>
-        <p:sp>
-          <p:nvSpPr>
-            <p:cNvPr id="153" name="Can 152"/>
-            <p:cNvSpPr/>
-            <p:nvPr/>
-          </p:nvSpPr>
-          <p:spPr>
-            <a:xfrm>
-              <a:off x="5277679" y="4609840"/>
-              <a:ext cx="422558" cy="110878"/>
-            </a:xfrm>
-            <a:prstGeom prst="can">
-              <a:avLst>
-                <a:gd name="adj" fmla="val 50000"/>
-              </a:avLst>
-            </a:prstGeom>
-            <a:solidFill>
-              <a:schemeClr val="bg2"/>
-            </a:solidFill>
-            <a:ln w="9525">
-              <a:solidFill>
-                <a:srgbClr val="FF6600"/>
-              </a:solidFill>
-            </a:ln>
-            <a:scene3d>
-              <a:camera prst="perspectiveRelaxed" fov="1500000">
-                <a:rot lat="21594000" lon="0" rev="0"/>
-              </a:camera>
-              <a:lightRig rig="threePt" dir="t"/>
-            </a:scene3d>
-          </p:spPr>
-          <p:style>
-            <a:lnRef idx="2">
-              <a:schemeClr val="accent1">
-                <a:shade val="50000"/>
-              </a:schemeClr>
-            </a:lnRef>
-            <a:fillRef idx="1">
-              <a:schemeClr val="accent1"/>
-            </a:fillRef>
-            <a:effectRef idx="0">
-              <a:schemeClr val="accent1"/>
-            </a:effectRef>
-            <a:fontRef idx="minor">
-              <a:schemeClr val="lt1"/>
-            </a:fontRef>
-          </p:style>
-          <p:txBody>
-            <a:bodyPr rtlCol="0" anchor="ctr"/>
-            <a:lstStyle/>
-            <a:p>
-              <a:pPr algn="ctr"/>
-              <a:endParaRPr lang="en-GB"/>
-            </a:p>
-          </p:txBody>
-        </p:sp>
-        <p:sp>
-          <p:nvSpPr>
-            <p:cNvPr id="154" name="Can 153"/>
-            <p:cNvSpPr/>
-            <p:nvPr/>
-          </p:nvSpPr>
-          <p:spPr>
-            <a:xfrm>
-              <a:off x="5277679" y="4568802"/>
-              <a:ext cx="422558" cy="110878"/>
-            </a:xfrm>
-            <a:prstGeom prst="can">
-              <a:avLst>
-                <a:gd name="adj" fmla="val 50000"/>
-              </a:avLst>
-            </a:prstGeom>
-            <a:solidFill>
-              <a:schemeClr val="bg2"/>
-            </a:solidFill>
-            <a:ln w="9525">
-              <a:solidFill>
-                <a:srgbClr val="FF6600"/>
-              </a:solidFill>
-            </a:ln>
-            <a:scene3d>
-              <a:camera prst="perspectiveRelaxed" fov="1500000">
-                <a:rot lat="21594000" lon="0" rev="0"/>
-              </a:camera>
-              <a:lightRig rig="threePt" dir="t"/>
-            </a:scene3d>
-          </p:spPr>
-          <p:style>
-            <a:lnRef idx="2">
-              <a:schemeClr val="accent1">
-                <a:shade val="50000"/>
-              </a:schemeClr>
-            </a:lnRef>
-            <a:fillRef idx="1">
-              <a:schemeClr val="accent1"/>
-            </a:fillRef>
-            <a:effectRef idx="0">
-              <a:schemeClr val="accent1"/>
-            </a:effectRef>
-            <a:fontRef idx="minor">
-              <a:schemeClr val="lt1"/>
-            </a:fontRef>
-          </p:style>
-          <p:txBody>
-            <a:bodyPr rtlCol="0" anchor="ctr"/>
-            <a:lstStyle/>
-            <a:p>
-              <a:pPr algn="ctr"/>
-              <a:endParaRPr lang="en-GB"/>
-            </a:p>
-          </p:txBody>
-        </p:sp>
-        <p:sp>
-          <p:nvSpPr>
-            <p:cNvPr id="155" name="Can 154"/>
-            <p:cNvSpPr/>
-            <p:nvPr/>
-          </p:nvSpPr>
-          <p:spPr>
-            <a:xfrm>
-              <a:off x="5277572" y="4527765"/>
-              <a:ext cx="422558" cy="110878"/>
-            </a:xfrm>
-            <a:prstGeom prst="can">
-              <a:avLst>
-                <a:gd name="adj" fmla="val 50000"/>
-              </a:avLst>
-            </a:prstGeom>
-            <a:solidFill>
-              <a:schemeClr val="bg2"/>
-            </a:solidFill>
-            <a:ln w="9525">
-              <a:solidFill>
-                <a:srgbClr val="FF6600"/>
-              </a:solidFill>
-            </a:ln>
-            <a:scene3d>
-              <a:camera prst="perspectiveRelaxed" fov="1500000">
-                <a:rot lat="21594000" lon="0" rev="0"/>
-              </a:camera>
-              <a:lightRig rig="threePt" dir="t"/>
-            </a:scene3d>
-          </p:spPr>
-          <p:style>
-            <a:lnRef idx="2">
-              <a:schemeClr val="accent1">
-                <a:shade val="50000"/>
-              </a:schemeClr>
-            </a:lnRef>
-            <a:fillRef idx="1">
-              <a:schemeClr val="accent1"/>
-            </a:fillRef>
-            <a:effectRef idx="0">
-              <a:schemeClr val="accent1"/>
-            </a:effectRef>
-            <a:fontRef idx="minor">
-              <a:schemeClr val="lt1"/>
-            </a:fontRef>
-          </p:style>
-          <p:txBody>
-            <a:bodyPr rtlCol="0" anchor="ctr"/>
-            <a:lstStyle/>
-            <a:p>
-              <a:pPr algn="ctr"/>
-              <a:endParaRPr lang="en-GB"/>
-            </a:p>
-          </p:txBody>
-        </p:sp>
-        <p:sp>
-          <p:nvSpPr>
-            <p:cNvPr id="156" name="Can 155"/>
-            <p:cNvSpPr/>
-            <p:nvPr/>
-          </p:nvSpPr>
-          <p:spPr>
-            <a:xfrm>
-              <a:off x="5212431" y="4474143"/>
-              <a:ext cx="552839" cy="110878"/>
-            </a:xfrm>
-            <a:prstGeom prst="can">
-              <a:avLst>
-                <a:gd name="adj" fmla="val 50000"/>
-              </a:avLst>
-            </a:prstGeom>
-            <a:solidFill>
-              <a:schemeClr val="tx2"/>
-            </a:solidFill>
-            <a:ln w="9525">
-              <a:solidFill>
-                <a:schemeClr val="tx2"/>
-              </a:solidFill>
-            </a:ln>
-            <a:scene3d>
-              <a:camera prst="perspectiveRelaxed" fov="1500000">
-                <a:rot lat="21594000" lon="0" rev="0"/>
-              </a:camera>
-              <a:lightRig rig="threePt" dir="t"/>
-            </a:scene3d>
-          </p:spPr>
-          <p:style>
-            <a:lnRef idx="2">
-              <a:schemeClr val="accent1">
-                <a:shade val="50000"/>
-              </a:schemeClr>
-            </a:lnRef>
-            <a:fillRef idx="1">
-              <a:schemeClr val="accent1"/>
-            </a:fillRef>
-            <a:effectRef idx="0">
-              <a:schemeClr val="accent1"/>
-            </a:effectRef>
-            <a:fontRef idx="minor">
-              <a:schemeClr val="lt1"/>
-            </a:fontRef>
-          </p:style>
-          <p:txBody>
-            <a:bodyPr rtlCol="0" anchor="ctr"/>
-            <a:lstStyle/>
-            <a:p>
-              <a:pPr algn="ctr"/>
-              <a:endParaRPr lang="en-GB"/>
-            </a:p>
-          </p:txBody>
-        </p:sp>
-      </p:grpSp>
-      <p:sp>
-        <p:nvSpPr>
-          <p:cNvPr id="54" name="Rectangle 53"/>
-          <p:cNvSpPr/>
-          <p:nvPr/>
-        </p:nvSpPr>
-        <p:spPr>
-          <a:xfrm>
-            <a:off x="692929" y="24408999"/>
-            <a:ext cx="1700568" cy="1066800"/>
-          </a:xfrm>
-          <a:prstGeom prst="rect">
-            <a:avLst/>
-          </a:prstGeom>
-          <a:solidFill>
-            <a:schemeClr val="bg1"/>
-          </a:solidFill>
-          <a:ln>
-            <a:solidFill>
-              <a:schemeClr val="bg1"/>
-            </a:solidFill>
-          </a:ln>
-        </p:spPr>
-        <p:style>
-          <a:lnRef idx="2">
-            <a:schemeClr val="accent1">
-              <a:shade val="50000"/>
-            </a:schemeClr>
-          </a:lnRef>
-          <a:fillRef idx="1">
-            <a:schemeClr val="accent1"/>
-          </a:fillRef>
-          <a:effectRef idx="0">
-            <a:schemeClr val="accent1"/>
-          </a:effectRef>
-          <a:fontRef idx="minor">
-            <a:schemeClr val="lt1"/>
-          </a:fontRef>
-        </p:style>
-        <p:txBody>
-          <a:bodyPr rtlCol="0" anchor="ctr"/>
-          <a:lstStyle/>
-          <a:p>
-            <a:pPr algn="ctr"/>
-            <a:endParaRPr lang="en-US"/>
-          </a:p>
-        </p:txBody>
-      </p:sp>
-      <p:grpSp>
-        <p:nvGrpSpPr>
-          <p:cNvPr id="220" name="Group 219"/>
-          <p:cNvGrpSpPr/>
-          <p:nvPr/>
-        </p:nvGrpSpPr>
-        <p:grpSpPr>
-          <a:xfrm>
-            <a:off x="12473815" y="22047818"/>
-            <a:ext cx="4161278" cy="836289"/>
-            <a:chOff x="-3086370" y="-1256113"/>
-            <a:chExt cx="4161278" cy="836289"/>
-          </a:xfrm>
-        </p:grpSpPr>
-        <p:cxnSp>
-          <p:nvCxnSpPr>
-            <p:cNvPr id="221" name="Straight Connector 220"/>
-            <p:cNvCxnSpPr/>
-            <p:nvPr/>
-          </p:nvCxnSpPr>
-          <p:spPr>
-            <a:xfrm flipV="1">
-              <a:off x="-3086370" y="-1024104"/>
-              <a:ext cx="609057" cy="2577"/>
-            </a:xfrm>
-            <a:prstGeom prst="line">
-              <a:avLst/>
-            </a:prstGeom>
-            <a:ln w="28575">
-              <a:solidFill>
-                <a:srgbClr val="0070C0"/>
-              </a:solidFill>
-            </a:ln>
-          </p:spPr>
-          <p:style>
-            <a:lnRef idx="1">
-              <a:schemeClr val="accent1"/>
-            </a:lnRef>
-            <a:fillRef idx="0">
-              <a:schemeClr val="accent1"/>
-            </a:fillRef>
-            <a:effectRef idx="0">
-              <a:schemeClr val="accent1"/>
-            </a:effectRef>
-            <a:fontRef idx="minor">
-              <a:schemeClr val="tx1"/>
-            </a:fontRef>
-          </p:style>
-        </p:cxnSp>
-        <p:cxnSp>
-          <p:nvCxnSpPr>
-            <p:cNvPr id="222" name="Straight Connector 221"/>
-            <p:cNvCxnSpPr/>
-            <p:nvPr/>
-          </p:nvCxnSpPr>
-          <p:spPr>
-            <a:xfrm flipV="1">
-              <a:off x="-3086370" y="-674517"/>
-              <a:ext cx="609057" cy="2577"/>
-            </a:xfrm>
-            <a:prstGeom prst="line">
-              <a:avLst/>
-            </a:prstGeom>
-            <a:ln w="28575">
-              <a:solidFill>
-                <a:srgbClr val="FF6600"/>
-              </a:solidFill>
-            </a:ln>
-          </p:spPr>
-          <p:style>
-            <a:lnRef idx="1">
-              <a:schemeClr val="accent1"/>
-            </a:lnRef>
-            <a:fillRef idx="0">
-              <a:schemeClr val="accent1"/>
-            </a:fillRef>
-            <a:effectRef idx="0">
-              <a:schemeClr val="accent1"/>
-            </a:effectRef>
-            <a:fontRef idx="minor">
-              <a:schemeClr val="tx1"/>
-            </a:fontRef>
-          </p:style>
-        </p:cxnSp>
-        <p:sp>
-          <p:nvSpPr>
-            <p:cNvPr id="223" name="CustomShape 2 4"/>
-            <p:cNvSpPr/>
-            <p:nvPr/>
-          </p:nvSpPr>
-          <p:spPr>
-            <a:xfrm>
-              <a:off x="-2331368" y="-1256113"/>
-              <a:ext cx="3406276" cy="836289"/>
-            </a:xfrm>
-            <a:prstGeom prst="rect">
-              <a:avLst/>
-            </a:prstGeom>
-            <a:noFill/>
-            <a:ln>
-              <a:noFill/>
-            </a:ln>
-          </p:spPr>
-          <p:txBody>
-            <a:bodyPr wrap="none" lIns="90000" tIns="45000" rIns="90000" bIns="45000"/>
-            <a:lstStyle/>
-            <a:p>
-              <a:pPr>
-                <a:lnSpc>
-                  <a:spcPct val="100000"/>
-                </a:lnSpc>
-              </a:pPr>
-              <a:r>
-                <a:rPr lang="en-US" sz="2000" smtClean="0">
-                  <a:solidFill>
-                    <a:srgbClr val="000000"/>
-                  </a:solidFill>
-                  <a:latin typeface="Arial"/>
-                </a:rPr>
-                <a:t>polarization maintaining </a:t>
-              </a:r>
-              <a:r>
-                <a:rPr lang="en-US" sz="2000">
-                  <a:solidFill>
-                    <a:srgbClr val="000000"/>
-                  </a:solidFill>
-                  <a:latin typeface="Arial"/>
-                </a:rPr>
-                <a:t>f</a:t>
-              </a:r>
-              <a:r>
-                <a:rPr lang="en-US" sz="2000" smtClean="0">
-                  <a:solidFill>
-                    <a:srgbClr val="000000"/>
-                  </a:solidFill>
-                  <a:latin typeface="Arial"/>
-                </a:rPr>
-                <a:t>iber</a:t>
-              </a:r>
-              <a:endParaRPr lang="en-US" sz="2000" dirty="0" smtClean="0">
-                <a:solidFill>
-                  <a:srgbClr val="000000"/>
-                </a:solidFill>
-                <a:latin typeface="Arial"/>
-              </a:endParaRPr>
-            </a:p>
-            <a:p>
-              <a:pPr>
-                <a:lnSpc>
-                  <a:spcPct val="100000"/>
-                </a:lnSpc>
-              </a:pPr>
-              <a:endParaRPr lang="en-US" sz="400" dirty="0" smtClean="0">
-                <a:solidFill>
-                  <a:srgbClr val="000000"/>
-                </a:solidFill>
-                <a:latin typeface="Arial"/>
-              </a:endParaRPr>
-            </a:p>
-            <a:p>
-              <a:pPr>
-                <a:lnSpc>
-                  <a:spcPct val="100000"/>
-                </a:lnSpc>
-              </a:pPr>
-              <a:r>
-                <a:rPr lang="en-US" sz="2000">
-                  <a:solidFill>
-                    <a:srgbClr val="000000"/>
-                  </a:solidFill>
-                  <a:latin typeface="Arial"/>
-                </a:rPr>
-                <a:t>s</a:t>
-              </a:r>
-              <a:r>
-                <a:rPr lang="en-US" sz="2000" smtClean="0">
-                  <a:solidFill>
-                    <a:srgbClr val="000000"/>
-                  </a:solidFill>
-                  <a:latin typeface="Arial"/>
-                </a:rPr>
-                <a:t>ingle mode fiber</a:t>
-              </a:r>
-              <a:endParaRPr dirty="0"/>
-            </a:p>
-          </p:txBody>
-        </p:sp>
-      </p:grpSp>
-      <p:pic>
-        <p:nvPicPr>
-          <p:cNvPr id="285" name="Picture 284"/>
-          <p:cNvPicPr>
-            <a:picLocks noChangeAspect="1"/>
-          </p:cNvPicPr>
-          <p:nvPr/>
-        </p:nvPicPr>
-        <p:blipFill>
-          <a:blip r:embed="rId9" cstate="print">
-            <a:extLst>
-              <a:ext uri="{28A0092B-C50C-407E-A947-70E740481C1C}">
-                <a14:useLocalDpi xmlns:a14="http://schemas.microsoft.com/office/drawing/2010/main" val="0"/>
-              </a:ext>
-            </a:extLst>
-          </a:blip>
-          <a:stretch>
-            <a:fillRect/>
-          </a:stretch>
-        </p:blipFill>
-        <p:spPr>
-          <a:xfrm>
-            <a:off x="1326953" y="21920715"/>
-            <a:ext cx="4815084" cy="3134371"/>
-          </a:xfrm>
-          <a:prstGeom prst="rect">
-            <a:avLst/>
-          </a:prstGeom>
-        </p:spPr>
-      </p:pic>
-      <p:pic>
-        <p:nvPicPr>
-          <p:cNvPr id="290" name="Picture 289"/>
-          <p:cNvPicPr>
-            <a:picLocks noChangeAspect="1"/>
-          </p:cNvPicPr>
-          <p:nvPr/>
-        </p:nvPicPr>
-        <p:blipFill>
-          <a:blip r:embed="rId10" cstate="print">
-            <a:extLst>
-              <a:ext uri="{28A0092B-C50C-407E-A947-70E740481C1C}">
-                <a14:useLocalDpi xmlns:a14="http://schemas.microsoft.com/office/drawing/2010/main" val="0"/>
-              </a:ext>
-            </a:extLst>
-          </a:blip>
-          <a:stretch>
-            <a:fillRect/>
-          </a:stretch>
-        </p:blipFill>
-        <p:spPr>
-          <a:xfrm>
-            <a:off x="6974587" y="21912879"/>
-            <a:ext cx="5020101" cy="3058605"/>
-          </a:xfrm>
-          <a:prstGeom prst="rect">
-            <a:avLst/>
-          </a:prstGeom>
-        </p:spPr>
-      </p:pic>
-      <p:sp>
-        <p:nvSpPr>
-          <p:cNvPr id="300" name="CustomShape 18 4"/>
-          <p:cNvSpPr/>
-          <p:nvPr/>
-        </p:nvSpPr>
-        <p:spPr>
-          <a:xfrm>
-            <a:off x="6639531" y="27671054"/>
-            <a:ext cx="5768041" cy="1131011"/>
-          </a:xfrm>
-          <a:prstGeom prst="rect">
-            <a:avLst/>
-          </a:prstGeom>
-          <a:noFill/>
-          <a:ln>
-            <a:noFill/>
-          </a:ln>
-        </p:spPr>
-        <p:txBody>
-          <a:bodyPr wrap="none" lIns="90000" tIns="45000" rIns="90000" bIns="45000"/>
-          <a:lstStyle/>
-          <a:p>
-            <a:pPr lvl="0" defTabSz="914400"/>
-            <a:r>
-              <a:rPr lang="en-US" sz="1200" kern="0" dirty="0">
-                <a:solidFill>
-                  <a:srgbClr val="000000"/>
-                </a:solidFill>
-                <a:latin typeface="Arial"/>
-              </a:rPr>
-              <a:t>Broadband coding </a:t>
-            </a:r>
-            <a:r>
-              <a:rPr lang="en-US" sz="1200" kern="0" dirty="0" smtClean="0">
-                <a:solidFill>
-                  <a:srgbClr val="000000"/>
-                </a:solidFill>
-                <a:latin typeface="Arial"/>
-              </a:rPr>
-              <a:t>requires </a:t>
-            </a:r>
-            <a:r>
-              <a:rPr lang="en-US" sz="1200" kern="0" dirty="0">
-                <a:solidFill>
-                  <a:srgbClr val="000000"/>
-                </a:solidFill>
-                <a:latin typeface="Arial"/>
-              </a:rPr>
-              <a:t>a thorough </a:t>
-            </a:r>
-            <a:r>
-              <a:rPr lang="en-US" sz="1200" kern="0" dirty="0" smtClean="0">
-                <a:solidFill>
-                  <a:srgbClr val="000000"/>
-                </a:solidFill>
-                <a:latin typeface="Arial"/>
-              </a:rPr>
-              <a:t>pre-characterization </a:t>
-            </a:r>
-            <a:r>
-              <a:rPr lang="en-US" sz="1200" kern="0" dirty="0">
-                <a:solidFill>
-                  <a:srgbClr val="000000"/>
-                </a:solidFill>
-                <a:latin typeface="Arial"/>
-              </a:rPr>
-              <a:t>of </a:t>
-            </a:r>
-            <a:r>
-              <a:rPr lang="en-US" sz="1200" kern="0" dirty="0" smtClean="0">
-                <a:solidFill>
-                  <a:srgbClr val="000000"/>
-                </a:solidFill>
-                <a:latin typeface="Arial"/>
-              </a:rPr>
-              <a:t>the </a:t>
-            </a:r>
-            <a:r>
-              <a:rPr lang="en-US" sz="1200" kern="0" dirty="0">
-                <a:solidFill>
-                  <a:srgbClr val="000000"/>
-                </a:solidFill>
-                <a:latin typeface="Arial"/>
-              </a:rPr>
-              <a:t>modulators and </a:t>
-            </a:r>
-            <a:r>
-              <a:rPr lang="en-US" sz="1200" kern="0" dirty="0" smtClean="0">
-                <a:solidFill>
-                  <a:srgbClr val="000000"/>
-                </a:solidFill>
-                <a:latin typeface="Arial"/>
-              </a:rPr>
-              <a:t>detector </a:t>
-            </a:r>
-          </a:p>
-          <a:p>
-            <a:pPr lvl="0" defTabSz="914400"/>
-            <a:r>
-              <a:rPr lang="en-US" sz="1200" kern="0" dirty="0" smtClean="0">
-                <a:solidFill>
-                  <a:srgbClr val="000000"/>
-                </a:solidFill>
-                <a:latin typeface="Arial"/>
-              </a:rPr>
-              <a:t>response </a:t>
-            </a:r>
-            <a:r>
-              <a:rPr lang="en-US" sz="1200" kern="0" dirty="0">
-                <a:solidFill>
-                  <a:srgbClr val="000000"/>
-                </a:solidFill>
-                <a:latin typeface="Arial"/>
-              </a:rPr>
-              <a:t>(transfer function) in the </a:t>
-            </a:r>
-            <a:r>
-              <a:rPr lang="en-US" sz="1200" kern="0" dirty="0" smtClean="0">
-                <a:solidFill>
-                  <a:srgbClr val="000000"/>
-                </a:solidFill>
-                <a:latin typeface="Arial"/>
-              </a:rPr>
-              <a:t>frequency </a:t>
-            </a:r>
-            <a:r>
-              <a:rPr lang="en-US" sz="1200" kern="0" dirty="0">
-                <a:solidFill>
-                  <a:srgbClr val="000000"/>
-                </a:solidFill>
-                <a:latin typeface="Arial"/>
-              </a:rPr>
-              <a:t>band of </a:t>
-            </a:r>
-            <a:r>
-              <a:rPr lang="en-US" sz="1200" kern="0" dirty="0" smtClean="0">
-                <a:solidFill>
-                  <a:srgbClr val="000000"/>
-                </a:solidFill>
-                <a:latin typeface="Arial"/>
-              </a:rPr>
-              <a:t>interest.</a:t>
-            </a:r>
-          </a:p>
-          <a:p>
-            <a:pPr lvl="0" defTabSz="914400"/>
-            <a:endParaRPr lang="en-US" sz="1200" kern="0" dirty="0" smtClean="0">
-              <a:solidFill>
-                <a:srgbClr val="000000"/>
-              </a:solidFill>
-              <a:latin typeface="Arial"/>
-            </a:endParaRPr>
-          </a:p>
-          <a:p>
-            <a:pPr lvl="0" defTabSz="914400"/>
-            <a:r>
-              <a:rPr kumimoji="0" lang="en-US" sz="1200" b="0" i="0" u="none" strike="noStrike" kern="0" cap="none" spc="0" normalizeH="0" baseline="0" noProof="0" dirty="0" smtClean="0">
-                <a:ln>
-                  <a:noFill/>
-                </a:ln>
-                <a:solidFill>
-                  <a:srgbClr val="000000"/>
-                </a:solidFill>
-                <a:effectLst/>
-                <a:uLnTx/>
-                <a:uFillTx/>
-                <a:latin typeface="Arial"/>
-              </a:rPr>
-              <a:t>Figure 1</a:t>
-            </a:r>
-            <a:r>
-              <a:rPr lang="en-US" sz="1200" kern="0" dirty="0" smtClean="0">
-                <a:solidFill>
-                  <a:srgbClr val="000000"/>
-                </a:solidFill>
-                <a:latin typeface="Arial"/>
-              </a:rPr>
-              <a:t>. shows the network analyzer measurement results of S21 parameter for the phase </a:t>
-            </a:r>
-          </a:p>
-          <a:p>
-            <a:pPr lvl="0" defTabSz="914400"/>
-            <a:r>
-              <a:rPr lang="en-US" sz="1200" kern="0" dirty="0" smtClean="0">
-                <a:solidFill>
-                  <a:srgbClr val="000000"/>
-                </a:solidFill>
-                <a:latin typeface="Arial"/>
-              </a:rPr>
-              <a:t>modulator. </a:t>
-            </a:r>
-            <a:r>
-              <a:rPr kumimoji="0" lang="en-US" sz="1200" b="0" i="0" u="none" strike="noStrike" kern="0" cap="none" spc="0" normalizeH="0" baseline="0" noProof="0" dirty="0" smtClean="0">
-                <a:ln>
-                  <a:noFill/>
-                </a:ln>
-                <a:solidFill>
-                  <a:srgbClr val="000000"/>
-                </a:solidFill>
-                <a:effectLst/>
-                <a:uLnTx/>
-                <a:uFillTx/>
-                <a:latin typeface="Arial"/>
-              </a:rPr>
-              <a:t>Figure 2. shows the</a:t>
-            </a:r>
-            <a:r>
-              <a:rPr kumimoji="0" lang="en-US" sz="1200" b="0" i="0" u="none" strike="noStrike" kern="0" cap="none" spc="0" normalizeH="0" noProof="0" dirty="0" smtClean="0">
-                <a:ln>
-                  <a:noFill/>
-                </a:ln>
-                <a:solidFill>
-                  <a:srgbClr val="000000"/>
-                </a:solidFill>
-                <a:effectLst/>
-                <a:uLnTx/>
-                <a:uFillTx/>
-                <a:latin typeface="Arial"/>
-              </a:rPr>
-              <a:t> </a:t>
-            </a:r>
-            <a:r>
-              <a:rPr kumimoji="0" lang="en-US" sz="1200" b="0" i="0" u="none" strike="noStrike" kern="0" cap="none" spc="0" normalizeH="0" baseline="0" noProof="0" dirty="0" smtClean="0">
-                <a:ln>
-                  <a:noFill/>
-                </a:ln>
-                <a:solidFill>
-                  <a:srgbClr val="000000"/>
-                </a:solidFill>
-                <a:effectLst/>
-                <a:uLnTx/>
-                <a:uFillTx/>
-                <a:latin typeface="Arial"/>
-              </a:rPr>
-              <a:t>effects of stabilization of transmitted optical</a:t>
-            </a:r>
-            <a:r>
-              <a:rPr kumimoji="0" lang="en-US" sz="1200" b="0" i="0" u="none" strike="noStrike" kern="0" cap="none" spc="0" normalizeH="0" noProof="0" dirty="0" smtClean="0">
-                <a:ln>
-                  <a:noFill/>
-                </a:ln>
-                <a:solidFill>
-                  <a:srgbClr val="000000"/>
-                </a:solidFill>
-                <a:effectLst/>
-                <a:uLnTx/>
-                <a:uFillTx/>
-                <a:latin typeface="Arial"/>
-              </a:rPr>
-              <a:t> </a:t>
-            </a:r>
-            <a:r>
-              <a:rPr kumimoji="0" lang="en-US" sz="1200" b="0" i="0" u="none" strike="noStrike" kern="0" cap="none" spc="0" normalizeH="0" baseline="0" noProof="0" dirty="0" smtClean="0">
-                <a:ln>
-                  <a:noFill/>
-                </a:ln>
-                <a:solidFill>
-                  <a:srgbClr val="000000"/>
-                </a:solidFill>
-                <a:effectLst/>
-                <a:uLnTx/>
-                <a:uFillTx/>
-                <a:latin typeface="Arial"/>
-              </a:rPr>
-              <a:t>power through </a:t>
-            </a:r>
-          </a:p>
-          <a:p>
-            <a:pPr lvl="0" defTabSz="914400"/>
-            <a:r>
-              <a:rPr kumimoji="0" lang="en-US" sz="1200" b="0" i="0" u="none" strike="noStrike" kern="0" cap="none" spc="0" normalizeH="0" baseline="0" noProof="0" dirty="0" smtClean="0">
-                <a:ln>
-                  <a:noFill/>
-                </a:ln>
-                <a:solidFill>
-                  <a:srgbClr val="000000"/>
-                </a:solidFill>
-                <a:effectLst/>
-                <a:uLnTx/>
-                <a:uFillTx/>
-                <a:latin typeface="Arial"/>
-              </a:rPr>
-              <a:t>the amplitude</a:t>
-            </a:r>
-            <a:r>
-              <a:rPr kumimoji="0" lang="en-US" sz="1200" b="0" i="0" u="none" strike="noStrike" kern="0" cap="none" spc="0" normalizeH="0" noProof="0" dirty="0" smtClean="0">
-                <a:ln>
-                  <a:noFill/>
-                </a:ln>
-                <a:solidFill>
-                  <a:srgbClr val="000000"/>
-                </a:solidFill>
-                <a:effectLst/>
-                <a:uLnTx/>
-                <a:uFillTx/>
-                <a:latin typeface="Arial"/>
-              </a:rPr>
-              <a:t> </a:t>
-            </a:r>
-            <a:r>
-              <a:rPr lang="en-US" sz="1200" kern="0" dirty="0" smtClean="0">
-                <a:solidFill>
-                  <a:srgbClr val="000000"/>
-                </a:solidFill>
-                <a:latin typeface="Arial"/>
-              </a:rPr>
-              <a:t>modulator as a function of time.</a:t>
-            </a:r>
-            <a:endParaRPr kumimoji="0" sz="1200" b="0" i="0" u="none" strike="noStrike" kern="0" cap="none" spc="0" normalizeH="0" baseline="0" noProof="0" dirty="0" smtClean="0">
-              <a:ln>
-                <a:noFill/>
-              </a:ln>
-              <a:solidFill>
-                <a:prstClr val="black"/>
-              </a:solidFill>
-              <a:effectLst/>
-              <a:uLnTx/>
-              <a:uFillTx/>
-            </a:endParaRPr>
-          </a:p>
-        </p:txBody>
-      </p:sp>
-      <p:pic>
-        <p:nvPicPr>
-          <p:cNvPr id="296" name="Picture 295"/>
-          <p:cNvPicPr>
-            <a:picLocks noChangeAspect="1"/>
-          </p:cNvPicPr>
-          <p:nvPr/>
-        </p:nvPicPr>
-        <p:blipFill>
-          <a:blip r:embed="rId11" cstate="print">
-            <a:extLst>
-              <a:ext uri="{28A0092B-C50C-407E-A947-70E740481C1C}">
-                <a14:useLocalDpi xmlns:a14="http://schemas.microsoft.com/office/drawing/2010/main" val="0"/>
-              </a:ext>
-            </a:extLst>
-          </a:blip>
-          <a:stretch>
-            <a:fillRect/>
-          </a:stretch>
-        </p:blipFill>
-        <p:spPr>
-          <a:xfrm>
-            <a:off x="1279116" y="25286494"/>
-            <a:ext cx="4819729" cy="2500989"/>
-          </a:xfrm>
-          <a:prstGeom prst="rect">
-            <a:avLst/>
-          </a:prstGeom>
-        </p:spPr>
-      </p:pic>
-      <p:pic>
-        <p:nvPicPr>
-          <p:cNvPr id="302" name="Picture 301"/>
-          <p:cNvPicPr>
-            <a:picLocks noChangeAspect="1"/>
-          </p:cNvPicPr>
-          <p:nvPr/>
-        </p:nvPicPr>
-        <p:blipFill>
-          <a:blip r:embed="rId12" cstate="print">
-            <a:extLst>
-              <a:ext uri="{28A0092B-C50C-407E-A947-70E740481C1C}">
-                <a14:useLocalDpi xmlns:a14="http://schemas.microsoft.com/office/drawing/2010/main" val="0"/>
-              </a:ext>
-            </a:extLst>
-          </a:blip>
-          <a:stretch>
-            <a:fillRect/>
-          </a:stretch>
-        </p:blipFill>
-        <p:spPr>
-          <a:xfrm>
-            <a:off x="7047725" y="25050518"/>
-            <a:ext cx="4697481" cy="2520000"/>
-          </a:xfrm>
-          <a:prstGeom prst="rect">
-            <a:avLst/>
-          </a:prstGeom>
-        </p:spPr>
-      </p:pic>
-      <p:pic>
-        <p:nvPicPr>
-          <p:cNvPr id="303" name="Picture 302"/>
-          <p:cNvPicPr>
-            <a:picLocks noChangeAspect="1"/>
-          </p:cNvPicPr>
-          <p:nvPr/>
-        </p:nvPicPr>
-        <p:blipFill>
-          <a:blip r:embed="rId13" cstate="print">
-            <a:extLst>
-              <a:ext uri="{28A0092B-C50C-407E-A947-70E740481C1C}">
-                <a14:useLocalDpi xmlns:a14="http://schemas.microsoft.com/office/drawing/2010/main" val="0"/>
-              </a:ext>
-            </a:extLst>
-          </a:blip>
-          <a:stretch>
-            <a:fillRect/>
-          </a:stretch>
-        </p:blipFill>
-        <p:spPr>
-          <a:xfrm>
-            <a:off x="12925906" y="23435368"/>
-            <a:ext cx="5258162" cy="4074780"/>
-          </a:xfrm>
-          <a:prstGeom prst="rect">
-            <a:avLst/>
-          </a:prstGeom>
-        </p:spPr>
-      </p:pic>
-      <p:sp>
-        <p:nvSpPr>
-          <p:cNvPr id="199" name="CustomShape 18 4"/>
-          <p:cNvSpPr/>
-          <p:nvPr/>
-        </p:nvSpPr>
-        <p:spPr>
-          <a:xfrm>
-            <a:off x="1543213" y="27876620"/>
-            <a:ext cx="4509589" cy="708063"/>
-          </a:xfrm>
-          <a:prstGeom prst="rect">
-            <a:avLst/>
-          </a:prstGeom>
-          <a:noFill/>
-          <a:ln>
-            <a:noFill/>
-          </a:ln>
-        </p:spPr>
-        <p:txBody>
-          <a:bodyPr wrap="none" lIns="90000" tIns="45000" rIns="90000" bIns="45000"/>
-          <a:lstStyle/>
-          <a:p>
-            <a:pPr lvl="0" defTabSz="914400"/>
-            <a:r>
-              <a:rPr lang="en-US" sz="1200" kern="0" dirty="0" smtClean="0">
-                <a:solidFill>
-                  <a:srgbClr val="000000"/>
-                </a:solidFill>
-                <a:latin typeface="Arial"/>
-              </a:rPr>
-              <a:t>Figure 1. shows the measured Allan variance for X15 and E15 lasers</a:t>
-            </a:r>
-          </a:p>
-          <a:p>
-            <a:pPr lvl="0" defTabSz="914400"/>
-            <a:r>
-              <a:rPr lang="en-US" sz="1200" kern="0" dirty="0" smtClean="0">
-                <a:solidFill>
-                  <a:srgbClr val="000000"/>
-                </a:solidFill>
-                <a:latin typeface="Arial"/>
-              </a:rPr>
-              <a:t>by NKT Photonics.</a:t>
-            </a:r>
-          </a:p>
-          <a:p>
-            <a:pPr lvl="0" defTabSz="914400"/>
-            <a:r>
-              <a:rPr lang="en-US" sz="1200" kern="0" dirty="0" smtClean="0">
-                <a:solidFill>
-                  <a:srgbClr val="000000"/>
-                </a:solidFill>
-                <a:latin typeface="Arial"/>
-              </a:rPr>
-              <a:t>Figure 2. shows relative intensity noise for the E15 laser. </a:t>
-            </a:r>
-          </a:p>
-          <a:p>
-            <a:pPr lvl="0" defTabSz="914400"/>
-            <a:r>
-              <a:rPr lang="en-US" sz="1200" kern="0" dirty="0" smtClean="0">
-                <a:solidFill>
-                  <a:srgbClr val="000000"/>
-                </a:solidFill>
-                <a:latin typeface="Arial"/>
-              </a:rPr>
-              <a:t> </a:t>
-            </a:r>
-            <a:endParaRPr kumimoji="0" sz="1200" b="0" i="0" u="none" strike="noStrike" kern="0" cap="none" spc="0" normalizeH="0" baseline="0" noProof="0" dirty="0" smtClean="0">
-              <a:ln>
-                <a:noFill/>
-              </a:ln>
-              <a:solidFill>
-                <a:prstClr val="black"/>
-              </a:solidFill>
-              <a:effectLst/>
-              <a:uLnTx/>
-              <a:uFillTx/>
-            </a:endParaRPr>
-          </a:p>
-        </p:txBody>
-      </p:sp>
-      <p:grpSp>
-        <p:nvGrpSpPr>
-          <p:cNvPr id="8" name="Group 7"/>
-          <p:cNvGrpSpPr/>
-          <p:nvPr/>
-        </p:nvGrpSpPr>
-        <p:grpSpPr>
-          <a:xfrm>
-            <a:off x="8609162" y="19880911"/>
-            <a:ext cx="7283406" cy="684000"/>
-            <a:chOff x="8575650" y="21286719"/>
-            <a:chExt cx="7283406" cy="720000"/>
-          </a:xfrm>
-          <a:scene3d>
-            <a:camera prst="orthographicFront">
-              <a:rot lat="10800000" lon="0" rev="0"/>
-            </a:camera>
-            <a:lightRig rig="threePt" dir="t"/>
-          </a:scene3d>
-        </p:grpSpPr>
-        <p:cxnSp>
-          <p:nvCxnSpPr>
-            <p:cNvPr id="216" name="Straight Arrow Connector 215"/>
-            <p:cNvCxnSpPr/>
-            <p:nvPr/>
-          </p:nvCxnSpPr>
-          <p:spPr>
-            <a:xfrm flipV="1">
-              <a:off x="8575650" y="21286719"/>
-              <a:ext cx="31" cy="720000"/>
-            </a:xfrm>
-            <a:prstGeom prst="straightConnector1">
-              <a:avLst/>
-            </a:prstGeom>
-            <a:ln w="38100">
-              <a:solidFill>
-                <a:schemeClr val="tx1"/>
-              </a:solidFill>
-              <a:tailEnd type="triangle"/>
-            </a:ln>
-          </p:spPr>
-          <p:style>
-            <a:lnRef idx="1">
-              <a:schemeClr val="accent1"/>
-            </a:lnRef>
-            <a:fillRef idx="0">
-              <a:schemeClr val="accent1"/>
-            </a:fillRef>
-            <a:effectRef idx="0">
-              <a:schemeClr val="accent1"/>
-            </a:effectRef>
-            <a:fontRef idx="minor">
-              <a:schemeClr val="tx1"/>
-            </a:fontRef>
-          </p:style>
-        </p:cxnSp>
-        <p:cxnSp>
-          <p:nvCxnSpPr>
-            <p:cNvPr id="88" name="Straight Connector 87"/>
-            <p:cNvCxnSpPr/>
-            <p:nvPr/>
-          </p:nvCxnSpPr>
-          <p:spPr>
-            <a:xfrm>
-              <a:off x="8575650" y="21978846"/>
-              <a:ext cx="7283406" cy="7624"/>
-            </a:xfrm>
-            <a:prstGeom prst="line">
-              <a:avLst/>
-            </a:prstGeom>
-          </p:spPr>
-          <p:style>
-            <a:lnRef idx="3">
-              <a:schemeClr val="dk1"/>
-            </a:lnRef>
-            <a:fillRef idx="0">
-              <a:schemeClr val="dk1"/>
-            </a:fillRef>
-            <a:effectRef idx="2">
-              <a:schemeClr val="dk1"/>
-            </a:effectRef>
-            <a:fontRef idx="minor">
-              <a:schemeClr val="tx1"/>
-            </a:fontRef>
-          </p:style>
-        </p:cxnSp>
-      </p:grpSp>
-      <p:grpSp>
-        <p:nvGrpSpPr>
-          <p:cNvPr id="190" name="Group 189"/>
-          <p:cNvGrpSpPr/>
-          <p:nvPr/>
-        </p:nvGrpSpPr>
-        <p:grpSpPr>
-          <a:xfrm>
-            <a:off x="10670517" y="20160000"/>
-            <a:ext cx="5246713" cy="396000"/>
-            <a:chOff x="8575650" y="21286719"/>
-            <a:chExt cx="7283406" cy="720000"/>
-          </a:xfrm>
-          <a:scene3d>
-            <a:camera prst="orthographicFront">
-              <a:rot lat="10800000" lon="0" rev="0"/>
-            </a:camera>
-            <a:lightRig rig="threePt" dir="t"/>
-          </a:scene3d>
-        </p:grpSpPr>
-        <p:cxnSp>
-          <p:nvCxnSpPr>
-            <p:cNvPr id="195" name="Straight Arrow Connector 194"/>
-            <p:cNvCxnSpPr/>
-            <p:nvPr/>
-          </p:nvCxnSpPr>
-          <p:spPr>
-            <a:xfrm flipV="1">
-              <a:off x="8575650" y="21286719"/>
-              <a:ext cx="31" cy="720000"/>
-            </a:xfrm>
-            <a:prstGeom prst="straightConnector1">
-              <a:avLst/>
-            </a:prstGeom>
-            <a:ln w="38100">
-              <a:solidFill>
-                <a:schemeClr val="tx1"/>
-              </a:solidFill>
-              <a:tailEnd type="triangle"/>
-            </a:ln>
-          </p:spPr>
-          <p:style>
-            <a:lnRef idx="1">
-              <a:schemeClr val="accent1"/>
-            </a:lnRef>
-            <a:fillRef idx="0">
-              <a:schemeClr val="accent1"/>
-            </a:fillRef>
-            <a:effectRef idx="0">
-              <a:schemeClr val="accent1"/>
-            </a:effectRef>
-            <a:fontRef idx="minor">
-              <a:schemeClr val="tx1"/>
-            </a:fontRef>
-          </p:style>
-        </p:cxnSp>
-        <p:cxnSp>
-          <p:nvCxnSpPr>
-            <p:cNvPr id="196" name="Straight Connector 195"/>
-            <p:cNvCxnSpPr/>
-            <p:nvPr/>
-          </p:nvCxnSpPr>
-          <p:spPr>
-            <a:xfrm>
-              <a:off x="8575650" y="21978846"/>
-              <a:ext cx="7283406" cy="7624"/>
-            </a:xfrm>
-            <a:prstGeom prst="line">
-              <a:avLst/>
-            </a:prstGeom>
-          </p:spPr>
-          <p:style>
-            <a:lnRef idx="3">
-              <a:schemeClr val="dk1"/>
-            </a:lnRef>
-            <a:fillRef idx="0">
-              <a:schemeClr val="dk1"/>
-            </a:fillRef>
-            <a:effectRef idx="2">
-              <a:schemeClr val="dk1"/>
-            </a:effectRef>
-            <a:fontRef idx="minor">
-              <a:schemeClr val="tx1"/>
-            </a:fontRef>
-          </p:style>
-        </p:cxnSp>
-      </p:grpSp>
-      <p:pic>
-        <p:nvPicPr>
-          <p:cNvPr id="209" name="Picture 208"/>
-          <p:cNvPicPr>
-            <a:picLocks noChangeAspect="1"/>
-          </p:cNvPicPr>
-          <p:nvPr/>
-        </p:nvPicPr>
-        <p:blipFill>
-          <a:blip r:embed="rId14" cstate="print">
-            <a:extLst>
-              <a:ext uri="{28A0092B-C50C-407E-A947-70E740481C1C}">
-                <a14:useLocalDpi xmlns:a14="http://schemas.microsoft.com/office/drawing/2010/main" val="0"/>
-              </a:ext>
-            </a:extLst>
-          </a:blip>
-          <a:stretch>
-            <a:fillRect/>
-          </a:stretch>
-        </p:blipFill>
-        <p:spPr>
-          <a:xfrm>
-            <a:off x="22375857" y="25370454"/>
-            <a:ext cx="6611087" cy="3132000"/>
-          </a:xfrm>
-          <a:prstGeom prst="rect">
-            <a:avLst/>
-          </a:prstGeom>
-        </p:spPr>
-      </p:pic>
-      <p:pic>
-        <p:nvPicPr>
-          <p:cNvPr id="15" name="Picture 14"/>
-          <p:cNvPicPr>
-            <a:picLocks noChangeAspect="1"/>
-          </p:cNvPicPr>
-          <p:nvPr/>
-        </p:nvPicPr>
-        <p:blipFill>
-          <a:blip r:embed="rId15"/>
-          <a:stretch>
-            <a:fillRect/>
-          </a:stretch>
-        </p:blipFill>
-        <p:spPr>
-          <a:xfrm>
-            <a:off x="16912374" y="19580856"/>
-            <a:ext cx="1399394" cy="665994"/>
-          </a:xfrm>
-          <a:prstGeom prst="rect">
-            <a:avLst/>
-          </a:prstGeom>
-        </p:spPr>
-      </p:pic>
-      <p:pic>
-        <p:nvPicPr>
-          <p:cNvPr id="21" name="Picture 20"/>
-          <p:cNvPicPr>
-            <a:picLocks noChangeAspect="1"/>
-          </p:cNvPicPr>
-          <p:nvPr/>
-        </p:nvPicPr>
-        <p:blipFill>
-          <a:blip r:embed="rId16" cstate="print">
-            <a:extLst>
-              <a:ext uri="{28A0092B-C50C-407E-A947-70E740481C1C}">
-                <a14:useLocalDpi xmlns:a14="http://schemas.microsoft.com/office/drawing/2010/main" val="0"/>
-              </a:ext>
-            </a:extLst>
-          </a:blip>
-          <a:stretch>
-            <a:fillRect/>
-          </a:stretch>
-        </p:blipFill>
-        <p:spPr>
-          <a:xfrm>
-            <a:off x="25834737" y="18770396"/>
-            <a:ext cx="2988252" cy="1620920"/>
-          </a:xfrm>
-          <a:prstGeom prst="rect">
-            <a:avLst/>
-          </a:prstGeom>
-        </p:spPr>
-      </p:pic>
-      <p:sp>
-        <p:nvSpPr>
-          <p:cNvPr id="210" name="CustomShape 2 2"/>
-          <p:cNvSpPr/>
-          <p:nvPr/>
-        </p:nvSpPr>
-        <p:spPr>
-          <a:xfrm>
-            <a:off x="14624715" y="21042561"/>
-            <a:ext cx="1761805" cy="886656"/>
-          </a:xfrm>
-          <a:prstGeom prst="rect">
-            <a:avLst/>
-          </a:prstGeom>
-          <a:noFill/>
-          <a:ln>
-            <a:noFill/>
-          </a:ln>
-        </p:spPr>
-        <p:txBody>
-          <a:bodyPr wrap="none" lIns="90000" tIns="45000" rIns="90000" bIns="45000"/>
-          <a:lstStyle/>
-          <a:p>
-            <a:pPr algn="ctr">
-              <a:lnSpc>
-                <a:spcPct val="100000"/>
-              </a:lnSpc>
-            </a:pPr>
-            <a:r>
-              <a:rPr lang="en-US" sz="2000" smtClean="0">
-                <a:latin typeface="Arial"/>
-              </a:rPr>
-              <a:t>Quantum</a:t>
-            </a:r>
-          </a:p>
-          <a:p>
-            <a:pPr algn="ctr">
-              <a:lnSpc>
-                <a:spcPct val="100000"/>
-              </a:lnSpc>
-            </a:pPr>
-            <a:r>
-              <a:rPr lang="en-US" sz="2000" smtClean="0">
-                <a:latin typeface="Arial"/>
-              </a:rPr>
-              <a:t>channel</a:t>
-            </a:r>
-            <a:endParaRPr sz="2000" dirty="0"/>
-          </a:p>
-        </p:txBody>
-      </p:sp>
-      <p:sp>
-        <p:nvSpPr>
-          <p:cNvPr id="211" name="CustomShape 18 4"/>
-          <p:cNvSpPr/>
-          <p:nvPr/>
-        </p:nvSpPr>
-        <p:spPr>
-          <a:xfrm>
-            <a:off x="13569640" y="27645134"/>
-            <a:ext cx="5768041" cy="1131011"/>
-          </a:xfrm>
-          <a:prstGeom prst="rect">
-            <a:avLst/>
-          </a:prstGeom>
-          <a:noFill/>
-          <a:ln>
-            <a:noFill/>
-          </a:ln>
-        </p:spPr>
-        <p:txBody>
-          <a:bodyPr wrap="none" lIns="90000" tIns="45000" rIns="90000" bIns="45000"/>
-          <a:lstStyle/>
-          <a:p>
-            <a:pPr defTabSz="914400"/>
-            <a:r>
-              <a:rPr lang="en-US" sz="1200" kern="0" smtClean="0">
-                <a:solidFill>
-                  <a:srgbClr val="000000"/>
-                </a:solidFill>
-                <a:latin typeface="Arial"/>
-              </a:rPr>
-              <a:t>Cpation for polarization drift measurements</a:t>
-            </a:r>
-            <a:endParaRPr kumimoji="0" sz="1200" b="0" i="0" u="none" strike="noStrike" kern="0" cap="none" spc="0" normalizeH="0" baseline="0" noProof="0" dirty="0" smtClean="0">
-              <a:ln>
-                <a:noFill/>
-              </a:ln>
-              <a:solidFill>
-                <a:prstClr val="black"/>
-              </a:solidFill>
-              <a:effectLst/>
-              <a:uLnTx/>
-              <a:uFillTx/>
-            </a:endParaRPr>
-          </a:p>
-        </p:txBody>
-      </p:sp>
-      <p:sp>
-        <p:nvSpPr>
-          <p:cNvPr id="213" name="TextBox 212"/>
-          <p:cNvSpPr txBox="1"/>
-          <p:nvPr/>
-        </p:nvSpPr>
-        <p:spPr>
-          <a:xfrm>
-            <a:off x="25998132" y="22273939"/>
-            <a:ext cx="3185785" cy="461665"/>
-          </a:xfrm>
-          <a:prstGeom prst="rect">
-            <a:avLst/>
-          </a:prstGeom>
-          <a:noFill/>
-        </p:spPr>
-        <p:txBody>
-          <a:bodyPr wrap="square" rtlCol="0">
-            <a:spAutoFit/>
-          </a:bodyPr>
-          <a:lstStyle/>
-          <a:p>
-            <a:r>
-              <a:rPr lang="en-US" sz="1200" smtClean="0">
-                <a:latin typeface="Arial" panose="020B0604020202020204" pitchFamily="34" charset="0"/>
-                <a:cs typeface="Arial" panose="020B0604020202020204" pitchFamily="34" charset="0"/>
-              </a:rPr>
-              <a:t>Caption for beat signal strength </a:t>
-            </a:r>
-          </a:p>
-          <a:p>
-            <a:r>
-              <a:rPr lang="en-US" sz="1200" smtClean="0">
-                <a:latin typeface="Arial" panose="020B0604020202020204" pitchFamily="34" charset="0"/>
-                <a:cs typeface="Arial" panose="020B0604020202020204" pitchFamily="34" charset="0"/>
-              </a:rPr>
-              <a:t>measurements</a:t>
-            </a:r>
-            <a:endParaRPr lang="en-US" sz="1200" dirty="0" smtClean="0">
-              <a:latin typeface="Arial" panose="020B0604020202020204" pitchFamily="34" charset="0"/>
-              <a:cs typeface="Arial" panose="020B0604020202020204" pitchFamily="34" charset="0"/>
-            </a:endParaRPr>
-          </a:p>
-        </p:txBody>
-      </p:sp>
-      <p:sp>
-        <p:nvSpPr>
-          <p:cNvPr id="215" name="TextBox 214"/>
-          <p:cNvSpPr txBox="1"/>
-          <p:nvPr/>
-        </p:nvSpPr>
-        <p:spPr>
-          <a:xfrm>
-            <a:off x="19924004" y="25423678"/>
-            <a:ext cx="3185785" cy="461665"/>
-          </a:xfrm>
-          <a:prstGeom prst="rect">
-            <a:avLst/>
-          </a:prstGeom>
-          <a:noFill/>
-        </p:spPr>
-        <p:txBody>
-          <a:bodyPr wrap="square" rtlCol="0">
-            <a:spAutoFit/>
-          </a:bodyPr>
-          <a:lstStyle/>
-          <a:p>
-            <a:r>
-              <a:rPr lang="en-US" sz="1200" smtClean="0">
-                <a:latin typeface="Arial" panose="020B0604020202020204" pitchFamily="34" charset="0"/>
-                <a:cs typeface="Arial" panose="020B0604020202020204" pitchFamily="34" charset="0"/>
-              </a:rPr>
-              <a:t>Caption for shot noise </a:t>
-            </a:r>
-          </a:p>
-          <a:p>
-            <a:r>
-              <a:rPr lang="en-US" sz="1200" smtClean="0">
-                <a:latin typeface="Arial" panose="020B0604020202020204" pitchFamily="34" charset="0"/>
-                <a:cs typeface="Arial" panose="020B0604020202020204" pitchFamily="34" charset="0"/>
-              </a:rPr>
-              <a:t>measurements</a:t>
-            </a:r>
-            <a:endParaRPr lang="en-US" sz="1200" dirty="0" smtClean="0">
-              <a:latin typeface="Arial" panose="020B0604020202020204" pitchFamily="34" charset="0"/>
-              <a:cs typeface="Arial" panose="020B0604020202020204" pitchFamily="34" charset="0"/>
-            </a:endParaRPr>
-          </a:p>
-        </p:txBody>
-      </p:sp>
       <p:sp>
         <p:nvSpPr>
           <p:cNvPr id="178" name="CustomShape 18 4"/>
@@ -11631,7 +7389,7 @@
           <p:nvPr/>
         </p:nvPicPr>
         <p:blipFill>
-          <a:blip r:embed="rId17" cstate="print">
+          <a:blip r:embed="rId8" cstate="print">
             <a:extLst>
               <a:ext uri="{28A0092B-C50C-407E-A947-70E740481C1C}">
                 <a14:useLocalDpi xmlns:a14="http://schemas.microsoft.com/office/drawing/2010/main" val="0"/>
@@ -11661,7 +7419,7 @@
           <p:nvPr/>
         </p:nvPicPr>
         <p:blipFill>
-          <a:blip r:embed="rId18" cstate="print">
+          <a:blip r:embed="rId9" cstate="print">
             <a:extLst>
               <a:ext uri="{28A0092B-C50C-407E-A947-70E740481C1C}">
                 <a14:useLocalDpi xmlns:a14="http://schemas.microsoft.com/office/drawing/2010/main" val="0"/>
@@ -11691,7 +7449,7 @@
           <p:nvPr/>
         </p:nvPicPr>
         <p:blipFill>
-          <a:blip r:embed="rId19" cstate="print">
+          <a:blip r:embed="rId10" cstate="print">
             <a:extLst>
               <a:ext uri="{28A0092B-C50C-407E-A947-70E740481C1C}">
                 <a14:useLocalDpi xmlns:a14="http://schemas.microsoft.com/office/drawing/2010/main" val="0"/>
@@ -11721,7 +7479,7 @@
           <p:nvPr/>
         </p:nvPicPr>
         <p:blipFill>
-          <a:blip r:embed="rId20" cstate="print">
+          <a:blip r:embed="rId11" cstate="print">
             <a:extLst>
               <a:ext uri="{28A0092B-C50C-407E-A947-70E740481C1C}">
                 <a14:useLocalDpi xmlns:a14="http://schemas.microsoft.com/office/drawing/2010/main" val="0"/>
@@ -12469,7 +8227,7 @@
           <p:nvPr/>
         </p:nvPicPr>
         <p:blipFill>
-          <a:blip r:embed="rId21">
+          <a:blip r:embed="rId12">
             <a:extLst>
               <a:ext uri="{28A0092B-C50C-407E-A947-70E740481C1C}">
                 <a14:useLocalDpi xmlns:a14="http://schemas.microsoft.com/office/drawing/2010/main" val="0"/>
@@ -12499,7 +8257,7 @@
           <p:nvPr/>
         </p:nvPicPr>
         <p:blipFill>
-          <a:blip r:embed="rId22" cstate="print">
+          <a:blip r:embed="rId13" cstate="print">
             <a:extLst>
               <a:ext uri="{28A0092B-C50C-407E-A947-70E740481C1C}">
                 <a14:useLocalDpi xmlns:a14="http://schemas.microsoft.com/office/drawing/2010/main" val="0"/>
@@ -12624,8 +8382,11 @@
                 </a:solidFill>
                 <a:latin typeface="Arial"/>
               </a:rPr>
-              <a:t>Comparison of secret key rates as a function of block size. </a:t>
-            </a:r>
+              <a:t>Comparison of secret key rates as a function of block size. Key rates </a:t>
+            </a:r>
+          </a:p>
+          <a:p>
+            <a:pPr lvl="0" defTabSz="914400"/>
             <a:r>
               <a:rPr lang="en-US" sz="1400" kern="0" dirty="0" smtClean="0">
                 <a:solidFill>
@@ -12633,7 +8394,7 @@
                 </a:solidFill>
                 <a:latin typeface="Arial"/>
               </a:rPr>
-              <a:t>Key </a:t>
+              <a:t>are compared for collective </a:t>
             </a:r>
             <a:r>
               <a:rPr lang="en-US" sz="1400" kern="0" dirty="0" smtClean="0">
@@ -12642,17 +8403,8 @@
                 </a:solidFill>
                 <a:latin typeface="Arial"/>
               </a:rPr>
-              <a:t>rates </a:t>
-            </a:r>
-            <a:endParaRPr lang="en-US" sz="1400" kern="0" dirty="0" smtClean="0">
-              <a:solidFill>
-                <a:srgbClr val="000000"/>
-              </a:solidFill>
-              <a:latin typeface="Arial"/>
-            </a:endParaRPr>
-          </a:p>
-          <a:p>
-            <a:pPr lvl="0" defTabSz="914400"/>
+              <a:t>attacks </a:t>
+            </a:r>
             <a:r>
               <a:rPr lang="en-US" sz="1400" kern="0" dirty="0" smtClean="0">
                 <a:solidFill>
@@ -12660,34 +8412,7 @@
                 </a:solidFill>
                 <a:latin typeface="Arial"/>
               </a:rPr>
-              <a:t>are </a:t>
-            </a:r>
-            <a:r>
-              <a:rPr lang="en-US" sz="1400" kern="0" dirty="0" smtClean="0">
-                <a:solidFill>
-                  <a:srgbClr val="000000"/>
-                </a:solidFill>
-                <a:latin typeface="Arial"/>
-              </a:rPr>
-              <a:t>compared for collective attack </a:t>
-            </a:r>
-            <a:r>
-              <a:rPr lang="en-US" sz="1400" kern="0" dirty="0" smtClean="0">
-                <a:solidFill>
-                  <a:srgbClr val="000000"/>
-                </a:solidFill>
-                <a:latin typeface="Arial"/>
-              </a:rPr>
-              <a:t>(dashed and lines with (+)) </a:t>
-            </a:r>
-            <a:r>
-              <a:rPr lang="en-US" sz="1400" kern="0" dirty="0" smtClean="0">
-                <a:solidFill>
-                  <a:srgbClr val="000000"/>
-                </a:solidFill>
-                <a:latin typeface="Arial"/>
-              </a:rPr>
-              <a:t>and</a:t>
+              <a:t>(dashed and lines with (+)) and</a:t>
             </a:r>
           </a:p>
           <a:p>
@@ -12708,7 +8433,7 @@
                 </a:solidFill>
                 <a:latin typeface="Arial"/>
               </a:rPr>
-              <a:t>ndividual </a:t>
+              <a:t>ndividual (solid and lines with (o</a:t>
             </a:r>
             <a:r>
               <a:rPr lang="en-US" sz="1400" kern="0" dirty="0" smtClean="0">
@@ -12717,7 +8442,7 @@
                 </a:solidFill>
                 <a:latin typeface="Arial"/>
               </a:rPr>
-              <a:t>(solid and lines with (o)). </a:t>
+              <a:t>)) attacks. </a:t>
             </a:r>
             <a:r>
               <a:rPr lang="en-US" sz="1400" kern="0" dirty="0" smtClean="0">
@@ -12728,41 +8453,17 @@
               </a:rPr>
               <a:t>The discretization introduces </a:t>
             </a:r>
-            <a:endParaRPr lang="en-US" sz="1400" kern="0" dirty="0" smtClean="0">
-              <a:solidFill>
-                <a:srgbClr val="000000"/>
-              </a:solidFill>
-              <a:latin typeface="Arial"/>
-            </a:endParaRPr>
           </a:p>
           <a:p>
             <a:pPr lvl="0" defTabSz="914400"/>
             <a:r>
-              <a:rPr lang="en-US" sz="1400" kern="0" smtClean="0">
+              <a:rPr lang="en-US" sz="1400" kern="0" dirty="0" smtClean="0">
                 <a:solidFill>
                   <a:srgbClr val="000000"/>
                 </a:solidFill>
                 <a:latin typeface="Arial"/>
               </a:rPr>
-              <a:t>a penalty (solid </a:t>
-            </a:r>
-            <a:r>
-              <a:rPr lang="en-US" sz="1400" kern="0" dirty="0" smtClean="0">
-                <a:solidFill>
-                  <a:srgbClr val="000000"/>
-                </a:solidFill>
-                <a:latin typeface="Arial"/>
-              </a:rPr>
-              <a:t>and dashed lines) compared </a:t>
-            </a:r>
-            <a:r>
-              <a:rPr lang="en-US" sz="1400" kern="0" dirty="0" smtClean="0">
-                <a:solidFill>
-                  <a:srgbClr val="000000"/>
-                </a:solidFill>
-                <a:latin typeface="Arial"/>
-              </a:rPr>
-              <a:t>to the case where the </a:t>
+              <a:t>a penalty (solid and dashed lines) compared to the case where the </a:t>
             </a:r>
           </a:p>
           <a:p>
@@ -12794,12 +8495,6 @@
               </a:rPr>
               <a:t>.</a:t>
             </a:r>
-            <a:endParaRPr lang="en-US" sz="1400" kern="0" dirty="0" smtClean="0">
-              <a:solidFill>
-                <a:srgbClr val="000000"/>
-              </a:solidFill>
-              <a:latin typeface="Arial"/>
-            </a:endParaRPr>
           </a:p>
         </p:txBody>
       </p:sp>
@@ -13096,7 +8791,7 @@
           <p:nvPr/>
         </p:nvPicPr>
         <p:blipFill>
-          <a:blip r:embed="rId23" cstate="print">
+          <a:blip r:embed="rId14" cstate="print">
             <a:extLst>
               <a:ext uri="{28A0092B-C50C-407E-A947-70E740481C1C}">
                 <a14:useLocalDpi xmlns:a14="http://schemas.microsoft.com/office/drawing/2010/main" val="0"/>
@@ -13978,7 +9673,7 @@
           </p:nvPr>
         </p:nvPicPr>
         <p:blipFill>
-          <a:blip r:embed="rId24" cstate="print">
+          <a:blip r:embed="rId15" cstate="print">
             <a:extLst>
               <a:ext uri="{28A0092B-C50C-407E-A947-70E740481C1C}">
                 <a14:useLocalDpi xmlns:a14="http://schemas.microsoft.com/office/drawing/2010/main" val="0"/>
@@ -14012,7 +9707,7 @@
           </p:nvPr>
         </p:nvPicPr>
         <p:blipFill>
-          <a:blip r:embed="rId25" cstate="print">
+          <a:blip r:embed="rId16" cstate="print">
             <a:extLst>
               <a:ext uri="{28A0092B-C50C-407E-A947-70E740481C1C}">
                 <a14:useLocalDpi xmlns:a14="http://schemas.microsoft.com/office/drawing/2010/main" val="0"/>
@@ -14076,7 +9771,7 @@
           </p:nvPr>
         </p:nvPicPr>
         <p:blipFill>
-          <a:blip r:embed="rId26" cstate="print">
+          <a:blip r:embed="rId17" cstate="print">
             <a:extLst>
               <a:ext uri="{28A0092B-C50C-407E-A947-70E740481C1C}">
                 <a14:useLocalDpi xmlns:a14="http://schemas.microsoft.com/office/drawing/2010/main" val="0"/>
@@ -21497,7 +17192,7 @@
           <p:nvPr/>
         </p:nvPicPr>
         <p:blipFill>
-          <a:blip r:embed="rId27" cstate="print">
+          <a:blip r:embed="rId18" cstate="print">
             <a:extLst>
               <a:ext uri="{28A0092B-C50C-407E-A947-70E740481C1C}">
                 <a14:useLocalDpi xmlns:a14="http://schemas.microsoft.com/office/drawing/2010/main" val="0"/>
@@ -21518,6 +17213,4492 @@
           </a:prstGeom>
         </p:spPr>
       </p:pic>
+      <p:sp>
+        <p:nvSpPr>
+          <p:cNvPr id="423" name="AutoShape 13 3"/>
+          <p:cNvSpPr>
+            <a:spLocks noChangeArrowheads="1"/>
+          </p:cNvSpPr>
+          <p:nvPr/>
+        </p:nvSpPr>
+        <p:spPr bwMode="auto">
+          <a:xfrm>
+            <a:off x="447602" y="18363561"/>
+            <a:ext cx="29160648" cy="10544704"/>
+          </a:xfrm>
+          <a:prstGeom prst="roundRect">
+            <a:avLst>
+              <a:gd name="adj" fmla="val 7618"/>
+            </a:avLst>
+          </a:prstGeom>
+          <a:ln w="76200">
+            <a:headEnd/>
+            <a:tailEnd/>
+          </a:ln>
+          <a:extLst/>
+        </p:spPr>
+        <p:style>
+          <a:lnRef idx="2">
+            <a:schemeClr val="accent2"/>
+          </a:lnRef>
+          <a:fillRef idx="1">
+            <a:schemeClr val="lt1"/>
+          </a:fillRef>
+          <a:effectRef idx="0">
+            <a:schemeClr val="accent2"/>
+          </a:effectRef>
+          <a:fontRef idx="minor">
+            <a:schemeClr val="dk1"/>
+          </a:fontRef>
+        </p:style>
+        <p:txBody>
+          <a:bodyPr wrap="none" lIns="102784" tIns="51392" rIns="102784" bIns="51392" anchor="ctr"/>
+          <a:lstStyle>
+            <a:defPPr>
+              <a:defRPr lang="en-US"/>
+            </a:defPPr>
+            <a:lvl1pPr algn="ctr" rtl="0" fontAlgn="base">
+              <a:spcBef>
+                <a:spcPct val="0"/>
+              </a:spcBef>
+              <a:spcAft>
+                <a:spcPct val="0"/>
+              </a:spcAft>
+              <a:defRPr sz="6900" kern="1200">
+                <a:solidFill>
+                  <a:schemeClr val="tx1"/>
+                </a:solidFill>
+                <a:latin typeface="Arial" charset="0"/>
+                <a:ea typeface="+mn-ea"/>
+                <a:cs typeface="+mn-cs"/>
+              </a:defRPr>
+            </a:lvl1pPr>
+            <a:lvl2pPr marL="457200" algn="ctr" rtl="0" fontAlgn="base">
+              <a:spcBef>
+                <a:spcPct val="0"/>
+              </a:spcBef>
+              <a:spcAft>
+                <a:spcPct val="0"/>
+              </a:spcAft>
+              <a:defRPr sz="6900" kern="1200">
+                <a:solidFill>
+                  <a:schemeClr val="tx1"/>
+                </a:solidFill>
+                <a:latin typeface="Arial" charset="0"/>
+                <a:ea typeface="+mn-ea"/>
+                <a:cs typeface="+mn-cs"/>
+              </a:defRPr>
+            </a:lvl2pPr>
+            <a:lvl3pPr marL="914400" algn="ctr" rtl="0" fontAlgn="base">
+              <a:spcBef>
+                <a:spcPct val="0"/>
+              </a:spcBef>
+              <a:spcAft>
+                <a:spcPct val="0"/>
+              </a:spcAft>
+              <a:defRPr sz="6900" kern="1200">
+                <a:solidFill>
+                  <a:schemeClr val="tx1"/>
+                </a:solidFill>
+                <a:latin typeface="Arial" charset="0"/>
+                <a:ea typeface="+mn-ea"/>
+                <a:cs typeface="+mn-cs"/>
+              </a:defRPr>
+            </a:lvl3pPr>
+            <a:lvl4pPr marL="1371600" algn="ctr" rtl="0" fontAlgn="base">
+              <a:spcBef>
+                <a:spcPct val="0"/>
+              </a:spcBef>
+              <a:spcAft>
+                <a:spcPct val="0"/>
+              </a:spcAft>
+              <a:defRPr sz="6900" kern="1200">
+                <a:solidFill>
+                  <a:schemeClr val="tx1"/>
+                </a:solidFill>
+                <a:latin typeface="Arial" charset="0"/>
+                <a:ea typeface="+mn-ea"/>
+                <a:cs typeface="+mn-cs"/>
+              </a:defRPr>
+            </a:lvl4pPr>
+            <a:lvl5pPr marL="1828800" algn="ctr" rtl="0" fontAlgn="base">
+              <a:spcBef>
+                <a:spcPct val="0"/>
+              </a:spcBef>
+              <a:spcAft>
+                <a:spcPct val="0"/>
+              </a:spcAft>
+              <a:defRPr sz="6900" kern="1200">
+                <a:solidFill>
+                  <a:schemeClr val="tx1"/>
+                </a:solidFill>
+                <a:latin typeface="Arial" charset="0"/>
+                <a:ea typeface="+mn-ea"/>
+                <a:cs typeface="+mn-cs"/>
+              </a:defRPr>
+            </a:lvl5pPr>
+            <a:lvl6pPr marL="2286000" algn="l" defTabSz="914400" rtl="0" eaLnBrk="1" latinLnBrk="0" hangingPunct="1">
+              <a:defRPr sz="6900" kern="1200">
+                <a:solidFill>
+                  <a:schemeClr val="tx1"/>
+                </a:solidFill>
+                <a:latin typeface="Arial" charset="0"/>
+                <a:ea typeface="+mn-ea"/>
+                <a:cs typeface="+mn-cs"/>
+              </a:defRPr>
+            </a:lvl6pPr>
+            <a:lvl7pPr marL="2743200" algn="l" defTabSz="914400" rtl="0" eaLnBrk="1" latinLnBrk="0" hangingPunct="1">
+              <a:defRPr sz="6900" kern="1200">
+                <a:solidFill>
+                  <a:schemeClr val="tx1"/>
+                </a:solidFill>
+                <a:latin typeface="Arial" charset="0"/>
+                <a:ea typeface="+mn-ea"/>
+                <a:cs typeface="+mn-cs"/>
+              </a:defRPr>
+            </a:lvl7pPr>
+            <a:lvl8pPr marL="3200400" algn="l" defTabSz="914400" rtl="0" eaLnBrk="1" latinLnBrk="0" hangingPunct="1">
+              <a:defRPr sz="6900" kern="1200">
+                <a:solidFill>
+                  <a:schemeClr val="tx1"/>
+                </a:solidFill>
+                <a:latin typeface="Arial" charset="0"/>
+                <a:ea typeface="+mn-ea"/>
+                <a:cs typeface="+mn-cs"/>
+              </a:defRPr>
+            </a:lvl8pPr>
+            <a:lvl9pPr marL="3657600" algn="l" defTabSz="914400" rtl="0" eaLnBrk="1" latinLnBrk="0" hangingPunct="1">
+              <a:defRPr sz="6900" kern="1200">
+                <a:solidFill>
+                  <a:schemeClr val="tx1"/>
+                </a:solidFill>
+                <a:latin typeface="Arial" charset="0"/>
+                <a:ea typeface="+mn-ea"/>
+                <a:cs typeface="+mn-cs"/>
+              </a:defRPr>
+            </a:lvl9pPr>
+          </a:lstStyle>
+          <a:p>
+            <a:pPr eaLnBrk="1" hangingPunct="1"/>
+            <a:endParaRPr lang="en-US" altLang="en-US" dirty="0">
+              <a:solidFill>
+                <a:schemeClr val="bg1"/>
+              </a:solidFill>
+            </a:endParaRPr>
+          </a:p>
+        </p:txBody>
+      </p:sp>
+      <p:sp>
+        <p:nvSpPr>
+          <p:cNvPr id="489" name="TextBox 488"/>
+          <p:cNvSpPr txBox="1"/>
+          <p:nvPr/>
+        </p:nvSpPr>
+        <p:spPr>
+          <a:xfrm>
+            <a:off x="940199" y="18634819"/>
+            <a:ext cx="13416489" cy="868936"/>
+          </a:xfrm>
+          <a:prstGeom prst="rect">
+            <a:avLst/>
+          </a:prstGeom>
+          <a:noFill/>
+        </p:spPr>
+        <p:txBody>
+          <a:bodyPr wrap="square" lIns="129013" tIns="64506" rIns="129013" bIns="64506" rtlCol="0">
+            <a:spAutoFit/>
+          </a:bodyPr>
+          <a:lstStyle/>
+          <a:p>
+            <a:r>
+              <a:rPr lang="en-US" sz="4800" dirty="0" smtClean="0">
+                <a:latin typeface="Arial" panose="020B0604020202020204" pitchFamily="34" charset="0"/>
+                <a:cs typeface="Arial" panose="020B0604020202020204" pitchFamily="34" charset="0"/>
+              </a:rPr>
+              <a:t>Current setup and component characterization</a:t>
+            </a:r>
+            <a:endParaRPr lang="en-US" sz="4800" dirty="0">
+              <a:latin typeface="Arial" panose="020B0604020202020204" pitchFamily="34" charset="0"/>
+              <a:cs typeface="Arial" panose="020B0604020202020204" pitchFamily="34" charset="0"/>
+            </a:endParaRPr>
+          </a:p>
+        </p:txBody>
+      </p:sp>
+      <p:sp>
+        <p:nvSpPr>
+          <p:cNvPr id="490" name="Rectangle 489"/>
+          <p:cNvSpPr/>
+          <p:nvPr/>
+        </p:nvSpPr>
+        <p:spPr>
+          <a:xfrm>
+            <a:off x="28163837" y="21854319"/>
+            <a:ext cx="609600" cy="609600"/>
+          </a:xfrm>
+          <a:prstGeom prst="rect">
+            <a:avLst/>
+          </a:prstGeom>
+          <a:solidFill>
+            <a:schemeClr val="bg1"/>
+          </a:solidFill>
+          <a:ln>
+            <a:solidFill>
+              <a:schemeClr val="bg1"/>
+            </a:solidFill>
+          </a:ln>
+        </p:spPr>
+        <p:style>
+          <a:lnRef idx="2">
+            <a:schemeClr val="accent1">
+              <a:shade val="50000"/>
+            </a:schemeClr>
+          </a:lnRef>
+          <a:fillRef idx="1">
+            <a:schemeClr val="accent1"/>
+          </a:fillRef>
+          <a:effectRef idx="0">
+            <a:schemeClr val="accent1"/>
+          </a:effectRef>
+          <a:fontRef idx="minor">
+            <a:schemeClr val="lt1"/>
+          </a:fontRef>
+        </p:style>
+        <p:txBody>
+          <a:bodyPr rtlCol="0" anchor="ctr"/>
+          <a:lstStyle/>
+          <a:p>
+            <a:pPr algn="ctr"/>
+            <a:endParaRPr lang="en-US"/>
+          </a:p>
+        </p:txBody>
+      </p:sp>
+      <p:cxnSp>
+        <p:nvCxnSpPr>
+          <p:cNvPr id="491" name="Straight Connector 490"/>
+          <p:cNvCxnSpPr/>
+          <p:nvPr/>
+        </p:nvCxnSpPr>
+        <p:spPr>
+          <a:xfrm flipV="1">
+            <a:off x="3367570" y="20926540"/>
+            <a:ext cx="274320" cy="2577"/>
+          </a:xfrm>
+          <a:prstGeom prst="line">
+            <a:avLst/>
+          </a:prstGeom>
+          <a:ln w="28575">
+            <a:solidFill>
+              <a:srgbClr val="0070C0"/>
+            </a:solidFill>
+            <a:headEnd type="none" w="med" len="med"/>
+            <a:tailEnd type="arrow" w="med" len="med"/>
+          </a:ln>
+        </p:spPr>
+        <p:style>
+          <a:lnRef idx="1">
+            <a:schemeClr val="accent1"/>
+          </a:lnRef>
+          <a:fillRef idx="0">
+            <a:schemeClr val="accent1"/>
+          </a:fillRef>
+          <a:effectRef idx="0">
+            <a:schemeClr val="accent1"/>
+          </a:effectRef>
+          <a:fontRef idx="minor">
+            <a:schemeClr val="tx1"/>
+          </a:fontRef>
+        </p:style>
+      </p:cxnSp>
+      <p:cxnSp>
+        <p:nvCxnSpPr>
+          <p:cNvPr id="492" name="Straight Connector 491"/>
+          <p:cNvCxnSpPr/>
+          <p:nvPr/>
+        </p:nvCxnSpPr>
+        <p:spPr>
+          <a:xfrm>
+            <a:off x="2725468" y="20930149"/>
+            <a:ext cx="11019307" cy="11549"/>
+          </a:xfrm>
+          <a:prstGeom prst="line">
+            <a:avLst/>
+          </a:prstGeom>
+          <a:ln w="28575">
+            <a:solidFill>
+              <a:srgbClr val="0070C0"/>
+            </a:solidFill>
+          </a:ln>
+        </p:spPr>
+        <p:style>
+          <a:lnRef idx="1">
+            <a:schemeClr val="accent1"/>
+          </a:lnRef>
+          <a:fillRef idx="0">
+            <a:schemeClr val="accent1"/>
+          </a:fillRef>
+          <a:effectRef idx="0">
+            <a:schemeClr val="accent1"/>
+          </a:effectRef>
+          <a:fontRef idx="minor">
+            <a:schemeClr val="tx1"/>
+          </a:fontRef>
+        </p:style>
+      </p:cxnSp>
+      <p:sp>
+        <p:nvSpPr>
+          <p:cNvPr id="493" name="CustomShape 17 1"/>
+          <p:cNvSpPr/>
+          <p:nvPr/>
+        </p:nvSpPr>
+        <p:spPr>
+          <a:xfrm>
+            <a:off x="2435298" y="20446915"/>
+            <a:ext cx="2008576" cy="967282"/>
+          </a:xfrm>
+          <a:prstGeom prst="parallelogram">
+            <a:avLst>
+              <a:gd name="adj" fmla="val 25000"/>
+            </a:avLst>
+          </a:prstGeom>
+          <a:solidFill>
+            <a:srgbClr val="808080"/>
+          </a:solidFill>
+          <a:ln w="25560">
+            <a:noFill/>
+          </a:ln>
+        </p:spPr>
+      </p:sp>
+      <p:sp>
+        <p:nvSpPr>
+          <p:cNvPr id="494" name="Hexagon 493"/>
+          <p:cNvSpPr/>
+          <p:nvPr/>
+        </p:nvSpPr>
+        <p:spPr>
+          <a:xfrm>
+            <a:off x="9807296" y="20439851"/>
+            <a:ext cx="1770568" cy="982636"/>
+          </a:xfrm>
+          <a:prstGeom prst="hexagon">
+            <a:avLst/>
+          </a:prstGeom>
+          <a:solidFill>
+            <a:schemeClr val="accent6">
+              <a:lumMod val="75000"/>
+            </a:schemeClr>
+          </a:solidFill>
+          <a:ln>
+            <a:noFill/>
+          </a:ln>
+        </p:spPr>
+        <p:style>
+          <a:lnRef idx="2">
+            <a:schemeClr val="accent1">
+              <a:shade val="50000"/>
+            </a:schemeClr>
+          </a:lnRef>
+          <a:fillRef idx="1">
+            <a:schemeClr val="accent1"/>
+          </a:fillRef>
+          <a:effectRef idx="0">
+            <a:schemeClr val="accent1"/>
+          </a:effectRef>
+          <a:fontRef idx="minor">
+            <a:schemeClr val="lt1"/>
+          </a:fontRef>
+        </p:style>
+        <p:txBody>
+          <a:bodyPr rtlCol="0" anchor="ctr"/>
+          <a:lstStyle/>
+          <a:p>
+            <a:pPr algn="ctr"/>
+            <a:endParaRPr lang="en-US"/>
+          </a:p>
+        </p:txBody>
+      </p:sp>
+      <p:sp>
+        <p:nvSpPr>
+          <p:cNvPr id="495" name="Hexagon 494"/>
+          <p:cNvSpPr/>
+          <p:nvPr/>
+        </p:nvSpPr>
+        <p:spPr>
+          <a:xfrm>
+            <a:off x="7606356" y="20446916"/>
+            <a:ext cx="1956418" cy="1009094"/>
+          </a:xfrm>
+          <a:prstGeom prst="hexagon">
+            <a:avLst/>
+          </a:prstGeom>
+          <a:solidFill>
+            <a:srgbClr val="BF9000"/>
+          </a:solidFill>
+          <a:ln>
+            <a:noFill/>
+          </a:ln>
+        </p:spPr>
+        <p:style>
+          <a:lnRef idx="2">
+            <a:schemeClr val="accent1">
+              <a:shade val="50000"/>
+            </a:schemeClr>
+          </a:lnRef>
+          <a:fillRef idx="1">
+            <a:schemeClr val="accent1"/>
+          </a:fillRef>
+          <a:effectRef idx="0">
+            <a:schemeClr val="accent1"/>
+          </a:effectRef>
+          <a:fontRef idx="minor">
+            <a:schemeClr val="lt1"/>
+          </a:fontRef>
+        </p:style>
+        <p:txBody>
+          <a:bodyPr rtlCol="0" anchor="ctr"/>
+          <a:lstStyle/>
+          <a:p>
+            <a:pPr algn="ctr"/>
+            <a:endParaRPr lang="en-US"/>
+          </a:p>
+        </p:txBody>
+      </p:sp>
+      <p:sp>
+        <p:nvSpPr>
+          <p:cNvPr id="496" name="CustomShape 2 2 1"/>
+          <p:cNvSpPr/>
+          <p:nvPr/>
+        </p:nvSpPr>
+        <p:spPr>
+          <a:xfrm>
+            <a:off x="7728008" y="20425580"/>
+            <a:ext cx="1761805" cy="886656"/>
+          </a:xfrm>
+          <a:prstGeom prst="rect">
+            <a:avLst/>
+          </a:prstGeom>
+          <a:noFill/>
+          <a:ln>
+            <a:noFill/>
+          </a:ln>
+        </p:spPr>
+        <p:txBody>
+          <a:bodyPr wrap="none" lIns="90000" tIns="45000" rIns="90000" bIns="45000"/>
+          <a:lstStyle/>
+          <a:p>
+            <a:pPr algn="ctr">
+              <a:lnSpc>
+                <a:spcPct val="100000"/>
+              </a:lnSpc>
+            </a:pPr>
+            <a:r>
+              <a:rPr lang="en-US" sz="2000" smtClean="0">
+                <a:solidFill>
+                  <a:schemeClr val="bg1"/>
+                </a:solidFill>
+                <a:latin typeface="Arial"/>
+              </a:rPr>
+              <a:t>Intensity </a:t>
+            </a:r>
+          </a:p>
+          <a:p>
+            <a:pPr algn="ctr">
+              <a:lnSpc>
+                <a:spcPct val="100000"/>
+              </a:lnSpc>
+            </a:pPr>
+            <a:r>
+              <a:rPr lang="en-US" sz="2000" smtClean="0">
+                <a:solidFill>
+                  <a:schemeClr val="bg1"/>
+                </a:solidFill>
+                <a:latin typeface="Arial"/>
+              </a:rPr>
+              <a:t>modulator</a:t>
+            </a:r>
+          </a:p>
+          <a:p>
+            <a:pPr algn="ctr">
+              <a:lnSpc>
+                <a:spcPct val="100000"/>
+              </a:lnSpc>
+            </a:pPr>
+            <a:r>
+              <a:rPr lang="en-US" sz="2000" smtClean="0">
+                <a:solidFill>
+                  <a:schemeClr val="bg1"/>
+                </a:solidFill>
+                <a:latin typeface="Arial"/>
+              </a:rPr>
+              <a:t>(IM)</a:t>
+            </a:r>
+            <a:endParaRPr sz="2000" dirty="0">
+              <a:solidFill>
+                <a:schemeClr val="bg1"/>
+              </a:solidFill>
+            </a:endParaRPr>
+          </a:p>
+        </p:txBody>
+      </p:sp>
+      <p:sp>
+        <p:nvSpPr>
+          <p:cNvPr id="497" name="CustomShape 2 3"/>
+          <p:cNvSpPr/>
+          <p:nvPr/>
+        </p:nvSpPr>
+        <p:spPr>
+          <a:xfrm>
+            <a:off x="2930049" y="20563129"/>
+            <a:ext cx="1126099" cy="661362"/>
+          </a:xfrm>
+          <a:prstGeom prst="rect">
+            <a:avLst/>
+          </a:prstGeom>
+          <a:noFill/>
+          <a:ln>
+            <a:noFill/>
+          </a:ln>
+        </p:spPr>
+        <p:txBody>
+          <a:bodyPr wrap="none" lIns="90000" tIns="45000" rIns="90000" bIns="45000"/>
+          <a:lstStyle/>
+          <a:p>
+            <a:pPr>
+              <a:lnSpc>
+                <a:spcPct val="100000"/>
+              </a:lnSpc>
+            </a:pPr>
+            <a:r>
+              <a:rPr lang="en-US" sz="2000" smtClean="0">
+                <a:solidFill>
+                  <a:schemeClr val="bg1"/>
+                </a:solidFill>
+                <a:latin typeface="Arial"/>
+              </a:rPr>
+              <a:t>Signal </a:t>
+            </a:r>
+          </a:p>
+          <a:p>
+            <a:pPr>
+              <a:lnSpc>
+                <a:spcPct val="100000"/>
+              </a:lnSpc>
+            </a:pPr>
+            <a:r>
+              <a:rPr lang="en-US" sz="2000" smtClean="0">
+                <a:solidFill>
+                  <a:schemeClr val="bg1"/>
+                </a:solidFill>
+                <a:latin typeface="Arial"/>
+              </a:rPr>
+              <a:t>laser</a:t>
+            </a:r>
+            <a:endParaRPr sz="2000" dirty="0">
+              <a:solidFill>
+                <a:schemeClr val="bg1"/>
+              </a:solidFill>
+            </a:endParaRPr>
+          </a:p>
+        </p:txBody>
+      </p:sp>
+      <p:sp>
+        <p:nvSpPr>
+          <p:cNvPr id="498" name="CustomShape 34 1"/>
+          <p:cNvSpPr/>
+          <p:nvPr/>
+        </p:nvSpPr>
+        <p:spPr>
+          <a:xfrm>
+            <a:off x="11938335" y="20431903"/>
+            <a:ext cx="1731616" cy="1007912"/>
+          </a:xfrm>
+          <a:prstGeom prst="roundRect">
+            <a:avLst>
+              <a:gd name="adj" fmla="val 12277"/>
+            </a:avLst>
+          </a:prstGeom>
+          <a:gradFill>
+            <a:gsLst>
+              <a:gs pos="0">
+                <a:srgbClr val="9BBB59"/>
+              </a:gs>
+              <a:gs pos="100000">
+                <a:srgbClr val="000000"/>
+              </a:gs>
+            </a:gsLst>
+            <a:lin ang="0"/>
+          </a:gradFill>
+          <a:ln w="25560">
+            <a:noFill/>
+          </a:ln>
+        </p:spPr>
+      </p:sp>
+      <p:cxnSp>
+        <p:nvCxnSpPr>
+          <p:cNvPr id="499" name="Straight Connector 498"/>
+          <p:cNvCxnSpPr/>
+          <p:nvPr/>
+        </p:nvCxnSpPr>
+        <p:spPr>
+          <a:xfrm flipV="1">
+            <a:off x="13692988" y="20942150"/>
+            <a:ext cx="2595549" cy="4171"/>
+          </a:xfrm>
+          <a:prstGeom prst="line">
+            <a:avLst/>
+          </a:prstGeom>
+          <a:noFill/>
+          <a:ln w="28575" cap="flat" cmpd="sng" algn="ctr">
+            <a:solidFill>
+              <a:srgbClr val="FF6600"/>
+            </a:solidFill>
+            <a:prstDash val="solid"/>
+            <a:miter lim="800000"/>
+          </a:ln>
+          <a:effectLst/>
+        </p:spPr>
+      </p:cxnSp>
+      <p:sp>
+        <p:nvSpPr>
+          <p:cNvPr id="500" name="CustomShape 5 1"/>
+          <p:cNvSpPr/>
+          <p:nvPr/>
+        </p:nvSpPr>
+        <p:spPr>
+          <a:xfrm rot="10800000">
+            <a:off x="20322448" y="19861933"/>
+            <a:ext cx="1423908" cy="685362"/>
+          </a:xfrm>
+          <a:prstGeom prst="curvedConnector3">
+            <a:avLst>
+              <a:gd name="adj1" fmla="val 44326"/>
+            </a:avLst>
+          </a:prstGeom>
+          <a:noFill/>
+          <a:ln w="28575">
+            <a:solidFill>
+              <a:srgbClr val="0070C0"/>
+            </a:solidFill>
+            <a:round/>
+          </a:ln>
+        </p:spPr>
+      </p:sp>
+      <p:sp>
+        <p:nvSpPr>
+          <p:cNvPr id="501" name="CustomShape 6 1"/>
+          <p:cNvSpPr/>
+          <p:nvPr/>
+        </p:nvSpPr>
+        <p:spPr>
+          <a:xfrm flipV="1">
+            <a:off x="20322451" y="20552322"/>
+            <a:ext cx="1423906" cy="855862"/>
+          </a:xfrm>
+          <a:prstGeom prst="curvedConnector3">
+            <a:avLst>
+              <a:gd name="adj1" fmla="val 54996"/>
+            </a:avLst>
+          </a:prstGeom>
+          <a:noFill/>
+          <a:ln w="31680">
+            <a:solidFill>
+              <a:srgbClr val="0070C0"/>
+            </a:solidFill>
+            <a:round/>
+          </a:ln>
+        </p:spPr>
+      </p:sp>
+      <p:sp>
+        <p:nvSpPr>
+          <p:cNvPr id="502" name="CustomShape 17 2"/>
+          <p:cNvSpPr/>
+          <p:nvPr/>
+        </p:nvSpPr>
+        <p:spPr>
+          <a:xfrm>
+            <a:off x="19141742" y="19511805"/>
+            <a:ext cx="1288645" cy="687139"/>
+          </a:xfrm>
+          <a:prstGeom prst="parallelogram">
+            <a:avLst>
+              <a:gd name="adj" fmla="val 25000"/>
+            </a:avLst>
+          </a:prstGeom>
+          <a:solidFill>
+            <a:srgbClr val="808080"/>
+          </a:solidFill>
+          <a:ln w="25560">
+            <a:noFill/>
+          </a:ln>
+        </p:spPr>
+      </p:sp>
+      <p:sp>
+        <p:nvSpPr>
+          <p:cNvPr id="503" name="CustomShape 18 2 1"/>
+          <p:cNvSpPr/>
+          <p:nvPr/>
+        </p:nvSpPr>
+        <p:spPr>
+          <a:xfrm>
+            <a:off x="19333807" y="19493665"/>
+            <a:ext cx="1110090" cy="704327"/>
+          </a:xfrm>
+          <a:prstGeom prst="rect">
+            <a:avLst/>
+          </a:prstGeom>
+          <a:noFill/>
+          <a:ln>
+            <a:noFill/>
+          </a:ln>
+        </p:spPr>
+        <p:txBody>
+          <a:bodyPr wrap="none" lIns="90000" tIns="45000" rIns="90000" bIns="45000"/>
+          <a:lstStyle/>
+          <a:p>
+            <a:pPr marL="0" marR="0" lvl="0" indent="0" defTabSz="914400" eaLnBrk="1" fontAlgn="auto" latinLnBrk="0" hangingPunct="1">
+              <a:lnSpc>
+                <a:spcPct val="100000"/>
+              </a:lnSpc>
+              <a:spcBef>
+                <a:spcPts val="0"/>
+              </a:spcBef>
+              <a:spcAft>
+                <a:spcPts val="0"/>
+              </a:spcAft>
+              <a:buClrTx/>
+              <a:buSzTx/>
+              <a:buFontTx/>
+              <a:buNone/>
+              <a:tabLst/>
+              <a:defRPr/>
+            </a:pPr>
+            <a:r>
+              <a:rPr kumimoji="0" lang="en-US" sz="2000" b="0" i="0" u="none" strike="noStrike" kern="0" cap="none" spc="0" normalizeH="0" baseline="0" noProof="0" smtClean="0">
+                <a:ln>
+                  <a:noFill/>
+                </a:ln>
+                <a:solidFill>
+                  <a:schemeClr val="bg1"/>
+                </a:solidFill>
+                <a:effectLst/>
+                <a:uLnTx/>
+                <a:uFillTx/>
+                <a:latin typeface="Arial"/>
+              </a:rPr>
+              <a:t>LLO</a:t>
+            </a:r>
+          </a:p>
+          <a:p>
+            <a:pPr marL="0" marR="0" lvl="0" indent="0" defTabSz="914400" eaLnBrk="1" fontAlgn="auto" latinLnBrk="0" hangingPunct="1">
+              <a:lnSpc>
+                <a:spcPct val="100000"/>
+              </a:lnSpc>
+              <a:spcBef>
+                <a:spcPts val="0"/>
+              </a:spcBef>
+              <a:spcAft>
+                <a:spcPts val="0"/>
+              </a:spcAft>
+              <a:buClrTx/>
+              <a:buSzTx/>
+              <a:buFontTx/>
+              <a:buNone/>
+              <a:tabLst/>
+              <a:defRPr/>
+            </a:pPr>
+            <a:r>
+              <a:rPr lang="en-US" sz="2000" kern="0" smtClean="0">
+                <a:solidFill>
+                  <a:schemeClr val="bg1"/>
+                </a:solidFill>
+                <a:latin typeface="Arial"/>
+              </a:rPr>
+              <a:t>laser</a:t>
+            </a:r>
+            <a:endParaRPr kumimoji="0" sz="2000" b="0" i="0" u="none" strike="noStrike" kern="0" cap="none" spc="0" normalizeH="0" baseline="0" noProof="0" dirty="0" smtClean="0">
+              <a:ln>
+                <a:noFill/>
+              </a:ln>
+              <a:solidFill>
+                <a:schemeClr val="bg1"/>
+              </a:solidFill>
+              <a:effectLst/>
+              <a:uLnTx/>
+              <a:uFillTx/>
+            </a:endParaRPr>
+          </a:p>
+        </p:txBody>
+      </p:sp>
+      <p:sp>
+        <p:nvSpPr>
+          <p:cNvPr id="504" name="Rectangle 503"/>
+          <p:cNvSpPr/>
+          <p:nvPr/>
+        </p:nvSpPr>
+        <p:spPr>
+          <a:xfrm>
+            <a:off x="22473426" y="20169578"/>
+            <a:ext cx="1652249" cy="1231106"/>
+          </a:xfrm>
+          <a:prstGeom prst="rect">
+            <a:avLst/>
+          </a:prstGeom>
+        </p:spPr>
+        <p:txBody>
+          <a:bodyPr wrap="square">
+            <a:spAutoFit/>
+          </a:bodyPr>
+          <a:lstStyle/>
+          <a:p>
+            <a:pPr marL="0" marR="0" lvl="0" indent="0" defTabSz="914400" eaLnBrk="1" fontAlgn="auto" latinLnBrk="0" hangingPunct="1">
+              <a:lnSpc>
+                <a:spcPct val="100000"/>
+              </a:lnSpc>
+              <a:spcBef>
+                <a:spcPts val="0"/>
+              </a:spcBef>
+              <a:spcAft>
+                <a:spcPts val="0"/>
+              </a:spcAft>
+              <a:buClrTx/>
+              <a:buSzTx/>
+              <a:buFontTx/>
+              <a:buNone/>
+              <a:tabLst/>
+              <a:defRPr/>
+            </a:pPr>
+            <a:r>
+              <a:rPr kumimoji="0" lang="en-US" sz="1800" b="0" i="0" u="none" strike="noStrike" kern="0" cap="none" spc="0" normalizeH="0" baseline="0" noProof="0" dirty="0" smtClean="0">
+                <a:ln>
+                  <a:noFill/>
+                </a:ln>
+                <a:solidFill>
+                  <a:srgbClr val="000000"/>
+                </a:solidFill>
+                <a:effectLst/>
+                <a:uLnTx/>
+                <a:uFillTx/>
+                <a:latin typeface="Arial" panose="020B0604020202020204" pitchFamily="34" charset="0"/>
+                <a:cs typeface="Arial" panose="020B0604020202020204" pitchFamily="34" charset="0"/>
+              </a:rPr>
+              <a:t>heterodyne detection</a:t>
+            </a:r>
+          </a:p>
+          <a:p>
+            <a:pPr marL="0" marR="0" lvl="0" indent="0" defTabSz="914400" eaLnBrk="1" fontAlgn="auto" latinLnBrk="0" hangingPunct="1">
+              <a:lnSpc>
+                <a:spcPct val="100000"/>
+              </a:lnSpc>
+              <a:spcBef>
+                <a:spcPts val="0"/>
+              </a:spcBef>
+              <a:spcAft>
+                <a:spcPts val="0"/>
+              </a:spcAft>
+              <a:buClrTx/>
+              <a:buSzTx/>
+              <a:buFontTx/>
+              <a:buNone/>
+              <a:tabLst/>
+              <a:defRPr/>
+            </a:pPr>
+            <a:r>
+              <a:rPr kumimoji="0" lang="en-US" sz="1800" b="0" i="0" u="none" strike="noStrike" kern="0" cap="none" spc="0" normalizeH="0" baseline="0" noProof="0" dirty="0" smtClean="0">
+                <a:ln>
+                  <a:noFill/>
+                </a:ln>
+                <a:solidFill>
+                  <a:prstClr val="black"/>
+                </a:solidFill>
+                <a:effectLst/>
+                <a:uLnTx/>
+                <a:uFillTx/>
+                <a:latin typeface="Times New Roman" panose="02020603050405020304" pitchFamily="18" charset="0"/>
+                <a:cs typeface="Times New Roman" panose="02020603050405020304" pitchFamily="18" charset="0"/>
+              </a:rPr>
+              <a:t>(</a:t>
+            </a:r>
+            <a:r>
+              <a:rPr lang="el-GR" sz="1800" kern="0" dirty="0" smtClean="0">
+                <a:solidFill>
+                  <a:prstClr val="black"/>
+                </a:solidFill>
+                <a:latin typeface="Times New Roman" panose="02020603050405020304" pitchFamily="18" charset="0"/>
+                <a:cs typeface="Times New Roman" panose="02020603050405020304" pitchFamily="18" charset="0"/>
+              </a:rPr>
+              <a:t>Ω</a:t>
+            </a:r>
+            <a:r>
+              <a:rPr lang="en-US" sz="1800" kern="0" baseline="-25000" dirty="0">
+                <a:solidFill>
+                  <a:prstClr val="black"/>
+                </a:solidFill>
+                <a:latin typeface="Times New Roman" panose="02020603050405020304" pitchFamily="18" charset="0"/>
+                <a:cs typeface="Times New Roman" panose="02020603050405020304" pitchFamily="18" charset="0"/>
+              </a:rPr>
+              <a:t>Δ</a:t>
+            </a:r>
+            <a:r>
+              <a:rPr kumimoji="0" lang="en-US" sz="1800" b="0" i="0" u="none" strike="noStrike" kern="0" cap="none" spc="0" normalizeH="0" baseline="0" noProof="0" dirty="0" smtClean="0">
+                <a:ln>
+                  <a:noFill/>
+                </a:ln>
+                <a:solidFill>
+                  <a:prstClr val="black"/>
+                </a:solidFill>
+                <a:effectLst/>
+                <a:uLnTx/>
+                <a:uFillTx/>
+                <a:latin typeface="Times New Roman" panose="02020603050405020304" pitchFamily="18" charset="0"/>
+                <a:cs typeface="Times New Roman" panose="02020603050405020304" pitchFamily="18" charset="0"/>
+              </a:rPr>
+              <a:t> </a:t>
+            </a:r>
+            <a:r>
+              <a:rPr kumimoji="0" lang="en-US" sz="1800" b="0" i="0" u="none" strike="noStrike" kern="0" cap="none" spc="0" normalizeH="0" baseline="0" noProof="0" dirty="0" smtClean="0">
+                <a:ln>
+                  <a:noFill/>
+                </a:ln>
+                <a:solidFill>
+                  <a:prstClr val="black"/>
+                </a:solidFill>
+                <a:effectLst/>
+                <a:uLnTx/>
+                <a:uFillTx/>
+                <a:latin typeface="Times New Roman" panose="02020603050405020304" pitchFamily="18" charset="0"/>
+                <a:cs typeface="Times New Roman" panose="02020603050405020304" pitchFamily="18" charset="0"/>
+              </a:rPr>
+              <a:t>≠ 0)</a:t>
+            </a:r>
+            <a:endParaRPr kumimoji="0" lang="en-US" sz="1800" b="0" i="0" u="none" strike="noStrike" kern="0" cap="none" spc="0" normalizeH="0" baseline="0" noProof="0" dirty="0" smtClean="0">
+              <a:ln>
+                <a:noFill/>
+              </a:ln>
+              <a:solidFill>
+                <a:prstClr val="black"/>
+              </a:solidFill>
+              <a:effectLst/>
+              <a:uLnTx/>
+              <a:uFillTx/>
+            </a:endParaRPr>
+          </a:p>
+          <a:p>
+            <a:pPr marL="0" marR="0" lvl="0" indent="0" defTabSz="914400" eaLnBrk="1" fontAlgn="auto" latinLnBrk="0" hangingPunct="1">
+              <a:lnSpc>
+                <a:spcPct val="100000"/>
+              </a:lnSpc>
+              <a:spcBef>
+                <a:spcPts val="0"/>
+              </a:spcBef>
+              <a:spcAft>
+                <a:spcPts val="0"/>
+              </a:spcAft>
+              <a:buClrTx/>
+              <a:buSzTx/>
+              <a:buFontTx/>
+              <a:buNone/>
+              <a:tabLst/>
+              <a:defRPr/>
+            </a:pPr>
+            <a:endParaRPr kumimoji="0" lang="en-US" sz="2000" b="0" i="0" u="none" strike="noStrike" kern="0" cap="none" spc="0" normalizeH="0" baseline="0" noProof="0" dirty="0" smtClean="0">
+              <a:ln>
+                <a:noFill/>
+              </a:ln>
+              <a:solidFill>
+                <a:srgbClr val="000000"/>
+              </a:solidFill>
+              <a:effectLst/>
+              <a:uLnTx/>
+              <a:uFillTx/>
+              <a:latin typeface="Arial" panose="020B0604020202020204" pitchFamily="34" charset="0"/>
+              <a:cs typeface="Arial" panose="020B0604020202020204" pitchFamily="34" charset="0"/>
+            </a:endParaRPr>
+          </a:p>
+        </p:txBody>
+      </p:sp>
+      <p:cxnSp>
+        <p:nvCxnSpPr>
+          <p:cNvPr id="505" name="Straight Connector 504"/>
+          <p:cNvCxnSpPr/>
+          <p:nvPr/>
+        </p:nvCxnSpPr>
+        <p:spPr>
+          <a:xfrm flipV="1">
+            <a:off x="14156876" y="20942654"/>
+            <a:ext cx="274320" cy="2577"/>
+          </a:xfrm>
+          <a:prstGeom prst="line">
+            <a:avLst/>
+          </a:prstGeom>
+          <a:noFill/>
+          <a:ln w="28575" cap="flat" cmpd="sng" algn="ctr">
+            <a:solidFill>
+              <a:srgbClr val="FF6600"/>
+            </a:solidFill>
+            <a:prstDash val="solid"/>
+            <a:miter lim="800000"/>
+            <a:headEnd type="none" w="med" len="med"/>
+            <a:tailEnd type="arrow" w="med" len="med"/>
+          </a:ln>
+          <a:effectLst/>
+        </p:spPr>
+      </p:cxnSp>
+      <p:sp>
+        <p:nvSpPr>
+          <p:cNvPr id="506" name="CustomShape 6 2"/>
+          <p:cNvSpPr/>
+          <p:nvPr/>
+        </p:nvSpPr>
+        <p:spPr>
+          <a:xfrm flipH="1">
+            <a:off x="21735125" y="19869328"/>
+            <a:ext cx="1505532" cy="677967"/>
+          </a:xfrm>
+          <a:prstGeom prst="curvedConnector3">
+            <a:avLst>
+              <a:gd name="adj1" fmla="val 55788"/>
+            </a:avLst>
+          </a:prstGeom>
+          <a:noFill/>
+          <a:ln w="31680">
+            <a:solidFill>
+              <a:srgbClr val="0070C0"/>
+            </a:solidFill>
+            <a:round/>
+          </a:ln>
+        </p:spPr>
+      </p:sp>
+      <p:sp>
+        <p:nvSpPr>
+          <p:cNvPr id="507" name="CustomShape 6 3"/>
+          <p:cNvSpPr/>
+          <p:nvPr/>
+        </p:nvSpPr>
+        <p:spPr>
+          <a:xfrm>
+            <a:off x="21735125" y="20552323"/>
+            <a:ext cx="1537902" cy="853388"/>
+          </a:xfrm>
+          <a:prstGeom prst="curvedConnector3">
+            <a:avLst>
+              <a:gd name="adj1" fmla="val 41619"/>
+            </a:avLst>
+          </a:prstGeom>
+          <a:noFill/>
+          <a:ln w="31680">
+            <a:solidFill>
+              <a:srgbClr val="0070C0"/>
+            </a:solidFill>
+            <a:round/>
+          </a:ln>
+        </p:spPr>
+      </p:sp>
+      <p:sp>
+        <p:nvSpPr>
+          <p:cNvPr id="508" name="Flowchart: Delay 507"/>
+          <p:cNvSpPr/>
+          <p:nvPr/>
+        </p:nvSpPr>
+        <p:spPr>
+          <a:xfrm>
+            <a:off x="23244700" y="19555316"/>
+            <a:ext cx="724619" cy="620643"/>
+          </a:xfrm>
+          <a:prstGeom prst="flowChartDelay">
+            <a:avLst/>
+          </a:prstGeom>
+          <a:solidFill>
+            <a:schemeClr val="tx1"/>
+          </a:solidFill>
+          <a:ln>
+            <a:noFill/>
+          </a:ln>
+        </p:spPr>
+        <p:style>
+          <a:lnRef idx="2">
+            <a:schemeClr val="accent1">
+              <a:shade val="50000"/>
+            </a:schemeClr>
+          </a:lnRef>
+          <a:fillRef idx="1">
+            <a:schemeClr val="accent1"/>
+          </a:fillRef>
+          <a:effectRef idx="0">
+            <a:schemeClr val="accent1"/>
+          </a:effectRef>
+          <a:fontRef idx="minor">
+            <a:schemeClr val="lt1"/>
+          </a:fontRef>
+        </p:style>
+        <p:txBody>
+          <a:bodyPr rtlCol="0" anchor="ctr"/>
+          <a:lstStyle/>
+          <a:p>
+            <a:pPr algn="ctr"/>
+            <a:endParaRPr lang="en-US"/>
+          </a:p>
+        </p:txBody>
+      </p:sp>
+      <p:sp>
+        <p:nvSpPr>
+          <p:cNvPr id="509" name="Flowchart: Delay 508"/>
+          <p:cNvSpPr/>
+          <p:nvPr/>
+        </p:nvSpPr>
+        <p:spPr>
+          <a:xfrm>
+            <a:off x="23270643" y="21074269"/>
+            <a:ext cx="698676" cy="607511"/>
+          </a:xfrm>
+          <a:prstGeom prst="flowChartDelay">
+            <a:avLst/>
+          </a:prstGeom>
+          <a:solidFill>
+            <a:schemeClr val="tx1"/>
+          </a:solidFill>
+          <a:ln>
+            <a:noFill/>
+          </a:ln>
+        </p:spPr>
+        <p:style>
+          <a:lnRef idx="2">
+            <a:schemeClr val="accent1">
+              <a:shade val="50000"/>
+            </a:schemeClr>
+          </a:lnRef>
+          <a:fillRef idx="1">
+            <a:schemeClr val="accent1"/>
+          </a:fillRef>
+          <a:effectRef idx="0">
+            <a:schemeClr val="accent1"/>
+          </a:effectRef>
+          <a:fontRef idx="minor">
+            <a:schemeClr val="lt1"/>
+          </a:fontRef>
+        </p:style>
+        <p:txBody>
+          <a:bodyPr rtlCol="0" anchor="ctr"/>
+          <a:lstStyle/>
+          <a:p>
+            <a:pPr algn="ctr"/>
+            <a:endParaRPr lang="en-US"/>
+          </a:p>
+        </p:txBody>
+      </p:sp>
+      <p:sp>
+        <p:nvSpPr>
+          <p:cNvPr id="510" name="CustomShape 5 2"/>
+          <p:cNvSpPr/>
+          <p:nvPr/>
+        </p:nvSpPr>
+        <p:spPr>
+          <a:xfrm rot="10800000">
+            <a:off x="23964860" y="19869864"/>
+            <a:ext cx="647740" cy="620315"/>
+          </a:xfrm>
+          <a:prstGeom prst="curvedConnector3">
+            <a:avLst>
+              <a:gd name="adj1" fmla="val 50000"/>
+            </a:avLst>
+          </a:prstGeom>
+          <a:noFill/>
+          <a:ln w="28575">
+            <a:solidFill>
+              <a:schemeClr val="tx1"/>
+            </a:solidFill>
+            <a:round/>
+          </a:ln>
+        </p:spPr>
+      </p:sp>
+      <p:sp>
+        <p:nvSpPr>
+          <p:cNvPr id="511" name="CustomShape 6 4"/>
+          <p:cNvSpPr/>
+          <p:nvPr/>
+        </p:nvSpPr>
+        <p:spPr>
+          <a:xfrm flipV="1">
+            <a:off x="23964859" y="20646836"/>
+            <a:ext cx="642470" cy="741880"/>
+          </a:xfrm>
+          <a:prstGeom prst="curvedConnector3">
+            <a:avLst>
+              <a:gd name="adj1" fmla="val 50990"/>
+            </a:avLst>
+          </a:prstGeom>
+          <a:noFill/>
+          <a:ln w="31680">
+            <a:solidFill>
+              <a:schemeClr val="tx1"/>
+            </a:solidFill>
+            <a:round/>
+          </a:ln>
+        </p:spPr>
+      </p:sp>
+      <p:sp>
+        <p:nvSpPr>
+          <p:cNvPr id="512" name="CustomShape 34 3"/>
+          <p:cNvSpPr/>
+          <p:nvPr/>
+        </p:nvSpPr>
+        <p:spPr>
+          <a:xfrm>
+            <a:off x="24592074" y="20337733"/>
+            <a:ext cx="460128" cy="438643"/>
+          </a:xfrm>
+          <a:prstGeom prst="roundRect">
+            <a:avLst>
+              <a:gd name="adj" fmla="val 16667"/>
+            </a:avLst>
+          </a:prstGeom>
+          <a:ln/>
+        </p:spPr>
+        <p:style>
+          <a:lnRef idx="2">
+            <a:schemeClr val="dk1"/>
+          </a:lnRef>
+          <a:fillRef idx="1">
+            <a:schemeClr val="lt1"/>
+          </a:fillRef>
+          <a:effectRef idx="0">
+            <a:schemeClr val="dk1"/>
+          </a:effectRef>
+          <a:fontRef idx="minor">
+            <a:schemeClr val="dk1"/>
+          </a:fontRef>
+        </p:style>
+      </p:sp>
+      <p:sp>
+        <p:nvSpPr>
+          <p:cNvPr id="513" name="CustomShape 35 3"/>
+          <p:cNvSpPr/>
+          <p:nvPr/>
+        </p:nvSpPr>
+        <p:spPr>
+          <a:xfrm>
+            <a:off x="24683104" y="20303423"/>
+            <a:ext cx="225125" cy="348984"/>
+          </a:xfrm>
+          <a:prstGeom prst="rect">
+            <a:avLst/>
+          </a:prstGeom>
+          <a:noFill/>
+          <a:ln>
+            <a:noFill/>
+          </a:ln>
+        </p:spPr>
+        <p:txBody>
+          <a:bodyPr wrap="none" lIns="90000" tIns="45000" rIns="90000" bIns="45000"/>
+          <a:lstStyle/>
+          <a:p>
+            <a:pPr marL="0" marR="0" lvl="0" indent="0" defTabSz="914400" eaLnBrk="1" fontAlgn="auto" latinLnBrk="0" hangingPunct="1">
+              <a:lnSpc>
+                <a:spcPct val="100000"/>
+              </a:lnSpc>
+              <a:spcBef>
+                <a:spcPts val="0"/>
+              </a:spcBef>
+              <a:spcAft>
+                <a:spcPts val="0"/>
+              </a:spcAft>
+              <a:buClrTx/>
+              <a:buSzTx/>
+              <a:buFontTx/>
+              <a:buNone/>
+              <a:tabLst/>
+              <a:defRPr/>
+            </a:pPr>
+            <a:r>
+              <a:rPr kumimoji="0" lang="da-DK" sz="2800" b="0" i="0" u="none" strike="noStrike" kern="0" cap="none" spc="0" normalizeH="0" baseline="0" noProof="0" dirty="0" smtClean="0">
+                <a:ln>
+                  <a:noFill/>
+                </a:ln>
+                <a:solidFill>
+                  <a:srgbClr val="000000"/>
+                </a:solidFill>
+                <a:effectLst/>
+                <a:uLnTx/>
+                <a:uFillTx/>
+                <a:latin typeface="Arial"/>
+              </a:rPr>
+              <a:t>-</a:t>
+            </a:r>
+            <a:endParaRPr kumimoji="0" sz="2800" b="0" i="0" u="none" strike="noStrike" kern="0" cap="none" spc="0" normalizeH="0" baseline="0" noProof="0" dirty="0" smtClean="0">
+              <a:ln>
+                <a:noFill/>
+              </a:ln>
+              <a:solidFill>
+                <a:prstClr val="black"/>
+              </a:solidFill>
+              <a:effectLst/>
+              <a:uLnTx/>
+              <a:uFillTx/>
+            </a:endParaRPr>
+          </a:p>
+        </p:txBody>
+      </p:sp>
+      <p:pic>
+        <p:nvPicPr>
+          <p:cNvPr id="514" name="Picture 513"/>
+          <p:cNvPicPr>
+            <a:picLocks noChangeAspect="1"/>
+          </p:cNvPicPr>
+          <p:nvPr/>
+        </p:nvPicPr>
+        <p:blipFill>
+          <a:blip r:embed="rId19" cstate="print">
+            <a:extLst>
+              <a:ext uri="{28A0092B-C50C-407E-A947-70E740481C1C}">
+                <a14:useLocalDpi xmlns:a14="http://schemas.microsoft.com/office/drawing/2010/main" val="0"/>
+              </a:ext>
+            </a:extLst>
+          </a:blip>
+          <a:stretch>
+            <a:fillRect/>
+          </a:stretch>
+        </p:blipFill>
+        <p:spPr>
+          <a:xfrm>
+            <a:off x="19350698" y="22198946"/>
+            <a:ext cx="5798795" cy="3028243"/>
+          </a:xfrm>
+          <a:prstGeom prst="rect">
+            <a:avLst/>
+          </a:prstGeom>
+        </p:spPr>
+      </p:pic>
+      <p:cxnSp>
+        <p:nvCxnSpPr>
+          <p:cNvPr id="515" name="Straight Connector 514"/>
+          <p:cNvCxnSpPr/>
+          <p:nvPr/>
+        </p:nvCxnSpPr>
+        <p:spPr>
+          <a:xfrm flipV="1">
+            <a:off x="17287884" y="21415615"/>
+            <a:ext cx="1701608" cy="6872"/>
+          </a:xfrm>
+          <a:prstGeom prst="line">
+            <a:avLst/>
+          </a:prstGeom>
+          <a:noFill/>
+          <a:ln w="28575" cap="flat" cmpd="sng" algn="ctr">
+            <a:solidFill>
+              <a:srgbClr val="FF6600"/>
+            </a:solidFill>
+            <a:prstDash val="solid"/>
+            <a:miter lim="800000"/>
+          </a:ln>
+          <a:effectLst/>
+        </p:spPr>
+      </p:cxnSp>
+      <p:cxnSp>
+        <p:nvCxnSpPr>
+          <p:cNvPr id="516" name="Straight Connector 515"/>
+          <p:cNvCxnSpPr/>
+          <p:nvPr/>
+        </p:nvCxnSpPr>
+        <p:spPr>
+          <a:xfrm flipV="1">
+            <a:off x="18989492" y="21415615"/>
+            <a:ext cx="1412674" cy="1"/>
+          </a:xfrm>
+          <a:prstGeom prst="line">
+            <a:avLst/>
+          </a:prstGeom>
+          <a:noFill/>
+          <a:ln w="28575" cap="flat" cmpd="sng" algn="ctr">
+            <a:solidFill>
+              <a:srgbClr val="0070C0"/>
+            </a:solidFill>
+            <a:prstDash val="solid"/>
+            <a:miter lim="800000"/>
+          </a:ln>
+          <a:effectLst/>
+        </p:spPr>
+      </p:cxnSp>
+      <p:sp>
+        <p:nvSpPr>
+          <p:cNvPr id="518" name="Rectangle 517"/>
+          <p:cNvSpPr/>
+          <p:nvPr/>
+        </p:nvSpPr>
+        <p:spPr>
+          <a:xfrm>
+            <a:off x="2278859" y="19707120"/>
+            <a:ext cx="11622079" cy="2004864"/>
+          </a:xfrm>
+          <a:prstGeom prst="rect">
+            <a:avLst/>
+          </a:prstGeom>
+          <a:noFill/>
+          <a:ln>
+            <a:solidFill>
+              <a:schemeClr val="accent1">
+                <a:lumMod val="40000"/>
+                <a:lumOff val="60000"/>
+              </a:schemeClr>
+            </a:solidFill>
+            <a:prstDash val="sysDot"/>
+          </a:ln>
+        </p:spPr>
+        <p:style>
+          <a:lnRef idx="2">
+            <a:schemeClr val="accent1">
+              <a:shade val="50000"/>
+            </a:schemeClr>
+          </a:lnRef>
+          <a:fillRef idx="1">
+            <a:schemeClr val="accent1"/>
+          </a:fillRef>
+          <a:effectRef idx="0">
+            <a:schemeClr val="accent1"/>
+          </a:effectRef>
+          <a:fontRef idx="minor">
+            <a:schemeClr val="lt1"/>
+          </a:fontRef>
+        </p:style>
+        <p:txBody>
+          <a:bodyPr rtlCol="0" anchor="ctr"/>
+          <a:lstStyle/>
+          <a:p>
+            <a:pPr algn="ctr"/>
+            <a:endParaRPr lang="en-US"/>
+          </a:p>
+        </p:txBody>
+      </p:sp>
+      <p:sp>
+        <p:nvSpPr>
+          <p:cNvPr id="519" name="Rectangle 518"/>
+          <p:cNvSpPr/>
+          <p:nvPr/>
+        </p:nvSpPr>
+        <p:spPr>
+          <a:xfrm>
+            <a:off x="19019838" y="19368889"/>
+            <a:ext cx="10164080" cy="2523380"/>
+          </a:xfrm>
+          <a:prstGeom prst="rect">
+            <a:avLst/>
+          </a:prstGeom>
+          <a:noFill/>
+          <a:ln>
+            <a:solidFill>
+              <a:schemeClr val="accent1">
+                <a:lumMod val="40000"/>
+                <a:lumOff val="60000"/>
+              </a:schemeClr>
+            </a:solidFill>
+            <a:prstDash val="sysDot"/>
+          </a:ln>
+        </p:spPr>
+        <p:style>
+          <a:lnRef idx="2">
+            <a:schemeClr val="accent1">
+              <a:shade val="50000"/>
+            </a:schemeClr>
+          </a:lnRef>
+          <a:fillRef idx="1">
+            <a:schemeClr val="accent1"/>
+          </a:fillRef>
+          <a:effectRef idx="0">
+            <a:schemeClr val="accent1"/>
+          </a:effectRef>
+          <a:fontRef idx="minor">
+            <a:schemeClr val="lt1"/>
+          </a:fontRef>
+        </p:style>
+        <p:txBody>
+          <a:bodyPr rtlCol="0" anchor="ctr"/>
+          <a:lstStyle/>
+          <a:p>
+            <a:pPr algn="ctr"/>
+            <a:endParaRPr lang="en-US"/>
+          </a:p>
+        </p:txBody>
+      </p:sp>
+      <p:sp>
+        <p:nvSpPr>
+          <p:cNvPr id="520" name="CustomShape 18 1 1"/>
+          <p:cNvSpPr/>
+          <p:nvPr/>
+        </p:nvSpPr>
+        <p:spPr>
+          <a:xfrm>
+            <a:off x="5329909" y="19775992"/>
+            <a:ext cx="1728930" cy="688250"/>
+          </a:xfrm>
+          <a:prstGeom prst="rect">
+            <a:avLst/>
+          </a:prstGeom>
+          <a:noFill/>
+          <a:ln>
+            <a:noFill/>
+          </a:ln>
+        </p:spPr>
+        <p:txBody>
+          <a:bodyPr wrap="none" lIns="90000" tIns="45000" rIns="90000" bIns="45000"/>
+          <a:lstStyle/>
+          <a:p>
+            <a:pPr algn="ctr">
+              <a:lnSpc>
+                <a:spcPct val="100000"/>
+              </a:lnSpc>
+            </a:pPr>
+            <a:r>
+              <a:rPr lang="en-US" sz="3600" b="1" dirty="0" smtClean="0">
+                <a:solidFill>
+                  <a:schemeClr val="tx2">
+                    <a:lumMod val="40000"/>
+                    <a:lumOff val="60000"/>
+                  </a:schemeClr>
+                </a:solidFill>
+                <a:latin typeface="Arial"/>
+              </a:rPr>
+              <a:t>Alice</a:t>
+            </a:r>
+            <a:endParaRPr sz="3600" b="1" dirty="0">
+              <a:solidFill>
+                <a:schemeClr val="tx2">
+                  <a:lumMod val="40000"/>
+                  <a:lumOff val="60000"/>
+                </a:schemeClr>
+              </a:solidFill>
+            </a:endParaRPr>
+          </a:p>
+        </p:txBody>
+      </p:sp>
+      <p:sp>
+        <p:nvSpPr>
+          <p:cNvPr id="521" name="CustomShape 18 1 2"/>
+          <p:cNvSpPr/>
+          <p:nvPr/>
+        </p:nvSpPr>
+        <p:spPr>
+          <a:xfrm>
+            <a:off x="27533166" y="21078362"/>
+            <a:ext cx="1728930" cy="688250"/>
+          </a:xfrm>
+          <a:prstGeom prst="rect">
+            <a:avLst/>
+          </a:prstGeom>
+          <a:noFill/>
+          <a:ln>
+            <a:noFill/>
+          </a:ln>
+        </p:spPr>
+        <p:txBody>
+          <a:bodyPr wrap="none" lIns="90000" tIns="45000" rIns="90000" bIns="45000"/>
+          <a:lstStyle/>
+          <a:p>
+            <a:pPr algn="ctr">
+              <a:lnSpc>
+                <a:spcPct val="100000"/>
+              </a:lnSpc>
+            </a:pPr>
+            <a:r>
+              <a:rPr lang="en-US" sz="3200" b="1" dirty="0" smtClean="0">
+                <a:solidFill>
+                  <a:schemeClr val="tx2">
+                    <a:lumMod val="40000"/>
+                    <a:lumOff val="60000"/>
+                  </a:schemeClr>
+                </a:solidFill>
+                <a:latin typeface="Arial"/>
+              </a:rPr>
+              <a:t>Bob</a:t>
+            </a:r>
+            <a:endParaRPr sz="3200" b="1" dirty="0">
+              <a:solidFill>
+                <a:schemeClr val="tx2">
+                  <a:lumMod val="40000"/>
+                  <a:lumOff val="60000"/>
+                </a:schemeClr>
+              </a:solidFill>
+            </a:endParaRPr>
+          </a:p>
+        </p:txBody>
+      </p:sp>
+      <p:sp>
+        <p:nvSpPr>
+          <p:cNvPr id="522" name="Rectangle 521"/>
+          <p:cNvSpPr/>
+          <p:nvPr/>
+        </p:nvSpPr>
+        <p:spPr>
+          <a:xfrm>
+            <a:off x="15601926" y="18695638"/>
+            <a:ext cx="2993580" cy="1692599"/>
+          </a:xfrm>
+          <a:prstGeom prst="rect">
+            <a:avLst/>
+          </a:prstGeom>
+          <a:solidFill>
+            <a:schemeClr val="accent2">
+              <a:lumMod val="60000"/>
+              <a:lumOff val="40000"/>
+            </a:schemeClr>
+          </a:solidFill>
+        </p:spPr>
+        <p:style>
+          <a:lnRef idx="2">
+            <a:schemeClr val="accent1">
+              <a:shade val="50000"/>
+            </a:schemeClr>
+          </a:lnRef>
+          <a:fillRef idx="1">
+            <a:schemeClr val="accent1"/>
+          </a:fillRef>
+          <a:effectRef idx="0">
+            <a:schemeClr val="accent1"/>
+          </a:effectRef>
+          <a:fontRef idx="minor">
+            <a:schemeClr val="lt1"/>
+          </a:fontRef>
+        </p:style>
+        <p:txBody>
+          <a:bodyPr rtlCol="0" anchor="ctr"/>
+          <a:lstStyle/>
+          <a:p>
+            <a:pPr algn="ctr"/>
+            <a:endParaRPr lang="en-US"/>
+          </a:p>
+        </p:txBody>
+      </p:sp>
+      <p:sp>
+        <p:nvSpPr>
+          <p:cNvPr id="523" name="CustomShape 18 1 3"/>
+          <p:cNvSpPr/>
+          <p:nvPr/>
+        </p:nvSpPr>
+        <p:spPr>
+          <a:xfrm>
+            <a:off x="16084692" y="18667082"/>
+            <a:ext cx="1967885" cy="688250"/>
+          </a:xfrm>
+          <a:prstGeom prst="rect">
+            <a:avLst/>
+          </a:prstGeom>
+          <a:noFill/>
+          <a:ln>
+            <a:noFill/>
+          </a:ln>
+        </p:spPr>
+        <p:txBody>
+          <a:bodyPr wrap="none" lIns="90000" tIns="45000" rIns="90000" bIns="45000"/>
+          <a:lstStyle/>
+          <a:p>
+            <a:pPr algn="ctr">
+              <a:lnSpc>
+                <a:spcPct val="100000"/>
+              </a:lnSpc>
+            </a:pPr>
+            <a:r>
+              <a:rPr lang="en-US" sz="2400" smtClean="0">
+                <a:solidFill>
+                  <a:schemeClr val="bg1"/>
+                </a:solidFill>
+                <a:latin typeface="Arial"/>
+              </a:rPr>
+              <a:t>Arbitrary waveform</a:t>
+            </a:r>
+          </a:p>
+          <a:p>
+            <a:pPr algn="ctr">
+              <a:lnSpc>
+                <a:spcPct val="100000"/>
+              </a:lnSpc>
+            </a:pPr>
+            <a:r>
+              <a:rPr lang="en-US" sz="2400">
+                <a:solidFill>
+                  <a:schemeClr val="bg1"/>
+                </a:solidFill>
+                <a:latin typeface="Arial"/>
+              </a:rPr>
+              <a:t>g</a:t>
+            </a:r>
+            <a:r>
+              <a:rPr lang="en-US" sz="2400" smtClean="0">
+                <a:solidFill>
+                  <a:schemeClr val="bg1"/>
+                </a:solidFill>
+                <a:latin typeface="Arial"/>
+              </a:rPr>
+              <a:t>enerator  (AWG)</a:t>
+            </a:r>
+            <a:endParaRPr sz="2400" dirty="0">
+              <a:solidFill>
+                <a:schemeClr val="bg1"/>
+              </a:solidFill>
+            </a:endParaRPr>
+          </a:p>
+        </p:txBody>
+      </p:sp>
+      <p:grpSp>
+        <p:nvGrpSpPr>
+          <p:cNvPr id="524" name="Group 523"/>
+          <p:cNvGrpSpPr/>
+          <p:nvPr/>
+        </p:nvGrpSpPr>
+        <p:grpSpPr>
+          <a:xfrm>
+            <a:off x="15743237" y="19431468"/>
+            <a:ext cx="599327" cy="441651"/>
+            <a:chOff x="15787937" y="19660590"/>
+            <a:chExt cx="599327" cy="441651"/>
+          </a:xfrm>
+        </p:grpSpPr>
+        <p:sp>
+          <p:nvSpPr>
+            <p:cNvPr id="525" name="Oval 524"/>
+            <p:cNvSpPr/>
+            <p:nvPr/>
+          </p:nvSpPr>
+          <p:spPr>
+            <a:xfrm>
+              <a:off x="15918363" y="19962301"/>
+              <a:ext cx="84195" cy="86497"/>
+            </a:xfrm>
+            <a:prstGeom prst="ellipse">
+              <a:avLst/>
+            </a:prstGeom>
+            <a:solidFill>
+              <a:schemeClr val="tx1"/>
+            </a:solidFill>
+            <a:ln>
+              <a:solidFill>
+                <a:schemeClr val="tx1"/>
+              </a:solidFill>
+            </a:ln>
+          </p:spPr>
+          <p:style>
+            <a:lnRef idx="2">
+              <a:schemeClr val="accent1">
+                <a:shade val="50000"/>
+              </a:schemeClr>
+            </a:lnRef>
+            <a:fillRef idx="1">
+              <a:schemeClr val="accent1"/>
+            </a:fillRef>
+            <a:effectRef idx="0">
+              <a:schemeClr val="accent1"/>
+            </a:effectRef>
+            <a:fontRef idx="minor">
+              <a:schemeClr val="lt1"/>
+            </a:fontRef>
+          </p:style>
+          <p:txBody>
+            <a:bodyPr rtlCol="0" anchor="ctr"/>
+            <a:lstStyle/>
+            <a:p>
+              <a:pPr algn="ctr"/>
+              <a:endParaRPr lang="da-DK"/>
+            </a:p>
+          </p:txBody>
+        </p:sp>
+        <p:sp>
+          <p:nvSpPr>
+            <p:cNvPr id="526" name="Oval 525"/>
+            <p:cNvSpPr/>
+            <p:nvPr/>
+          </p:nvSpPr>
+          <p:spPr>
+            <a:xfrm>
+              <a:off x="16123603" y="19962301"/>
+              <a:ext cx="84195" cy="86497"/>
+            </a:xfrm>
+            <a:prstGeom prst="ellipse">
+              <a:avLst/>
+            </a:prstGeom>
+            <a:solidFill>
+              <a:schemeClr val="tx1"/>
+            </a:solidFill>
+            <a:ln>
+              <a:solidFill>
+                <a:schemeClr val="tx1"/>
+              </a:solidFill>
+            </a:ln>
+          </p:spPr>
+          <p:style>
+            <a:lnRef idx="2">
+              <a:schemeClr val="accent1">
+                <a:shade val="50000"/>
+              </a:schemeClr>
+            </a:lnRef>
+            <a:fillRef idx="1">
+              <a:schemeClr val="accent1"/>
+            </a:fillRef>
+            <a:effectRef idx="0">
+              <a:schemeClr val="accent1"/>
+            </a:effectRef>
+            <a:fontRef idx="minor">
+              <a:schemeClr val="lt1"/>
+            </a:fontRef>
+          </p:style>
+          <p:txBody>
+            <a:bodyPr rtlCol="0" anchor="ctr"/>
+            <a:lstStyle/>
+            <a:p>
+              <a:pPr algn="ctr"/>
+              <a:endParaRPr lang="da-DK"/>
+            </a:p>
+          </p:txBody>
+        </p:sp>
+        <p:sp>
+          <p:nvSpPr>
+            <p:cNvPr id="527" name="Rectangle 526"/>
+            <p:cNvSpPr/>
+            <p:nvPr/>
+          </p:nvSpPr>
+          <p:spPr>
+            <a:xfrm>
+              <a:off x="15884700" y="19908857"/>
+              <a:ext cx="392196" cy="193384"/>
+            </a:xfrm>
+            <a:prstGeom prst="rect">
+              <a:avLst/>
+            </a:prstGeom>
+            <a:noFill/>
+            <a:ln>
+              <a:solidFill>
+                <a:schemeClr val="tx1"/>
+              </a:solidFill>
+            </a:ln>
+          </p:spPr>
+          <p:style>
+            <a:lnRef idx="2">
+              <a:schemeClr val="accent1">
+                <a:shade val="50000"/>
+              </a:schemeClr>
+            </a:lnRef>
+            <a:fillRef idx="1">
+              <a:schemeClr val="accent1"/>
+            </a:fillRef>
+            <a:effectRef idx="0">
+              <a:schemeClr val="accent1"/>
+            </a:effectRef>
+            <a:fontRef idx="minor">
+              <a:schemeClr val="lt1"/>
+            </a:fontRef>
+          </p:style>
+          <p:txBody>
+            <a:bodyPr rtlCol="0" anchor="ctr"/>
+            <a:lstStyle/>
+            <a:p>
+              <a:pPr algn="ctr"/>
+              <a:endParaRPr lang="da-DK"/>
+            </a:p>
+          </p:txBody>
+        </p:sp>
+        <p:sp>
+          <p:nvSpPr>
+            <p:cNvPr id="528" name="CustomShape 18 1 4"/>
+            <p:cNvSpPr/>
+            <p:nvPr/>
+          </p:nvSpPr>
+          <p:spPr>
+            <a:xfrm>
+              <a:off x="15787937" y="19660590"/>
+              <a:ext cx="599327" cy="222578"/>
+            </a:xfrm>
+            <a:prstGeom prst="rect">
+              <a:avLst/>
+            </a:prstGeom>
+            <a:noFill/>
+            <a:ln>
+              <a:noFill/>
+            </a:ln>
+          </p:spPr>
+          <p:txBody>
+            <a:bodyPr wrap="none" lIns="90000" tIns="45000" rIns="90000" bIns="45000"/>
+            <a:lstStyle/>
+            <a:p>
+              <a:pPr algn="ctr">
+                <a:lnSpc>
+                  <a:spcPct val="100000"/>
+                </a:lnSpc>
+              </a:pPr>
+              <a:r>
+                <a:rPr lang="en-US" sz="1200" dirty="0" smtClean="0">
+                  <a:solidFill>
+                    <a:srgbClr val="000000"/>
+                  </a:solidFill>
+                  <a:latin typeface="Arial"/>
+                </a:rPr>
+                <a:t>Ch1</a:t>
+              </a:r>
+              <a:endParaRPr sz="1200" dirty="0"/>
+            </a:p>
+          </p:txBody>
+        </p:sp>
+      </p:grpSp>
+      <p:grpSp>
+        <p:nvGrpSpPr>
+          <p:cNvPr id="529" name="Group 528"/>
+          <p:cNvGrpSpPr/>
+          <p:nvPr/>
+        </p:nvGrpSpPr>
+        <p:grpSpPr>
+          <a:xfrm>
+            <a:off x="15732000" y="19955883"/>
+            <a:ext cx="599327" cy="410318"/>
+            <a:chOff x="17587158" y="19919778"/>
+            <a:chExt cx="599327" cy="410318"/>
+          </a:xfrm>
+        </p:grpSpPr>
+        <p:sp>
+          <p:nvSpPr>
+            <p:cNvPr id="530" name="Oval 529"/>
+            <p:cNvSpPr/>
+            <p:nvPr/>
+          </p:nvSpPr>
+          <p:spPr>
+            <a:xfrm>
+              <a:off x="17739371" y="19967245"/>
+              <a:ext cx="84195" cy="86497"/>
+            </a:xfrm>
+            <a:prstGeom prst="ellipse">
+              <a:avLst/>
+            </a:prstGeom>
+            <a:solidFill>
+              <a:schemeClr val="tx1"/>
+            </a:solidFill>
+            <a:ln>
+              <a:solidFill>
+                <a:schemeClr val="tx1"/>
+              </a:solidFill>
+            </a:ln>
+          </p:spPr>
+          <p:style>
+            <a:lnRef idx="2">
+              <a:schemeClr val="accent1">
+                <a:shade val="50000"/>
+              </a:schemeClr>
+            </a:lnRef>
+            <a:fillRef idx="1">
+              <a:schemeClr val="accent1"/>
+            </a:fillRef>
+            <a:effectRef idx="0">
+              <a:schemeClr val="accent1"/>
+            </a:effectRef>
+            <a:fontRef idx="minor">
+              <a:schemeClr val="lt1"/>
+            </a:fontRef>
+          </p:style>
+          <p:txBody>
+            <a:bodyPr rtlCol="0" anchor="ctr"/>
+            <a:lstStyle/>
+            <a:p>
+              <a:pPr algn="ctr"/>
+              <a:endParaRPr lang="da-DK"/>
+            </a:p>
+          </p:txBody>
+        </p:sp>
+        <p:sp>
+          <p:nvSpPr>
+            <p:cNvPr id="531" name="Oval 530"/>
+            <p:cNvSpPr/>
+            <p:nvPr/>
+          </p:nvSpPr>
+          <p:spPr>
+            <a:xfrm>
+              <a:off x="17943824" y="19967672"/>
+              <a:ext cx="84195" cy="86497"/>
+            </a:xfrm>
+            <a:prstGeom prst="ellipse">
+              <a:avLst/>
+            </a:prstGeom>
+            <a:solidFill>
+              <a:schemeClr val="tx1"/>
+            </a:solidFill>
+            <a:ln>
+              <a:solidFill>
+                <a:schemeClr val="tx1"/>
+              </a:solidFill>
+            </a:ln>
+          </p:spPr>
+          <p:style>
+            <a:lnRef idx="2">
+              <a:schemeClr val="accent1">
+                <a:shade val="50000"/>
+              </a:schemeClr>
+            </a:lnRef>
+            <a:fillRef idx="1">
+              <a:schemeClr val="accent1"/>
+            </a:fillRef>
+            <a:effectRef idx="0">
+              <a:schemeClr val="accent1"/>
+            </a:effectRef>
+            <a:fontRef idx="minor">
+              <a:schemeClr val="lt1"/>
+            </a:fontRef>
+          </p:style>
+          <p:txBody>
+            <a:bodyPr rtlCol="0" anchor="ctr"/>
+            <a:lstStyle/>
+            <a:p>
+              <a:pPr algn="ctr"/>
+              <a:endParaRPr lang="da-DK"/>
+            </a:p>
+          </p:txBody>
+        </p:sp>
+        <p:sp>
+          <p:nvSpPr>
+            <p:cNvPr id="532" name="Rectangle 531"/>
+            <p:cNvSpPr/>
+            <p:nvPr/>
+          </p:nvSpPr>
+          <p:spPr>
+            <a:xfrm>
+              <a:off x="17694776" y="19919778"/>
+              <a:ext cx="392196" cy="193384"/>
+            </a:xfrm>
+            <a:prstGeom prst="rect">
+              <a:avLst/>
+            </a:prstGeom>
+            <a:noFill/>
+            <a:ln>
+              <a:solidFill>
+                <a:schemeClr val="tx1"/>
+              </a:solidFill>
+            </a:ln>
+          </p:spPr>
+          <p:style>
+            <a:lnRef idx="2">
+              <a:schemeClr val="accent1">
+                <a:shade val="50000"/>
+              </a:schemeClr>
+            </a:lnRef>
+            <a:fillRef idx="1">
+              <a:schemeClr val="accent1"/>
+            </a:fillRef>
+            <a:effectRef idx="0">
+              <a:schemeClr val="accent1"/>
+            </a:effectRef>
+            <a:fontRef idx="minor">
+              <a:schemeClr val="lt1"/>
+            </a:fontRef>
+          </p:style>
+          <p:txBody>
+            <a:bodyPr rtlCol="0" anchor="ctr"/>
+            <a:lstStyle/>
+            <a:p>
+              <a:pPr algn="ctr"/>
+              <a:endParaRPr lang="da-DK"/>
+            </a:p>
+          </p:txBody>
+        </p:sp>
+        <p:sp>
+          <p:nvSpPr>
+            <p:cNvPr id="533" name="CustomShape 18 1 5"/>
+            <p:cNvSpPr/>
+            <p:nvPr/>
+          </p:nvSpPr>
+          <p:spPr>
+            <a:xfrm>
+              <a:off x="17587158" y="20107518"/>
+              <a:ext cx="599327" cy="222578"/>
+            </a:xfrm>
+            <a:prstGeom prst="rect">
+              <a:avLst/>
+            </a:prstGeom>
+            <a:noFill/>
+            <a:ln>
+              <a:noFill/>
+            </a:ln>
+          </p:spPr>
+          <p:txBody>
+            <a:bodyPr wrap="none" lIns="90000" tIns="45000" rIns="90000" bIns="45000"/>
+            <a:lstStyle/>
+            <a:p>
+              <a:pPr algn="ctr">
+                <a:lnSpc>
+                  <a:spcPct val="100000"/>
+                </a:lnSpc>
+              </a:pPr>
+              <a:r>
+                <a:rPr lang="en-US" sz="1200" dirty="0" smtClean="0">
+                  <a:solidFill>
+                    <a:srgbClr val="000000"/>
+                  </a:solidFill>
+                  <a:latin typeface="Arial"/>
+                </a:rPr>
+                <a:t>Ch2</a:t>
+              </a:r>
+              <a:endParaRPr sz="1200" dirty="0"/>
+            </a:p>
+          </p:txBody>
+        </p:sp>
+      </p:grpSp>
+      <p:sp>
+        <p:nvSpPr>
+          <p:cNvPr id="534" name="CustomShape 2 2 2"/>
+          <p:cNvSpPr/>
+          <p:nvPr/>
+        </p:nvSpPr>
+        <p:spPr>
+          <a:xfrm>
+            <a:off x="9828552" y="20428269"/>
+            <a:ext cx="1761805" cy="886656"/>
+          </a:xfrm>
+          <a:prstGeom prst="rect">
+            <a:avLst/>
+          </a:prstGeom>
+          <a:noFill/>
+          <a:ln>
+            <a:noFill/>
+          </a:ln>
+        </p:spPr>
+        <p:txBody>
+          <a:bodyPr wrap="none" lIns="90000" tIns="45000" rIns="90000" bIns="45000"/>
+          <a:lstStyle/>
+          <a:p>
+            <a:pPr algn="ctr">
+              <a:lnSpc>
+                <a:spcPct val="100000"/>
+              </a:lnSpc>
+            </a:pPr>
+            <a:r>
+              <a:rPr lang="en-US" sz="2000" smtClean="0">
+                <a:solidFill>
+                  <a:schemeClr val="bg1"/>
+                </a:solidFill>
+                <a:latin typeface="Arial"/>
+              </a:rPr>
+              <a:t>Phase </a:t>
+            </a:r>
+          </a:p>
+          <a:p>
+            <a:pPr algn="ctr">
+              <a:lnSpc>
+                <a:spcPct val="100000"/>
+              </a:lnSpc>
+            </a:pPr>
+            <a:r>
+              <a:rPr lang="en-US" sz="2000" smtClean="0">
+                <a:solidFill>
+                  <a:schemeClr val="bg1"/>
+                </a:solidFill>
+                <a:latin typeface="Arial"/>
+              </a:rPr>
+              <a:t>modulator</a:t>
+            </a:r>
+          </a:p>
+          <a:p>
+            <a:pPr algn="ctr">
+              <a:lnSpc>
+                <a:spcPct val="100000"/>
+              </a:lnSpc>
+            </a:pPr>
+            <a:r>
+              <a:rPr lang="en-US" sz="2000" smtClean="0">
+                <a:solidFill>
+                  <a:schemeClr val="bg1"/>
+                </a:solidFill>
+                <a:latin typeface="Arial"/>
+              </a:rPr>
+              <a:t>(PM)</a:t>
+            </a:r>
+            <a:endParaRPr sz="2000" dirty="0">
+              <a:solidFill>
+                <a:schemeClr val="bg1"/>
+              </a:solidFill>
+            </a:endParaRPr>
+          </a:p>
+        </p:txBody>
+      </p:sp>
+      <p:sp>
+        <p:nvSpPr>
+          <p:cNvPr id="535" name="CustomShape 2 2 3"/>
+          <p:cNvSpPr/>
+          <p:nvPr/>
+        </p:nvSpPr>
+        <p:spPr>
+          <a:xfrm>
+            <a:off x="11864329" y="20406519"/>
+            <a:ext cx="1761805" cy="886656"/>
+          </a:xfrm>
+          <a:prstGeom prst="rect">
+            <a:avLst/>
+          </a:prstGeom>
+          <a:noFill/>
+          <a:ln>
+            <a:noFill/>
+          </a:ln>
+        </p:spPr>
+        <p:txBody>
+          <a:bodyPr wrap="none" lIns="90000" tIns="45000" rIns="90000" bIns="45000"/>
+          <a:lstStyle/>
+          <a:p>
+            <a:pPr algn="ctr">
+              <a:lnSpc>
+                <a:spcPct val="100000"/>
+              </a:lnSpc>
+            </a:pPr>
+            <a:r>
+              <a:rPr lang="en-US" sz="2000" smtClean="0">
+                <a:solidFill>
+                  <a:schemeClr val="bg1"/>
+                </a:solidFill>
+                <a:latin typeface="Arial"/>
+              </a:rPr>
+              <a:t>Variable </a:t>
+            </a:r>
+          </a:p>
+          <a:p>
+            <a:pPr algn="ctr">
+              <a:lnSpc>
+                <a:spcPct val="100000"/>
+              </a:lnSpc>
+            </a:pPr>
+            <a:r>
+              <a:rPr lang="en-US" sz="2000" smtClean="0">
+                <a:solidFill>
+                  <a:schemeClr val="bg1"/>
+                </a:solidFill>
+                <a:latin typeface="Arial"/>
+              </a:rPr>
+              <a:t>attenuator</a:t>
+            </a:r>
+          </a:p>
+          <a:p>
+            <a:pPr algn="ctr">
+              <a:lnSpc>
+                <a:spcPct val="100000"/>
+              </a:lnSpc>
+            </a:pPr>
+            <a:r>
+              <a:rPr lang="en-US" sz="2000" smtClean="0">
+                <a:solidFill>
+                  <a:schemeClr val="bg1"/>
+                </a:solidFill>
+                <a:latin typeface="Arial"/>
+              </a:rPr>
+              <a:t>(VATT)</a:t>
+            </a:r>
+            <a:endParaRPr sz="2000" dirty="0">
+              <a:solidFill>
+                <a:schemeClr val="bg1"/>
+              </a:solidFill>
+            </a:endParaRPr>
+          </a:p>
+        </p:txBody>
+      </p:sp>
+      <p:grpSp>
+        <p:nvGrpSpPr>
+          <p:cNvPr id="536" name="Group 535"/>
+          <p:cNvGrpSpPr>
+            <a:grpSpLocks noChangeAspect="1"/>
+          </p:cNvGrpSpPr>
+          <p:nvPr/>
+        </p:nvGrpSpPr>
+        <p:grpSpPr>
+          <a:xfrm>
+            <a:off x="16147864" y="20607292"/>
+            <a:ext cx="1296000" cy="1228825"/>
+            <a:chOff x="5212431" y="4474143"/>
+            <a:chExt cx="552946" cy="605570"/>
+          </a:xfrm>
+        </p:grpSpPr>
+        <p:sp>
+          <p:nvSpPr>
+            <p:cNvPr id="537" name="Can 536"/>
+            <p:cNvSpPr/>
+            <p:nvPr/>
+          </p:nvSpPr>
+          <p:spPr>
+            <a:xfrm>
+              <a:off x="5212538" y="4968835"/>
+              <a:ext cx="552839" cy="110878"/>
+            </a:xfrm>
+            <a:prstGeom prst="can">
+              <a:avLst>
+                <a:gd name="adj" fmla="val 50000"/>
+              </a:avLst>
+            </a:prstGeom>
+            <a:solidFill>
+              <a:schemeClr val="tx2"/>
+            </a:solidFill>
+            <a:ln w="9525">
+              <a:solidFill>
+                <a:schemeClr val="tx2"/>
+              </a:solidFill>
+            </a:ln>
+            <a:scene3d>
+              <a:camera prst="orthographicFront">
+                <a:rot lat="0" lon="0" rev="0"/>
+              </a:camera>
+              <a:lightRig rig="threePt" dir="t"/>
+            </a:scene3d>
+          </p:spPr>
+          <p:style>
+            <a:lnRef idx="2">
+              <a:schemeClr val="accent1">
+                <a:shade val="50000"/>
+              </a:schemeClr>
+            </a:lnRef>
+            <a:fillRef idx="1">
+              <a:schemeClr val="accent1"/>
+            </a:fillRef>
+            <a:effectRef idx="0">
+              <a:schemeClr val="accent1"/>
+            </a:effectRef>
+            <a:fontRef idx="minor">
+              <a:schemeClr val="lt1"/>
+            </a:fontRef>
+          </p:style>
+          <p:txBody>
+            <a:bodyPr rtlCol="0" anchor="ctr"/>
+            <a:lstStyle/>
+            <a:p>
+              <a:pPr algn="ctr"/>
+              <a:endParaRPr lang="en-GB"/>
+            </a:p>
+          </p:txBody>
+        </p:sp>
+        <p:grpSp>
+          <p:nvGrpSpPr>
+            <p:cNvPr id="538" name="Group 537"/>
+            <p:cNvGrpSpPr/>
+            <p:nvPr/>
+          </p:nvGrpSpPr>
+          <p:grpSpPr>
+            <a:xfrm>
+              <a:off x="5277572" y="4732951"/>
+              <a:ext cx="422665" cy="275027"/>
+              <a:chOff x="1530028" y="4595042"/>
+              <a:chExt cx="533535" cy="510684"/>
+            </a:xfrm>
+          </p:grpSpPr>
+          <p:sp>
+            <p:nvSpPr>
+              <p:cNvPr id="545" name="Can 544"/>
+              <p:cNvSpPr/>
+              <p:nvPr/>
+            </p:nvSpPr>
+            <p:spPr>
+              <a:xfrm>
+                <a:off x="1530163" y="4899842"/>
+                <a:ext cx="533400" cy="205884"/>
+              </a:xfrm>
+              <a:prstGeom prst="can">
+                <a:avLst>
+                  <a:gd name="adj" fmla="val 50000"/>
+                </a:avLst>
+              </a:prstGeom>
+              <a:solidFill>
+                <a:schemeClr val="bg2"/>
+              </a:solidFill>
+              <a:ln w="9525">
+                <a:solidFill>
+                  <a:srgbClr val="FF6600"/>
+                </a:solidFill>
+              </a:ln>
+              <a:scene3d>
+                <a:camera prst="orthographicFront">
+                  <a:rot lat="0" lon="0" rev="0"/>
+                </a:camera>
+                <a:lightRig rig="threePt" dir="t"/>
+              </a:scene3d>
+            </p:spPr>
+            <p:style>
+              <a:lnRef idx="2">
+                <a:schemeClr val="accent1">
+                  <a:shade val="50000"/>
+                </a:schemeClr>
+              </a:lnRef>
+              <a:fillRef idx="1">
+                <a:schemeClr val="accent1"/>
+              </a:fillRef>
+              <a:effectRef idx="0">
+                <a:schemeClr val="accent1"/>
+              </a:effectRef>
+              <a:fontRef idx="minor">
+                <a:schemeClr val="lt1"/>
+              </a:fontRef>
+            </p:style>
+            <p:txBody>
+              <a:bodyPr rtlCol="0" anchor="ctr"/>
+              <a:lstStyle/>
+              <a:p>
+                <a:pPr algn="ctr"/>
+                <a:endParaRPr lang="en-GB"/>
+              </a:p>
+            </p:txBody>
+          </p:sp>
+          <p:sp>
+            <p:nvSpPr>
+              <p:cNvPr id="546" name="Can 545"/>
+              <p:cNvSpPr/>
+              <p:nvPr/>
+            </p:nvSpPr>
+            <p:spPr>
+              <a:xfrm>
+                <a:off x="1530163" y="4823642"/>
+                <a:ext cx="533400" cy="205884"/>
+              </a:xfrm>
+              <a:prstGeom prst="can">
+                <a:avLst>
+                  <a:gd name="adj" fmla="val 50000"/>
+                </a:avLst>
+              </a:prstGeom>
+              <a:solidFill>
+                <a:schemeClr val="bg2"/>
+              </a:solidFill>
+              <a:ln w="9525">
+                <a:solidFill>
+                  <a:srgbClr val="FF6600"/>
+                </a:solidFill>
+              </a:ln>
+              <a:scene3d>
+                <a:camera prst="orthographicFront">
+                  <a:rot lat="0" lon="0" rev="0"/>
+                </a:camera>
+                <a:lightRig rig="threePt" dir="t"/>
+              </a:scene3d>
+            </p:spPr>
+            <p:style>
+              <a:lnRef idx="2">
+                <a:schemeClr val="accent1">
+                  <a:shade val="50000"/>
+                </a:schemeClr>
+              </a:lnRef>
+              <a:fillRef idx="1">
+                <a:schemeClr val="accent1"/>
+              </a:fillRef>
+              <a:effectRef idx="0">
+                <a:schemeClr val="accent1"/>
+              </a:effectRef>
+              <a:fontRef idx="minor">
+                <a:schemeClr val="lt1"/>
+              </a:fontRef>
+            </p:style>
+            <p:txBody>
+              <a:bodyPr rtlCol="0" anchor="ctr"/>
+              <a:lstStyle/>
+              <a:p>
+                <a:pPr algn="ctr"/>
+                <a:endParaRPr lang="en-GB"/>
+              </a:p>
+            </p:txBody>
+          </p:sp>
+          <p:sp>
+            <p:nvSpPr>
+              <p:cNvPr id="547" name="Can 546"/>
+              <p:cNvSpPr/>
+              <p:nvPr/>
+            </p:nvSpPr>
+            <p:spPr>
+              <a:xfrm>
+                <a:off x="1530163" y="4747442"/>
+                <a:ext cx="533400" cy="205884"/>
+              </a:xfrm>
+              <a:prstGeom prst="can">
+                <a:avLst>
+                  <a:gd name="adj" fmla="val 50000"/>
+                </a:avLst>
+              </a:prstGeom>
+              <a:solidFill>
+                <a:schemeClr val="bg2"/>
+              </a:solidFill>
+              <a:ln w="9525">
+                <a:solidFill>
+                  <a:srgbClr val="FF6600"/>
+                </a:solidFill>
+              </a:ln>
+              <a:scene3d>
+                <a:camera prst="orthographicFront">
+                  <a:rot lat="0" lon="0" rev="0"/>
+                </a:camera>
+                <a:lightRig rig="threePt" dir="t"/>
+              </a:scene3d>
+            </p:spPr>
+            <p:style>
+              <a:lnRef idx="2">
+                <a:schemeClr val="accent1">
+                  <a:shade val="50000"/>
+                </a:schemeClr>
+              </a:lnRef>
+              <a:fillRef idx="1">
+                <a:schemeClr val="accent1"/>
+              </a:fillRef>
+              <a:effectRef idx="0">
+                <a:schemeClr val="accent1"/>
+              </a:effectRef>
+              <a:fontRef idx="minor">
+                <a:schemeClr val="lt1"/>
+              </a:fontRef>
+            </p:style>
+            <p:txBody>
+              <a:bodyPr rtlCol="0" anchor="ctr"/>
+              <a:lstStyle/>
+              <a:p>
+                <a:pPr algn="ctr"/>
+                <a:endParaRPr lang="en-GB"/>
+              </a:p>
+            </p:txBody>
+          </p:sp>
+          <p:sp>
+            <p:nvSpPr>
+              <p:cNvPr id="548" name="Can 547"/>
+              <p:cNvSpPr/>
+              <p:nvPr/>
+            </p:nvSpPr>
+            <p:spPr>
+              <a:xfrm>
+                <a:off x="1530163" y="4671242"/>
+                <a:ext cx="533400" cy="205884"/>
+              </a:xfrm>
+              <a:prstGeom prst="can">
+                <a:avLst>
+                  <a:gd name="adj" fmla="val 50000"/>
+                </a:avLst>
+              </a:prstGeom>
+              <a:solidFill>
+                <a:schemeClr val="bg2"/>
+              </a:solidFill>
+              <a:ln w="9525">
+                <a:solidFill>
+                  <a:srgbClr val="FF6600"/>
+                </a:solidFill>
+              </a:ln>
+              <a:scene3d>
+                <a:camera prst="orthographicFront">
+                  <a:rot lat="0" lon="0" rev="0"/>
+                </a:camera>
+                <a:lightRig rig="threePt" dir="t"/>
+              </a:scene3d>
+            </p:spPr>
+            <p:style>
+              <a:lnRef idx="2">
+                <a:schemeClr val="accent1">
+                  <a:shade val="50000"/>
+                </a:schemeClr>
+              </a:lnRef>
+              <a:fillRef idx="1">
+                <a:schemeClr val="accent1"/>
+              </a:fillRef>
+              <a:effectRef idx="0">
+                <a:schemeClr val="accent1"/>
+              </a:effectRef>
+              <a:fontRef idx="minor">
+                <a:schemeClr val="lt1"/>
+              </a:fontRef>
+            </p:style>
+            <p:txBody>
+              <a:bodyPr rtlCol="0" anchor="ctr"/>
+              <a:lstStyle/>
+              <a:p>
+                <a:pPr algn="ctr"/>
+                <a:endParaRPr lang="en-GB"/>
+              </a:p>
+            </p:txBody>
+          </p:sp>
+          <p:sp>
+            <p:nvSpPr>
+              <p:cNvPr id="549" name="Can 548"/>
+              <p:cNvSpPr/>
+              <p:nvPr/>
+            </p:nvSpPr>
+            <p:spPr>
+              <a:xfrm>
+                <a:off x="1530028" y="4595042"/>
+                <a:ext cx="533400" cy="205884"/>
+              </a:xfrm>
+              <a:prstGeom prst="can">
+                <a:avLst>
+                  <a:gd name="adj" fmla="val 50000"/>
+                </a:avLst>
+              </a:prstGeom>
+              <a:solidFill>
+                <a:schemeClr val="bg2"/>
+              </a:solidFill>
+              <a:ln w="9525">
+                <a:solidFill>
+                  <a:srgbClr val="FF6600"/>
+                </a:solidFill>
+              </a:ln>
+              <a:scene3d>
+                <a:camera prst="orthographicFront">
+                  <a:rot lat="0" lon="0" rev="0"/>
+                </a:camera>
+                <a:lightRig rig="threePt" dir="t"/>
+              </a:scene3d>
+            </p:spPr>
+            <p:style>
+              <a:lnRef idx="2">
+                <a:schemeClr val="accent1">
+                  <a:shade val="50000"/>
+                </a:schemeClr>
+              </a:lnRef>
+              <a:fillRef idx="1">
+                <a:schemeClr val="accent1"/>
+              </a:fillRef>
+              <a:effectRef idx="0">
+                <a:schemeClr val="accent1"/>
+              </a:effectRef>
+              <a:fontRef idx="minor">
+                <a:schemeClr val="lt1"/>
+              </a:fontRef>
+            </p:style>
+            <p:txBody>
+              <a:bodyPr rtlCol="0" anchor="ctr"/>
+              <a:lstStyle/>
+              <a:p>
+                <a:pPr algn="ctr"/>
+                <a:endParaRPr lang="en-GB"/>
+              </a:p>
+            </p:txBody>
+          </p:sp>
+        </p:grpSp>
+        <p:sp>
+          <p:nvSpPr>
+            <p:cNvPr id="539" name="Can 538"/>
+            <p:cNvSpPr/>
+            <p:nvPr/>
+          </p:nvSpPr>
+          <p:spPr>
+            <a:xfrm>
+              <a:off x="5277679" y="4691914"/>
+              <a:ext cx="422558" cy="110878"/>
+            </a:xfrm>
+            <a:prstGeom prst="can">
+              <a:avLst>
+                <a:gd name="adj" fmla="val 50000"/>
+              </a:avLst>
+            </a:prstGeom>
+            <a:solidFill>
+              <a:schemeClr val="bg2"/>
+            </a:solidFill>
+            <a:ln w="9525">
+              <a:solidFill>
+                <a:srgbClr val="FF6600"/>
+              </a:solidFill>
+            </a:ln>
+            <a:scene3d>
+              <a:camera prst="perspectiveRelaxed" fov="1500000">
+                <a:rot lat="21594000" lon="0" rev="0"/>
+              </a:camera>
+              <a:lightRig rig="threePt" dir="t"/>
+            </a:scene3d>
+          </p:spPr>
+          <p:style>
+            <a:lnRef idx="2">
+              <a:schemeClr val="accent1">
+                <a:shade val="50000"/>
+              </a:schemeClr>
+            </a:lnRef>
+            <a:fillRef idx="1">
+              <a:schemeClr val="accent1"/>
+            </a:fillRef>
+            <a:effectRef idx="0">
+              <a:schemeClr val="accent1"/>
+            </a:effectRef>
+            <a:fontRef idx="minor">
+              <a:schemeClr val="lt1"/>
+            </a:fontRef>
+          </p:style>
+          <p:txBody>
+            <a:bodyPr rtlCol="0" anchor="ctr"/>
+            <a:lstStyle/>
+            <a:p>
+              <a:pPr algn="ctr"/>
+              <a:endParaRPr lang="en-GB"/>
+            </a:p>
+          </p:txBody>
+        </p:sp>
+        <p:sp>
+          <p:nvSpPr>
+            <p:cNvPr id="540" name="Can 539"/>
+            <p:cNvSpPr/>
+            <p:nvPr/>
+          </p:nvSpPr>
+          <p:spPr>
+            <a:xfrm>
+              <a:off x="5277679" y="4650877"/>
+              <a:ext cx="422558" cy="110878"/>
+            </a:xfrm>
+            <a:prstGeom prst="can">
+              <a:avLst>
+                <a:gd name="adj" fmla="val 50000"/>
+              </a:avLst>
+            </a:prstGeom>
+            <a:solidFill>
+              <a:schemeClr val="bg2"/>
+            </a:solidFill>
+            <a:ln w="9525">
+              <a:solidFill>
+                <a:srgbClr val="FF6600"/>
+              </a:solidFill>
+            </a:ln>
+            <a:scene3d>
+              <a:camera prst="perspectiveRelaxed" fov="1500000">
+                <a:rot lat="21594000" lon="0" rev="0"/>
+              </a:camera>
+              <a:lightRig rig="threePt" dir="t"/>
+            </a:scene3d>
+          </p:spPr>
+          <p:style>
+            <a:lnRef idx="2">
+              <a:schemeClr val="accent1">
+                <a:shade val="50000"/>
+              </a:schemeClr>
+            </a:lnRef>
+            <a:fillRef idx="1">
+              <a:schemeClr val="accent1"/>
+            </a:fillRef>
+            <a:effectRef idx="0">
+              <a:schemeClr val="accent1"/>
+            </a:effectRef>
+            <a:fontRef idx="minor">
+              <a:schemeClr val="lt1"/>
+            </a:fontRef>
+          </p:style>
+          <p:txBody>
+            <a:bodyPr rtlCol="0" anchor="ctr"/>
+            <a:lstStyle/>
+            <a:p>
+              <a:pPr algn="ctr"/>
+              <a:endParaRPr lang="en-GB"/>
+            </a:p>
+          </p:txBody>
+        </p:sp>
+        <p:sp>
+          <p:nvSpPr>
+            <p:cNvPr id="541" name="Can 540"/>
+            <p:cNvSpPr/>
+            <p:nvPr/>
+          </p:nvSpPr>
+          <p:spPr>
+            <a:xfrm>
+              <a:off x="5277679" y="4609840"/>
+              <a:ext cx="422558" cy="110878"/>
+            </a:xfrm>
+            <a:prstGeom prst="can">
+              <a:avLst>
+                <a:gd name="adj" fmla="val 50000"/>
+              </a:avLst>
+            </a:prstGeom>
+            <a:solidFill>
+              <a:schemeClr val="bg2"/>
+            </a:solidFill>
+            <a:ln w="9525">
+              <a:solidFill>
+                <a:srgbClr val="FF6600"/>
+              </a:solidFill>
+            </a:ln>
+            <a:scene3d>
+              <a:camera prst="perspectiveRelaxed" fov="1500000">
+                <a:rot lat="21594000" lon="0" rev="0"/>
+              </a:camera>
+              <a:lightRig rig="threePt" dir="t"/>
+            </a:scene3d>
+          </p:spPr>
+          <p:style>
+            <a:lnRef idx="2">
+              <a:schemeClr val="accent1">
+                <a:shade val="50000"/>
+              </a:schemeClr>
+            </a:lnRef>
+            <a:fillRef idx="1">
+              <a:schemeClr val="accent1"/>
+            </a:fillRef>
+            <a:effectRef idx="0">
+              <a:schemeClr val="accent1"/>
+            </a:effectRef>
+            <a:fontRef idx="minor">
+              <a:schemeClr val="lt1"/>
+            </a:fontRef>
+          </p:style>
+          <p:txBody>
+            <a:bodyPr rtlCol="0" anchor="ctr"/>
+            <a:lstStyle/>
+            <a:p>
+              <a:pPr algn="ctr"/>
+              <a:endParaRPr lang="en-GB"/>
+            </a:p>
+          </p:txBody>
+        </p:sp>
+        <p:sp>
+          <p:nvSpPr>
+            <p:cNvPr id="542" name="Can 541"/>
+            <p:cNvSpPr/>
+            <p:nvPr/>
+          </p:nvSpPr>
+          <p:spPr>
+            <a:xfrm>
+              <a:off x="5277679" y="4568802"/>
+              <a:ext cx="422558" cy="110878"/>
+            </a:xfrm>
+            <a:prstGeom prst="can">
+              <a:avLst>
+                <a:gd name="adj" fmla="val 50000"/>
+              </a:avLst>
+            </a:prstGeom>
+            <a:solidFill>
+              <a:schemeClr val="bg2"/>
+            </a:solidFill>
+            <a:ln w="9525">
+              <a:solidFill>
+                <a:srgbClr val="FF6600"/>
+              </a:solidFill>
+            </a:ln>
+            <a:scene3d>
+              <a:camera prst="perspectiveRelaxed" fov="1500000">
+                <a:rot lat="21594000" lon="0" rev="0"/>
+              </a:camera>
+              <a:lightRig rig="threePt" dir="t"/>
+            </a:scene3d>
+          </p:spPr>
+          <p:style>
+            <a:lnRef idx="2">
+              <a:schemeClr val="accent1">
+                <a:shade val="50000"/>
+              </a:schemeClr>
+            </a:lnRef>
+            <a:fillRef idx="1">
+              <a:schemeClr val="accent1"/>
+            </a:fillRef>
+            <a:effectRef idx="0">
+              <a:schemeClr val="accent1"/>
+            </a:effectRef>
+            <a:fontRef idx="minor">
+              <a:schemeClr val="lt1"/>
+            </a:fontRef>
+          </p:style>
+          <p:txBody>
+            <a:bodyPr rtlCol="0" anchor="ctr"/>
+            <a:lstStyle/>
+            <a:p>
+              <a:pPr algn="ctr"/>
+              <a:endParaRPr lang="en-GB"/>
+            </a:p>
+          </p:txBody>
+        </p:sp>
+        <p:sp>
+          <p:nvSpPr>
+            <p:cNvPr id="543" name="Can 542"/>
+            <p:cNvSpPr/>
+            <p:nvPr/>
+          </p:nvSpPr>
+          <p:spPr>
+            <a:xfrm>
+              <a:off x="5277572" y="4527765"/>
+              <a:ext cx="422558" cy="110878"/>
+            </a:xfrm>
+            <a:prstGeom prst="can">
+              <a:avLst>
+                <a:gd name="adj" fmla="val 50000"/>
+              </a:avLst>
+            </a:prstGeom>
+            <a:solidFill>
+              <a:schemeClr val="bg2"/>
+            </a:solidFill>
+            <a:ln w="9525">
+              <a:solidFill>
+                <a:srgbClr val="FF6600"/>
+              </a:solidFill>
+            </a:ln>
+            <a:scene3d>
+              <a:camera prst="perspectiveRelaxed" fov="1500000">
+                <a:rot lat="21594000" lon="0" rev="0"/>
+              </a:camera>
+              <a:lightRig rig="threePt" dir="t"/>
+            </a:scene3d>
+          </p:spPr>
+          <p:style>
+            <a:lnRef idx="2">
+              <a:schemeClr val="accent1">
+                <a:shade val="50000"/>
+              </a:schemeClr>
+            </a:lnRef>
+            <a:fillRef idx="1">
+              <a:schemeClr val="accent1"/>
+            </a:fillRef>
+            <a:effectRef idx="0">
+              <a:schemeClr val="accent1"/>
+            </a:effectRef>
+            <a:fontRef idx="minor">
+              <a:schemeClr val="lt1"/>
+            </a:fontRef>
+          </p:style>
+          <p:txBody>
+            <a:bodyPr rtlCol="0" anchor="ctr"/>
+            <a:lstStyle/>
+            <a:p>
+              <a:pPr algn="ctr"/>
+              <a:endParaRPr lang="en-GB"/>
+            </a:p>
+          </p:txBody>
+        </p:sp>
+        <p:sp>
+          <p:nvSpPr>
+            <p:cNvPr id="544" name="Can 543"/>
+            <p:cNvSpPr/>
+            <p:nvPr/>
+          </p:nvSpPr>
+          <p:spPr>
+            <a:xfrm>
+              <a:off x="5212431" y="4474143"/>
+              <a:ext cx="552839" cy="110878"/>
+            </a:xfrm>
+            <a:prstGeom prst="can">
+              <a:avLst>
+                <a:gd name="adj" fmla="val 50000"/>
+              </a:avLst>
+            </a:prstGeom>
+            <a:solidFill>
+              <a:schemeClr val="tx2"/>
+            </a:solidFill>
+            <a:ln w="9525">
+              <a:solidFill>
+                <a:schemeClr val="tx2"/>
+              </a:solidFill>
+            </a:ln>
+            <a:scene3d>
+              <a:camera prst="perspectiveRelaxed" fov="1500000">
+                <a:rot lat="21594000" lon="0" rev="0"/>
+              </a:camera>
+              <a:lightRig rig="threePt" dir="t"/>
+            </a:scene3d>
+          </p:spPr>
+          <p:style>
+            <a:lnRef idx="2">
+              <a:schemeClr val="accent1">
+                <a:shade val="50000"/>
+              </a:schemeClr>
+            </a:lnRef>
+            <a:fillRef idx="1">
+              <a:schemeClr val="accent1"/>
+            </a:fillRef>
+            <a:effectRef idx="0">
+              <a:schemeClr val="accent1"/>
+            </a:effectRef>
+            <a:fontRef idx="minor">
+              <a:schemeClr val="lt1"/>
+            </a:fontRef>
+          </p:style>
+          <p:txBody>
+            <a:bodyPr rtlCol="0" anchor="ctr"/>
+            <a:lstStyle/>
+            <a:p>
+              <a:pPr algn="ctr"/>
+              <a:endParaRPr lang="en-GB"/>
+            </a:p>
+          </p:txBody>
+        </p:sp>
+      </p:grpSp>
+      <p:sp>
+        <p:nvSpPr>
+          <p:cNvPr id="550" name="Rectangle 549"/>
+          <p:cNvSpPr/>
+          <p:nvPr/>
+        </p:nvSpPr>
+        <p:spPr>
+          <a:xfrm>
+            <a:off x="692929" y="24408999"/>
+            <a:ext cx="1700568" cy="1066800"/>
+          </a:xfrm>
+          <a:prstGeom prst="rect">
+            <a:avLst/>
+          </a:prstGeom>
+          <a:solidFill>
+            <a:schemeClr val="bg1"/>
+          </a:solidFill>
+          <a:ln>
+            <a:solidFill>
+              <a:schemeClr val="bg1"/>
+            </a:solidFill>
+          </a:ln>
+        </p:spPr>
+        <p:style>
+          <a:lnRef idx="2">
+            <a:schemeClr val="accent1">
+              <a:shade val="50000"/>
+            </a:schemeClr>
+          </a:lnRef>
+          <a:fillRef idx="1">
+            <a:schemeClr val="accent1"/>
+          </a:fillRef>
+          <a:effectRef idx="0">
+            <a:schemeClr val="accent1"/>
+          </a:effectRef>
+          <a:fontRef idx="minor">
+            <a:schemeClr val="lt1"/>
+          </a:fontRef>
+        </p:style>
+        <p:txBody>
+          <a:bodyPr rtlCol="0" anchor="ctr"/>
+          <a:lstStyle/>
+          <a:p>
+            <a:pPr algn="ctr"/>
+            <a:endParaRPr lang="en-US"/>
+          </a:p>
+        </p:txBody>
+      </p:sp>
+      <p:grpSp>
+        <p:nvGrpSpPr>
+          <p:cNvPr id="551" name="Group 550"/>
+          <p:cNvGrpSpPr/>
+          <p:nvPr/>
+        </p:nvGrpSpPr>
+        <p:grpSpPr>
+          <a:xfrm>
+            <a:off x="12473815" y="22047818"/>
+            <a:ext cx="4161278" cy="836289"/>
+            <a:chOff x="-3086370" y="-1256113"/>
+            <a:chExt cx="4161278" cy="836289"/>
+          </a:xfrm>
+        </p:grpSpPr>
+        <p:cxnSp>
+          <p:nvCxnSpPr>
+            <p:cNvPr id="552" name="Straight Connector 551"/>
+            <p:cNvCxnSpPr/>
+            <p:nvPr/>
+          </p:nvCxnSpPr>
+          <p:spPr>
+            <a:xfrm flipV="1">
+              <a:off x="-3086370" y="-1024104"/>
+              <a:ext cx="609057" cy="2577"/>
+            </a:xfrm>
+            <a:prstGeom prst="line">
+              <a:avLst/>
+            </a:prstGeom>
+            <a:ln w="28575">
+              <a:solidFill>
+                <a:srgbClr val="0070C0"/>
+              </a:solidFill>
+            </a:ln>
+          </p:spPr>
+          <p:style>
+            <a:lnRef idx="1">
+              <a:schemeClr val="accent1"/>
+            </a:lnRef>
+            <a:fillRef idx="0">
+              <a:schemeClr val="accent1"/>
+            </a:fillRef>
+            <a:effectRef idx="0">
+              <a:schemeClr val="accent1"/>
+            </a:effectRef>
+            <a:fontRef idx="minor">
+              <a:schemeClr val="tx1"/>
+            </a:fontRef>
+          </p:style>
+        </p:cxnSp>
+        <p:cxnSp>
+          <p:nvCxnSpPr>
+            <p:cNvPr id="553" name="Straight Connector 552"/>
+            <p:cNvCxnSpPr/>
+            <p:nvPr/>
+          </p:nvCxnSpPr>
+          <p:spPr>
+            <a:xfrm flipV="1">
+              <a:off x="-3086370" y="-674517"/>
+              <a:ext cx="609057" cy="2577"/>
+            </a:xfrm>
+            <a:prstGeom prst="line">
+              <a:avLst/>
+            </a:prstGeom>
+            <a:ln w="28575">
+              <a:solidFill>
+                <a:srgbClr val="FF6600"/>
+              </a:solidFill>
+            </a:ln>
+          </p:spPr>
+          <p:style>
+            <a:lnRef idx="1">
+              <a:schemeClr val="accent1"/>
+            </a:lnRef>
+            <a:fillRef idx="0">
+              <a:schemeClr val="accent1"/>
+            </a:fillRef>
+            <a:effectRef idx="0">
+              <a:schemeClr val="accent1"/>
+            </a:effectRef>
+            <a:fontRef idx="minor">
+              <a:schemeClr val="tx1"/>
+            </a:fontRef>
+          </p:style>
+        </p:cxnSp>
+        <p:sp>
+          <p:nvSpPr>
+            <p:cNvPr id="554" name="CustomShape 2 4"/>
+            <p:cNvSpPr/>
+            <p:nvPr/>
+          </p:nvSpPr>
+          <p:spPr>
+            <a:xfrm>
+              <a:off x="-2331368" y="-1256113"/>
+              <a:ext cx="3406276" cy="836289"/>
+            </a:xfrm>
+            <a:prstGeom prst="rect">
+              <a:avLst/>
+            </a:prstGeom>
+            <a:noFill/>
+            <a:ln>
+              <a:noFill/>
+            </a:ln>
+          </p:spPr>
+          <p:txBody>
+            <a:bodyPr wrap="none" lIns="90000" tIns="45000" rIns="90000" bIns="45000"/>
+            <a:lstStyle/>
+            <a:p>
+              <a:pPr>
+                <a:lnSpc>
+                  <a:spcPct val="100000"/>
+                </a:lnSpc>
+              </a:pPr>
+              <a:r>
+                <a:rPr lang="en-US" sz="2000" smtClean="0">
+                  <a:solidFill>
+                    <a:srgbClr val="000000"/>
+                  </a:solidFill>
+                  <a:latin typeface="Arial"/>
+                </a:rPr>
+                <a:t>polarization maintaining fiber (PMF)</a:t>
+              </a:r>
+              <a:endParaRPr lang="en-US" sz="2000" dirty="0" smtClean="0">
+                <a:solidFill>
+                  <a:srgbClr val="000000"/>
+                </a:solidFill>
+                <a:latin typeface="Arial"/>
+              </a:endParaRPr>
+            </a:p>
+            <a:p>
+              <a:pPr>
+                <a:lnSpc>
+                  <a:spcPct val="100000"/>
+                </a:lnSpc>
+              </a:pPr>
+              <a:endParaRPr lang="en-US" sz="400" dirty="0" smtClean="0">
+                <a:solidFill>
+                  <a:srgbClr val="000000"/>
+                </a:solidFill>
+                <a:latin typeface="Arial"/>
+              </a:endParaRPr>
+            </a:p>
+            <a:p>
+              <a:pPr>
+                <a:lnSpc>
+                  <a:spcPct val="100000"/>
+                </a:lnSpc>
+              </a:pPr>
+              <a:r>
+                <a:rPr lang="en-US" sz="2000">
+                  <a:solidFill>
+                    <a:srgbClr val="000000"/>
+                  </a:solidFill>
+                  <a:latin typeface="Arial"/>
+                </a:rPr>
+                <a:t>s</a:t>
+              </a:r>
+              <a:r>
+                <a:rPr lang="en-US" sz="2000" smtClean="0">
+                  <a:solidFill>
+                    <a:srgbClr val="000000"/>
+                  </a:solidFill>
+                  <a:latin typeface="Arial"/>
+                </a:rPr>
+                <a:t>ingle mode fiber (SMF)</a:t>
+              </a:r>
+              <a:endParaRPr dirty="0"/>
+            </a:p>
+          </p:txBody>
+        </p:sp>
+      </p:grpSp>
+      <p:pic>
+        <p:nvPicPr>
+          <p:cNvPr id="555" name="Picture 554"/>
+          <p:cNvPicPr>
+            <a:picLocks noChangeAspect="1"/>
+          </p:cNvPicPr>
+          <p:nvPr/>
+        </p:nvPicPr>
+        <p:blipFill>
+          <a:blip r:embed="rId20" cstate="print">
+            <a:extLst>
+              <a:ext uri="{28A0092B-C50C-407E-A947-70E740481C1C}">
+                <a14:useLocalDpi xmlns:a14="http://schemas.microsoft.com/office/drawing/2010/main" val="0"/>
+              </a:ext>
+            </a:extLst>
+          </a:blip>
+          <a:stretch>
+            <a:fillRect/>
+          </a:stretch>
+        </p:blipFill>
+        <p:spPr>
+          <a:xfrm>
+            <a:off x="7065536" y="21912879"/>
+            <a:ext cx="5025425" cy="3061849"/>
+          </a:xfrm>
+          <a:prstGeom prst="rect">
+            <a:avLst/>
+          </a:prstGeom>
+        </p:spPr>
+      </p:pic>
+      <p:sp>
+        <p:nvSpPr>
+          <p:cNvPr id="556" name="CustomShape 18 4 1"/>
+          <p:cNvSpPr/>
+          <p:nvPr/>
+        </p:nvSpPr>
+        <p:spPr>
+          <a:xfrm>
+            <a:off x="12768422" y="27367037"/>
+            <a:ext cx="6540046" cy="1131011"/>
+          </a:xfrm>
+          <a:prstGeom prst="rect">
+            <a:avLst/>
+          </a:prstGeom>
+          <a:noFill/>
+          <a:ln>
+            <a:noFill/>
+          </a:ln>
+        </p:spPr>
+        <p:txBody>
+          <a:bodyPr wrap="none" lIns="90000" tIns="45000" rIns="90000" bIns="45000"/>
+          <a:lstStyle/>
+          <a:p>
+            <a:pPr lvl="0" defTabSz="914400"/>
+            <a:endParaRPr kumimoji="0" sz="1400" b="0" i="0" u="none" strike="noStrike" kern="0" cap="none" spc="0" normalizeH="0" baseline="0" noProof="0" dirty="0" smtClean="0">
+              <a:ln>
+                <a:noFill/>
+              </a:ln>
+              <a:solidFill>
+                <a:prstClr val="black"/>
+              </a:solidFill>
+              <a:effectLst/>
+              <a:uLnTx/>
+              <a:uFillTx/>
+            </a:endParaRPr>
+          </a:p>
+        </p:txBody>
+      </p:sp>
+      <p:pic>
+        <p:nvPicPr>
+          <p:cNvPr id="557" name="Picture 556"/>
+          <p:cNvPicPr>
+            <a:picLocks noChangeAspect="1"/>
+          </p:cNvPicPr>
+          <p:nvPr/>
+        </p:nvPicPr>
+        <p:blipFill>
+          <a:blip r:embed="rId21" cstate="print">
+            <a:extLst>
+              <a:ext uri="{28A0092B-C50C-407E-A947-70E740481C1C}">
+                <a14:useLocalDpi xmlns:a14="http://schemas.microsoft.com/office/drawing/2010/main" val="0"/>
+              </a:ext>
+            </a:extLst>
+          </a:blip>
+          <a:stretch>
+            <a:fillRect/>
+          </a:stretch>
+        </p:blipFill>
+        <p:spPr>
+          <a:xfrm>
+            <a:off x="1341437" y="25159436"/>
+            <a:ext cx="4819729" cy="2498483"/>
+          </a:xfrm>
+          <a:prstGeom prst="rect">
+            <a:avLst/>
+          </a:prstGeom>
+        </p:spPr>
+      </p:pic>
+      <p:pic>
+        <p:nvPicPr>
+          <p:cNvPr id="558" name="Picture 557"/>
+          <p:cNvPicPr>
+            <a:picLocks noChangeAspect="1"/>
+          </p:cNvPicPr>
+          <p:nvPr/>
+        </p:nvPicPr>
+        <p:blipFill>
+          <a:blip r:embed="rId22" cstate="print">
+            <a:extLst>
+              <a:ext uri="{28A0092B-C50C-407E-A947-70E740481C1C}">
+                <a14:useLocalDpi xmlns:a14="http://schemas.microsoft.com/office/drawing/2010/main" val="0"/>
+              </a:ext>
+            </a:extLst>
+          </a:blip>
+          <a:stretch>
+            <a:fillRect/>
+          </a:stretch>
+        </p:blipFill>
+        <p:spPr>
+          <a:xfrm>
+            <a:off x="7229507" y="25012534"/>
+            <a:ext cx="4744297" cy="2506421"/>
+          </a:xfrm>
+          <a:prstGeom prst="rect">
+            <a:avLst/>
+          </a:prstGeom>
+        </p:spPr>
+      </p:pic>
+      <p:pic>
+        <p:nvPicPr>
+          <p:cNvPr id="559" name="Picture 558"/>
+          <p:cNvPicPr>
+            <a:picLocks noChangeAspect="1"/>
+          </p:cNvPicPr>
+          <p:nvPr/>
+        </p:nvPicPr>
+        <p:blipFill>
+          <a:blip r:embed="rId23" cstate="print">
+            <a:extLst>
+              <a:ext uri="{28A0092B-C50C-407E-A947-70E740481C1C}">
+                <a14:useLocalDpi xmlns:a14="http://schemas.microsoft.com/office/drawing/2010/main" val="0"/>
+              </a:ext>
+            </a:extLst>
+          </a:blip>
+          <a:stretch>
+            <a:fillRect/>
+          </a:stretch>
+        </p:blipFill>
+        <p:spPr>
+          <a:xfrm>
+            <a:off x="13588501" y="23348982"/>
+            <a:ext cx="4517699" cy="3500963"/>
+          </a:xfrm>
+          <a:prstGeom prst="rect">
+            <a:avLst/>
+          </a:prstGeom>
+        </p:spPr>
+      </p:pic>
+      <p:sp>
+        <p:nvSpPr>
+          <p:cNvPr id="560" name="CustomShape 18 4 2"/>
+          <p:cNvSpPr/>
+          <p:nvPr/>
+        </p:nvSpPr>
+        <p:spPr>
+          <a:xfrm>
+            <a:off x="1184791" y="27917257"/>
+            <a:ext cx="4957246" cy="708063"/>
+          </a:xfrm>
+          <a:prstGeom prst="rect">
+            <a:avLst/>
+          </a:prstGeom>
+          <a:noFill/>
+          <a:ln>
+            <a:noFill/>
+          </a:ln>
+        </p:spPr>
+        <p:txBody>
+          <a:bodyPr wrap="none" lIns="90000" tIns="45000" rIns="90000" bIns="45000"/>
+          <a:lstStyle/>
+          <a:p>
+            <a:pPr lvl="0" defTabSz="914400"/>
+            <a:endParaRPr kumimoji="0" sz="1200" b="0" i="0" u="none" strike="noStrike" kern="0" cap="none" spc="0" normalizeH="0" baseline="0" noProof="0" dirty="0" smtClean="0">
+              <a:ln>
+                <a:noFill/>
+              </a:ln>
+              <a:solidFill>
+                <a:prstClr val="black"/>
+              </a:solidFill>
+              <a:effectLst/>
+              <a:uLnTx/>
+              <a:uFillTx/>
+            </a:endParaRPr>
+          </a:p>
+        </p:txBody>
+      </p:sp>
+      <p:grpSp>
+        <p:nvGrpSpPr>
+          <p:cNvPr id="561" name="Group 560"/>
+          <p:cNvGrpSpPr/>
+          <p:nvPr/>
+        </p:nvGrpSpPr>
+        <p:grpSpPr>
+          <a:xfrm>
+            <a:off x="8609162" y="19880911"/>
+            <a:ext cx="7283406" cy="684000"/>
+            <a:chOff x="8575650" y="21286719"/>
+            <a:chExt cx="7283406" cy="720000"/>
+          </a:xfrm>
+          <a:scene3d>
+            <a:camera prst="orthographicFront">
+              <a:rot lat="10800000" lon="0" rev="0"/>
+            </a:camera>
+            <a:lightRig rig="threePt" dir="t"/>
+          </a:scene3d>
+        </p:grpSpPr>
+        <p:cxnSp>
+          <p:nvCxnSpPr>
+            <p:cNvPr id="562" name="Straight Arrow Connector 561"/>
+            <p:cNvCxnSpPr/>
+            <p:nvPr/>
+          </p:nvCxnSpPr>
+          <p:spPr>
+            <a:xfrm flipV="1">
+              <a:off x="8575650" y="21286719"/>
+              <a:ext cx="31" cy="720000"/>
+            </a:xfrm>
+            <a:prstGeom prst="straightConnector1">
+              <a:avLst/>
+            </a:prstGeom>
+            <a:ln w="38100">
+              <a:solidFill>
+                <a:schemeClr val="tx1"/>
+              </a:solidFill>
+              <a:tailEnd type="triangle"/>
+            </a:ln>
+          </p:spPr>
+          <p:style>
+            <a:lnRef idx="1">
+              <a:schemeClr val="accent1"/>
+            </a:lnRef>
+            <a:fillRef idx="0">
+              <a:schemeClr val="accent1"/>
+            </a:fillRef>
+            <a:effectRef idx="0">
+              <a:schemeClr val="accent1"/>
+            </a:effectRef>
+            <a:fontRef idx="minor">
+              <a:schemeClr val="tx1"/>
+            </a:fontRef>
+          </p:style>
+        </p:cxnSp>
+        <p:cxnSp>
+          <p:nvCxnSpPr>
+            <p:cNvPr id="563" name="Straight Connector 562"/>
+            <p:cNvCxnSpPr/>
+            <p:nvPr/>
+          </p:nvCxnSpPr>
+          <p:spPr>
+            <a:xfrm>
+              <a:off x="8575650" y="21978846"/>
+              <a:ext cx="7283406" cy="7624"/>
+            </a:xfrm>
+            <a:prstGeom prst="line">
+              <a:avLst/>
+            </a:prstGeom>
+          </p:spPr>
+          <p:style>
+            <a:lnRef idx="3">
+              <a:schemeClr val="dk1"/>
+            </a:lnRef>
+            <a:fillRef idx="0">
+              <a:schemeClr val="dk1"/>
+            </a:fillRef>
+            <a:effectRef idx="2">
+              <a:schemeClr val="dk1"/>
+            </a:effectRef>
+            <a:fontRef idx="minor">
+              <a:schemeClr val="tx1"/>
+            </a:fontRef>
+          </p:style>
+        </p:cxnSp>
+      </p:grpSp>
+      <p:grpSp>
+        <p:nvGrpSpPr>
+          <p:cNvPr id="564" name="Group 563"/>
+          <p:cNvGrpSpPr/>
+          <p:nvPr/>
+        </p:nvGrpSpPr>
+        <p:grpSpPr>
+          <a:xfrm>
+            <a:off x="10670517" y="20160000"/>
+            <a:ext cx="5246713" cy="396000"/>
+            <a:chOff x="8575650" y="21286719"/>
+            <a:chExt cx="7283406" cy="720000"/>
+          </a:xfrm>
+          <a:scene3d>
+            <a:camera prst="orthographicFront">
+              <a:rot lat="10800000" lon="0" rev="0"/>
+            </a:camera>
+            <a:lightRig rig="threePt" dir="t"/>
+          </a:scene3d>
+        </p:grpSpPr>
+        <p:cxnSp>
+          <p:nvCxnSpPr>
+            <p:cNvPr id="565" name="Straight Arrow Connector 564"/>
+            <p:cNvCxnSpPr/>
+            <p:nvPr/>
+          </p:nvCxnSpPr>
+          <p:spPr>
+            <a:xfrm flipV="1">
+              <a:off x="8575650" y="21286719"/>
+              <a:ext cx="31" cy="720000"/>
+            </a:xfrm>
+            <a:prstGeom prst="straightConnector1">
+              <a:avLst/>
+            </a:prstGeom>
+            <a:ln w="38100">
+              <a:solidFill>
+                <a:schemeClr val="tx1"/>
+              </a:solidFill>
+              <a:tailEnd type="triangle"/>
+            </a:ln>
+          </p:spPr>
+          <p:style>
+            <a:lnRef idx="1">
+              <a:schemeClr val="accent1"/>
+            </a:lnRef>
+            <a:fillRef idx="0">
+              <a:schemeClr val="accent1"/>
+            </a:fillRef>
+            <a:effectRef idx="0">
+              <a:schemeClr val="accent1"/>
+            </a:effectRef>
+            <a:fontRef idx="minor">
+              <a:schemeClr val="tx1"/>
+            </a:fontRef>
+          </p:style>
+        </p:cxnSp>
+        <p:cxnSp>
+          <p:nvCxnSpPr>
+            <p:cNvPr id="566" name="Straight Connector 565"/>
+            <p:cNvCxnSpPr/>
+            <p:nvPr/>
+          </p:nvCxnSpPr>
+          <p:spPr>
+            <a:xfrm>
+              <a:off x="8575650" y="21978846"/>
+              <a:ext cx="7283406" cy="7624"/>
+            </a:xfrm>
+            <a:prstGeom prst="line">
+              <a:avLst/>
+            </a:prstGeom>
+          </p:spPr>
+          <p:style>
+            <a:lnRef idx="3">
+              <a:schemeClr val="dk1"/>
+            </a:lnRef>
+            <a:fillRef idx="0">
+              <a:schemeClr val="dk1"/>
+            </a:fillRef>
+            <a:effectRef idx="2">
+              <a:schemeClr val="dk1"/>
+            </a:effectRef>
+            <a:fontRef idx="minor">
+              <a:schemeClr val="tx1"/>
+            </a:fontRef>
+          </p:style>
+        </p:cxnSp>
+      </p:grpSp>
+      <p:pic>
+        <p:nvPicPr>
+          <p:cNvPr id="567" name="Picture 566"/>
+          <p:cNvPicPr>
+            <a:picLocks noChangeAspect="1"/>
+          </p:cNvPicPr>
+          <p:nvPr/>
+        </p:nvPicPr>
+        <p:blipFill>
+          <a:blip r:embed="rId24"/>
+          <a:stretch>
+            <a:fillRect/>
+          </a:stretch>
+        </p:blipFill>
+        <p:spPr>
+          <a:xfrm>
+            <a:off x="16912374" y="19580856"/>
+            <a:ext cx="1399394" cy="665994"/>
+          </a:xfrm>
+          <a:prstGeom prst="rect">
+            <a:avLst/>
+          </a:prstGeom>
+        </p:spPr>
+      </p:pic>
+      <p:pic>
+        <p:nvPicPr>
+          <p:cNvPr id="568" name="Picture 567"/>
+          <p:cNvPicPr>
+            <a:picLocks noChangeAspect="1"/>
+          </p:cNvPicPr>
+          <p:nvPr/>
+        </p:nvPicPr>
+        <p:blipFill>
+          <a:blip r:embed="rId25" cstate="print">
+            <a:extLst>
+              <a:ext uri="{28A0092B-C50C-407E-A947-70E740481C1C}">
+                <a14:useLocalDpi xmlns:a14="http://schemas.microsoft.com/office/drawing/2010/main" val="0"/>
+              </a:ext>
+            </a:extLst>
+          </a:blip>
+          <a:stretch>
+            <a:fillRect/>
+          </a:stretch>
+        </p:blipFill>
+        <p:spPr>
+          <a:xfrm>
+            <a:off x="26251588" y="18741694"/>
+            <a:ext cx="2726343" cy="1478852"/>
+          </a:xfrm>
+          <a:prstGeom prst="rect">
+            <a:avLst/>
+          </a:prstGeom>
+        </p:spPr>
+      </p:pic>
+      <p:sp>
+        <p:nvSpPr>
+          <p:cNvPr id="569" name="CustomShape 2 2 4"/>
+          <p:cNvSpPr/>
+          <p:nvPr/>
+        </p:nvSpPr>
+        <p:spPr>
+          <a:xfrm>
+            <a:off x="14624715" y="21042561"/>
+            <a:ext cx="1761805" cy="886656"/>
+          </a:xfrm>
+          <a:prstGeom prst="rect">
+            <a:avLst/>
+          </a:prstGeom>
+          <a:noFill/>
+          <a:ln>
+            <a:noFill/>
+          </a:ln>
+        </p:spPr>
+        <p:txBody>
+          <a:bodyPr wrap="none" lIns="90000" tIns="45000" rIns="90000" bIns="45000"/>
+          <a:lstStyle/>
+          <a:p>
+            <a:pPr algn="ctr">
+              <a:lnSpc>
+                <a:spcPct val="100000"/>
+              </a:lnSpc>
+            </a:pPr>
+            <a:r>
+              <a:rPr lang="en-US" sz="2000" smtClean="0">
+                <a:latin typeface="Arial"/>
+              </a:rPr>
+              <a:t>Quantum</a:t>
+            </a:r>
+          </a:p>
+          <a:p>
+            <a:pPr algn="ctr">
+              <a:lnSpc>
+                <a:spcPct val="100000"/>
+              </a:lnSpc>
+            </a:pPr>
+            <a:r>
+              <a:rPr lang="en-US" sz="2000" smtClean="0">
+                <a:latin typeface="Arial"/>
+              </a:rPr>
+              <a:t>channel</a:t>
+            </a:r>
+            <a:endParaRPr sz="2000" dirty="0"/>
+          </a:p>
+        </p:txBody>
+      </p:sp>
+      <p:grpSp>
+        <p:nvGrpSpPr>
+          <p:cNvPr id="570" name="Group 569"/>
+          <p:cNvGrpSpPr/>
+          <p:nvPr/>
+        </p:nvGrpSpPr>
+        <p:grpSpPr>
+          <a:xfrm>
+            <a:off x="19033661" y="25280041"/>
+            <a:ext cx="6611087" cy="3132000"/>
+            <a:chOff x="22677437" y="25370454"/>
+            <a:chExt cx="6611087" cy="3132000"/>
+          </a:xfrm>
+        </p:grpSpPr>
+        <p:pic>
+          <p:nvPicPr>
+            <p:cNvPr id="571" name="Picture 570"/>
+            <p:cNvPicPr>
+              <a:picLocks noChangeAspect="1"/>
+            </p:cNvPicPr>
+            <p:nvPr/>
+          </p:nvPicPr>
+          <p:blipFill>
+            <a:blip r:embed="rId26" cstate="print">
+              <a:extLst>
+                <a:ext uri="{28A0092B-C50C-407E-A947-70E740481C1C}">
+                  <a14:useLocalDpi xmlns:a14="http://schemas.microsoft.com/office/drawing/2010/main" val="0"/>
+                </a:ext>
+              </a:extLst>
+            </a:blip>
+            <a:stretch>
+              <a:fillRect/>
+            </a:stretch>
+          </p:blipFill>
+          <p:spPr>
+            <a:xfrm>
+              <a:off x="22677437" y="25370454"/>
+              <a:ext cx="6611087" cy="3132000"/>
+            </a:xfrm>
+            <a:prstGeom prst="rect">
+              <a:avLst/>
+            </a:prstGeom>
+          </p:spPr>
+        </p:pic>
+        <p:pic>
+          <p:nvPicPr>
+            <p:cNvPr id="572" name="Picture 571"/>
+            <p:cNvPicPr>
+              <a:picLocks noChangeAspect="1"/>
+            </p:cNvPicPr>
+            <p:nvPr/>
+          </p:nvPicPr>
+          <p:blipFill>
+            <a:blip r:embed="rId27" cstate="print">
+              <a:extLst>
+                <a:ext uri="{28A0092B-C50C-407E-A947-70E740481C1C}">
+                  <a14:useLocalDpi xmlns:a14="http://schemas.microsoft.com/office/drawing/2010/main" val="0"/>
+                </a:ext>
+              </a:extLst>
+            </a:blip>
+            <a:stretch>
+              <a:fillRect/>
+            </a:stretch>
+          </p:blipFill>
+          <p:spPr>
+            <a:xfrm>
+              <a:off x="24851022" y="25746085"/>
+              <a:ext cx="2122974" cy="1351403"/>
+            </a:xfrm>
+            <a:prstGeom prst="rect">
+              <a:avLst/>
+            </a:prstGeom>
+          </p:spPr>
+        </p:pic>
+      </p:grpSp>
+      <p:sp>
+        <p:nvSpPr>
+          <p:cNvPr id="573" name="TextBox 572"/>
+          <p:cNvSpPr txBox="1"/>
+          <p:nvPr/>
+        </p:nvSpPr>
+        <p:spPr>
+          <a:xfrm>
+            <a:off x="1030292" y="27759505"/>
+            <a:ext cx="5416545" cy="954107"/>
+          </a:xfrm>
+          <a:prstGeom prst="rect">
+            <a:avLst/>
+          </a:prstGeom>
+          <a:noFill/>
+        </p:spPr>
+        <p:txBody>
+          <a:bodyPr wrap="square" rtlCol="0">
+            <a:spAutoFit/>
+          </a:bodyPr>
+          <a:lstStyle/>
+          <a:p>
+            <a:pPr algn="just"/>
+            <a:r>
+              <a:rPr lang="en-US" sz="1400" i="1" kern="0">
+                <a:solidFill>
+                  <a:srgbClr val="000000"/>
+                </a:solidFill>
+                <a:latin typeface="Arial" panose="020B0604020202020204" pitchFamily="34" charset="0"/>
+                <a:cs typeface="Arial" panose="020B0604020202020204" pitchFamily="34" charset="0"/>
+              </a:rPr>
+              <a:t>Noise characteristics of the </a:t>
+            </a:r>
+            <a:r>
+              <a:rPr lang="en-US" sz="1400" i="1" kern="0" smtClean="0">
+                <a:solidFill>
+                  <a:srgbClr val="000000"/>
+                </a:solidFill>
+                <a:latin typeface="Arial" panose="020B0604020202020204" pitchFamily="34" charset="0"/>
+                <a:cs typeface="Arial" panose="020B0604020202020204" pitchFamily="34" charset="0"/>
+              </a:rPr>
+              <a:t>lasers.</a:t>
+            </a:r>
+            <a:r>
+              <a:rPr lang="en-US" sz="1400" kern="0" smtClean="0">
+                <a:solidFill>
+                  <a:srgbClr val="000000"/>
+                </a:solidFill>
+                <a:latin typeface="Arial" panose="020B0604020202020204" pitchFamily="34" charset="0"/>
+                <a:cs typeface="Arial" panose="020B0604020202020204" pitchFamily="34" charset="0"/>
+              </a:rPr>
+              <a:t> </a:t>
+            </a:r>
+            <a:r>
+              <a:rPr lang="en-US" sz="1400" kern="0">
+                <a:solidFill>
+                  <a:srgbClr val="000000"/>
+                </a:solidFill>
+                <a:latin typeface="Arial" panose="020B0604020202020204" pitchFamily="34" charset="0"/>
+                <a:cs typeface="Arial" panose="020B0604020202020204" pitchFamily="34" charset="0"/>
+              </a:rPr>
+              <a:t>(Top) Allan deviation of the beat </a:t>
+            </a:r>
+            <a:r>
+              <a:rPr lang="en-US" sz="1400" kern="0" smtClean="0">
+                <a:solidFill>
+                  <a:srgbClr val="000000"/>
+                </a:solidFill>
+                <a:latin typeface="Arial" panose="020B0604020202020204" pitchFamily="34" charset="0"/>
+                <a:cs typeface="Arial" panose="020B0604020202020204" pitchFamily="34" charset="0"/>
+              </a:rPr>
+              <a:t>between two E15 or X15 lasers from NKT Photonics. (Bottom) Intensity/shot noise (IN/SN) measurements using the balanced detector with diodes D1 &amp; D2 and assuming 20dB CMR</a:t>
+            </a:r>
+            <a:endParaRPr lang="en-US" sz="1400" kern="0">
+              <a:solidFill>
+                <a:prstClr val="black"/>
+              </a:solidFill>
+              <a:latin typeface="Arial" panose="020B0604020202020204" pitchFamily="34" charset="0"/>
+              <a:cs typeface="Arial" panose="020B0604020202020204" pitchFamily="34" charset="0"/>
+            </a:endParaRPr>
+          </a:p>
+        </p:txBody>
+      </p:sp>
+      <p:pic>
+        <p:nvPicPr>
+          <p:cNvPr id="574" name="Picture 573"/>
+          <p:cNvPicPr>
+            <a:picLocks noChangeAspect="1"/>
+          </p:cNvPicPr>
+          <p:nvPr/>
+        </p:nvPicPr>
+        <p:blipFill>
+          <a:blip r:embed="rId28" cstate="print">
+            <a:extLst>
+              <a:ext uri="{28A0092B-C50C-407E-A947-70E740481C1C}">
+                <a14:useLocalDpi xmlns:a14="http://schemas.microsoft.com/office/drawing/2010/main" val="0"/>
+              </a:ext>
+            </a:extLst>
+          </a:blip>
+          <a:stretch>
+            <a:fillRect/>
+          </a:stretch>
+        </p:blipFill>
+        <p:spPr>
+          <a:xfrm>
+            <a:off x="1326953" y="21920715"/>
+            <a:ext cx="4815084" cy="3134371"/>
+          </a:xfrm>
+          <a:prstGeom prst="rect">
+            <a:avLst/>
+          </a:prstGeom>
+        </p:spPr>
+      </p:pic>
+      <p:sp>
+        <p:nvSpPr>
+          <p:cNvPr id="575" name="TextBox 574"/>
+          <p:cNvSpPr txBox="1"/>
+          <p:nvPr/>
+        </p:nvSpPr>
+        <p:spPr>
+          <a:xfrm>
+            <a:off x="6631661" y="27568245"/>
+            <a:ext cx="6316673" cy="1169551"/>
+          </a:xfrm>
+          <a:prstGeom prst="rect">
+            <a:avLst/>
+          </a:prstGeom>
+          <a:noFill/>
+        </p:spPr>
+        <p:txBody>
+          <a:bodyPr wrap="square" rtlCol="0">
+            <a:spAutoFit/>
+          </a:bodyPr>
+          <a:lstStyle/>
+          <a:p>
+            <a:pPr lvl="0" algn="just" defTabSz="914400"/>
+            <a:r>
+              <a:rPr lang="en-US" sz="1400" i="1" kern="0">
+                <a:solidFill>
+                  <a:srgbClr val="000000"/>
+                </a:solidFill>
+                <a:latin typeface="Arial"/>
+              </a:rPr>
+              <a:t>Characterization of </a:t>
+            </a:r>
+            <a:r>
+              <a:rPr lang="en-US" sz="1400" i="1" kern="0" smtClean="0">
+                <a:solidFill>
+                  <a:srgbClr val="000000"/>
+                </a:solidFill>
+                <a:latin typeface="Arial"/>
+              </a:rPr>
+              <a:t>phase </a:t>
+            </a:r>
+            <a:r>
+              <a:rPr lang="en-US" sz="1400" i="1" kern="0">
+                <a:solidFill>
+                  <a:srgbClr val="000000"/>
+                </a:solidFill>
+                <a:latin typeface="Arial"/>
+              </a:rPr>
+              <a:t>&amp; </a:t>
+            </a:r>
+            <a:r>
+              <a:rPr lang="en-US" sz="1400" i="1" kern="0" smtClean="0">
+                <a:solidFill>
+                  <a:srgbClr val="000000"/>
+                </a:solidFill>
+                <a:latin typeface="Arial"/>
+              </a:rPr>
+              <a:t>intensity </a:t>
+            </a:r>
+            <a:r>
+              <a:rPr lang="en-US" sz="1400" i="1" kern="0">
+                <a:solidFill>
+                  <a:srgbClr val="000000"/>
+                </a:solidFill>
+                <a:latin typeface="Arial"/>
+              </a:rPr>
+              <a:t>modulators</a:t>
+            </a:r>
+            <a:r>
+              <a:rPr lang="en-US" sz="1400" kern="0">
+                <a:solidFill>
+                  <a:srgbClr val="000000"/>
+                </a:solidFill>
+                <a:latin typeface="Arial"/>
+              </a:rPr>
+              <a:t>. </a:t>
+            </a:r>
+            <a:r>
+              <a:rPr lang="en-US" sz="1400" kern="0" smtClean="0">
+                <a:solidFill>
+                  <a:srgbClr val="000000"/>
+                </a:solidFill>
+                <a:latin typeface="Arial"/>
+              </a:rPr>
+              <a:t>Broadband </a:t>
+            </a:r>
+            <a:r>
+              <a:rPr lang="en-US" sz="1400" kern="0">
+                <a:solidFill>
+                  <a:srgbClr val="000000"/>
+                </a:solidFill>
+                <a:latin typeface="Arial"/>
+              </a:rPr>
+              <a:t>coding requires a thorough pre-characterization of the </a:t>
+            </a:r>
+            <a:r>
+              <a:rPr lang="en-US" sz="1400" kern="0" smtClean="0">
+                <a:solidFill>
+                  <a:srgbClr val="000000"/>
+                </a:solidFill>
+                <a:latin typeface="Arial"/>
+              </a:rPr>
+              <a:t>modulators’ response in </a:t>
+            </a:r>
+            <a:r>
+              <a:rPr lang="en-US" sz="1400" kern="0">
+                <a:solidFill>
+                  <a:srgbClr val="000000"/>
+                </a:solidFill>
+                <a:latin typeface="Arial"/>
+              </a:rPr>
+              <a:t>the frequency band of interest</a:t>
+            </a:r>
+            <a:r>
+              <a:rPr lang="en-US" sz="1400" kern="0" smtClean="0">
+                <a:solidFill>
+                  <a:srgbClr val="000000"/>
+                </a:solidFill>
+                <a:latin typeface="Arial"/>
+              </a:rPr>
+              <a:t>. </a:t>
+            </a:r>
+            <a:r>
+              <a:rPr lang="en-US" sz="1400" kern="0">
+                <a:solidFill>
+                  <a:srgbClr val="000000"/>
+                </a:solidFill>
+                <a:latin typeface="Arial"/>
+              </a:rPr>
+              <a:t>(Top)</a:t>
+            </a:r>
+            <a:r>
+              <a:rPr lang="en-US" sz="1400" kern="0" smtClean="0">
+                <a:solidFill>
+                  <a:srgbClr val="000000"/>
+                </a:solidFill>
+                <a:latin typeface="Arial"/>
+              </a:rPr>
+              <a:t> Network </a:t>
+            </a:r>
+            <a:r>
+              <a:rPr lang="en-US" sz="1400" kern="0">
+                <a:solidFill>
+                  <a:srgbClr val="000000"/>
+                </a:solidFill>
+                <a:latin typeface="Arial"/>
+              </a:rPr>
+              <a:t>analyzer measurement results of </a:t>
+            </a:r>
+            <a:r>
+              <a:rPr lang="en-US" sz="1400" kern="0" smtClean="0">
+                <a:solidFill>
+                  <a:srgbClr val="000000"/>
+                </a:solidFill>
+                <a:latin typeface="Arial"/>
+              </a:rPr>
+              <a:t>the S21 </a:t>
+            </a:r>
+            <a:r>
+              <a:rPr lang="en-US" sz="1400" kern="0">
+                <a:solidFill>
+                  <a:srgbClr val="000000"/>
+                </a:solidFill>
+                <a:latin typeface="Arial"/>
+              </a:rPr>
+              <a:t>parameter for the </a:t>
+            </a:r>
+            <a:r>
+              <a:rPr lang="en-US" sz="1400" kern="0" smtClean="0">
+                <a:solidFill>
+                  <a:srgbClr val="000000"/>
+                </a:solidFill>
+                <a:latin typeface="Arial"/>
+              </a:rPr>
+              <a:t>PM. (Bottom) Transfer function of IM, measured using an Arduino (PDin--ADC, DC bias--DAC), also used for stabilization to quad point</a:t>
+            </a:r>
+            <a:endParaRPr lang="en-US" sz="1400" kern="0">
+              <a:solidFill>
+                <a:prstClr val="black"/>
+              </a:solidFill>
+              <a:latin typeface="Arial" panose="020B0604020202020204" pitchFamily="34" charset="0"/>
+              <a:cs typeface="Arial" panose="020B0604020202020204" pitchFamily="34" charset="0"/>
+            </a:endParaRPr>
+          </a:p>
+        </p:txBody>
+      </p:sp>
+      <p:sp>
+        <p:nvSpPr>
+          <p:cNvPr id="576" name="TextBox 575"/>
+          <p:cNvSpPr txBox="1"/>
+          <p:nvPr/>
+        </p:nvSpPr>
+        <p:spPr>
+          <a:xfrm>
+            <a:off x="13293873" y="27113174"/>
+            <a:ext cx="5496087" cy="1600438"/>
+          </a:xfrm>
+          <a:prstGeom prst="rect">
+            <a:avLst/>
+          </a:prstGeom>
+          <a:noFill/>
+        </p:spPr>
+        <p:txBody>
+          <a:bodyPr wrap="square" rtlCol="0">
+            <a:spAutoFit/>
+          </a:bodyPr>
+          <a:lstStyle/>
+          <a:p>
+            <a:pPr lvl="0" algn="just" defTabSz="914400"/>
+            <a:r>
+              <a:rPr lang="en-US" sz="1400" i="1" kern="0" smtClean="0">
+                <a:solidFill>
+                  <a:srgbClr val="000000"/>
+                </a:solidFill>
+                <a:latin typeface="Arial"/>
+              </a:rPr>
+              <a:t>Polarization fluctuation measurements in 20 km fiber spool</a:t>
+            </a:r>
+            <a:r>
+              <a:rPr lang="en-US" sz="1400" kern="0" smtClean="0">
+                <a:solidFill>
+                  <a:srgbClr val="000000"/>
+                </a:solidFill>
+                <a:latin typeface="Arial"/>
+              </a:rPr>
+              <a:t>. Measurements were performed by connecting a detector to the output of the spool via a fiber </a:t>
+            </a:r>
+            <a:r>
+              <a:rPr lang="en-US" sz="1400" kern="0">
+                <a:solidFill>
+                  <a:srgbClr val="000000"/>
+                </a:solidFill>
+                <a:latin typeface="Arial"/>
+              </a:rPr>
+              <a:t>polarization controller </a:t>
+            </a:r>
+            <a:r>
+              <a:rPr lang="en-US" sz="1400" kern="0" smtClean="0">
+                <a:solidFill>
+                  <a:srgbClr val="000000"/>
+                </a:solidFill>
+                <a:latin typeface="Arial"/>
+              </a:rPr>
+              <a:t>(FPC) and inline polarizer. At </a:t>
+            </a:r>
+            <a:r>
+              <a:rPr lang="en-US" sz="1400" i="1" kern="0" smtClean="0">
+                <a:solidFill>
+                  <a:srgbClr val="000000"/>
+                </a:solidFill>
+                <a:latin typeface="Arial"/>
+              </a:rPr>
+              <a:t>t</a:t>
+            </a:r>
+            <a:r>
+              <a:rPr lang="en-US" sz="1400" kern="0" smtClean="0">
+                <a:solidFill>
+                  <a:srgbClr val="000000"/>
+                </a:solidFill>
+                <a:latin typeface="Arial"/>
+              </a:rPr>
+              <a:t>=0, the power was maximized using the FPC, and let evolve. Comparing with the measured trace at the input of spool (blue curve), it can be concluded that the polarization fluctuation in lab conditions is not significant. </a:t>
+            </a:r>
+            <a:endParaRPr lang="en-US" sz="1400" kern="0">
+              <a:solidFill>
+                <a:prstClr val="black"/>
+              </a:solidFill>
+              <a:latin typeface="Arial" panose="020B0604020202020204" pitchFamily="34" charset="0"/>
+              <a:cs typeface="Arial" panose="020B0604020202020204" pitchFamily="34" charset="0"/>
+            </a:endParaRPr>
+          </a:p>
+        </p:txBody>
+      </p:sp>
+      <p:sp>
+        <p:nvSpPr>
+          <p:cNvPr id="577" name="TextBox 576"/>
+          <p:cNvSpPr txBox="1"/>
+          <p:nvPr/>
+        </p:nvSpPr>
+        <p:spPr>
+          <a:xfrm>
+            <a:off x="25525065" y="25422256"/>
+            <a:ext cx="3821837" cy="2246769"/>
+          </a:xfrm>
+          <a:prstGeom prst="rect">
+            <a:avLst/>
+          </a:prstGeom>
+          <a:noFill/>
+        </p:spPr>
+        <p:txBody>
+          <a:bodyPr wrap="square" rtlCol="0">
+            <a:spAutoFit/>
+          </a:bodyPr>
+          <a:lstStyle/>
+          <a:p>
+            <a:pPr lvl="0" algn="just" defTabSz="914400"/>
+            <a:r>
+              <a:rPr lang="en-US" sz="1400" i="1" kern="0" smtClean="0">
+                <a:solidFill>
+                  <a:srgbClr val="000000"/>
+                </a:solidFill>
+                <a:latin typeface="Arial"/>
+              </a:rPr>
+              <a:t>Shot noise measurements on the broadband heterodyne detector</a:t>
+            </a:r>
+            <a:r>
+              <a:rPr lang="en-US" sz="1400" kern="0" smtClean="0">
+                <a:solidFill>
+                  <a:srgbClr val="000000"/>
+                </a:solidFill>
+                <a:latin typeface="Arial"/>
+              </a:rPr>
+              <a:t>. Noise traces measured on a spectrum analyzer for different LO powers input at the 50/50 splitter before the detector. The inset shows the same response from near DC to 600 MHz, and it can be observed that it is quite non-uniform. The clearance from the electronic noise floor (blue trace) is also just around 6 dB at the max LO power, above which the detector saturates. </a:t>
+            </a:r>
+            <a:endParaRPr lang="en-US" sz="1400" kern="0">
+              <a:solidFill>
+                <a:prstClr val="black"/>
+              </a:solidFill>
+              <a:latin typeface="Arial" panose="020B0604020202020204" pitchFamily="34" charset="0"/>
+              <a:cs typeface="Arial" panose="020B0604020202020204" pitchFamily="34" charset="0"/>
+            </a:endParaRPr>
+          </a:p>
+        </p:txBody>
+      </p:sp>
+      <p:sp>
+        <p:nvSpPr>
+          <p:cNvPr id="578" name="TextBox 577"/>
+          <p:cNvSpPr txBox="1"/>
+          <p:nvPr/>
+        </p:nvSpPr>
+        <p:spPr>
+          <a:xfrm>
+            <a:off x="25388378" y="22229550"/>
+            <a:ext cx="3707163" cy="2031325"/>
+          </a:xfrm>
+          <a:prstGeom prst="rect">
+            <a:avLst/>
+          </a:prstGeom>
+          <a:noFill/>
+        </p:spPr>
+        <p:txBody>
+          <a:bodyPr wrap="square" rtlCol="0">
+            <a:spAutoFit/>
+          </a:bodyPr>
+          <a:lstStyle/>
+          <a:p>
+            <a:pPr lvl="0" algn="just" defTabSz="914400"/>
+            <a:r>
+              <a:rPr lang="en-US" sz="1400" i="1" kern="0" smtClean="0">
+                <a:solidFill>
+                  <a:srgbClr val="000000"/>
+                </a:solidFill>
+                <a:latin typeface="Arial"/>
+              </a:rPr>
+              <a:t>Beat signal strength measurements</a:t>
+            </a:r>
+            <a:r>
+              <a:rPr lang="en-US" sz="1400" kern="0" smtClean="0">
+                <a:solidFill>
+                  <a:srgbClr val="000000"/>
+                </a:solidFill>
+                <a:latin typeface="Arial"/>
+              </a:rPr>
+              <a:t>. The LO and signal lasers are slightly detuned in frequency, and the beat signal is measured via the broadband heterodyne detector. Estimating the strength of this beat signal is necessary to gauge how well the filtering would eventually work, and how can the bits (from the oscilloscope/ADC) be partitioned between the quantum </a:t>
+            </a:r>
+            <a:r>
+              <a:rPr lang="en-US" sz="1400" kern="0">
+                <a:solidFill>
+                  <a:srgbClr val="000000"/>
+                </a:solidFill>
+                <a:latin typeface="Arial"/>
+              </a:rPr>
+              <a:t>and the beat </a:t>
+            </a:r>
+            <a:r>
+              <a:rPr lang="en-US" sz="1400" kern="0" smtClean="0">
+                <a:solidFill>
+                  <a:srgbClr val="000000"/>
+                </a:solidFill>
+                <a:latin typeface="Arial"/>
+              </a:rPr>
+              <a:t>signal.</a:t>
+            </a:r>
+            <a:endParaRPr lang="en-US" sz="1400" kern="0">
+              <a:solidFill>
+                <a:prstClr val="black"/>
+              </a:solidFill>
+              <a:latin typeface="Arial" panose="020B0604020202020204" pitchFamily="34" charset="0"/>
+              <a:cs typeface="Arial" panose="020B0604020202020204" pitchFamily="34" charset="0"/>
+            </a:endParaRPr>
+          </a:p>
+        </p:txBody>
+      </p:sp>
+      <p:cxnSp>
+        <p:nvCxnSpPr>
+          <p:cNvPr id="517" name="Straight Arrow Connector 516"/>
+          <p:cNvCxnSpPr/>
+          <p:nvPr/>
+        </p:nvCxnSpPr>
+        <p:spPr>
+          <a:xfrm flipH="1" flipV="1">
+            <a:off x="27650425" y="20075284"/>
+            <a:ext cx="11712" cy="484808"/>
+          </a:xfrm>
+          <a:prstGeom prst="straightConnector1">
+            <a:avLst/>
+          </a:prstGeom>
+          <a:ln>
+            <a:tailEnd type="triangle"/>
+          </a:ln>
+        </p:spPr>
+        <p:style>
+          <a:lnRef idx="3">
+            <a:schemeClr val="dk1"/>
+          </a:lnRef>
+          <a:fillRef idx="0">
+            <a:schemeClr val="dk1"/>
+          </a:fillRef>
+          <a:effectRef idx="2">
+            <a:schemeClr val="dk1"/>
+          </a:effectRef>
+          <a:fontRef idx="minor">
+            <a:schemeClr val="tx1"/>
+          </a:fontRef>
+        </p:style>
+      </p:cxnSp>
+      <p:cxnSp>
+        <p:nvCxnSpPr>
+          <p:cNvPr id="22" name="Straight Connector 21"/>
+          <p:cNvCxnSpPr>
+            <a:stCxn id="512" idx="3"/>
+          </p:cNvCxnSpPr>
+          <p:nvPr/>
+        </p:nvCxnSpPr>
+        <p:spPr>
+          <a:xfrm flipV="1">
+            <a:off x="25052202" y="20556000"/>
+            <a:ext cx="2626164" cy="1055"/>
+          </a:xfrm>
+          <a:prstGeom prst="line">
+            <a:avLst/>
+          </a:prstGeom>
+        </p:spPr>
+        <p:style>
+          <a:lnRef idx="2">
+            <a:schemeClr val="dk1"/>
+          </a:lnRef>
+          <a:fillRef idx="0">
+            <a:schemeClr val="dk1"/>
+          </a:fillRef>
+          <a:effectRef idx="1">
+            <a:schemeClr val="dk1"/>
+          </a:effectRef>
+          <a:fontRef idx="minor">
+            <a:schemeClr val="tx1"/>
+          </a:fontRef>
+        </p:style>
+      </p:cxnSp>
+      <p:sp>
+        <p:nvSpPr>
+          <p:cNvPr id="33" name="Freeform 32"/>
+          <p:cNvSpPr/>
+          <p:nvPr/>
+        </p:nvSpPr>
+        <p:spPr>
+          <a:xfrm>
+            <a:off x="16154400" y="18743800"/>
+            <a:ext cx="10839450" cy="1334900"/>
+          </a:xfrm>
+          <a:custGeom>
+            <a:avLst/>
+            <a:gdLst>
+              <a:gd name="connsiteX0" fmla="*/ 0 w 10839450"/>
+              <a:gd name="connsiteY0" fmla="*/ 1030100 h 1334900"/>
+              <a:gd name="connsiteX1" fmla="*/ 2771775 w 10839450"/>
+              <a:gd name="connsiteY1" fmla="*/ 153800 h 1334900"/>
+              <a:gd name="connsiteX2" fmla="*/ 7067550 w 10839450"/>
+              <a:gd name="connsiteY2" fmla="*/ 115700 h 1334900"/>
+              <a:gd name="connsiteX3" fmla="*/ 10839450 w 10839450"/>
+              <a:gd name="connsiteY3" fmla="*/ 1334900 h 1334900"/>
+            </a:gdLst>
+            <a:ahLst/>
+            <a:cxnLst>
+              <a:cxn ang="0">
+                <a:pos x="connsiteX0" y="connsiteY0"/>
+              </a:cxn>
+              <a:cxn ang="0">
+                <a:pos x="connsiteX1" y="connsiteY1"/>
+              </a:cxn>
+              <a:cxn ang="0">
+                <a:pos x="connsiteX2" y="connsiteY2"/>
+              </a:cxn>
+              <a:cxn ang="0">
+                <a:pos x="connsiteX3" y="connsiteY3"/>
+              </a:cxn>
+            </a:cxnLst>
+            <a:rect l="l" t="t" r="r" b="b"/>
+            <a:pathLst>
+              <a:path w="10839450" h="1334900">
+                <a:moveTo>
+                  <a:pt x="0" y="1030100"/>
+                </a:moveTo>
+                <a:cubicBezTo>
+                  <a:pt x="796925" y="668150"/>
+                  <a:pt x="1593850" y="306200"/>
+                  <a:pt x="2771775" y="153800"/>
+                </a:cubicBezTo>
+                <a:cubicBezTo>
+                  <a:pt x="3949700" y="1400"/>
+                  <a:pt x="5722938" y="-81150"/>
+                  <a:pt x="7067550" y="115700"/>
+                </a:cubicBezTo>
+                <a:cubicBezTo>
+                  <a:pt x="8412163" y="312550"/>
+                  <a:pt x="9625806" y="823725"/>
+                  <a:pt x="10839450" y="1334900"/>
+                </a:cubicBezTo>
+              </a:path>
+            </a:pathLst>
+          </a:custGeom>
+        </p:spPr>
+        <p:style>
+          <a:lnRef idx="2">
+            <a:schemeClr val="dk1"/>
+          </a:lnRef>
+          <a:fillRef idx="0">
+            <a:schemeClr val="dk1"/>
+          </a:fillRef>
+          <a:effectRef idx="1">
+            <a:schemeClr val="dk1"/>
+          </a:effectRef>
+          <a:fontRef idx="minor">
+            <a:schemeClr val="tx1"/>
+          </a:fontRef>
+        </p:style>
+        <p:txBody>
+          <a:bodyPr rtlCol="0" anchor="ctr"/>
+          <a:lstStyle/>
+          <a:p>
+            <a:pPr algn="ctr"/>
+            <a:endParaRPr lang="da-DK"/>
+          </a:p>
+        </p:txBody>
+      </p:sp>
+      <p:sp>
+        <p:nvSpPr>
+          <p:cNvPr id="34" name="Freeform 33"/>
+          <p:cNvSpPr/>
+          <p:nvPr/>
+        </p:nvSpPr>
+        <p:spPr>
+          <a:xfrm>
+            <a:off x="16144875" y="18619622"/>
+            <a:ext cx="11182350" cy="1468603"/>
+          </a:xfrm>
+          <a:custGeom>
+            <a:avLst/>
+            <a:gdLst>
+              <a:gd name="connsiteX0" fmla="*/ 0 w 11182350"/>
+              <a:gd name="connsiteY0" fmla="*/ 1459078 h 1468603"/>
+              <a:gd name="connsiteX1" fmla="*/ 3324225 w 11182350"/>
+              <a:gd name="connsiteY1" fmla="*/ 430378 h 1468603"/>
+              <a:gd name="connsiteX2" fmla="*/ 8058150 w 11182350"/>
+              <a:gd name="connsiteY2" fmla="*/ 49378 h 1468603"/>
+              <a:gd name="connsiteX3" fmla="*/ 11182350 w 11182350"/>
+              <a:gd name="connsiteY3" fmla="*/ 1468603 h 1468603"/>
+            </a:gdLst>
+            <a:ahLst/>
+            <a:cxnLst>
+              <a:cxn ang="0">
+                <a:pos x="connsiteX0" y="connsiteY0"/>
+              </a:cxn>
+              <a:cxn ang="0">
+                <a:pos x="connsiteX1" y="connsiteY1"/>
+              </a:cxn>
+              <a:cxn ang="0">
+                <a:pos x="connsiteX2" y="connsiteY2"/>
+              </a:cxn>
+              <a:cxn ang="0">
+                <a:pos x="connsiteX3" y="connsiteY3"/>
+              </a:cxn>
+            </a:cxnLst>
+            <a:rect l="l" t="t" r="r" b="b"/>
+            <a:pathLst>
+              <a:path w="11182350" h="1468603">
+                <a:moveTo>
+                  <a:pt x="0" y="1459078"/>
+                </a:moveTo>
+                <a:cubicBezTo>
+                  <a:pt x="990600" y="1062203"/>
+                  <a:pt x="1981200" y="665328"/>
+                  <a:pt x="3324225" y="430378"/>
+                </a:cubicBezTo>
+                <a:cubicBezTo>
+                  <a:pt x="4667250" y="195428"/>
+                  <a:pt x="6748463" y="-123659"/>
+                  <a:pt x="8058150" y="49378"/>
+                </a:cubicBezTo>
+                <a:cubicBezTo>
+                  <a:pt x="9367837" y="222415"/>
+                  <a:pt x="10275093" y="845509"/>
+                  <a:pt x="11182350" y="1468603"/>
+                </a:cubicBezTo>
+              </a:path>
+            </a:pathLst>
+          </a:custGeom>
+        </p:spPr>
+        <p:style>
+          <a:lnRef idx="2">
+            <a:schemeClr val="dk1"/>
+          </a:lnRef>
+          <a:fillRef idx="0">
+            <a:schemeClr val="dk1"/>
+          </a:fillRef>
+          <a:effectRef idx="1">
+            <a:schemeClr val="dk1"/>
+          </a:effectRef>
+          <a:fontRef idx="minor">
+            <a:schemeClr val="tx1"/>
+          </a:fontRef>
+        </p:style>
+        <p:txBody>
+          <a:bodyPr rtlCol="0" anchor="ctr"/>
+          <a:lstStyle/>
+          <a:p>
+            <a:pPr algn="ctr"/>
+            <a:endParaRPr lang="da-DK"/>
+          </a:p>
+        </p:txBody>
+      </p:sp>
     </p:spTree>
     <p:extLst>
       <p:ext uri="{BB962C8B-B14F-4D97-AF65-F5344CB8AC3E}">
